--- a/book/images/cover/paperback/Book Cover (Paperback).pptx
+++ b/book/images/cover/paperback/Book Cover (Paperback).pptx
@@ -207,7 +207,7 @@
           <a:p>
             <a:fld id="{4631FA5A-0C3E-4742-B6AD-B80374474249}" type="datetimeFigureOut">
               <a:rPr lang="en-US" smtClean="0"/>
-              <a:t>9/21/2024</a:t>
+              <a:t>9/22/2024</a:t>
             </a:fld>
             <a:endParaRPr lang="en-US"/>
           </a:p>
@@ -766,7 +766,7 @@
           <a:p>
             <a:fld id="{AAA91E2B-DE77-4648-B8EB-FB3E5B7C0103}" type="datetimeFigureOut">
               <a:rPr lang="en-US" smtClean="0"/>
-              <a:t>9/21/2024</a:t>
+              <a:t>9/22/2024</a:t>
             </a:fld>
             <a:endParaRPr lang="en-US"/>
           </a:p>
@@ -936,7 +936,7 @@
           <a:p>
             <a:fld id="{AAA91E2B-DE77-4648-B8EB-FB3E5B7C0103}" type="datetimeFigureOut">
               <a:rPr lang="en-US" smtClean="0"/>
-              <a:t>9/21/2024</a:t>
+              <a:t>9/22/2024</a:t>
             </a:fld>
             <a:endParaRPr lang="en-US"/>
           </a:p>
@@ -1116,7 +1116,7 @@
           <a:p>
             <a:fld id="{AAA91E2B-DE77-4648-B8EB-FB3E5B7C0103}" type="datetimeFigureOut">
               <a:rPr lang="en-US" smtClean="0"/>
-              <a:t>9/21/2024</a:t>
+              <a:t>9/22/2024</a:t>
             </a:fld>
             <a:endParaRPr lang="en-US"/>
           </a:p>
@@ -1316,7 +1316,7 @@
           <a:p>
             <a:fld id="{AAA91E2B-DE77-4648-B8EB-FB3E5B7C0103}" type="datetimeFigureOut">
               <a:rPr lang="en-US" smtClean="0"/>
-              <a:t>9/21/2024</a:t>
+              <a:t>9/22/2024</a:t>
             </a:fld>
             <a:endParaRPr lang="en-US"/>
           </a:p>
@@ -1560,7 +1560,7 @@
           <a:p>
             <a:fld id="{AAA91E2B-DE77-4648-B8EB-FB3E5B7C0103}" type="datetimeFigureOut">
               <a:rPr lang="en-US" smtClean="0"/>
-              <a:t>9/21/2024</a:t>
+              <a:t>9/22/2024</a:t>
             </a:fld>
             <a:endParaRPr lang="en-US"/>
           </a:p>
@@ -1792,7 +1792,7 @@
           <a:p>
             <a:fld id="{AAA91E2B-DE77-4648-B8EB-FB3E5B7C0103}" type="datetimeFigureOut">
               <a:rPr lang="en-US" smtClean="0"/>
-              <a:t>9/21/2024</a:t>
+              <a:t>9/22/2024</a:t>
             </a:fld>
             <a:endParaRPr lang="en-US"/>
           </a:p>
@@ -2159,7 +2159,7 @@
           <a:p>
             <a:fld id="{AAA91E2B-DE77-4648-B8EB-FB3E5B7C0103}" type="datetimeFigureOut">
               <a:rPr lang="en-US" smtClean="0"/>
-              <a:t>9/21/2024</a:t>
+              <a:t>9/22/2024</a:t>
             </a:fld>
             <a:endParaRPr lang="en-US"/>
           </a:p>
@@ -2277,7 +2277,7 @@
           <a:p>
             <a:fld id="{AAA91E2B-DE77-4648-B8EB-FB3E5B7C0103}" type="datetimeFigureOut">
               <a:rPr lang="en-US" smtClean="0"/>
-              <a:t>9/21/2024</a:t>
+              <a:t>9/22/2024</a:t>
             </a:fld>
             <a:endParaRPr lang="en-US"/>
           </a:p>
@@ -2372,7 +2372,7 @@
           <a:p>
             <a:fld id="{AAA91E2B-DE77-4648-B8EB-FB3E5B7C0103}" type="datetimeFigureOut">
               <a:rPr lang="en-US" smtClean="0"/>
-              <a:t>9/21/2024</a:t>
+              <a:t>9/22/2024</a:t>
             </a:fld>
             <a:endParaRPr lang="en-US"/>
           </a:p>
@@ -2649,7 +2649,7 @@
           <a:p>
             <a:fld id="{AAA91E2B-DE77-4648-B8EB-FB3E5B7C0103}" type="datetimeFigureOut">
               <a:rPr lang="en-US" smtClean="0"/>
-              <a:t>9/21/2024</a:t>
+              <a:t>9/22/2024</a:t>
             </a:fld>
             <a:endParaRPr lang="en-US"/>
           </a:p>
@@ -2906,7 +2906,7 @@
           <a:p>
             <a:fld id="{AAA91E2B-DE77-4648-B8EB-FB3E5B7C0103}" type="datetimeFigureOut">
               <a:rPr lang="en-US" smtClean="0"/>
-              <a:t>9/21/2024</a:t>
+              <a:t>9/22/2024</a:t>
             </a:fld>
             <a:endParaRPr lang="en-US"/>
           </a:p>
@@ -3119,7 +3119,7 @@
             <a:fld id="{AAA91E2B-DE77-4648-B8EB-FB3E5B7C0103}" type="datetimeFigureOut">
               <a:rPr lang="en-US" smtClean="0"/>
               <a:pPr/>
-              <a:t>9/21/2024</a:t>
+              <a:t>9/22/2024</a:t>
             </a:fld>
             <a:endParaRPr lang="en-US" dirty="0"/>
           </a:p>
@@ -6608,124 +6608,165 @@
           </p:sp>
         </p:grpSp>
       </p:grpSp>
-      <p:sp>
-        <p:nvSpPr>
-          <p:cNvPr id="13" name="Spine Background Rectangle">
+      <p:grpSp>
+        <p:nvGrpSpPr>
+          <p:cNvPr id="38" name="Group 37">
             <a:extLst>
               <a:ext uri="{FF2B5EF4-FFF2-40B4-BE49-F238E27FC236}">
-                <a16:creationId xmlns:a16="http://schemas.microsoft.com/office/drawing/2014/main" id="{3F4DACE5-B220-97B8-E772-AC25DD122E6D}"/>
+                <a16:creationId xmlns:a16="http://schemas.microsoft.com/office/drawing/2014/main" id="{6279285B-80DB-4E86-5864-A94C287ADD03}"/>
               </a:ext>
             </a:extLst>
           </p:cNvPr>
-          <p:cNvSpPr/>
+          <p:cNvGrpSpPr/>
           <p:nvPr/>
-        </p:nvSpPr>
-        <p:spPr>
-          <a:xfrm>
-            <a:off x="5602285" y="114299"/>
-            <a:ext cx="1563693" cy="8229600"/>
+        </p:nvGrpSpPr>
+        <p:grpSpPr>
+          <a:xfrm rot="5400000">
+            <a:off x="2717819" y="3904640"/>
+            <a:ext cx="7297114" cy="698470"/>
+            <a:chOff x="2762768" y="3899962"/>
+            <a:chExt cx="7297114" cy="698470"/>
           </a:xfrm>
-          <a:prstGeom prst="rect">
-            <a:avLst/>
-          </a:prstGeom>
-          <a:solidFill>
-            <a:srgbClr val="7030A0">
-              <a:alpha val="49804"/>
-            </a:srgbClr>
-          </a:solidFill>
-          <a:ln>
+        </p:grpSpPr>
+        <p:grpSp>
+          <p:nvGrpSpPr>
+            <p:cNvPr id="39" name="Group 38">
+              <a:extLst>
+                <a:ext uri="{FF2B5EF4-FFF2-40B4-BE49-F238E27FC236}">
+                  <a16:creationId xmlns:a16="http://schemas.microsoft.com/office/drawing/2014/main" id="{DA4228C4-6AB3-AEE1-B204-BD9697E7DEE3}"/>
+                </a:ext>
+              </a:extLst>
+            </p:cNvPr>
+            <p:cNvGrpSpPr/>
+            <p:nvPr/>
+          </p:nvGrpSpPr>
+          <p:grpSpPr>
+            <a:xfrm>
+              <a:off x="2762768" y="3899962"/>
+              <a:ext cx="4429674" cy="698470"/>
+              <a:chOff x="3051010" y="3838575"/>
+              <a:chExt cx="4429674" cy="698470"/>
+            </a:xfrm>
+          </p:grpSpPr>
+          <p:sp>
+            <p:nvSpPr>
+              <p:cNvPr id="42" name="TextBox 41">
+                <a:extLst>
+                  <a:ext uri="{FF2B5EF4-FFF2-40B4-BE49-F238E27FC236}">
+                    <a16:creationId xmlns:a16="http://schemas.microsoft.com/office/drawing/2014/main" id="{A6F9480F-1291-1B41-C7CF-9617953E076A}"/>
+                  </a:ext>
+                </a:extLst>
+              </p:cNvPr>
+              <p:cNvSpPr txBox="1"/>
+              <p:nvPr/>
+            </p:nvSpPr>
+            <p:spPr>
+              <a:xfrm>
+                <a:off x="3810000" y="3838575"/>
+                <a:ext cx="2911695" cy="276999"/>
+              </a:xfrm>
+              <a:prstGeom prst="rect">
+                <a:avLst/>
+              </a:prstGeom>
+              <a:noFill/>
+            </p:spPr>
+            <p:txBody>
+              <a:bodyPr wrap="none" lIns="0" tIns="0" rIns="0" bIns="0" rtlCol="0" anchor="ctr" anchorCtr="0">
+                <a:spAutoFit/>
+              </a:bodyPr>
+              <a:lstStyle/>
+              <a:p>
+                <a:r>
+                  <a:rPr lang="en-SG" b="1" dirty="0">
+                    <a:solidFill>
+                      <a:schemeClr val="bg1"/>
+                    </a:solidFill>
+                  </a:rPr>
+                  <a:t>A Complete Introduction to</a:t>
+                </a:r>
+              </a:p>
+            </p:txBody>
+          </p:sp>
+          <p:sp>
+            <p:nvSpPr>
+              <p:cNvPr id="43" name="TextBox 42">
+                <a:extLst>
+                  <a:ext uri="{FF2B5EF4-FFF2-40B4-BE49-F238E27FC236}">
+                    <a16:creationId xmlns:a16="http://schemas.microsoft.com/office/drawing/2014/main" id="{1E70D1A7-1F07-06AF-2706-6EEE1257FF84}"/>
+                  </a:ext>
+                </a:extLst>
+              </p:cNvPr>
+              <p:cNvSpPr txBox="1"/>
+              <p:nvPr/>
+            </p:nvSpPr>
+            <p:spPr>
+              <a:xfrm>
+                <a:off x="3051010" y="4044602"/>
+                <a:ext cx="4429674" cy="492443"/>
+              </a:xfrm>
+              <a:prstGeom prst="rect">
+                <a:avLst/>
+              </a:prstGeom>
+              <a:noFill/>
+            </p:spPr>
+            <p:txBody>
+              <a:bodyPr wrap="none" lIns="0" tIns="0" rIns="0" bIns="0" rtlCol="0" anchor="ctr" anchorCtr="0">
+                <a:spAutoFit/>
+              </a:bodyPr>
+              <a:lstStyle/>
+              <a:p>
+                <a:r>
+                  <a:rPr lang="en-SG" sz="3200" b="1" dirty="0">
+                    <a:solidFill>
+                      <a:schemeClr val="bg1"/>
+                    </a:solidFill>
+                  </a:rPr>
+                  <a:t>ABSTRACT ALGEBRA</a:t>
+                </a:r>
+              </a:p>
+            </p:txBody>
+          </p:sp>
+        </p:grpSp>
+        <p:sp>
+          <p:nvSpPr>
+            <p:cNvPr id="40" name="TextBox 39">
+              <a:extLst>
+                <a:ext uri="{FF2B5EF4-FFF2-40B4-BE49-F238E27FC236}">
+                  <a16:creationId xmlns:a16="http://schemas.microsoft.com/office/drawing/2014/main" id="{7BE6C0E5-7C6B-CA60-E99C-D17F3595E911}"/>
+                </a:ext>
+              </a:extLst>
+            </p:cNvPr>
+            <p:cNvSpPr txBox="1"/>
+            <p:nvPr/>
+          </p:nvSpPr>
+          <p:spPr>
+            <a:xfrm>
+              <a:off x="8764656" y="4085853"/>
+              <a:ext cx="1295226" cy="276999"/>
+            </a:xfrm>
+            <a:prstGeom prst="rect">
+              <a:avLst/>
+            </a:prstGeom>
             <a:noFill/>
-          </a:ln>
-        </p:spPr>
-        <p:style>
-          <a:lnRef idx="2">
-            <a:schemeClr val="accent1">
-              <a:shade val="15000"/>
-            </a:schemeClr>
-          </a:lnRef>
-          <a:fillRef idx="1">
-            <a:schemeClr val="accent1"/>
-          </a:fillRef>
-          <a:effectRef idx="0">
-            <a:schemeClr val="accent1"/>
-          </a:effectRef>
-          <a:fontRef idx="minor">
-            <a:schemeClr val="lt1"/>
-          </a:fontRef>
-        </p:style>
-        <p:txBody>
-          <a:bodyPr rtlCol="0" anchor="ctr"/>
-          <a:lstStyle/>
-          <a:p>
-            <a:pPr algn="ctr"/>
-            <a:endParaRPr lang="en-SG" dirty="0"/>
-          </a:p>
-        </p:txBody>
-      </p:sp>
-      <p:sp>
-        <p:nvSpPr>
-          <p:cNvPr id="23" name="Spine Safe Area">
-            <a:extLst>
-              <a:ext uri="{FF2B5EF4-FFF2-40B4-BE49-F238E27FC236}">
-                <a16:creationId xmlns:a16="http://schemas.microsoft.com/office/drawing/2014/main" id="{0096580B-E032-CE50-3054-160BA4D376B2}"/>
-              </a:ext>
-            </a:extLst>
-          </p:cNvPr>
-          <p:cNvSpPr/>
-          <p:nvPr/>
-        </p:nvSpPr>
-        <p:spPr>
-          <a:xfrm>
-            <a:off x="5654675" y="228599"/>
-            <a:ext cx="1458913" cy="8001001"/>
-          </a:xfrm>
-          <a:prstGeom prst="rect">
-            <a:avLst/>
-          </a:prstGeom>
-          <a:solidFill>
-            <a:srgbClr val="1D194D">
-              <a:alpha val="50196"/>
-            </a:srgbClr>
-          </a:solidFill>
-          <a:ln>
-            <a:noFill/>
-          </a:ln>
-        </p:spPr>
-        <p:style>
-          <a:lnRef idx="2">
-            <a:schemeClr val="accent1">
-              <a:shade val="15000"/>
-            </a:schemeClr>
-          </a:lnRef>
-          <a:fillRef idx="1">
-            <a:schemeClr val="accent1"/>
-          </a:fillRef>
-          <a:effectRef idx="0">
-            <a:schemeClr val="accent1"/>
-          </a:effectRef>
-          <a:fontRef idx="minor">
-            <a:schemeClr val="lt1"/>
-          </a:fontRef>
-        </p:style>
-        <p:txBody>
-          <a:bodyPr vert="vert" rtlCol="0" anchor="ctr"/>
-          <a:lstStyle/>
-          <a:p>
-            <a:pPr algn="ctr"/>
-            <a:r>
-              <a:rPr lang="en-SG" dirty="0"/>
-              <a:t>Spine Width</a:t>
-            </a:r>
-          </a:p>
-          <a:p>
-            <a:pPr algn="ctr"/>
-            <a:r>
-              <a:rPr lang="en-SG" dirty="0"/>
-              <a:t>1.718”</a:t>
-            </a:r>
-          </a:p>
-        </p:txBody>
-      </p:sp>
+          </p:spPr>
+          <p:txBody>
+            <a:bodyPr wrap="none" lIns="0" tIns="0" rIns="0" bIns="0" rtlCol="0" anchor="ctr" anchorCtr="0">
+              <a:spAutoFit/>
+            </a:bodyPr>
+            <a:lstStyle/>
+            <a:p>
+              <a:r>
+                <a:rPr lang="en-SG" dirty="0">
+                  <a:solidFill>
+                    <a:schemeClr val="bg1"/>
+                  </a:solidFill>
+                </a:rPr>
+                <a:t>Kan Onn Kit</a:t>
+              </a:r>
+            </a:p>
+          </p:txBody>
+        </p:sp>
+      </p:grpSp>
     </p:spTree>
     <p:extLst>
       <p:ext uri="{BB962C8B-B14F-4D97-AF65-F5344CB8AC3E}">

--- a/book/images/cover/paperback/Book Cover (Paperback).pptx
+++ b/book/images/cover/paperback/Book Cover (Paperback).pptx
@@ -5,21 +5,22 @@
     <p:sldMasterId id="2147483708" r:id="rId1"/>
   </p:sldMasterIdLst>
   <p:notesMasterIdLst>
-    <p:notesMasterId r:id="rId4"/>
+    <p:notesMasterId r:id="rId5"/>
   </p:notesMasterIdLst>
   <p:sldIdLst>
     <p:sldId id="257" r:id="rId2"/>
     <p:sldId id="260" r:id="rId3"/>
+    <p:sldId id="261" r:id="rId4"/>
   </p:sldIdLst>
   <p:sldSz cx="12773025" cy="8458200"/>
   <p:notesSz cx="6858000" cy="9144000"/>
   <p:embeddedFontLst>
     <p:embeddedFont>
       <p:font typeface="TeXGyrePagella" panose="00000500000000000000" pitchFamily="50" charset="0"/>
-      <p:regular r:id="rId5"/>
-      <p:bold r:id="rId6"/>
-      <p:italic r:id="rId7"/>
-      <p:boldItalic r:id="rId8"/>
+      <p:regular r:id="rId6"/>
+      <p:bold r:id="rId7"/>
+      <p:italic r:id="rId8"/>
+      <p:boldItalic r:id="rId9"/>
     </p:embeddedFont>
   </p:embeddedFontLst>
   <p:defaultTextStyle>
@@ -620,6 +621,160 @@
     <p:extLst>
       <p:ext uri="{BB962C8B-B14F-4D97-AF65-F5344CB8AC3E}">
         <p14:creationId xmlns:p14="http://schemas.microsoft.com/office/powerpoint/2010/main" val="3546616438"/>
+      </p:ext>
+    </p:extLst>
+  </p:cSld>
+  <p:clrMapOvr>
+    <a:masterClrMapping/>
+  </p:clrMapOvr>
+</p:notes>
+</file>
+
+<file path=ppt/notesSlides/notesSlide2.xml><?xml version="1.0" encoding="utf-8"?>
+<p:notes xmlns:a="http://schemas.openxmlformats.org/drawingml/2006/main" xmlns:r="http://schemas.openxmlformats.org/officeDocument/2006/relationships" xmlns:p="http://schemas.openxmlformats.org/presentationml/2006/main">
+  <p:cSld>
+    <p:spTree>
+      <p:nvGrpSpPr>
+        <p:cNvPr id="1" name=""/>
+        <p:cNvGrpSpPr/>
+        <p:nvPr/>
+      </p:nvGrpSpPr>
+      <p:grpSpPr>
+        <a:xfrm>
+          <a:off x="0" y="0"/>
+          <a:ext cx="0" cy="0"/>
+          <a:chOff x="0" y="0"/>
+          <a:chExt cx="0" cy="0"/>
+        </a:xfrm>
+      </p:grpSpPr>
+      <p:sp>
+        <p:nvSpPr>
+          <p:cNvPr id="2" name="Slide Image Placeholder 1"/>
+          <p:cNvSpPr>
+            <a:spLocks noGrp="1" noRot="1" noChangeAspect="1"/>
+          </p:cNvSpPr>
+          <p:nvPr>
+            <p:ph type="sldImg"/>
+          </p:nvPr>
+        </p:nvSpPr>
+        <p:spPr>
+          <a:xfrm>
+            <a:off x="1100138" y="1143000"/>
+            <a:ext cx="4657725" cy="3086100"/>
+          </a:xfrm>
+        </p:spPr>
+      </p:sp>
+      <p:sp>
+        <p:nvSpPr>
+          <p:cNvPr id="3" name="Notes Placeholder 2"/>
+          <p:cNvSpPr>
+            <a:spLocks noGrp="1"/>
+          </p:cNvSpPr>
+          <p:nvPr>
+            <p:ph type="body" idx="1"/>
+          </p:nvPr>
+        </p:nvSpPr>
+        <p:spPr/>
+        <p:txBody>
+          <a:bodyPr/>
+          <a:lstStyle/>
+          <a:p>
+            <a:r>
+              <a:rPr lang="en-US" sz="1600" b="1" u="sng" dirty="0">
+                <a:latin typeface="Arial" panose="020B0604020202020204" pitchFamily="34" charset="0"/>
+                <a:cs typeface="Arial" panose="020B0604020202020204" pitchFamily="34" charset="0"/>
+              </a:rPr>
+              <a:t>Palette</a:t>
+            </a:r>
+          </a:p>
+          <a:p>
+            <a:r>
+              <a:rPr lang="en-US" sz="1600" dirty="0">
+                <a:latin typeface="Arial" panose="020B0604020202020204" pitchFamily="34" charset="0"/>
+                <a:cs typeface="Arial" panose="020B0604020202020204" pitchFamily="34" charset="0"/>
+              </a:rPr>
+              <a:t>White: 	</a:t>
+            </a:r>
+            <a:r>
+              <a:rPr lang="en-US" sz="1600" dirty="0" err="1">
+                <a:latin typeface="Arial" panose="020B0604020202020204" pitchFamily="34" charset="0"/>
+                <a:cs typeface="Arial" panose="020B0604020202020204" pitchFamily="34" charset="0"/>
+              </a:rPr>
+              <a:t>ffffff</a:t>
+            </a:r>
+            <a:endParaRPr lang="en-US" sz="1600" dirty="0">
+              <a:latin typeface="Arial" panose="020B0604020202020204" pitchFamily="34" charset="0"/>
+              <a:cs typeface="Arial" panose="020B0604020202020204" pitchFamily="34" charset="0"/>
+            </a:endParaRPr>
+          </a:p>
+          <a:p>
+            <a:r>
+              <a:rPr lang="en-US" sz="1600" dirty="0">
+                <a:latin typeface="Arial" panose="020B0604020202020204" pitchFamily="34" charset="0"/>
+                <a:cs typeface="Arial" panose="020B0604020202020204" pitchFamily="34" charset="0"/>
+              </a:rPr>
+              <a:t>Lightest Purple:	9F979F</a:t>
+            </a:r>
+          </a:p>
+          <a:p>
+            <a:endParaRPr lang="en-US" sz="1600" dirty="0">
+              <a:latin typeface="Arial" panose="020B0604020202020204" pitchFamily="34" charset="0"/>
+              <a:cs typeface="Arial" panose="020B0604020202020204" pitchFamily="34" charset="0"/>
+            </a:endParaRPr>
+          </a:p>
+          <a:p>
+            <a:r>
+              <a:rPr lang="en-US" sz="1600" dirty="0">
+                <a:latin typeface="Arial" panose="020B0604020202020204" pitchFamily="34" charset="0"/>
+                <a:cs typeface="Arial" panose="020B0604020202020204" pitchFamily="34" charset="0"/>
+              </a:rPr>
+              <a:t>Blue:	231E5C</a:t>
+            </a:r>
+          </a:p>
+          <a:p>
+            <a:r>
+              <a:rPr lang="en-US" sz="1600" dirty="0">
+                <a:latin typeface="Arial" panose="020B0604020202020204" pitchFamily="34" charset="0"/>
+                <a:cs typeface="Arial" panose="020B0604020202020204" pitchFamily="34" charset="0"/>
+              </a:rPr>
+              <a:t>Darker Blue:	130F2D</a:t>
+            </a:r>
+          </a:p>
+          <a:p>
+            <a:endParaRPr lang="en-US" sz="1600" dirty="0">
+              <a:latin typeface="Arial" panose="020B0604020202020204" pitchFamily="34" charset="0"/>
+              <a:cs typeface="Arial" panose="020B0604020202020204" pitchFamily="34" charset="0"/>
+            </a:endParaRPr>
+          </a:p>
+        </p:txBody>
+      </p:sp>
+      <p:sp>
+        <p:nvSpPr>
+          <p:cNvPr id="4" name="Slide Number Placeholder 3"/>
+          <p:cNvSpPr>
+            <a:spLocks noGrp="1"/>
+          </p:cNvSpPr>
+          <p:nvPr>
+            <p:ph type="sldNum" sz="quarter" idx="5"/>
+          </p:nvPr>
+        </p:nvSpPr>
+        <p:spPr/>
+        <p:txBody>
+          <a:bodyPr/>
+          <a:lstStyle/>
+          <a:p>
+            <a:fld id="{6D7F8505-08BA-1145-A3F2-95255ED130AE}" type="slidenum">
+              <a:rPr lang="en-US" smtClean="0"/>
+              <a:t>3</a:t>
+            </a:fld>
+            <a:endParaRPr lang="en-US"/>
+          </a:p>
+        </p:txBody>
+      </p:sp>
+    </p:spTree>
+    <p:extLst>
+      <p:ext uri="{BB962C8B-B14F-4D97-AF65-F5344CB8AC3E}">
+        <p14:creationId xmlns:p14="http://schemas.microsoft.com/office/powerpoint/2010/main" val="930565854"/>
       </p:ext>
     </p:extLst>
   </p:cSld>
@@ -3973,7 +4128,7 @@
 </file>
 
 <file path=ppt/slides/slide2.xml><?xml version="1.0" encoding="utf-8"?>
-<p:sld xmlns:a="http://schemas.openxmlformats.org/drawingml/2006/main" xmlns:r="http://schemas.openxmlformats.org/officeDocument/2006/relationships" xmlns:p="http://schemas.openxmlformats.org/presentationml/2006/main">
+<p:sld xmlns:a="http://schemas.openxmlformats.org/drawingml/2006/main" xmlns:r="http://schemas.openxmlformats.org/officeDocument/2006/relationships" xmlns:p="http://schemas.openxmlformats.org/presentationml/2006/main" show="0">
   <p:cSld>
     <p:spTree>
       <p:nvGrpSpPr>
@@ -6780,6 +6935,2690 @@
 </p:sld>
 </file>
 
+<file path=ppt/slides/slide3.xml><?xml version="1.0" encoding="utf-8"?>
+<p:sld xmlns:a="http://schemas.openxmlformats.org/drawingml/2006/main" xmlns:r="http://schemas.openxmlformats.org/officeDocument/2006/relationships" xmlns:p="http://schemas.openxmlformats.org/presentationml/2006/main">
+  <p:cSld>
+    <p:spTree>
+      <p:nvGrpSpPr>
+        <p:cNvPr id="1" name=""/>
+        <p:cNvGrpSpPr/>
+        <p:nvPr/>
+      </p:nvGrpSpPr>
+      <p:grpSpPr>
+        <a:xfrm>
+          <a:off x="0" y="0"/>
+          <a:ext cx="0" cy="0"/>
+          <a:chOff x="0" y="0"/>
+          <a:chExt cx="0" cy="0"/>
+        </a:xfrm>
+      </p:grpSpPr>
+      <p:pic>
+        <p:nvPicPr>
+          <p:cNvPr id="22" name="Background">
+            <a:extLst>
+              <a:ext uri="{FF2B5EF4-FFF2-40B4-BE49-F238E27FC236}">
+                <a16:creationId xmlns:a16="http://schemas.microsoft.com/office/drawing/2014/main" id="{077D5188-2568-CD0D-CEF2-6F0131695B10}"/>
+              </a:ext>
+            </a:extLst>
+          </p:cNvPr>
+          <p:cNvPicPr>
+            <a:picLocks noChangeAspect="1"/>
+          </p:cNvPicPr>
+          <p:nvPr/>
+        </p:nvPicPr>
+        <p:blipFill>
+          <a:blip r:embed="rId3"/>
+          <a:stretch>
+            <a:fillRect/>
+          </a:stretch>
+        </p:blipFill>
+        <p:spPr>
+          <a:xfrm>
+            <a:off x="-1866" y="0"/>
+            <a:ext cx="12771918" cy="8458200"/>
+          </a:xfrm>
+          <a:prstGeom prst="rect">
+            <a:avLst/>
+          </a:prstGeom>
+        </p:spPr>
+      </p:pic>
+      <p:grpSp>
+        <p:nvGrpSpPr>
+          <p:cNvPr id="19" name="Title Text">
+            <a:extLst>
+              <a:ext uri="{FF2B5EF4-FFF2-40B4-BE49-F238E27FC236}">
+                <a16:creationId xmlns:a16="http://schemas.microsoft.com/office/drawing/2014/main" id="{09A7FF36-1561-2266-B891-CD4632F01CE4}"/>
+              </a:ext>
+            </a:extLst>
+          </p:cNvPr>
+          <p:cNvGrpSpPr/>
+          <p:nvPr/>
+        </p:nvGrpSpPr>
+        <p:grpSpPr>
+          <a:xfrm>
+            <a:off x="8399133" y="3249673"/>
+            <a:ext cx="3036409" cy="2268699"/>
+            <a:chOff x="8399133" y="3249673"/>
+            <a:chExt cx="3036409" cy="2268699"/>
+          </a:xfrm>
+        </p:grpSpPr>
+        <p:sp>
+          <p:nvSpPr>
+            <p:cNvPr id="3" name="TextBox 2">
+              <a:extLst>
+                <a:ext uri="{FF2B5EF4-FFF2-40B4-BE49-F238E27FC236}">
+                  <a16:creationId xmlns:a16="http://schemas.microsoft.com/office/drawing/2014/main" id="{6397CB26-1A52-C78C-9B8A-36FF3AE94034}"/>
+                </a:ext>
+              </a:extLst>
+            </p:cNvPr>
+            <p:cNvSpPr txBox="1"/>
+            <p:nvPr/>
+          </p:nvSpPr>
+          <p:spPr>
+            <a:xfrm>
+              <a:off x="9461953" y="4722257"/>
+              <a:ext cx="910771" cy="276999"/>
+            </a:xfrm>
+            <a:prstGeom prst="rect">
+              <a:avLst/>
+            </a:prstGeom>
+            <a:noFill/>
+          </p:spPr>
+          <p:txBody>
+            <a:bodyPr wrap="square" rtlCol="0">
+              <a:spAutoFit/>
+            </a:bodyPr>
+            <a:lstStyle/>
+            <a:p>
+              <a:pPr algn="ctr"/>
+              <a:r>
+                <a:rPr lang="en-US" sz="1200" dirty="0">
+                  <a:solidFill>
+                    <a:schemeClr val="bg1"/>
+                  </a:solidFill>
+                  <a:latin typeface="TeXGyrePagella" pitchFamily="2" charset="77"/>
+                </a:rPr>
+                <a:t>1</a:t>
+              </a:r>
+              <a:r>
+                <a:rPr lang="en-US" sz="1200" baseline="30000" dirty="0">
+                  <a:solidFill>
+                    <a:schemeClr val="bg1"/>
+                  </a:solidFill>
+                  <a:latin typeface="TeXGyrePagella" pitchFamily="2" charset="77"/>
+                </a:rPr>
+                <a:t>st</a:t>
+              </a:r>
+              <a:r>
+                <a:rPr lang="en-US" sz="1200" dirty="0">
+                  <a:solidFill>
+                    <a:schemeClr val="bg1"/>
+                  </a:solidFill>
+                  <a:latin typeface="TeXGyrePagella" pitchFamily="2" charset="77"/>
+                </a:rPr>
+                <a:t> Edition</a:t>
+              </a:r>
+            </a:p>
+          </p:txBody>
+        </p:sp>
+        <p:sp>
+          <p:nvSpPr>
+            <p:cNvPr id="4" name="TextBox 3">
+              <a:extLst>
+                <a:ext uri="{FF2B5EF4-FFF2-40B4-BE49-F238E27FC236}">
+                  <a16:creationId xmlns:a16="http://schemas.microsoft.com/office/drawing/2014/main" id="{23B25E08-1152-C48C-21C0-DE1D6ED06058}"/>
+                </a:ext>
+              </a:extLst>
+            </p:cNvPr>
+            <p:cNvSpPr txBox="1"/>
+            <p:nvPr/>
+          </p:nvSpPr>
+          <p:spPr>
+            <a:xfrm>
+              <a:off x="9171953" y="5149040"/>
+              <a:ext cx="1479892" cy="369332"/>
+            </a:xfrm>
+            <a:prstGeom prst="rect">
+              <a:avLst/>
+            </a:prstGeom>
+            <a:noFill/>
+          </p:spPr>
+          <p:txBody>
+            <a:bodyPr wrap="none" rtlCol="0">
+              <a:spAutoFit/>
+            </a:bodyPr>
+            <a:lstStyle/>
+            <a:p>
+              <a:r>
+                <a:rPr lang="en-US" dirty="0">
+                  <a:solidFill>
+                    <a:schemeClr val="bg1"/>
+                  </a:solidFill>
+                  <a:latin typeface="TeXGyrePagella" pitchFamily="2" charset="77"/>
+                </a:rPr>
+                <a:t>Kan Onn Kit</a:t>
+              </a:r>
+            </a:p>
+          </p:txBody>
+        </p:sp>
+        <p:grpSp>
+          <p:nvGrpSpPr>
+            <p:cNvPr id="17" name="Group 16">
+              <a:extLst>
+                <a:ext uri="{FF2B5EF4-FFF2-40B4-BE49-F238E27FC236}">
+                  <a16:creationId xmlns:a16="http://schemas.microsoft.com/office/drawing/2014/main" id="{FF9AB695-002A-DD8C-4CE5-E615B2FD4325}"/>
+                </a:ext>
+              </a:extLst>
+            </p:cNvPr>
+            <p:cNvGrpSpPr/>
+            <p:nvPr/>
+          </p:nvGrpSpPr>
+          <p:grpSpPr>
+            <a:xfrm>
+              <a:off x="8399133" y="3647457"/>
+              <a:ext cx="3036409" cy="1136721"/>
+              <a:chOff x="8399133" y="3647457"/>
+              <a:chExt cx="3036409" cy="1136721"/>
+            </a:xfrm>
+          </p:grpSpPr>
+          <p:sp>
+            <p:nvSpPr>
+              <p:cNvPr id="11" name="TextBox 10">
+                <a:extLst>
+                  <a:ext uri="{FF2B5EF4-FFF2-40B4-BE49-F238E27FC236}">
+                    <a16:creationId xmlns:a16="http://schemas.microsoft.com/office/drawing/2014/main" id="{A5EFD885-0B31-CAD8-3EE9-B4961ADF0657}"/>
+                  </a:ext>
+                </a:extLst>
+              </p:cNvPr>
+              <p:cNvSpPr txBox="1"/>
+              <p:nvPr/>
+            </p:nvSpPr>
+            <p:spPr>
+              <a:xfrm>
+                <a:off x="8545647" y="4076292"/>
+                <a:ext cx="2743380" cy="707886"/>
+              </a:xfrm>
+              <a:prstGeom prst="rect">
+                <a:avLst/>
+              </a:prstGeom>
+              <a:noFill/>
+            </p:spPr>
+            <p:txBody>
+              <a:bodyPr wrap="none" rtlCol="0">
+                <a:spAutoFit/>
+              </a:bodyPr>
+              <a:lstStyle/>
+              <a:p>
+                <a:r>
+                  <a:rPr lang="en-US" sz="4000" b="1" dirty="0">
+                    <a:solidFill>
+                      <a:schemeClr val="bg1"/>
+                    </a:solidFill>
+                    <a:latin typeface="TeXGyrePagella" pitchFamily="2" charset="77"/>
+                  </a:rPr>
+                  <a:t>ALGEBRA</a:t>
+                </a:r>
+              </a:p>
+            </p:txBody>
+          </p:sp>
+          <p:sp>
+            <p:nvSpPr>
+              <p:cNvPr id="12" name="TextBox 11">
+                <a:extLst>
+                  <a:ext uri="{FF2B5EF4-FFF2-40B4-BE49-F238E27FC236}">
+                    <a16:creationId xmlns:a16="http://schemas.microsoft.com/office/drawing/2014/main" id="{86A99F65-1B85-5C6F-9390-78BF76EC9A72}"/>
+                  </a:ext>
+                </a:extLst>
+              </p:cNvPr>
+              <p:cNvSpPr txBox="1"/>
+              <p:nvPr/>
+            </p:nvSpPr>
+            <p:spPr>
+              <a:xfrm>
+                <a:off x="8399133" y="3647457"/>
+                <a:ext cx="3036409" cy="707886"/>
+              </a:xfrm>
+              <a:prstGeom prst="rect">
+                <a:avLst/>
+              </a:prstGeom>
+              <a:noFill/>
+            </p:spPr>
+            <p:txBody>
+              <a:bodyPr wrap="none" rtlCol="0">
+                <a:spAutoFit/>
+              </a:bodyPr>
+              <a:lstStyle/>
+              <a:p>
+                <a:r>
+                  <a:rPr lang="en-US" sz="4000" b="1" dirty="0">
+                    <a:solidFill>
+                      <a:schemeClr val="bg1"/>
+                    </a:solidFill>
+                    <a:latin typeface="TeXGyrePagella" pitchFamily="2" charset="77"/>
+                  </a:rPr>
+                  <a:t>ABSTRACT</a:t>
+                </a:r>
+              </a:p>
+            </p:txBody>
+          </p:sp>
+        </p:grpSp>
+        <p:grpSp>
+          <p:nvGrpSpPr>
+            <p:cNvPr id="18" name="Group 17">
+              <a:extLst>
+                <a:ext uri="{FF2B5EF4-FFF2-40B4-BE49-F238E27FC236}">
+                  <a16:creationId xmlns:a16="http://schemas.microsoft.com/office/drawing/2014/main" id="{74CC6DAB-E61B-6BAC-3949-ADCEFD271432}"/>
+                </a:ext>
+              </a:extLst>
+            </p:cNvPr>
+            <p:cNvGrpSpPr/>
+            <p:nvPr/>
+          </p:nvGrpSpPr>
+          <p:grpSpPr>
+            <a:xfrm>
+              <a:off x="9111929" y="3249673"/>
+              <a:ext cx="1604927" cy="552163"/>
+              <a:chOff x="9111929" y="3249673"/>
+              <a:chExt cx="1604927" cy="552163"/>
+            </a:xfrm>
+          </p:grpSpPr>
+          <p:sp>
+            <p:nvSpPr>
+              <p:cNvPr id="7" name="TextBox 6">
+                <a:extLst>
+                  <a:ext uri="{FF2B5EF4-FFF2-40B4-BE49-F238E27FC236}">
+                    <a16:creationId xmlns:a16="http://schemas.microsoft.com/office/drawing/2014/main" id="{3983B89A-17CA-0F9C-A588-11DC30D76FEB}"/>
+                  </a:ext>
+                </a:extLst>
+              </p:cNvPr>
+              <p:cNvSpPr txBox="1"/>
+              <p:nvPr/>
+            </p:nvSpPr>
+            <p:spPr>
+              <a:xfrm>
+                <a:off x="9111929" y="3463282"/>
+                <a:ext cx="1604927" cy="338554"/>
+              </a:xfrm>
+              <a:prstGeom prst="rect">
+                <a:avLst/>
+              </a:prstGeom>
+              <a:noFill/>
+            </p:spPr>
+            <p:txBody>
+              <a:bodyPr wrap="none" rtlCol="0">
+                <a:spAutoFit/>
+              </a:bodyPr>
+              <a:lstStyle/>
+              <a:p>
+                <a:r>
+                  <a:rPr lang="en-US" sz="1600" b="1" dirty="0">
+                    <a:solidFill>
+                      <a:schemeClr val="bg1"/>
+                    </a:solidFill>
+                    <a:latin typeface="TeXGyrePagella" pitchFamily="2" charset="77"/>
+                  </a:rPr>
+                  <a:t>Introduction to</a:t>
+                </a:r>
+              </a:p>
+            </p:txBody>
+          </p:sp>
+          <p:sp>
+            <p:nvSpPr>
+              <p:cNvPr id="10" name="TextBox 9">
+                <a:extLst>
+                  <a:ext uri="{FF2B5EF4-FFF2-40B4-BE49-F238E27FC236}">
+                    <a16:creationId xmlns:a16="http://schemas.microsoft.com/office/drawing/2014/main" id="{55624CBA-2C20-925A-C891-FFA50EB9E47D}"/>
+                  </a:ext>
+                </a:extLst>
+              </p:cNvPr>
+              <p:cNvSpPr txBox="1"/>
+              <p:nvPr/>
+            </p:nvSpPr>
+            <p:spPr>
+              <a:xfrm>
+                <a:off x="9257275" y="3249673"/>
+                <a:ext cx="1303242" cy="338554"/>
+              </a:xfrm>
+              <a:prstGeom prst="rect">
+                <a:avLst/>
+              </a:prstGeom>
+              <a:noFill/>
+            </p:spPr>
+            <p:txBody>
+              <a:bodyPr wrap="none" rtlCol="0">
+                <a:spAutoFit/>
+              </a:bodyPr>
+              <a:lstStyle/>
+              <a:p>
+                <a:r>
+                  <a:rPr lang="en-US" sz="1600" b="1" dirty="0">
+                    <a:solidFill>
+                      <a:schemeClr val="bg1"/>
+                    </a:solidFill>
+                    <a:latin typeface="TeXGyrePagella" pitchFamily="2" charset="77"/>
+                  </a:rPr>
+                  <a:t>A Complete</a:t>
+                </a:r>
+              </a:p>
+            </p:txBody>
+          </p:sp>
+        </p:grpSp>
+      </p:grpSp>
+      <p:grpSp>
+        <p:nvGrpSpPr>
+          <p:cNvPr id="2" name="Back Cover">
+            <a:extLst>
+              <a:ext uri="{FF2B5EF4-FFF2-40B4-BE49-F238E27FC236}">
+                <a16:creationId xmlns:a16="http://schemas.microsoft.com/office/drawing/2014/main" id="{CCF05E77-E4D4-970E-FA3C-52EADB157FEF}"/>
+              </a:ext>
+            </a:extLst>
+          </p:cNvPr>
+          <p:cNvGrpSpPr/>
+          <p:nvPr/>
+        </p:nvGrpSpPr>
+        <p:grpSpPr>
+          <a:xfrm>
+            <a:off x="349200" y="338400"/>
+            <a:ext cx="5018400" cy="6844681"/>
+            <a:chOff x="349200" y="338400"/>
+            <a:chExt cx="5018400" cy="6844681"/>
+          </a:xfrm>
+        </p:grpSpPr>
+        <p:sp>
+          <p:nvSpPr>
+            <p:cNvPr id="6" name="Back Cover Text">
+              <a:extLst>
+                <a:ext uri="{FF2B5EF4-FFF2-40B4-BE49-F238E27FC236}">
+                  <a16:creationId xmlns:a16="http://schemas.microsoft.com/office/drawing/2014/main" id="{82897915-1C7B-271A-7ED4-EA4F14BA9D44}"/>
+                </a:ext>
+              </a:extLst>
+            </p:cNvPr>
+            <p:cNvSpPr txBox="1"/>
+            <p:nvPr/>
+          </p:nvSpPr>
+          <p:spPr>
+            <a:xfrm>
+              <a:off x="357933" y="3325615"/>
+              <a:ext cx="5009620" cy="3857466"/>
+            </a:xfrm>
+            <a:prstGeom prst="rect">
+              <a:avLst/>
+            </a:prstGeom>
+            <a:noFill/>
+          </p:spPr>
+          <p:txBody>
+            <a:bodyPr wrap="square" rtlCol="0">
+              <a:spAutoFit/>
+            </a:bodyPr>
+            <a:lstStyle/>
+            <a:p>
+              <a:pPr algn="just" rtl="0">
+                <a:spcBef>
+                  <a:spcPts val="0"/>
+                </a:spcBef>
+                <a:spcAft>
+                  <a:spcPts val="1000"/>
+                </a:spcAft>
+              </a:pPr>
+              <a:r>
+                <a:rPr lang="en-US" sz="1200" b="0" i="0" u="none" strike="noStrike" dirty="0">
+                  <a:solidFill>
+                    <a:schemeClr val="bg1"/>
+                  </a:solidFill>
+                  <a:effectLst/>
+                </a:rPr>
+                <a:t>The field of abstract algebra is deeply fundamental to modern mathematics. Working mathematicians, computer scientists, physicists, and chemists frequently encounter topics in abstract algebra, and a basic understanding of abstract algebra would immensely help. To that end, </a:t>
+              </a:r>
+              <a:r>
+                <a:rPr lang="en-US" sz="1200" b="0" i="1" u="none" strike="noStrike" dirty="0">
+                  <a:solidFill>
+                    <a:schemeClr val="bg1"/>
+                  </a:solidFill>
+                  <a:effectLst/>
+                </a:rPr>
+                <a:t>A Complete Introduction to Abstract Algebra</a:t>
+              </a:r>
+              <a:r>
+                <a:rPr lang="en-US" sz="1200" b="0" i="0" u="none" strike="noStrike" dirty="0">
+                  <a:solidFill>
+                    <a:schemeClr val="bg1"/>
+                  </a:solidFill>
+                  <a:effectLst/>
+                </a:rPr>
+                <a:t> provides all the necessary foundation to understand this fundamental study, assuming only a high-school understanding of mathematics. Everything, from the results discussed in the chapters to the questions and exercises, will have detailed solutions and explanations, providing you with the reassurance that you're on the right track and deepening your appreciation of the beauty of abstract algebra.</a:t>
+              </a:r>
+              <a:endParaRPr lang="en-US" sz="1200" b="0" dirty="0">
+                <a:solidFill>
+                  <a:schemeClr val="bg1"/>
+                </a:solidFill>
+                <a:effectLst/>
+              </a:endParaRPr>
+            </a:p>
+            <a:p>
+              <a:pPr algn="just" rtl="0">
+                <a:spcBef>
+                  <a:spcPts val="0"/>
+                </a:spcBef>
+                <a:spcAft>
+                  <a:spcPts val="1000"/>
+                </a:spcAft>
+              </a:pPr>
+              <a:r>
+                <a:rPr lang="en-US" sz="1200" b="0" i="0" u="none" strike="noStrike" dirty="0">
+                  <a:solidFill>
+                    <a:schemeClr val="bg1"/>
+                  </a:solidFill>
+                  <a:effectLst/>
+                </a:rPr>
+                <a:t>This book covers the absolute fundamentals of abstract algebra, starting with the prerequisite knowledge, moving on to groups, looking at rings and fields, and ending with an introduction to Galois theory. It adopts a structured approach to learning abstract algebra. Examples, exercises, and problems are frequently interspersed in the text to facilitate understanding, provide insight, and develop the ability to do proofs.</a:t>
+              </a:r>
+              <a:endParaRPr lang="en-US" sz="1200" b="0" dirty="0">
+                <a:solidFill>
+                  <a:schemeClr val="bg1"/>
+                </a:solidFill>
+                <a:effectLst/>
+              </a:endParaRPr>
+            </a:p>
+            <a:p>
+              <a:br>
+                <a:rPr lang="en-US" sz="1200" b="0" dirty="0">
+                  <a:solidFill>
+                    <a:schemeClr val="bg1"/>
+                  </a:solidFill>
+                  <a:effectLst/>
+                </a:rPr>
+              </a:br>
+              <a:endParaRPr lang="en-SG" sz="1200" dirty="0">
+                <a:solidFill>
+                  <a:schemeClr val="bg1"/>
+                </a:solidFill>
+              </a:endParaRPr>
+            </a:p>
+          </p:txBody>
+        </p:sp>
+        <p:grpSp>
+          <p:nvGrpSpPr>
+            <p:cNvPr id="21" name="Hero Diagram">
+              <a:extLst>
+                <a:ext uri="{FF2B5EF4-FFF2-40B4-BE49-F238E27FC236}">
+                  <a16:creationId xmlns:a16="http://schemas.microsoft.com/office/drawing/2014/main" id="{20491AA2-A4E3-83E2-A8FE-AA821C59D7DB}"/>
+                </a:ext>
+              </a:extLst>
+            </p:cNvPr>
+            <p:cNvGrpSpPr/>
+            <p:nvPr/>
+          </p:nvGrpSpPr>
+          <p:grpSpPr>
+            <a:xfrm>
+              <a:off x="349200" y="338400"/>
+              <a:ext cx="5018400" cy="2894981"/>
+              <a:chOff x="349200" y="338400"/>
+              <a:chExt cx="5018400" cy="2894981"/>
+            </a:xfrm>
+          </p:grpSpPr>
+          <p:sp>
+            <p:nvSpPr>
+              <p:cNvPr id="9" name="Hexagon Background">
+                <a:extLst>
+                  <a:ext uri="{FF2B5EF4-FFF2-40B4-BE49-F238E27FC236}">
+                    <a16:creationId xmlns:a16="http://schemas.microsoft.com/office/drawing/2014/main" id="{7A060CAA-35D7-B4DA-F003-EFD71A9D79EC}"/>
+                  </a:ext>
+                </a:extLst>
+              </p:cNvPr>
+              <p:cNvSpPr/>
+              <p:nvPr/>
+            </p:nvSpPr>
+            <p:spPr>
+              <a:xfrm>
+                <a:off x="1029798" y="1482409"/>
+                <a:ext cx="3653961" cy="1397634"/>
+              </a:xfrm>
+              <a:custGeom>
+                <a:avLst/>
+                <a:gdLst>
+                  <a:gd name="connsiteX0" fmla="*/ 2275840 w 4572000"/>
+                  <a:gd name="connsiteY0" fmla="*/ 0 h 1407160"/>
+                  <a:gd name="connsiteX1" fmla="*/ 4566920 w 4572000"/>
+                  <a:gd name="connsiteY1" fmla="*/ 370840 h 1407160"/>
+                  <a:gd name="connsiteX2" fmla="*/ 4572000 w 4572000"/>
+                  <a:gd name="connsiteY2" fmla="*/ 1056640 h 1407160"/>
+                  <a:gd name="connsiteX3" fmla="*/ 2311400 w 4572000"/>
+                  <a:gd name="connsiteY3" fmla="*/ 1407160 h 1407160"/>
+                  <a:gd name="connsiteX4" fmla="*/ 20320 w 4572000"/>
+                  <a:gd name="connsiteY4" fmla="*/ 1056640 h 1407160"/>
+                  <a:gd name="connsiteX5" fmla="*/ 0 w 4572000"/>
+                  <a:gd name="connsiteY5" fmla="*/ 386080 h 1407160"/>
+                  <a:gd name="connsiteX6" fmla="*/ 2275840 w 4572000"/>
+                  <a:gd name="connsiteY6" fmla="*/ 0 h 1407160"/>
+                  <a:gd name="connsiteX0" fmla="*/ 2275840 w 4572000"/>
+                  <a:gd name="connsiteY0" fmla="*/ 0 h 1407160"/>
+                  <a:gd name="connsiteX1" fmla="*/ 4099560 w 4572000"/>
+                  <a:gd name="connsiteY1" fmla="*/ 370840 h 1407160"/>
+                  <a:gd name="connsiteX2" fmla="*/ 4572000 w 4572000"/>
+                  <a:gd name="connsiteY2" fmla="*/ 1056640 h 1407160"/>
+                  <a:gd name="connsiteX3" fmla="*/ 2311400 w 4572000"/>
+                  <a:gd name="connsiteY3" fmla="*/ 1407160 h 1407160"/>
+                  <a:gd name="connsiteX4" fmla="*/ 20320 w 4572000"/>
+                  <a:gd name="connsiteY4" fmla="*/ 1056640 h 1407160"/>
+                  <a:gd name="connsiteX5" fmla="*/ 0 w 4572000"/>
+                  <a:gd name="connsiteY5" fmla="*/ 386080 h 1407160"/>
+                  <a:gd name="connsiteX6" fmla="*/ 2275840 w 4572000"/>
+                  <a:gd name="connsiteY6" fmla="*/ 0 h 1407160"/>
+                  <a:gd name="connsiteX0" fmla="*/ 2275840 w 4109720"/>
+                  <a:gd name="connsiteY0" fmla="*/ 0 h 1407160"/>
+                  <a:gd name="connsiteX1" fmla="*/ 4099560 w 4109720"/>
+                  <a:gd name="connsiteY1" fmla="*/ 370840 h 1407160"/>
+                  <a:gd name="connsiteX2" fmla="*/ 4109720 w 4109720"/>
+                  <a:gd name="connsiteY2" fmla="*/ 1066800 h 1407160"/>
+                  <a:gd name="connsiteX3" fmla="*/ 2311400 w 4109720"/>
+                  <a:gd name="connsiteY3" fmla="*/ 1407160 h 1407160"/>
+                  <a:gd name="connsiteX4" fmla="*/ 20320 w 4109720"/>
+                  <a:gd name="connsiteY4" fmla="*/ 1056640 h 1407160"/>
+                  <a:gd name="connsiteX5" fmla="*/ 0 w 4109720"/>
+                  <a:gd name="connsiteY5" fmla="*/ 386080 h 1407160"/>
+                  <a:gd name="connsiteX6" fmla="*/ 2275840 w 4109720"/>
+                  <a:gd name="connsiteY6" fmla="*/ 0 h 1407160"/>
+                  <a:gd name="connsiteX0" fmla="*/ 2275840 w 4109720"/>
+                  <a:gd name="connsiteY0" fmla="*/ 0 h 1407160"/>
+                  <a:gd name="connsiteX1" fmla="*/ 4099560 w 4109720"/>
+                  <a:gd name="connsiteY1" fmla="*/ 370840 h 1407160"/>
+                  <a:gd name="connsiteX2" fmla="*/ 4109720 w 4109720"/>
+                  <a:gd name="connsiteY2" fmla="*/ 1066800 h 1407160"/>
+                  <a:gd name="connsiteX3" fmla="*/ 2311400 w 4109720"/>
+                  <a:gd name="connsiteY3" fmla="*/ 1407160 h 1407160"/>
+                  <a:gd name="connsiteX4" fmla="*/ 492760 w 4109720"/>
+                  <a:gd name="connsiteY4" fmla="*/ 1076960 h 1407160"/>
+                  <a:gd name="connsiteX5" fmla="*/ 0 w 4109720"/>
+                  <a:gd name="connsiteY5" fmla="*/ 386080 h 1407160"/>
+                  <a:gd name="connsiteX6" fmla="*/ 2275840 w 4109720"/>
+                  <a:gd name="connsiteY6" fmla="*/ 0 h 1407160"/>
+                  <a:gd name="connsiteX0" fmla="*/ 1818640 w 3652520"/>
+                  <a:gd name="connsiteY0" fmla="*/ 0 h 1407160"/>
+                  <a:gd name="connsiteX1" fmla="*/ 3642360 w 3652520"/>
+                  <a:gd name="connsiteY1" fmla="*/ 370840 h 1407160"/>
+                  <a:gd name="connsiteX2" fmla="*/ 3652520 w 3652520"/>
+                  <a:gd name="connsiteY2" fmla="*/ 1066800 h 1407160"/>
+                  <a:gd name="connsiteX3" fmla="*/ 1854200 w 3652520"/>
+                  <a:gd name="connsiteY3" fmla="*/ 1407160 h 1407160"/>
+                  <a:gd name="connsiteX4" fmla="*/ 35560 w 3652520"/>
+                  <a:gd name="connsiteY4" fmla="*/ 1076960 h 1407160"/>
+                  <a:gd name="connsiteX5" fmla="*/ 0 w 3652520"/>
+                  <a:gd name="connsiteY5" fmla="*/ 365760 h 1407160"/>
+                  <a:gd name="connsiteX6" fmla="*/ 1818640 w 3652520"/>
+                  <a:gd name="connsiteY6" fmla="*/ 0 h 1407160"/>
+                  <a:gd name="connsiteX0" fmla="*/ 1818640 w 3652520"/>
+                  <a:gd name="connsiteY0" fmla="*/ 0 h 1407160"/>
+                  <a:gd name="connsiteX1" fmla="*/ 3642360 w 3652520"/>
+                  <a:gd name="connsiteY1" fmla="*/ 370840 h 1407160"/>
+                  <a:gd name="connsiteX2" fmla="*/ 3652520 w 3652520"/>
+                  <a:gd name="connsiteY2" fmla="*/ 1066800 h 1407160"/>
+                  <a:gd name="connsiteX3" fmla="*/ 1854200 w 3652520"/>
+                  <a:gd name="connsiteY3" fmla="*/ 1407160 h 1407160"/>
+                  <a:gd name="connsiteX4" fmla="*/ 30480 w 3652520"/>
+                  <a:gd name="connsiteY4" fmla="*/ 1071880 h 1407160"/>
+                  <a:gd name="connsiteX5" fmla="*/ 0 w 3652520"/>
+                  <a:gd name="connsiteY5" fmla="*/ 365760 h 1407160"/>
+                  <a:gd name="connsiteX6" fmla="*/ 1818640 w 3652520"/>
+                  <a:gd name="connsiteY6" fmla="*/ 0 h 1407160"/>
+                  <a:gd name="connsiteX0" fmla="*/ 1828165 w 3652520"/>
+                  <a:gd name="connsiteY0" fmla="*/ 0 h 1389697"/>
+                  <a:gd name="connsiteX1" fmla="*/ 3642360 w 3652520"/>
+                  <a:gd name="connsiteY1" fmla="*/ 353377 h 1389697"/>
+                  <a:gd name="connsiteX2" fmla="*/ 3652520 w 3652520"/>
+                  <a:gd name="connsiteY2" fmla="*/ 1049337 h 1389697"/>
+                  <a:gd name="connsiteX3" fmla="*/ 1854200 w 3652520"/>
+                  <a:gd name="connsiteY3" fmla="*/ 1389697 h 1389697"/>
+                  <a:gd name="connsiteX4" fmla="*/ 30480 w 3652520"/>
+                  <a:gd name="connsiteY4" fmla="*/ 1054417 h 1389697"/>
+                  <a:gd name="connsiteX5" fmla="*/ 0 w 3652520"/>
+                  <a:gd name="connsiteY5" fmla="*/ 348297 h 1389697"/>
+                  <a:gd name="connsiteX6" fmla="*/ 1828165 w 3652520"/>
+                  <a:gd name="connsiteY6" fmla="*/ 0 h 1389697"/>
+                  <a:gd name="connsiteX0" fmla="*/ 1828165 w 3652520"/>
+                  <a:gd name="connsiteY0" fmla="*/ 0 h 1389697"/>
+                  <a:gd name="connsiteX1" fmla="*/ 3642360 w 3652520"/>
+                  <a:gd name="connsiteY1" fmla="*/ 353377 h 1389697"/>
+                  <a:gd name="connsiteX2" fmla="*/ 3652520 w 3652520"/>
+                  <a:gd name="connsiteY2" fmla="*/ 1049337 h 1389697"/>
+                  <a:gd name="connsiteX3" fmla="*/ 1854200 w 3652520"/>
+                  <a:gd name="connsiteY3" fmla="*/ 1389697 h 1389697"/>
+                  <a:gd name="connsiteX4" fmla="*/ 30480 w 3652520"/>
+                  <a:gd name="connsiteY4" fmla="*/ 1054417 h 1389697"/>
+                  <a:gd name="connsiteX5" fmla="*/ 0 w 3652520"/>
+                  <a:gd name="connsiteY5" fmla="*/ 348297 h 1389697"/>
+                  <a:gd name="connsiteX6" fmla="*/ 1828165 w 3652520"/>
+                  <a:gd name="connsiteY6" fmla="*/ 0 h 1389697"/>
+                  <a:gd name="connsiteX0" fmla="*/ 1828165 w 3652520"/>
+                  <a:gd name="connsiteY0" fmla="*/ 0 h 1389697"/>
+                  <a:gd name="connsiteX1" fmla="*/ 3642360 w 3652520"/>
+                  <a:gd name="connsiteY1" fmla="*/ 353377 h 1389697"/>
+                  <a:gd name="connsiteX2" fmla="*/ 3652520 w 3652520"/>
+                  <a:gd name="connsiteY2" fmla="*/ 1049337 h 1389697"/>
+                  <a:gd name="connsiteX3" fmla="*/ 1854200 w 3652520"/>
+                  <a:gd name="connsiteY3" fmla="*/ 1389697 h 1389697"/>
+                  <a:gd name="connsiteX4" fmla="*/ 30480 w 3652520"/>
+                  <a:gd name="connsiteY4" fmla="*/ 1054417 h 1389697"/>
+                  <a:gd name="connsiteX5" fmla="*/ 0 w 3652520"/>
+                  <a:gd name="connsiteY5" fmla="*/ 348297 h 1389697"/>
+                  <a:gd name="connsiteX6" fmla="*/ 1828165 w 3652520"/>
+                  <a:gd name="connsiteY6" fmla="*/ 0 h 1389697"/>
+                  <a:gd name="connsiteX0" fmla="*/ 1823402 w 3652520"/>
+                  <a:gd name="connsiteY0" fmla="*/ 0 h 1389697"/>
+                  <a:gd name="connsiteX1" fmla="*/ 3642360 w 3652520"/>
+                  <a:gd name="connsiteY1" fmla="*/ 353377 h 1389697"/>
+                  <a:gd name="connsiteX2" fmla="*/ 3652520 w 3652520"/>
+                  <a:gd name="connsiteY2" fmla="*/ 1049337 h 1389697"/>
+                  <a:gd name="connsiteX3" fmla="*/ 1854200 w 3652520"/>
+                  <a:gd name="connsiteY3" fmla="*/ 1389697 h 1389697"/>
+                  <a:gd name="connsiteX4" fmla="*/ 30480 w 3652520"/>
+                  <a:gd name="connsiteY4" fmla="*/ 1054417 h 1389697"/>
+                  <a:gd name="connsiteX5" fmla="*/ 0 w 3652520"/>
+                  <a:gd name="connsiteY5" fmla="*/ 348297 h 1389697"/>
+                  <a:gd name="connsiteX6" fmla="*/ 1823402 w 3652520"/>
+                  <a:gd name="connsiteY6" fmla="*/ 0 h 1389697"/>
+                  <a:gd name="connsiteX0" fmla="*/ 1823402 w 3649345"/>
+                  <a:gd name="connsiteY0" fmla="*/ 0 h 1389697"/>
+                  <a:gd name="connsiteX1" fmla="*/ 3642360 w 3649345"/>
+                  <a:gd name="connsiteY1" fmla="*/ 353377 h 1389697"/>
+                  <a:gd name="connsiteX2" fmla="*/ 3649345 w 3649345"/>
+                  <a:gd name="connsiteY2" fmla="*/ 1022349 h 1389697"/>
+                  <a:gd name="connsiteX3" fmla="*/ 1854200 w 3649345"/>
+                  <a:gd name="connsiteY3" fmla="*/ 1389697 h 1389697"/>
+                  <a:gd name="connsiteX4" fmla="*/ 30480 w 3649345"/>
+                  <a:gd name="connsiteY4" fmla="*/ 1054417 h 1389697"/>
+                  <a:gd name="connsiteX5" fmla="*/ 0 w 3649345"/>
+                  <a:gd name="connsiteY5" fmla="*/ 348297 h 1389697"/>
+                  <a:gd name="connsiteX6" fmla="*/ 1823402 w 3649345"/>
+                  <a:gd name="connsiteY6" fmla="*/ 0 h 1389697"/>
+                  <a:gd name="connsiteX0" fmla="*/ 1823402 w 3649345"/>
+                  <a:gd name="connsiteY0" fmla="*/ 0 h 1391284"/>
+                  <a:gd name="connsiteX1" fmla="*/ 3642360 w 3649345"/>
+                  <a:gd name="connsiteY1" fmla="*/ 353377 h 1391284"/>
+                  <a:gd name="connsiteX2" fmla="*/ 3649345 w 3649345"/>
+                  <a:gd name="connsiteY2" fmla="*/ 1022349 h 1391284"/>
+                  <a:gd name="connsiteX3" fmla="*/ 1836737 w 3649345"/>
+                  <a:gd name="connsiteY3" fmla="*/ 1391284 h 1391284"/>
+                  <a:gd name="connsiteX4" fmla="*/ 30480 w 3649345"/>
+                  <a:gd name="connsiteY4" fmla="*/ 1054417 h 1391284"/>
+                  <a:gd name="connsiteX5" fmla="*/ 0 w 3649345"/>
+                  <a:gd name="connsiteY5" fmla="*/ 348297 h 1391284"/>
+                  <a:gd name="connsiteX6" fmla="*/ 1823402 w 3649345"/>
+                  <a:gd name="connsiteY6" fmla="*/ 0 h 1391284"/>
+                  <a:gd name="connsiteX0" fmla="*/ 1823402 w 3649345"/>
+                  <a:gd name="connsiteY0" fmla="*/ 0 h 1388109"/>
+                  <a:gd name="connsiteX1" fmla="*/ 3642360 w 3649345"/>
+                  <a:gd name="connsiteY1" fmla="*/ 353377 h 1388109"/>
+                  <a:gd name="connsiteX2" fmla="*/ 3649345 w 3649345"/>
+                  <a:gd name="connsiteY2" fmla="*/ 1022349 h 1388109"/>
+                  <a:gd name="connsiteX3" fmla="*/ 1817687 w 3649345"/>
+                  <a:gd name="connsiteY3" fmla="*/ 1388109 h 1388109"/>
+                  <a:gd name="connsiteX4" fmla="*/ 30480 w 3649345"/>
+                  <a:gd name="connsiteY4" fmla="*/ 1054417 h 1388109"/>
+                  <a:gd name="connsiteX5" fmla="*/ 0 w 3649345"/>
+                  <a:gd name="connsiteY5" fmla="*/ 348297 h 1388109"/>
+                  <a:gd name="connsiteX6" fmla="*/ 1823402 w 3649345"/>
+                  <a:gd name="connsiteY6" fmla="*/ 0 h 1388109"/>
+                  <a:gd name="connsiteX0" fmla="*/ 1823402 w 3649345"/>
+                  <a:gd name="connsiteY0" fmla="*/ 0 h 1391284"/>
+                  <a:gd name="connsiteX1" fmla="*/ 3642360 w 3649345"/>
+                  <a:gd name="connsiteY1" fmla="*/ 353377 h 1391284"/>
+                  <a:gd name="connsiteX2" fmla="*/ 3649345 w 3649345"/>
+                  <a:gd name="connsiteY2" fmla="*/ 1022349 h 1391284"/>
+                  <a:gd name="connsiteX3" fmla="*/ 1847850 w 3649345"/>
+                  <a:gd name="connsiteY3" fmla="*/ 1391284 h 1391284"/>
+                  <a:gd name="connsiteX4" fmla="*/ 30480 w 3649345"/>
+                  <a:gd name="connsiteY4" fmla="*/ 1054417 h 1391284"/>
+                  <a:gd name="connsiteX5" fmla="*/ 0 w 3649345"/>
+                  <a:gd name="connsiteY5" fmla="*/ 348297 h 1391284"/>
+                  <a:gd name="connsiteX6" fmla="*/ 1823402 w 3649345"/>
+                  <a:gd name="connsiteY6" fmla="*/ 0 h 1391284"/>
+                  <a:gd name="connsiteX0" fmla="*/ 1823402 w 3649345"/>
+                  <a:gd name="connsiteY0" fmla="*/ 0 h 1402397"/>
+                  <a:gd name="connsiteX1" fmla="*/ 3642360 w 3649345"/>
+                  <a:gd name="connsiteY1" fmla="*/ 353377 h 1402397"/>
+                  <a:gd name="connsiteX2" fmla="*/ 3649345 w 3649345"/>
+                  <a:gd name="connsiteY2" fmla="*/ 1022349 h 1402397"/>
+                  <a:gd name="connsiteX3" fmla="*/ 1841500 w 3649345"/>
+                  <a:gd name="connsiteY3" fmla="*/ 1402397 h 1402397"/>
+                  <a:gd name="connsiteX4" fmla="*/ 30480 w 3649345"/>
+                  <a:gd name="connsiteY4" fmla="*/ 1054417 h 1402397"/>
+                  <a:gd name="connsiteX5" fmla="*/ 0 w 3649345"/>
+                  <a:gd name="connsiteY5" fmla="*/ 348297 h 1402397"/>
+                  <a:gd name="connsiteX6" fmla="*/ 1823402 w 3649345"/>
+                  <a:gd name="connsiteY6" fmla="*/ 0 h 1402397"/>
+                  <a:gd name="connsiteX0" fmla="*/ 1823402 w 3649345"/>
+                  <a:gd name="connsiteY0" fmla="*/ 0 h 1392872"/>
+                  <a:gd name="connsiteX1" fmla="*/ 3642360 w 3649345"/>
+                  <a:gd name="connsiteY1" fmla="*/ 353377 h 1392872"/>
+                  <a:gd name="connsiteX2" fmla="*/ 3649345 w 3649345"/>
+                  <a:gd name="connsiteY2" fmla="*/ 1022349 h 1392872"/>
+                  <a:gd name="connsiteX3" fmla="*/ 1843088 w 3649345"/>
+                  <a:gd name="connsiteY3" fmla="*/ 1392872 h 1392872"/>
+                  <a:gd name="connsiteX4" fmla="*/ 30480 w 3649345"/>
+                  <a:gd name="connsiteY4" fmla="*/ 1054417 h 1392872"/>
+                  <a:gd name="connsiteX5" fmla="*/ 0 w 3649345"/>
+                  <a:gd name="connsiteY5" fmla="*/ 348297 h 1392872"/>
+                  <a:gd name="connsiteX6" fmla="*/ 1823402 w 3649345"/>
+                  <a:gd name="connsiteY6" fmla="*/ 0 h 1392872"/>
+                  <a:gd name="connsiteX0" fmla="*/ 1823402 w 3649345"/>
+                  <a:gd name="connsiteY0" fmla="*/ 0 h 1392872"/>
+                  <a:gd name="connsiteX1" fmla="*/ 3642360 w 3649345"/>
+                  <a:gd name="connsiteY1" fmla="*/ 353377 h 1392872"/>
+                  <a:gd name="connsiteX2" fmla="*/ 3649345 w 3649345"/>
+                  <a:gd name="connsiteY2" fmla="*/ 1022349 h 1392872"/>
+                  <a:gd name="connsiteX3" fmla="*/ 1843088 w 3649345"/>
+                  <a:gd name="connsiteY3" fmla="*/ 1392872 h 1392872"/>
+                  <a:gd name="connsiteX4" fmla="*/ 11430 w 3649345"/>
+                  <a:gd name="connsiteY4" fmla="*/ 1044892 h 1392872"/>
+                  <a:gd name="connsiteX5" fmla="*/ 0 w 3649345"/>
+                  <a:gd name="connsiteY5" fmla="*/ 348297 h 1392872"/>
+                  <a:gd name="connsiteX6" fmla="*/ 1823402 w 3649345"/>
+                  <a:gd name="connsiteY6" fmla="*/ 0 h 1392872"/>
+                  <a:gd name="connsiteX0" fmla="*/ 1815465 w 3641408"/>
+                  <a:gd name="connsiteY0" fmla="*/ 0 h 1392872"/>
+                  <a:gd name="connsiteX1" fmla="*/ 3634423 w 3641408"/>
+                  <a:gd name="connsiteY1" fmla="*/ 353377 h 1392872"/>
+                  <a:gd name="connsiteX2" fmla="*/ 3641408 w 3641408"/>
+                  <a:gd name="connsiteY2" fmla="*/ 1022349 h 1392872"/>
+                  <a:gd name="connsiteX3" fmla="*/ 1835151 w 3641408"/>
+                  <a:gd name="connsiteY3" fmla="*/ 1392872 h 1392872"/>
+                  <a:gd name="connsiteX4" fmla="*/ 3493 w 3641408"/>
+                  <a:gd name="connsiteY4" fmla="*/ 1044892 h 1392872"/>
+                  <a:gd name="connsiteX5" fmla="*/ 0 w 3641408"/>
+                  <a:gd name="connsiteY5" fmla="*/ 359409 h 1392872"/>
+                  <a:gd name="connsiteX6" fmla="*/ 1815465 w 3641408"/>
+                  <a:gd name="connsiteY6" fmla="*/ 0 h 1392872"/>
+                  <a:gd name="connsiteX0" fmla="*/ 1823402 w 3641408"/>
+                  <a:gd name="connsiteY0" fmla="*/ 0 h 1396047"/>
+                  <a:gd name="connsiteX1" fmla="*/ 3634423 w 3641408"/>
+                  <a:gd name="connsiteY1" fmla="*/ 356552 h 1396047"/>
+                  <a:gd name="connsiteX2" fmla="*/ 3641408 w 3641408"/>
+                  <a:gd name="connsiteY2" fmla="*/ 1025524 h 1396047"/>
+                  <a:gd name="connsiteX3" fmla="*/ 1835151 w 3641408"/>
+                  <a:gd name="connsiteY3" fmla="*/ 1396047 h 1396047"/>
+                  <a:gd name="connsiteX4" fmla="*/ 3493 w 3641408"/>
+                  <a:gd name="connsiteY4" fmla="*/ 1048067 h 1396047"/>
+                  <a:gd name="connsiteX5" fmla="*/ 0 w 3641408"/>
+                  <a:gd name="connsiteY5" fmla="*/ 362584 h 1396047"/>
+                  <a:gd name="connsiteX6" fmla="*/ 1823402 w 3641408"/>
+                  <a:gd name="connsiteY6" fmla="*/ 0 h 1396047"/>
+                  <a:gd name="connsiteX0" fmla="*/ 1823402 w 3641408"/>
+                  <a:gd name="connsiteY0" fmla="*/ 0 h 1396047"/>
+                  <a:gd name="connsiteX1" fmla="*/ 3634423 w 3641408"/>
+                  <a:gd name="connsiteY1" fmla="*/ 356552 h 1396047"/>
+                  <a:gd name="connsiteX2" fmla="*/ 3641408 w 3641408"/>
+                  <a:gd name="connsiteY2" fmla="*/ 1025524 h 1396047"/>
+                  <a:gd name="connsiteX3" fmla="*/ 1835151 w 3641408"/>
+                  <a:gd name="connsiteY3" fmla="*/ 1396047 h 1396047"/>
+                  <a:gd name="connsiteX4" fmla="*/ 3493 w 3641408"/>
+                  <a:gd name="connsiteY4" fmla="*/ 1048067 h 1396047"/>
+                  <a:gd name="connsiteX5" fmla="*/ 0 w 3641408"/>
+                  <a:gd name="connsiteY5" fmla="*/ 362584 h 1396047"/>
+                  <a:gd name="connsiteX6" fmla="*/ 1823402 w 3641408"/>
+                  <a:gd name="connsiteY6" fmla="*/ 0 h 1396047"/>
+                  <a:gd name="connsiteX0" fmla="*/ 1823402 w 3641408"/>
+                  <a:gd name="connsiteY0" fmla="*/ 0 h 1396047"/>
+                  <a:gd name="connsiteX1" fmla="*/ 3634423 w 3641408"/>
+                  <a:gd name="connsiteY1" fmla="*/ 356552 h 1396047"/>
+                  <a:gd name="connsiteX2" fmla="*/ 3641408 w 3641408"/>
+                  <a:gd name="connsiteY2" fmla="*/ 1025524 h 1396047"/>
+                  <a:gd name="connsiteX3" fmla="*/ 1835151 w 3641408"/>
+                  <a:gd name="connsiteY3" fmla="*/ 1396047 h 1396047"/>
+                  <a:gd name="connsiteX4" fmla="*/ 3493 w 3641408"/>
+                  <a:gd name="connsiteY4" fmla="*/ 1048067 h 1396047"/>
+                  <a:gd name="connsiteX5" fmla="*/ 0 w 3641408"/>
+                  <a:gd name="connsiteY5" fmla="*/ 362584 h 1396047"/>
+                  <a:gd name="connsiteX6" fmla="*/ 1823402 w 3641408"/>
+                  <a:gd name="connsiteY6" fmla="*/ 0 h 1396047"/>
+                  <a:gd name="connsiteX0" fmla="*/ 1823402 w 3641408"/>
+                  <a:gd name="connsiteY0" fmla="*/ 0 h 1396047"/>
+                  <a:gd name="connsiteX1" fmla="*/ 3634423 w 3641408"/>
+                  <a:gd name="connsiteY1" fmla="*/ 356552 h 1396047"/>
+                  <a:gd name="connsiteX2" fmla="*/ 3641408 w 3641408"/>
+                  <a:gd name="connsiteY2" fmla="*/ 1025524 h 1396047"/>
+                  <a:gd name="connsiteX3" fmla="*/ 1835151 w 3641408"/>
+                  <a:gd name="connsiteY3" fmla="*/ 1396047 h 1396047"/>
+                  <a:gd name="connsiteX4" fmla="*/ 3493 w 3641408"/>
+                  <a:gd name="connsiteY4" fmla="*/ 1048067 h 1396047"/>
+                  <a:gd name="connsiteX5" fmla="*/ 0 w 3641408"/>
+                  <a:gd name="connsiteY5" fmla="*/ 362584 h 1396047"/>
+                  <a:gd name="connsiteX6" fmla="*/ 1823402 w 3641408"/>
+                  <a:gd name="connsiteY6" fmla="*/ 0 h 1396047"/>
+                  <a:gd name="connsiteX0" fmla="*/ 1823402 w 3641408"/>
+                  <a:gd name="connsiteY0" fmla="*/ 0 h 1396047"/>
+                  <a:gd name="connsiteX1" fmla="*/ 3634423 w 3641408"/>
+                  <a:gd name="connsiteY1" fmla="*/ 356552 h 1396047"/>
+                  <a:gd name="connsiteX2" fmla="*/ 3641408 w 3641408"/>
+                  <a:gd name="connsiteY2" fmla="*/ 1025524 h 1396047"/>
+                  <a:gd name="connsiteX3" fmla="*/ 1835151 w 3641408"/>
+                  <a:gd name="connsiteY3" fmla="*/ 1396047 h 1396047"/>
+                  <a:gd name="connsiteX4" fmla="*/ 3493 w 3641408"/>
+                  <a:gd name="connsiteY4" fmla="*/ 1048067 h 1396047"/>
+                  <a:gd name="connsiteX5" fmla="*/ 0 w 3641408"/>
+                  <a:gd name="connsiteY5" fmla="*/ 362584 h 1396047"/>
+                  <a:gd name="connsiteX6" fmla="*/ 1823402 w 3641408"/>
+                  <a:gd name="connsiteY6" fmla="*/ 0 h 1396047"/>
+                  <a:gd name="connsiteX0" fmla="*/ 1823402 w 3641408"/>
+                  <a:gd name="connsiteY0" fmla="*/ 0 h 1396047"/>
+                  <a:gd name="connsiteX1" fmla="*/ 3634423 w 3641408"/>
+                  <a:gd name="connsiteY1" fmla="*/ 356552 h 1396047"/>
+                  <a:gd name="connsiteX2" fmla="*/ 3641408 w 3641408"/>
+                  <a:gd name="connsiteY2" fmla="*/ 1025524 h 1396047"/>
+                  <a:gd name="connsiteX3" fmla="*/ 1835151 w 3641408"/>
+                  <a:gd name="connsiteY3" fmla="*/ 1396047 h 1396047"/>
+                  <a:gd name="connsiteX4" fmla="*/ 3493 w 3641408"/>
+                  <a:gd name="connsiteY4" fmla="*/ 1048067 h 1396047"/>
+                  <a:gd name="connsiteX5" fmla="*/ 0 w 3641408"/>
+                  <a:gd name="connsiteY5" fmla="*/ 362584 h 1396047"/>
+                  <a:gd name="connsiteX6" fmla="*/ 1823402 w 3641408"/>
+                  <a:gd name="connsiteY6" fmla="*/ 0 h 1396047"/>
+                  <a:gd name="connsiteX0" fmla="*/ 1823402 w 3641408"/>
+                  <a:gd name="connsiteY0" fmla="*/ 0 h 1396047"/>
+                  <a:gd name="connsiteX1" fmla="*/ 3640773 w 3641408"/>
+                  <a:gd name="connsiteY1" fmla="*/ 366077 h 1396047"/>
+                  <a:gd name="connsiteX2" fmla="*/ 3641408 w 3641408"/>
+                  <a:gd name="connsiteY2" fmla="*/ 1025524 h 1396047"/>
+                  <a:gd name="connsiteX3" fmla="*/ 1835151 w 3641408"/>
+                  <a:gd name="connsiteY3" fmla="*/ 1396047 h 1396047"/>
+                  <a:gd name="connsiteX4" fmla="*/ 3493 w 3641408"/>
+                  <a:gd name="connsiteY4" fmla="*/ 1048067 h 1396047"/>
+                  <a:gd name="connsiteX5" fmla="*/ 0 w 3641408"/>
+                  <a:gd name="connsiteY5" fmla="*/ 362584 h 1396047"/>
+                  <a:gd name="connsiteX6" fmla="*/ 1823402 w 3641408"/>
+                  <a:gd name="connsiteY6" fmla="*/ 0 h 1396047"/>
+                  <a:gd name="connsiteX0" fmla="*/ 1823402 w 3640984"/>
+                  <a:gd name="connsiteY0" fmla="*/ 0 h 1396047"/>
+                  <a:gd name="connsiteX1" fmla="*/ 3640773 w 3640984"/>
+                  <a:gd name="connsiteY1" fmla="*/ 366077 h 1396047"/>
+                  <a:gd name="connsiteX2" fmla="*/ 3635058 w 3640984"/>
+                  <a:gd name="connsiteY2" fmla="*/ 1030286 h 1396047"/>
+                  <a:gd name="connsiteX3" fmla="*/ 1835151 w 3640984"/>
+                  <a:gd name="connsiteY3" fmla="*/ 1396047 h 1396047"/>
+                  <a:gd name="connsiteX4" fmla="*/ 3493 w 3640984"/>
+                  <a:gd name="connsiteY4" fmla="*/ 1048067 h 1396047"/>
+                  <a:gd name="connsiteX5" fmla="*/ 0 w 3640984"/>
+                  <a:gd name="connsiteY5" fmla="*/ 362584 h 1396047"/>
+                  <a:gd name="connsiteX6" fmla="*/ 1823402 w 3640984"/>
+                  <a:gd name="connsiteY6" fmla="*/ 0 h 1396047"/>
+                  <a:gd name="connsiteX0" fmla="*/ 1823402 w 3640984"/>
+                  <a:gd name="connsiteY0" fmla="*/ 0 h 1396047"/>
+                  <a:gd name="connsiteX1" fmla="*/ 3640773 w 3640984"/>
+                  <a:gd name="connsiteY1" fmla="*/ 366077 h 1396047"/>
+                  <a:gd name="connsiteX2" fmla="*/ 3635058 w 3640984"/>
+                  <a:gd name="connsiteY2" fmla="*/ 1030286 h 1396047"/>
+                  <a:gd name="connsiteX3" fmla="*/ 1835151 w 3640984"/>
+                  <a:gd name="connsiteY3" fmla="*/ 1396047 h 1396047"/>
+                  <a:gd name="connsiteX4" fmla="*/ 3493 w 3640984"/>
+                  <a:gd name="connsiteY4" fmla="*/ 1041717 h 1396047"/>
+                  <a:gd name="connsiteX5" fmla="*/ 0 w 3640984"/>
+                  <a:gd name="connsiteY5" fmla="*/ 362584 h 1396047"/>
+                  <a:gd name="connsiteX6" fmla="*/ 1823402 w 3640984"/>
+                  <a:gd name="connsiteY6" fmla="*/ 0 h 1396047"/>
+                  <a:gd name="connsiteX0" fmla="*/ 1823402 w 3651985"/>
+                  <a:gd name="connsiteY0" fmla="*/ 0 h 1396047"/>
+                  <a:gd name="connsiteX1" fmla="*/ 3651885 w 3651985"/>
+                  <a:gd name="connsiteY1" fmla="*/ 366077 h 1396047"/>
+                  <a:gd name="connsiteX2" fmla="*/ 3635058 w 3651985"/>
+                  <a:gd name="connsiteY2" fmla="*/ 1030286 h 1396047"/>
+                  <a:gd name="connsiteX3" fmla="*/ 1835151 w 3651985"/>
+                  <a:gd name="connsiteY3" fmla="*/ 1396047 h 1396047"/>
+                  <a:gd name="connsiteX4" fmla="*/ 3493 w 3651985"/>
+                  <a:gd name="connsiteY4" fmla="*/ 1041717 h 1396047"/>
+                  <a:gd name="connsiteX5" fmla="*/ 0 w 3651985"/>
+                  <a:gd name="connsiteY5" fmla="*/ 362584 h 1396047"/>
+                  <a:gd name="connsiteX6" fmla="*/ 1823402 w 3651985"/>
+                  <a:gd name="connsiteY6" fmla="*/ 0 h 1396047"/>
+                  <a:gd name="connsiteX0" fmla="*/ 1823402 w 3652067"/>
+                  <a:gd name="connsiteY0" fmla="*/ 0 h 1396047"/>
+                  <a:gd name="connsiteX1" fmla="*/ 3651885 w 3652067"/>
+                  <a:gd name="connsiteY1" fmla="*/ 366077 h 1396047"/>
+                  <a:gd name="connsiteX2" fmla="*/ 3644583 w 3652067"/>
+                  <a:gd name="connsiteY2" fmla="*/ 1038223 h 1396047"/>
+                  <a:gd name="connsiteX3" fmla="*/ 1835151 w 3652067"/>
+                  <a:gd name="connsiteY3" fmla="*/ 1396047 h 1396047"/>
+                  <a:gd name="connsiteX4" fmla="*/ 3493 w 3652067"/>
+                  <a:gd name="connsiteY4" fmla="*/ 1041717 h 1396047"/>
+                  <a:gd name="connsiteX5" fmla="*/ 0 w 3652067"/>
+                  <a:gd name="connsiteY5" fmla="*/ 362584 h 1396047"/>
+                  <a:gd name="connsiteX6" fmla="*/ 1823402 w 3652067"/>
+                  <a:gd name="connsiteY6" fmla="*/ 0 h 1396047"/>
+                  <a:gd name="connsiteX0" fmla="*/ 1823402 w 3652067"/>
+                  <a:gd name="connsiteY0" fmla="*/ 0 h 1397634"/>
+                  <a:gd name="connsiteX1" fmla="*/ 3651885 w 3652067"/>
+                  <a:gd name="connsiteY1" fmla="*/ 366077 h 1397634"/>
+                  <a:gd name="connsiteX2" fmla="*/ 3644583 w 3652067"/>
+                  <a:gd name="connsiteY2" fmla="*/ 1038223 h 1397634"/>
+                  <a:gd name="connsiteX3" fmla="*/ 1830389 w 3652067"/>
+                  <a:gd name="connsiteY3" fmla="*/ 1397634 h 1397634"/>
+                  <a:gd name="connsiteX4" fmla="*/ 3493 w 3652067"/>
+                  <a:gd name="connsiteY4" fmla="*/ 1041717 h 1397634"/>
+                  <a:gd name="connsiteX5" fmla="*/ 0 w 3652067"/>
+                  <a:gd name="connsiteY5" fmla="*/ 362584 h 1397634"/>
+                  <a:gd name="connsiteX6" fmla="*/ 1823402 w 3652067"/>
+                  <a:gd name="connsiteY6" fmla="*/ 0 h 1397634"/>
+                  <a:gd name="connsiteX0" fmla="*/ 1832691 w 3661356"/>
+                  <a:gd name="connsiteY0" fmla="*/ 0 h 1397634"/>
+                  <a:gd name="connsiteX1" fmla="*/ 3661174 w 3661356"/>
+                  <a:gd name="connsiteY1" fmla="*/ 366077 h 1397634"/>
+                  <a:gd name="connsiteX2" fmla="*/ 3653872 w 3661356"/>
+                  <a:gd name="connsiteY2" fmla="*/ 1038223 h 1397634"/>
+                  <a:gd name="connsiteX3" fmla="*/ 1839678 w 3661356"/>
+                  <a:gd name="connsiteY3" fmla="*/ 1397634 h 1397634"/>
+                  <a:gd name="connsiteX4" fmla="*/ 82 w 3661356"/>
+                  <a:gd name="connsiteY4" fmla="*/ 1040129 h 1397634"/>
+                  <a:gd name="connsiteX5" fmla="*/ 9289 w 3661356"/>
+                  <a:gd name="connsiteY5" fmla="*/ 362584 h 1397634"/>
+                  <a:gd name="connsiteX6" fmla="*/ 1832691 w 3661356"/>
+                  <a:gd name="connsiteY6" fmla="*/ 0 h 1397634"/>
+                  <a:gd name="connsiteX0" fmla="*/ 1832780 w 3661445"/>
+                  <a:gd name="connsiteY0" fmla="*/ 0 h 1397634"/>
+                  <a:gd name="connsiteX1" fmla="*/ 3661263 w 3661445"/>
+                  <a:gd name="connsiteY1" fmla="*/ 366077 h 1397634"/>
+                  <a:gd name="connsiteX2" fmla="*/ 3653961 w 3661445"/>
+                  <a:gd name="connsiteY2" fmla="*/ 1038223 h 1397634"/>
+                  <a:gd name="connsiteX3" fmla="*/ 1839767 w 3661445"/>
+                  <a:gd name="connsiteY3" fmla="*/ 1397634 h 1397634"/>
+                  <a:gd name="connsiteX4" fmla="*/ 171 w 3661445"/>
+                  <a:gd name="connsiteY4" fmla="*/ 1040129 h 1397634"/>
+                  <a:gd name="connsiteX5" fmla="*/ 3028 w 3661445"/>
+                  <a:gd name="connsiteY5" fmla="*/ 362584 h 1397634"/>
+                  <a:gd name="connsiteX6" fmla="*/ 1832780 w 3661445"/>
+                  <a:gd name="connsiteY6" fmla="*/ 0 h 1397634"/>
+                  <a:gd name="connsiteX0" fmla="*/ 1832780 w 3653961"/>
+                  <a:gd name="connsiteY0" fmla="*/ 0 h 1397634"/>
+                  <a:gd name="connsiteX1" fmla="*/ 3653326 w 3653961"/>
+                  <a:gd name="connsiteY1" fmla="*/ 366077 h 1397634"/>
+                  <a:gd name="connsiteX2" fmla="*/ 3653961 w 3653961"/>
+                  <a:gd name="connsiteY2" fmla="*/ 1038223 h 1397634"/>
+                  <a:gd name="connsiteX3" fmla="*/ 1839767 w 3653961"/>
+                  <a:gd name="connsiteY3" fmla="*/ 1397634 h 1397634"/>
+                  <a:gd name="connsiteX4" fmla="*/ 171 w 3653961"/>
+                  <a:gd name="connsiteY4" fmla="*/ 1040129 h 1397634"/>
+                  <a:gd name="connsiteX5" fmla="*/ 3028 w 3653961"/>
+                  <a:gd name="connsiteY5" fmla="*/ 362584 h 1397634"/>
+                  <a:gd name="connsiteX6" fmla="*/ 1832780 w 3653961"/>
+                  <a:gd name="connsiteY6" fmla="*/ 0 h 1397634"/>
+                </a:gdLst>
+                <a:ahLst/>
+                <a:cxnLst>
+                  <a:cxn ang="0">
+                    <a:pos x="connsiteX0" y="connsiteY0"/>
+                  </a:cxn>
+                  <a:cxn ang="0">
+                    <a:pos x="connsiteX1" y="connsiteY1"/>
+                  </a:cxn>
+                  <a:cxn ang="0">
+                    <a:pos x="connsiteX2" y="connsiteY2"/>
+                  </a:cxn>
+                  <a:cxn ang="0">
+                    <a:pos x="connsiteX3" y="connsiteY3"/>
+                  </a:cxn>
+                  <a:cxn ang="0">
+                    <a:pos x="connsiteX4" y="connsiteY4"/>
+                  </a:cxn>
+                  <a:cxn ang="0">
+                    <a:pos x="connsiteX5" y="connsiteY5"/>
+                  </a:cxn>
+                  <a:cxn ang="0">
+                    <a:pos x="connsiteX6" y="connsiteY6"/>
+                  </a:cxn>
+                </a:cxnLst>
+                <a:rect l="l" t="t" r="r" b="b"/>
+                <a:pathLst>
+                  <a:path w="3653961" h="1397634">
+                    <a:moveTo>
+                      <a:pt x="1832780" y="0"/>
+                    </a:moveTo>
+                    <a:lnTo>
+                      <a:pt x="3653326" y="366077"/>
+                    </a:lnTo>
+                    <a:cubicBezTo>
+                      <a:pt x="3655019" y="594677"/>
+                      <a:pt x="3652268" y="809623"/>
+                      <a:pt x="3653961" y="1038223"/>
+                    </a:cubicBezTo>
+                    <a:lnTo>
+                      <a:pt x="1839767" y="1397634"/>
+                    </a:lnTo>
+                    <a:lnTo>
+                      <a:pt x="171" y="1040129"/>
+                    </a:lnTo>
+                    <a:cubicBezTo>
+                      <a:pt x="-993" y="811635"/>
+                      <a:pt x="4192" y="591078"/>
+                      <a:pt x="3028" y="362584"/>
+                    </a:cubicBezTo>
+                    <a:lnTo>
+                      <a:pt x="1832780" y="0"/>
+                    </a:lnTo>
+                    <a:close/>
+                  </a:path>
+                </a:pathLst>
+              </a:custGeom>
+              <a:solidFill>
+                <a:srgbClr val="475281">
+                  <a:alpha val="40000"/>
+                </a:srgbClr>
+              </a:solidFill>
+            </p:spPr>
+            <p:style>
+              <a:lnRef idx="2">
+                <a:schemeClr val="accent1">
+                  <a:shade val="15000"/>
+                </a:schemeClr>
+              </a:lnRef>
+              <a:fillRef idx="1">
+                <a:schemeClr val="accent1"/>
+              </a:fillRef>
+              <a:effectRef idx="0">
+                <a:schemeClr val="accent1"/>
+              </a:effectRef>
+              <a:fontRef idx="minor">
+                <a:schemeClr val="lt1"/>
+              </a:fontRef>
+            </p:style>
+            <p:txBody>
+              <a:bodyPr rtlCol="0" anchor="ctr"/>
+              <a:lstStyle/>
+              <a:p>
+                <a:pPr algn="ctr"/>
+                <a:endParaRPr lang="en-SG" dirty="0"/>
+              </a:p>
+            </p:txBody>
+          </p:sp>
+          <p:grpSp>
+            <p:nvGrpSpPr>
+              <p:cNvPr id="15" name="Group 14">
+                <a:extLst>
+                  <a:ext uri="{FF2B5EF4-FFF2-40B4-BE49-F238E27FC236}">
+                    <a16:creationId xmlns:a16="http://schemas.microsoft.com/office/drawing/2014/main" id="{C7581FC7-BEE2-D7FF-365C-89AA4B215E9C}"/>
+                  </a:ext>
+                </a:extLst>
+              </p:cNvPr>
+              <p:cNvGrpSpPr/>
+              <p:nvPr/>
+            </p:nvGrpSpPr>
+            <p:grpSpPr>
+              <a:xfrm>
+                <a:off x="1031400" y="1514326"/>
+                <a:ext cx="3654000" cy="1334956"/>
+                <a:chOff x="1031400" y="1514326"/>
+                <a:chExt cx="3654000" cy="1334956"/>
+              </a:xfrm>
+            </p:grpSpPr>
+            <p:cxnSp>
+              <p:nvCxnSpPr>
+                <p:cNvPr id="66" name="Straight Connector 65">
+                  <a:extLst>
+                    <a:ext uri="{FF2B5EF4-FFF2-40B4-BE49-F238E27FC236}">
+                      <a16:creationId xmlns:a16="http://schemas.microsoft.com/office/drawing/2014/main" id="{6B5816AB-09D9-260A-7CAB-7E58555DCA5B}"/>
+                    </a:ext>
+                  </a:extLst>
+                </p:cNvPr>
+                <p:cNvCxnSpPr>
+                  <a:cxnSpLocks/>
+                  <a:stCxn id="37" idx="5"/>
+                  <a:endCxn id="60" idx="2"/>
+                </p:cNvCxnSpPr>
+                <p:nvPr/>
+              </p:nvCxnSpPr>
+              <p:spPr>
+                <a:xfrm>
+                  <a:off x="3018954" y="1514326"/>
+                  <a:ext cx="1441446" cy="287988"/>
+                </a:xfrm>
+                <a:prstGeom prst="line">
+                  <a:avLst/>
+                </a:prstGeom>
+                <a:ln w="12700">
+                  <a:solidFill>
+                    <a:srgbClr val="9F979F"/>
+                  </a:solidFill>
+                </a:ln>
+              </p:spPr>
+              <p:style>
+                <a:lnRef idx="1">
+                  <a:schemeClr val="accent1"/>
+                </a:lnRef>
+                <a:fillRef idx="0">
+                  <a:schemeClr val="accent1"/>
+                </a:fillRef>
+                <a:effectRef idx="0">
+                  <a:schemeClr val="accent1"/>
+                </a:effectRef>
+                <a:fontRef idx="minor">
+                  <a:schemeClr val="tx1"/>
+                </a:fontRef>
+              </p:style>
+            </p:cxnSp>
+            <p:cxnSp>
+              <p:nvCxnSpPr>
+                <p:cNvPr id="71" name="Straight Connector 70">
+                  <a:extLst>
+                    <a:ext uri="{FF2B5EF4-FFF2-40B4-BE49-F238E27FC236}">
+                      <a16:creationId xmlns:a16="http://schemas.microsoft.com/office/drawing/2014/main" id="{4673802F-A6B3-53EF-A77B-ED41659659A5}"/>
+                    </a:ext>
+                  </a:extLst>
+                </p:cNvPr>
+                <p:cNvCxnSpPr>
+                  <a:cxnSpLocks/>
+                  <a:stCxn id="37" idx="3"/>
+                  <a:endCxn id="64" idx="6"/>
+                </p:cNvCxnSpPr>
+                <p:nvPr/>
+              </p:nvCxnSpPr>
+              <p:spPr>
+                <a:xfrm flipH="1">
+                  <a:off x="1256400" y="1514326"/>
+                  <a:ext cx="1444356" cy="287988"/>
+                </a:xfrm>
+                <a:prstGeom prst="line">
+                  <a:avLst/>
+                </a:prstGeom>
+                <a:ln w="12700">
+                  <a:solidFill>
+                    <a:srgbClr val="9F979F"/>
+                  </a:solidFill>
+                </a:ln>
+              </p:spPr>
+              <p:style>
+                <a:lnRef idx="1">
+                  <a:schemeClr val="accent1"/>
+                </a:lnRef>
+                <a:fillRef idx="0">
+                  <a:schemeClr val="accent1"/>
+                </a:fillRef>
+                <a:effectRef idx="0">
+                  <a:schemeClr val="accent1"/>
+                </a:effectRef>
+                <a:fontRef idx="minor">
+                  <a:schemeClr val="tx1"/>
+                </a:fontRef>
+              </p:style>
+            </p:cxnSp>
+            <p:cxnSp>
+              <p:nvCxnSpPr>
+                <p:cNvPr id="73" name="Straight Connector 72">
+                  <a:extLst>
+                    <a:ext uri="{FF2B5EF4-FFF2-40B4-BE49-F238E27FC236}">
+                      <a16:creationId xmlns:a16="http://schemas.microsoft.com/office/drawing/2014/main" id="{3DFDFB89-4011-4933-40C9-3A706C5B145E}"/>
+                    </a:ext>
+                  </a:extLst>
+                </p:cNvPr>
+                <p:cNvCxnSpPr>
+                  <a:cxnSpLocks/>
+                  <a:stCxn id="64" idx="4"/>
+                  <a:endCxn id="63" idx="0"/>
+                </p:cNvCxnSpPr>
+                <p:nvPr/>
+              </p:nvCxnSpPr>
+              <p:spPr>
+                <a:xfrm>
+                  <a:off x="1031400" y="2027314"/>
+                  <a:ext cx="0" cy="313332"/>
+                </a:xfrm>
+                <a:prstGeom prst="line">
+                  <a:avLst/>
+                </a:prstGeom>
+                <a:ln w="12700">
+                  <a:solidFill>
+                    <a:srgbClr val="9F979F"/>
+                  </a:solidFill>
+                </a:ln>
+              </p:spPr>
+              <p:style>
+                <a:lnRef idx="1">
+                  <a:schemeClr val="accent1"/>
+                </a:lnRef>
+                <a:fillRef idx="0">
+                  <a:schemeClr val="accent1"/>
+                </a:fillRef>
+                <a:effectRef idx="0">
+                  <a:schemeClr val="accent1"/>
+                </a:effectRef>
+                <a:fontRef idx="minor">
+                  <a:schemeClr val="tx1"/>
+                </a:fontRef>
+              </p:style>
+            </p:cxnSp>
+            <p:cxnSp>
+              <p:nvCxnSpPr>
+                <p:cNvPr id="77" name="Straight Connector 76">
+                  <a:extLst>
+                    <a:ext uri="{FF2B5EF4-FFF2-40B4-BE49-F238E27FC236}">
+                      <a16:creationId xmlns:a16="http://schemas.microsoft.com/office/drawing/2014/main" id="{E3AB7C48-93B5-71B6-D34C-1067AD46BA67}"/>
+                    </a:ext>
+                  </a:extLst>
+                </p:cNvPr>
+                <p:cNvCxnSpPr>
+                  <a:cxnSpLocks/>
+                  <a:stCxn id="63" idx="6"/>
+                  <a:endCxn id="62" idx="1"/>
+                </p:cNvCxnSpPr>
+                <p:nvPr/>
+              </p:nvCxnSpPr>
+              <p:spPr>
+                <a:xfrm>
+                  <a:off x="1256400" y="2565646"/>
+                  <a:ext cx="1444356" cy="283636"/>
+                </a:xfrm>
+                <a:prstGeom prst="line">
+                  <a:avLst/>
+                </a:prstGeom>
+                <a:ln w="12700">
+                  <a:solidFill>
+                    <a:srgbClr val="9F979F"/>
+                  </a:solidFill>
+                </a:ln>
+              </p:spPr>
+              <p:style>
+                <a:lnRef idx="1">
+                  <a:schemeClr val="accent1"/>
+                </a:lnRef>
+                <a:fillRef idx="0">
+                  <a:schemeClr val="accent1"/>
+                </a:fillRef>
+                <a:effectRef idx="0">
+                  <a:schemeClr val="accent1"/>
+                </a:effectRef>
+                <a:fontRef idx="minor">
+                  <a:schemeClr val="tx1"/>
+                </a:fontRef>
+              </p:style>
+            </p:cxnSp>
+            <p:cxnSp>
+              <p:nvCxnSpPr>
+                <p:cNvPr id="79" name="Straight Connector 78">
+                  <a:extLst>
+                    <a:ext uri="{FF2B5EF4-FFF2-40B4-BE49-F238E27FC236}">
+                      <a16:creationId xmlns:a16="http://schemas.microsoft.com/office/drawing/2014/main" id="{160C110F-5CA8-B16C-70C3-9509C7A16C01}"/>
+                    </a:ext>
+                  </a:extLst>
+                </p:cNvPr>
+                <p:cNvCxnSpPr>
+                  <a:cxnSpLocks/>
+                  <a:stCxn id="62" idx="7"/>
+                  <a:endCxn id="61" idx="2"/>
+                </p:cNvCxnSpPr>
+                <p:nvPr/>
+              </p:nvCxnSpPr>
+              <p:spPr>
+                <a:xfrm flipV="1">
+                  <a:off x="3018954" y="2565000"/>
+                  <a:ext cx="1441446" cy="284282"/>
+                </a:xfrm>
+                <a:prstGeom prst="line">
+                  <a:avLst/>
+                </a:prstGeom>
+                <a:ln w="12700">
+                  <a:solidFill>
+                    <a:srgbClr val="9F979F"/>
+                  </a:solidFill>
+                </a:ln>
+              </p:spPr>
+              <p:style>
+                <a:lnRef idx="1">
+                  <a:schemeClr val="accent1"/>
+                </a:lnRef>
+                <a:fillRef idx="0">
+                  <a:schemeClr val="accent1"/>
+                </a:fillRef>
+                <a:effectRef idx="0">
+                  <a:schemeClr val="accent1"/>
+                </a:effectRef>
+                <a:fontRef idx="minor">
+                  <a:schemeClr val="tx1"/>
+                </a:fontRef>
+              </p:style>
+            </p:cxnSp>
+            <p:cxnSp>
+              <p:nvCxnSpPr>
+                <p:cNvPr id="82" name="Straight Connector 81">
+                  <a:extLst>
+                    <a:ext uri="{FF2B5EF4-FFF2-40B4-BE49-F238E27FC236}">
+                      <a16:creationId xmlns:a16="http://schemas.microsoft.com/office/drawing/2014/main" id="{8B4749C5-01F8-874D-6EB3-726BE405F87F}"/>
+                    </a:ext>
+                  </a:extLst>
+                </p:cNvPr>
+                <p:cNvCxnSpPr>
+                  <a:cxnSpLocks/>
+                  <a:stCxn id="61" idx="0"/>
+                  <a:endCxn id="60" idx="4"/>
+                </p:cNvCxnSpPr>
+                <p:nvPr/>
+              </p:nvCxnSpPr>
+              <p:spPr>
+                <a:xfrm flipV="1">
+                  <a:off x="4685400" y="2027314"/>
+                  <a:ext cx="0" cy="312686"/>
+                </a:xfrm>
+                <a:prstGeom prst="line">
+                  <a:avLst/>
+                </a:prstGeom>
+                <a:ln w="12700">
+                  <a:solidFill>
+                    <a:srgbClr val="9F979F"/>
+                  </a:solidFill>
+                </a:ln>
+              </p:spPr>
+              <p:style>
+                <a:lnRef idx="1">
+                  <a:schemeClr val="accent1"/>
+                </a:lnRef>
+                <a:fillRef idx="0">
+                  <a:schemeClr val="accent1"/>
+                </a:fillRef>
+                <a:effectRef idx="0">
+                  <a:schemeClr val="accent1"/>
+                </a:effectRef>
+                <a:fontRef idx="minor">
+                  <a:schemeClr val="tx1"/>
+                </a:fontRef>
+              </p:style>
+            </p:cxnSp>
+          </p:grpSp>
+          <p:grpSp>
+            <p:nvGrpSpPr>
+              <p:cNvPr id="14" name="Group 13">
+                <a:extLst>
+                  <a:ext uri="{FF2B5EF4-FFF2-40B4-BE49-F238E27FC236}">
+                    <a16:creationId xmlns:a16="http://schemas.microsoft.com/office/drawing/2014/main" id="{2D0999AE-677C-7E69-313C-3ED11A8AF07B}"/>
+                  </a:ext>
+                </a:extLst>
+              </p:cNvPr>
+              <p:cNvGrpSpPr/>
+              <p:nvPr/>
+            </p:nvGrpSpPr>
+            <p:grpSpPr>
+              <a:xfrm>
+                <a:off x="573146" y="550711"/>
+                <a:ext cx="4569454" cy="825175"/>
+                <a:chOff x="573146" y="550711"/>
+                <a:chExt cx="4569454" cy="825175"/>
+              </a:xfrm>
+            </p:grpSpPr>
+            <p:cxnSp>
+              <p:nvCxnSpPr>
+                <p:cNvPr id="41" name="Straight Connector 40">
+                  <a:extLst>
+                    <a:ext uri="{FF2B5EF4-FFF2-40B4-BE49-F238E27FC236}">
+                      <a16:creationId xmlns:a16="http://schemas.microsoft.com/office/drawing/2014/main" id="{915204B8-0488-196B-2151-F7B7BB34BF27}"/>
+                    </a:ext>
+                  </a:extLst>
+                </p:cNvPr>
+                <p:cNvCxnSpPr>
+                  <a:cxnSpLocks/>
+                </p:cNvCxnSpPr>
+                <p:nvPr/>
+              </p:nvCxnSpPr>
+              <p:spPr>
+                <a:xfrm>
+                  <a:off x="573146" y="550711"/>
+                  <a:ext cx="2289101" cy="817710"/>
+                </a:xfrm>
+                <a:prstGeom prst="line">
+                  <a:avLst/>
+                </a:prstGeom>
+                <a:ln w="12700">
+                  <a:solidFill>
+                    <a:srgbClr val="9F979F"/>
+                  </a:solidFill>
+                </a:ln>
+              </p:spPr>
+              <p:style>
+                <a:lnRef idx="1">
+                  <a:schemeClr val="accent1"/>
+                </a:lnRef>
+                <a:fillRef idx="0">
+                  <a:schemeClr val="accent1"/>
+                </a:fillRef>
+                <a:effectRef idx="0">
+                  <a:schemeClr val="accent1"/>
+                </a:effectRef>
+                <a:fontRef idx="minor">
+                  <a:schemeClr val="tx1"/>
+                </a:fontRef>
+              </p:style>
+            </p:cxnSp>
+            <p:cxnSp>
+              <p:nvCxnSpPr>
+                <p:cNvPr id="45" name="Straight Connector 44">
+                  <a:extLst>
+                    <a:ext uri="{FF2B5EF4-FFF2-40B4-BE49-F238E27FC236}">
+                      <a16:creationId xmlns:a16="http://schemas.microsoft.com/office/drawing/2014/main" id="{57C150BE-01A7-CF98-ED8D-DDA532D14884}"/>
+                    </a:ext>
+                  </a:extLst>
+                </p:cNvPr>
+                <p:cNvCxnSpPr>
+                  <a:cxnSpLocks/>
+                </p:cNvCxnSpPr>
+                <p:nvPr/>
+              </p:nvCxnSpPr>
+              <p:spPr>
+                <a:xfrm>
+                  <a:off x="1485571" y="580520"/>
+                  <a:ext cx="1394877" cy="795366"/>
+                </a:xfrm>
+                <a:prstGeom prst="line">
+                  <a:avLst/>
+                </a:prstGeom>
+                <a:ln w="12700">
+                  <a:solidFill>
+                    <a:srgbClr val="9F979F"/>
+                  </a:solidFill>
+                </a:ln>
+              </p:spPr>
+              <p:style>
+                <a:lnRef idx="1">
+                  <a:schemeClr val="accent1"/>
+                </a:lnRef>
+                <a:fillRef idx="0">
+                  <a:schemeClr val="accent1"/>
+                </a:fillRef>
+                <a:effectRef idx="0">
+                  <a:schemeClr val="accent1"/>
+                </a:effectRef>
+                <a:fontRef idx="minor">
+                  <a:schemeClr val="tx1"/>
+                </a:fontRef>
+              </p:style>
+            </p:cxnSp>
+            <p:cxnSp>
+              <p:nvCxnSpPr>
+                <p:cNvPr id="48" name="Straight Connector 47">
+                  <a:extLst>
+                    <a:ext uri="{FF2B5EF4-FFF2-40B4-BE49-F238E27FC236}">
+                      <a16:creationId xmlns:a16="http://schemas.microsoft.com/office/drawing/2014/main" id="{2946B45E-6157-3BB5-E2B8-E3BD7E9B64F1}"/>
+                    </a:ext>
+                  </a:extLst>
+                </p:cNvPr>
+                <p:cNvCxnSpPr>
+                  <a:cxnSpLocks/>
+                </p:cNvCxnSpPr>
+                <p:nvPr/>
+              </p:nvCxnSpPr>
+              <p:spPr>
+                <a:xfrm>
+                  <a:off x="2392922" y="580520"/>
+                  <a:ext cx="462235" cy="787901"/>
+                </a:xfrm>
+                <a:prstGeom prst="line">
+                  <a:avLst/>
+                </a:prstGeom>
+                <a:ln w="12700">
+                  <a:solidFill>
+                    <a:srgbClr val="9F979F"/>
+                  </a:solidFill>
+                </a:ln>
+              </p:spPr>
+              <p:style>
+                <a:lnRef idx="1">
+                  <a:schemeClr val="accent1"/>
+                </a:lnRef>
+                <a:fillRef idx="0">
+                  <a:schemeClr val="accent1"/>
+                </a:fillRef>
+                <a:effectRef idx="0">
+                  <a:schemeClr val="accent1"/>
+                </a:effectRef>
+                <a:fontRef idx="minor">
+                  <a:schemeClr val="tx1"/>
+                </a:fontRef>
+              </p:style>
+            </p:cxnSp>
+            <p:cxnSp>
+              <p:nvCxnSpPr>
+                <p:cNvPr id="50" name="Straight Connector 49">
+                  <a:extLst>
+                    <a:ext uri="{FF2B5EF4-FFF2-40B4-BE49-F238E27FC236}">
+                      <a16:creationId xmlns:a16="http://schemas.microsoft.com/office/drawing/2014/main" id="{30915596-1A0E-01A6-73A8-D877BD4455E3}"/>
+                    </a:ext>
+                  </a:extLst>
+                </p:cNvPr>
+                <p:cNvCxnSpPr>
+                  <a:cxnSpLocks/>
+                </p:cNvCxnSpPr>
+                <p:nvPr/>
+              </p:nvCxnSpPr>
+              <p:spPr>
+                <a:xfrm flipH="1">
+                  <a:off x="2865240" y="577129"/>
+                  <a:ext cx="451255" cy="776690"/>
+                </a:xfrm>
+                <a:prstGeom prst="line">
+                  <a:avLst/>
+                </a:prstGeom>
+                <a:ln w="12700">
+                  <a:solidFill>
+                    <a:srgbClr val="9F979F"/>
+                  </a:solidFill>
+                </a:ln>
+              </p:spPr>
+              <p:style>
+                <a:lnRef idx="1">
+                  <a:schemeClr val="accent1"/>
+                </a:lnRef>
+                <a:fillRef idx="0">
+                  <a:schemeClr val="accent1"/>
+                </a:fillRef>
+                <a:effectRef idx="0">
+                  <a:schemeClr val="accent1"/>
+                </a:effectRef>
+                <a:fontRef idx="minor">
+                  <a:schemeClr val="tx1"/>
+                </a:fontRef>
+              </p:style>
+            </p:cxnSp>
+            <p:cxnSp>
+              <p:nvCxnSpPr>
+                <p:cNvPr id="57" name="Straight Connector 56">
+                  <a:extLst>
+                    <a:ext uri="{FF2B5EF4-FFF2-40B4-BE49-F238E27FC236}">
+                      <a16:creationId xmlns:a16="http://schemas.microsoft.com/office/drawing/2014/main" id="{05D3CBBF-54B8-E006-2E56-ED4236E144FC}"/>
+                    </a:ext>
+                  </a:extLst>
+                </p:cNvPr>
+                <p:cNvCxnSpPr>
+                  <a:cxnSpLocks/>
+                </p:cNvCxnSpPr>
+                <p:nvPr/>
+              </p:nvCxnSpPr>
+              <p:spPr>
+                <a:xfrm flipH="1">
+                  <a:off x="2851560" y="559609"/>
+                  <a:ext cx="1378615" cy="800675"/>
+                </a:xfrm>
+                <a:prstGeom prst="line">
+                  <a:avLst/>
+                </a:prstGeom>
+                <a:ln w="12700">
+                  <a:solidFill>
+                    <a:srgbClr val="9F979F"/>
+                  </a:solidFill>
+                </a:ln>
+              </p:spPr>
+              <p:style>
+                <a:lnRef idx="1">
+                  <a:schemeClr val="accent1"/>
+                </a:lnRef>
+                <a:fillRef idx="0">
+                  <a:schemeClr val="accent1"/>
+                </a:fillRef>
+                <a:effectRef idx="0">
+                  <a:schemeClr val="accent1"/>
+                </a:effectRef>
+                <a:fontRef idx="minor">
+                  <a:schemeClr val="tx1"/>
+                </a:fontRef>
+              </p:style>
+            </p:cxnSp>
+            <p:cxnSp>
+              <p:nvCxnSpPr>
+                <p:cNvPr id="59" name="Straight Connector 58">
+                  <a:extLst>
+                    <a:ext uri="{FF2B5EF4-FFF2-40B4-BE49-F238E27FC236}">
+                      <a16:creationId xmlns:a16="http://schemas.microsoft.com/office/drawing/2014/main" id="{D8F28395-286E-00F9-955F-5BC02B4CB613}"/>
+                    </a:ext>
+                  </a:extLst>
+                </p:cNvPr>
+                <p:cNvCxnSpPr>
+                  <a:cxnSpLocks/>
+                </p:cNvCxnSpPr>
+                <p:nvPr/>
+              </p:nvCxnSpPr>
+              <p:spPr>
+                <a:xfrm flipH="1">
+                  <a:off x="2859855" y="566313"/>
+                  <a:ext cx="2282745" cy="793971"/>
+                </a:xfrm>
+                <a:prstGeom prst="line">
+                  <a:avLst/>
+                </a:prstGeom>
+                <a:ln w="12700">
+                  <a:solidFill>
+                    <a:srgbClr val="9F979F"/>
+                  </a:solidFill>
+                </a:ln>
+              </p:spPr>
+              <p:style>
+                <a:lnRef idx="1">
+                  <a:schemeClr val="accent1"/>
+                </a:lnRef>
+                <a:fillRef idx="0">
+                  <a:schemeClr val="accent1"/>
+                </a:fillRef>
+                <a:effectRef idx="0">
+                  <a:schemeClr val="accent1"/>
+                </a:effectRef>
+                <a:fontRef idx="minor">
+                  <a:schemeClr val="tx1"/>
+                </a:fontRef>
+              </p:style>
+            </p:cxnSp>
+          </p:grpSp>
+          <p:grpSp>
+            <p:nvGrpSpPr>
+              <p:cNvPr id="20" name="Group 19">
+                <a:extLst>
+                  <a:ext uri="{FF2B5EF4-FFF2-40B4-BE49-F238E27FC236}">
+                    <a16:creationId xmlns:a16="http://schemas.microsoft.com/office/drawing/2014/main" id="{6AEB60FA-D876-551A-02E9-4BBD2A7DF61E}"/>
+                  </a:ext>
+                </a:extLst>
+              </p:cNvPr>
+              <p:cNvGrpSpPr/>
+              <p:nvPr/>
+            </p:nvGrpSpPr>
+            <p:grpSpPr>
+              <a:xfrm>
+                <a:off x="806400" y="1130227"/>
+                <a:ext cx="4104000" cy="2103154"/>
+                <a:chOff x="806400" y="1130227"/>
+                <a:chExt cx="4104000" cy="2103154"/>
+              </a:xfrm>
+            </p:grpSpPr>
+            <p:sp>
+              <p:nvSpPr>
+                <p:cNvPr id="60" name="Oval 59">
+                  <a:extLst>
+                    <a:ext uri="{FF2B5EF4-FFF2-40B4-BE49-F238E27FC236}">
+                      <a16:creationId xmlns:a16="http://schemas.microsoft.com/office/drawing/2014/main" id="{A65E0101-56FA-23B7-2E4C-F52C70312EC9}"/>
+                    </a:ext>
+                  </a:extLst>
+                </p:cNvPr>
+                <p:cNvSpPr/>
+                <p:nvPr/>
+              </p:nvSpPr>
+              <p:spPr>
+                <a:xfrm>
+                  <a:off x="4460400" y="1577314"/>
+                  <a:ext cx="450000" cy="450000"/>
+                </a:xfrm>
+                <a:prstGeom prst="ellipse">
+                  <a:avLst/>
+                </a:prstGeom>
+                <a:solidFill>
+                  <a:srgbClr val="1C1D20"/>
+                </a:solidFill>
+                <a:ln w="19050">
+                  <a:solidFill>
+                    <a:srgbClr val="475281"/>
+                  </a:solidFill>
+                </a:ln>
+              </p:spPr>
+              <p:style>
+                <a:lnRef idx="2">
+                  <a:schemeClr val="accent1">
+                    <a:shade val="15000"/>
+                  </a:schemeClr>
+                </a:lnRef>
+                <a:fillRef idx="1">
+                  <a:schemeClr val="accent1"/>
+                </a:fillRef>
+                <a:effectRef idx="0">
+                  <a:schemeClr val="accent1"/>
+                </a:effectRef>
+                <a:fontRef idx="minor">
+                  <a:schemeClr val="lt1"/>
+                </a:fontRef>
+              </p:style>
+              <p:txBody>
+                <a:bodyPr lIns="36000" tIns="36000" rIns="36000" bIns="36000" rtlCol="0" anchor="ctr"/>
+                <a:lstStyle/>
+                <a:p>
+                  <a:pPr algn="ctr"/>
+                  <a:r>
+                    <a:rPr lang="en-SG" sz="1200" i="1" dirty="0"/>
+                    <a:t>r</a:t>
+                  </a:r>
+                </a:p>
+              </p:txBody>
+            </p:sp>
+            <p:sp>
+              <p:nvSpPr>
+                <p:cNvPr id="61" name="Oval 60">
+                  <a:extLst>
+                    <a:ext uri="{FF2B5EF4-FFF2-40B4-BE49-F238E27FC236}">
+                      <a16:creationId xmlns:a16="http://schemas.microsoft.com/office/drawing/2014/main" id="{E5332B3C-5AD5-4166-CA26-256883998AB5}"/>
+                    </a:ext>
+                  </a:extLst>
+                </p:cNvPr>
+                <p:cNvSpPr/>
+                <p:nvPr/>
+              </p:nvSpPr>
+              <p:spPr>
+                <a:xfrm>
+                  <a:off x="4460400" y="2340000"/>
+                  <a:ext cx="450000" cy="450000"/>
+                </a:xfrm>
+                <a:prstGeom prst="ellipse">
+                  <a:avLst/>
+                </a:prstGeom>
+                <a:solidFill>
+                  <a:srgbClr val="1C1D20"/>
+                </a:solidFill>
+                <a:ln w="19050">
+                  <a:solidFill>
+                    <a:srgbClr val="475281"/>
+                  </a:solidFill>
+                </a:ln>
+              </p:spPr>
+              <p:style>
+                <a:lnRef idx="2">
+                  <a:schemeClr val="accent1">
+                    <a:shade val="15000"/>
+                  </a:schemeClr>
+                </a:lnRef>
+                <a:fillRef idx="1">
+                  <a:schemeClr val="accent1"/>
+                </a:fillRef>
+                <a:effectRef idx="0">
+                  <a:schemeClr val="accent1"/>
+                </a:effectRef>
+                <a:fontRef idx="minor">
+                  <a:schemeClr val="lt1"/>
+                </a:fontRef>
+              </p:style>
+              <p:txBody>
+                <a:bodyPr lIns="36000" tIns="36000" rIns="36000" bIns="36000" rtlCol="0" anchor="ctr"/>
+                <a:lstStyle/>
+                <a:p>
+                  <a:pPr algn="ctr"/>
+                  <a:r>
+                    <a:rPr lang="en-SG" sz="1200" i="1" dirty="0"/>
+                    <a:t>r</a:t>
+                  </a:r>
+                  <a:r>
+                    <a:rPr lang="en-SG" sz="1200" i="1" baseline="30000" dirty="0"/>
+                    <a:t>2</a:t>
+                  </a:r>
+                </a:p>
+              </p:txBody>
+            </p:sp>
+            <p:sp>
+              <p:nvSpPr>
+                <p:cNvPr id="62" name="Oval 61">
+                  <a:extLst>
+                    <a:ext uri="{FF2B5EF4-FFF2-40B4-BE49-F238E27FC236}">
+                      <a16:creationId xmlns:a16="http://schemas.microsoft.com/office/drawing/2014/main" id="{094245E9-C0FA-16D7-50F1-9F8DE90B9BEA}"/>
+                    </a:ext>
+                  </a:extLst>
+                </p:cNvPr>
+                <p:cNvSpPr/>
+                <p:nvPr/>
+              </p:nvSpPr>
+              <p:spPr>
+                <a:xfrm>
+                  <a:off x="2634855" y="2783381"/>
+                  <a:ext cx="450000" cy="450000"/>
+                </a:xfrm>
+                <a:prstGeom prst="ellipse">
+                  <a:avLst/>
+                </a:prstGeom>
+                <a:solidFill>
+                  <a:srgbClr val="1C1D20"/>
+                </a:solidFill>
+                <a:ln w="19050">
+                  <a:solidFill>
+                    <a:srgbClr val="475281"/>
+                  </a:solidFill>
+                </a:ln>
+              </p:spPr>
+              <p:style>
+                <a:lnRef idx="2">
+                  <a:schemeClr val="accent1">
+                    <a:shade val="15000"/>
+                  </a:schemeClr>
+                </a:lnRef>
+                <a:fillRef idx="1">
+                  <a:schemeClr val="accent1"/>
+                </a:fillRef>
+                <a:effectRef idx="0">
+                  <a:schemeClr val="accent1"/>
+                </a:effectRef>
+                <a:fontRef idx="minor">
+                  <a:schemeClr val="lt1"/>
+                </a:fontRef>
+              </p:style>
+              <p:txBody>
+                <a:bodyPr lIns="36000" tIns="36000" rIns="36000" bIns="36000" rtlCol="0" anchor="ctr"/>
+                <a:lstStyle/>
+                <a:p>
+                  <a:pPr algn="ctr"/>
+                  <a:r>
+                    <a:rPr lang="en-SG" sz="1200" i="1" dirty="0"/>
+                    <a:t>r</a:t>
+                  </a:r>
+                  <a:r>
+                    <a:rPr lang="en-SG" sz="1200" i="1" baseline="30000" dirty="0"/>
+                    <a:t>3</a:t>
+                  </a:r>
+                </a:p>
+              </p:txBody>
+            </p:sp>
+            <p:sp>
+              <p:nvSpPr>
+                <p:cNvPr id="63" name="Oval 62">
+                  <a:extLst>
+                    <a:ext uri="{FF2B5EF4-FFF2-40B4-BE49-F238E27FC236}">
+                      <a16:creationId xmlns:a16="http://schemas.microsoft.com/office/drawing/2014/main" id="{44C4C3EE-D09B-8D4F-1D26-D86849440652}"/>
+                    </a:ext>
+                  </a:extLst>
+                </p:cNvPr>
+                <p:cNvSpPr/>
+                <p:nvPr/>
+              </p:nvSpPr>
+              <p:spPr>
+                <a:xfrm>
+                  <a:off x="806400" y="2340646"/>
+                  <a:ext cx="450000" cy="450000"/>
+                </a:xfrm>
+                <a:prstGeom prst="ellipse">
+                  <a:avLst/>
+                </a:prstGeom>
+                <a:solidFill>
+                  <a:srgbClr val="1C1D20"/>
+                </a:solidFill>
+                <a:ln w="19050">
+                  <a:solidFill>
+                    <a:srgbClr val="475281"/>
+                  </a:solidFill>
+                </a:ln>
+              </p:spPr>
+              <p:style>
+                <a:lnRef idx="2">
+                  <a:schemeClr val="accent1">
+                    <a:shade val="15000"/>
+                  </a:schemeClr>
+                </a:lnRef>
+                <a:fillRef idx="1">
+                  <a:schemeClr val="accent1"/>
+                </a:fillRef>
+                <a:effectRef idx="0">
+                  <a:schemeClr val="accent1"/>
+                </a:effectRef>
+                <a:fontRef idx="minor">
+                  <a:schemeClr val="lt1"/>
+                </a:fontRef>
+              </p:style>
+              <p:txBody>
+                <a:bodyPr lIns="36000" tIns="36000" rIns="36000" bIns="36000" rtlCol="0" anchor="ctr"/>
+                <a:lstStyle/>
+                <a:p>
+                  <a:pPr algn="ctr"/>
+                  <a:r>
+                    <a:rPr lang="en-SG" sz="1200" i="1" dirty="0"/>
+                    <a:t>r</a:t>
+                  </a:r>
+                  <a:r>
+                    <a:rPr lang="en-SG" sz="1200" i="1" baseline="30000" dirty="0"/>
+                    <a:t>4</a:t>
+                  </a:r>
+                </a:p>
+              </p:txBody>
+            </p:sp>
+            <p:sp>
+              <p:nvSpPr>
+                <p:cNvPr id="64" name="Oval 63">
+                  <a:extLst>
+                    <a:ext uri="{FF2B5EF4-FFF2-40B4-BE49-F238E27FC236}">
+                      <a16:creationId xmlns:a16="http://schemas.microsoft.com/office/drawing/2014/main" id="{4B631057-B3D0-44A0-0A98-B06B20C30459}"/>
+                    </a:ext>
+                  </a:extLst>
+                </p:cNvPr>
+                <p:cNvSpPr/>
+                <p:nvPr/>
+              </p:nvSpPr>
+              <p:spPr>
+                <a:xfrm>
+                  <a:off x="806400" y="1577314"/>
+                  <a:ext cx="450000" cy="450000"/>
+                </a:xfrm>
+                <a:prstGeom prst="ellipse">
+                  <a:avLst/>
+                </a:prstGeom>
+                <a:solidFill>
+                  <a:srgbClr val="1C1D20"/>
+                </a:solidFill>
+                <a:ln w="19050">
+                  <a:solidFill>
+                    <a:srgbClr val="475281"/>
+                  </a:solidFill>
+                </a:ln>
+              </p:spPr>
+              <p:style>
+                <a:lnRef idx="2">
+                  <a:schemeClr val="accent1">
+                    <a:shade val="15000"/>
+                  </a:schemeClr>
+                </a:lnRef>
+                <a:fillRef idx="1">
+                  <a:schemeClr val="accent1"/>
+                </a:fillRef>
+                <a:effectRef idx="0">
+                  <a:schemeClr val="accent1"/>
+                </a:effectRef>
+                <a:fontRef idx="minor">
+                  <a:schemeClr val="lt1"/>
+                </a:fontRef>
+              </p:style>
+              <p:txBody>
+                <a:bodyPr lIns="36000" tIns="36000" rIns="36000" bIns="36000" rtlCol="0" anchor="ctr"/>
+                <a:lstStyle/>
+                <a:p>
+                  <a:pPr algn="ctr"/>
+                  <a:r>
+                    <a:rPr lang="en-SG" sz="1200" i="1" dirty="0"/>
+                    <a:t>r</a:t>
+                  </a:r>
+                  <a:r>
+                    <a:rPr lang="en-SG" sz="1200" i="1" baseline="30000" dirty="0"/>
+                    <a:t>5</a:t>
+                  </a:r>
+                </a:p>
+              </p:txBody>
+            </p:sp>
+            <p:sp>
+              <p:nvSpPr>
+                <p:cNvPr id="37" name="Oval 36">
+                  <a:extLst>
+                    <a:ext uri="{FF2B5EF4-FFF2-40B4-BE49-F238E27FC236}">
+                      <a16:creationId xmlns:a16="http://schemas.microsoft.com/office/drawing/2014/main" id="{EEEEFC5D-3D1D-CCA7-F066-A16DDBCCFE78}"/>
+                    </a:ext>
+                  </a:extLst>
+                </p:cNvPr>
+                <p:cNvSpPr/>
+                <p:nvPr/>
+              </p:nvSpPr>
+              <p:spPr>
+                <a:xfrm>
+                  <a:off x="2634855" y="1130227"/>
+                  <a:ext cx="450000" cy="450000"/>
+                </a:xfrm>
+                <a:prstGeom prst="ellipse">
+                  <a:avLst/>
+                </a:prstGeom>
+                <a:solidFill>
+                  <a:srgbClr val="1C1D20"/>
+                </a:solidFill>
+                <a:ln w="19050">
+                  <a:solidFill>
+                    <a:srgbClr val="475281"/>
+                  </a:solidFill>
+                </a:ln>
+              </p:spPr>
+              <p:style>
+                <a:lnRef idx="2">
+                  <a:schemeClr val="accent1">
+                    <a:shade val="15000"/>
+                  </a:schemeClr>
+                </a:lnRef>
+                <a:fillRef idx="1">
+                  <a:schemeClr val="accent1"/>
+                </a:fillRef>
+                <a:effectRef idx="0">
+                  <a:schemeClr val="accent1"/>
+                </a:effectRef>
+                <a:fontRef idx="minor">
+                  <a:schemeClr val="lt1"/>
+                </a:fontRef>
+              </p:style>
+              <p:txBody>
+                <a:bodyPr lIns="36000" tIns="36000" rIns="36000" bIns="36000" rtlCol="0" anchor="ctr"/>
+                <a:lstStyle/>
+                <a:p>
+                  <a:pPr algn="ctr"/>
+                  <a:r>
+                    <a:rPr lang="en-SG" sz="1200" i="1" dirty="0"/>
+                    <a:t>e</a:t>
+                  </a:r>
+                </a:p>
+              </p:txBody>
+            </p:sp>
+          </p:grpSp>
+          <p:grpSp>
+            <p:nvGrpSpPr>
+              <p:cNvPr id="16" name="Group 15">
+                <a:extLst>
+                  <a:ext uri="{FF2B5EF4-FFF2-40B4-BE49-F238E27FC236}">
+                    <a16:creationId xmlns:a16="http://schemas.microsoft.com/office/drawing/2014/main" id="{0A4A566E-C639-4687-9237-284476AB35E5}"/>
+                  </a:ext>
+                </a:extLst>
+              </p:cNvPr>
+              <p:cNvGrpSpPr/>
+              <p:nvPr/>
+            </p:nvGrpSpPr>
+            <p:grpSpPr>
+              <a:xfrm>
+                <a:off x="349200" y="338400"/>
+                <a:ext cx="5018400" cy="450000"/>
+                <a:chOff x="349200" y="338400"/>
+                <a:chExt cx="5018400" cy="450000"/>
+              </a:xfrm>
+            </p:grpSpPr>
+            <p:sp>
+              <p:nvSpPr>
+                <p:cNvPr id="30" name="Oval 29">
+                  <a:extLst>
+                    <a:ext uri="{FF2B5EF4-FFF2-40B4-BE49-F238E27FC236}">
+                      <a16:creationId xmlns:a16="http://schemas.microsoft.com/office/drawing/2014/main" id="{9D73A3FA-2B9C-6BA4-75C6-AE3AB3148AB1}"/>
+                    </a:ext>
+                  </a:extLst>
+                </p:cNvPr>
+                <p:cNvSpPr/>
+                <p:nvPr/>
+              </p:nvSpPr>
+              <p:spPr>
+                <a:xfrm>
+                  <a:off x="349200" y="338400"/>
+                  <a:ext cx="450000" cy="450000"/>
+                </a:xfrm>
+                <a:prstGeom prst="ellipse">
+                  <a:avLst/>
+                </a:prstGeom>
+                <a:solidFill>
+                  <a:srgbClr val="1C1D20"/>
+                </a:solidFill>
+                <a:ln w="19050">
+                  <a:solidFill>
+                    <a:srgbClr val="475281"/>
+                  </a:solidFill>
+                </a:ln>
+              </p:spPr>
+              <p:style>
+                <a:lnRef idx="2">
+                  <a:schemeClr val="accent1">
+                    <a:shade val="15000"/>
+                  </a:schemeClr>
+                </a:lnRef>
+                <a:fillRef idx="1">
+                  <a:schemeClr val="accent1"/>
+                </a:fillRef>
+                <a:effectRef idx="0">
+                  <a:schemeClr val="accent1"/>
+                </a:effectRef>
+                <a:fontRef idx="minor">
+                  <a:schemeClr val="lt1"/>
+                </a:fontRef>
+              </p:style>
+              <p:txBody>
+                <a:bodyPr lIns="36000" tIns="36000" rIns="36000" bIns="36000" rtlCol="0" anchor="ctr"/>
+                <a:lstStyle/>
+                <a:p>
+                  <a:pPr algn="ctr"/>
+                  <a:r>
+                    <a:rPr lang="en-SG" sz="1200" i="1" kern="0" dirty="0"/>
+                    <a:t>s</a:t>
+                  </a:r>
+                </a:p>
+              </p:txBody>
+            </p:sp>
+            <p:sp>
+              <p:nvSpPr>
+                <p:cNvPr id="32" name="Oval 31">
+                  <a:extLst>
+                    <a:ext uri="{FF2B5EF4-FFF2-40B4-BE49-F238E27FC236}">
+                      <a16:creationId xmlns:a16="http://schemas.microsoft.com/office/drawing/2014/main" id="{0E2CB9EF-41CF-59F1-A148-E3A705DF1775}"/>
+                    </a:ext>
+                  </a:extLst>
+                </p:cNvPr>
+                <p:cNvSpPr/>
+                <p:nvPr/>
+              </p:nvSpPr>
+              <p:spPr>
+                <a:xfrm>
+                  <a:off x="1262880" y="338400"/>
+                  <a:ext cx="450000" cy="450000"/>
+                </a:xfrm>
+                <a:prstGeom prst="ellipse">
+                  <a:avLst/>
+                </a:prstGeom>
+                <a:solidFill>
+                  <a:srgbClr val="1C1D20"/>
+                </a:solidFill>
+                <a:ln w="19050">
+                  <a:solidFill>
+                    <a:srgbClr val="475281"/>
+                  </a:solidFill>
+                </a:ln>
+              </p:spPr>
+              <p:style>
+                <a:lnRef idx="2">
+                  <a:schemeClr val="accent1">
+                    <a:shade val="15000"/>
+                  </a:schemeClr>
+                </a:lnRef>
+                <a:fillRef idx="1">
+                  <a:schemeClr val="accent1"/>
+                </a:fillRef>
+                <a:effectRef idx="0">
+                  <a:schemeClr val="accent1"/>
+                </a:effectRef>
+                <a:fontRef idx="minor">
+                  <a:schemeClr val="lt1"/>
+                </a:fontRef>
+              </p:style>
+              <p:txBody>
+                <a:bodyPr lIns="36000" tIns="36000" rIns="36000" bIns="36000" rtlCol="0" anchor="ctr"/>
+                <a:lstStyle/>
+                <a:p>
+                  <a:pPr algn="ctr"/>
+                  <a:r>
+                    <a:rPr lang="en-SG" sz="1200" i="1" kern="0" dirty="0"/>
+                    <a:t>rs</a:t>
+                  </a:r>
+                </a:p>
+              </p:txBody>
+            </p:sp>
+            <p:sp>
+              <p:nvSpPr>
+                <p:cNvPr id="33" name="Oval 32">
+                  <a:extLst>
+                    <a:ext uri="{FF2B5EF4-FFF2-40B4-BE49-F238E27FC236}">
+                      <a16:creationId xmlns:a16="http://schemas.microsoft.com/office/drawing/2014/main" id="{CF4EFF7F-BA38-BDF9-3584-EB5060BC982C}"/>
+                    </a:ext>
+                  </a:extLst>
+                </p:cNvPr>
+                <p:cNvSpPr/>
+                <p:nvPr/>
+              </p:nvSpPr>
+              <p:spPr>
+                <a:xfrm>
+                  <a:off x="2176560" y="338400"/>
+                  <a:ext cx="450000" cy="450000"/>
+                </a:xfrm>
+                <a:prstGeom prst="ellipse">
+                  <a:avLst/>
+                </a:prstGeom>
+                <a:solidFill>
+                  <a:srgbClr val="1C1D20"/>
+                </a:solidFill>
+                <a:ln w="19050">
+                  <a:solidFill>
+                    <a:srgbClr val="475281"/>
+                  </a:solidFill>
+                </a:ln>
+              </p:spPr>
+              <p:style>
+                <a:lnRef idx="2">
+                  <a:schemeClr val="accent1">
+                    <a:shade val="15000"/>
+                  </a:schemeClr>
+                </a:lnRef>
+                <a:fillRef idx="1">
+                  <a:schemeClr val="accent1"/>
+                </a:fillRef>
+                <a:effectRef idx="0">
+                  <a:schemeClr val="accent1"/>
+                </a:effectRef>
+                <a:fontRef idx="minor">
+                  <a:schemeClr val="lt1"/>
+                </a:fontRef>
+              </p:style>
+              <p:txBody>
+                <a:bodyPr lIns="36000" tIns="36000" rIns="36000" bIns="36000" rtlCol="0" anchor="ctr"/>
+                <a:lstStyle/>
+                <a:p>
+                  <a:pPr algn="ctr"/>
+                  <a:r>
+                    <a:rPr lang="en-SG" sz="1200" i="1" kern="0" dirty="0"/>
+                    <a:t>r</a:t>
+                  </a:r>
+                  <a:r>
+                    <a:rPr lang="en-SG" sz="1200" i="1" kern="0" baseline="30000" dirty="0"/>
+                    <a:t>2</a:t>
+                  </a:r>
+                  <a:r>
+                    <a:rPr lang="en-SG" sz="1200" i="1" kern="0" dirty="0"/>
+                    <a:t>s</a:t>
+                  </a:r>
+                  <a:endParaRPr lang="en-SG" sz="2000" i="1" kern="0" dirty="0"/>
+                </a:p>
+              </p:txBody>
+            </p:sp>
+            <p:sp>
+              <p:nvSpPr>
+                <p:cNvPr id="34" name="Oval 33">
+                  <a:extLst>
+                    <a:ext uri="{FF2B5EF4-FFF2-40B4-BE49-F238E27FC236}">
+                      <a16:creationId xmlns:a16="http://schemas.microsoft.com/office/drawing/2014/main" id="{D30451EA-675A-8D63-254D-A61D4D320B69}"/>
+                    </a:ext>
+                  </a:extLst>
+                </p:cNvPr>
+                <p:cNvSpPr/>
+                <p:nvPr/>
+              </p:nvSpPr>
+              <p:spPr>
+                <a:xfrm>
+                  <a:off x="3090240" y="338400"/>
+                  <a:ext cx="450000" cy="450000"/>
+                </a:xfrm>
+                <a:prstGeom prst="ellipse">
+                  <a:avLst/>
+                </a:prstGeom>
+                <a:solidFill>
+                  <a:srgbClr val="1C1D20"/>
+                </a:solidFill>
+                <a:ln w="19050">
+                  <a:solidFill>
+                    <a:srgbClr val="475281"/>
+                  </a:solidFill>
+                </a:ln>
+              </p:spPr>
+              <p:style>
+                <a:lnRef idx="2">
+                  <a:schemeClr val="accent1">
+                    <a:shade val="15000"/>
+                  </a:schemeClr>
+                </a:lnRef>
+                <a:fillRef idx="1">
+                  <a:schemeClr val="accent1"/>
+                </a:fillRef>
+                <a:effectRef idx="0">
+                  <a:schemeClr val="accent1"/>
+                </a:effectRef>
+                <a:fontRef idx="minor">
+                  <a:schemeClr val="lt1"/>
+                </a:fontRef>
+              </p:style>
+              <p:txBody>
+                <a:bodyPr lIns="36000" tIns="36000" rIns="36000" bIns="36000" rtlCol="0" anchor="ctr"/>
+                <a:lstStyle/>
+                <a:p>
+                  <a:pPr algn="ctr"/>
+                  <a:r>
+                    <a:rPr lang="en-SG" sz="1200" i="1" kern="0" dirty="0"/>
+                    <a:t>r</a:t>
+                  </a:r>
+                  <a:r>
+                    <a:rPr lang="en-SG" sz="1200" i="1" kern="0" baseline="30000" dirty="0"/>
+                    <a:t>3</a:t>
+                  </a:r>
+                  <a:r>
+                    <a:rPr lang="en-SG" sz="1200" i="1" kern="0" dirty="0"/>
+                    <a:t>s</a:t>
+                  </a:r>
+                  <a:endParaRPr lang="en-SG" sz="2000" i="1" kern="0" dirty="0"/>
+                </a:p>
+              </p:txBody>
+            </p:sp>
+            <p:sp>
+              <p:nvSpPr>
+                <p:cNvPr id="35" name="Oval 34">
+                  <a:extLst>
+                    <a:ext uri="{FF2B5EF4-FFF2-40B4-BE49-F238E27FC236}">
+                      <a16:creationId xmlns:a16="http://schemas.microsoft.com/office/drawing/2014/main" id="{48D112B0-9D37-465B-BDEA-6163A81B2800}"/>
+                    </a:ext>
+                  </a:extLst>
+                </p:cNvPr>
+                <p:cNvSpPr/>
+                <p:nvPr/>
+              </p:nvSpPr>
+              <p:spPr>
+                <a:xfrm>
+                  <a:off x="4003920" y="338400"/>
+                  <a:ext cx="450000" cy="450000"/>
+                </a:xfrm>
+                <a:prstGeom prst="ellipse">
+                  <a:avLst/>
+                </a:prstGeom>
+                <a:solidFill>
+                  <a:srgbClr val="1C1D20"/>
+                </a:solidFill>
+                <a:ln w="19050">
+                  <a:solidFill>
+                    <a:srgbClr val="475281"/>
+                  </a:solidFill>
+                </a:ln>
+              </p:spPr>
+              <p:style>
+                <a:lnRef idx="2">
+                  <a:schemeClr val="accent1">
+                    <a:shade val="15000"/>
+                  </a:schemeClr>
+                </a:lnRef>
+                <a:fillRef idx="1">
+                  <a:schemeClr val="accent1"/>
+                </a:fillRef>
+                <a:effectRef idx="0">
+                  <a:schemeClr val="accent1"/>
+                </a:effectRef>
+                <a:fontRef idx="minor">
+                  <a:schemeClr val="lt1"/>
+                </a:fontRef>
+              </p:style>
+              <p:txBody>
+                <a:bodyPr lIns="36000" tIns="36000" rIns="36000" bIns="36000" rtlCol="0" anchor="ctr"/>
+                <a:lstStyle/>
+                <a:p>
+                  <a:pPr algn="ctr"/>
+                  <a:r>
+                    <a:rPr lang="en-SG" sz="1200" i="1" kern="0" dirty="0"/>
+                    <a:t>r</a:t>
+                  </a:r>
+                  <a:r>
+                    <a:rPr lang="en-SG" sz="1200" i="1" kern="0" baseline="30000" dirty="0"/>
+                    <a:t>4</a:t>
+                  </a:r>
+                  <a:r>
+                    <a:rPr lang="en-SG" sz="1200" i="1" kern="0" dirty="0"/>
+                    <a:t>s</a:t>
+                  </a:r>
+                  <a:endParaRPr lang="en-SG" sz="2000" i="1" kern="0" dirty="0"/>
+                </a:p>
+              </p:txBody>
+            </p:sp>
+            <p:sp>
+              <p:nvSpPr>
+                <p:cNvPr id="36" name="Oval 35">
+                  <a:extLst>
+                    <a:ext uri="{FF2B5EF4-FFF2-40B4-BE49-F238E27FC236}">
+                      <a16:creationId xmlns:a16="http://schemas.microsoft.com/office/drawing/2014/main" id="{500CE131-13AE-CED9-2375-A4C64DE44CC3}"/>
+                    </a:ext>
+                  </a:extLst>
+                </p:cNvPr>
+                <p:cNvSpPr/>
+                <p:nvPr/>
+              </p:nvSpPr>
+              <p:spPr>
+                <a:xfrm>
+                  <a:off x="4917600" y="338400"/>
+                  <a:ext cx="450000" cy="450000"/>
+                </a:xfrm>
+                <a:prstGeom prst="ellipse">
+                  <a:avLst/>
+                </a:prstGeom>
+                <a:solidFill>
+                  <a:srgbClr val="1C1D20"/>
+                </a:solidFill>
+                <a:ln w="19050">
+                  <a:solidFill>
+                    <a:srgbClr val="475281"/>
+                  </a:solidFill>
+                </a:ln>
+              </p:spPr>
+              <p:style>
+                <a:lnRef idx="2">
+                  <a:schemeClr val="accent1">
+                    <a:shade val="15000"/>
+                  </a:schemeClr>
+                </a:lnRef>
+                <a:fillRef idx="1">
+                  <a:schemeClr val="accent1"/>
+                </a:fillRef>
+                <a:effectRef idx="0">
+                  <a:schemeClr val="accent1"/>
+                </a:effectRef>
+                <a:fontRef idx="minor">
+                  <a:schemeClr val="lt1"/>
+                </a:fontRef>
+              </p:style>
+              <p:txBody>
+                <a:bodyPr lIns="36000" tIns="36000" rIns="36000" bIns="36000" rtlCol="0" anchor="ctr"/>
+                <a:lstStyle/>
+                <a:p>
+                  <a:pPr algn="ctr"/>
+                  <a:r>
+                    <a:rPr lang="en-SG" sz="1200" i="1" kern="0" dirty="0"/>
+                    <a:t>r</a:t>
+                  </a:r>
+                  <a:r>
+                    <a:rPr lang="en-SG" sz="1200" i="1" kern="0" baseline="30000" dirty="0"/>
+                    <a:t>5</a:t>
+                  </a:r>
+                  <a:r>
+                    <a:rPr lang="en-SG" sz="1200" i="1" kern="0" dirty="0"/>
+                    <a:t>s</a:t>
+                  </a:r>
+                  <a:endParaRPr lang="en-SG" sz="2000" i="1" kern="0" dirty="0"/>
+                </a:p>
+              </p:txBody>
+            </p:sp>
+          </p:grpSp>
+          <p:sp>
+            <p:nvSpPr>
+              <p:cNvPr id="5" name="Hero Text">
+                <a:extLst>
+                  <a:ext uri="{FF2B5EF4-FFF2-40B4-BE49-F238E27FC236}">
+                    <a16:creationId xmlns:a16="http://schemas.microsoft.com/office/drawing/2014/main" id="{93A99CD1-5C36-4118-ECE1-80076636EADC}"/>
+                  </a:ext>
+                </a:extLst>
+              </p:cNvPr>
+              <p:cNvSpPr txBox="1"/>
+              <p:nvPr/>
+            </p:nvSpPr>
+            <p:spPr>
+              <a:xfrm>
+                <a:off x="1262881" y="1709431"/>
+                <a:ext cx="3191040" cy="830997"/>
+              </a:xfrm>
+              <a:prstGeom prst="rect">
+                <a:avLst/>
+              </a:prstGeom>
+              <a:noFill/>
+            </p:spPr>
+            <p:txBody>
+              <a:bodyPr wrap="square" lIns="0" tIns="0" rIns="0" bIns="0" rtlCol="0" anchor="ctr" anchorCtr="0">
+                <a:spAutoFit/>
+              </a:bodyPr>
+              <a:lstStyle/>
+              <a:p>
+                <a:pPr algn="ctr"/>
+                <a:r>
+                  <a:rPr lang="en-US" sz="1800" cap="small" dirty="0">
+                    <a:solidFill>
+                      <a:schemeClr val="bg1"/>
+                    </a:solidFill>
+                    <a:latin typeface="+mj-lt"/>
+                  </a:rPr>
+                  <a:t>Demystifying</a:t>
+                </a:r>
+              </a:p>
+              <a:p>
+                <a:pPr algn="ctr"/>
+                <a:r>
+                  <a:rPr lang="en-US" sz="1800" cap="small" dirty="0">
+                    <a:solidFill>
+                      <a:schemeClr val="bg1"/>
+                    </a:solidFill>
+                    <a:latin typeface="+mj-lt"/>
+                  </a:rPr>
+                  <a:t>The Language</a:t>
+                </a:r>
+              </a:p>
+              <a:p>
+                <a:pPr algn="ctr"/>
+                <a:r>
+                  <a:rPr lang="en-US" sz="1800" cap="small" dirty="0">
+                    <a:solidFill>
+                      <a:schemeClr val="bg1"/>
+                    </a:solidFill>
+                    <a:latin typeface="+mj-lt"/>
+                  </a:rPr>
+                  <a:t>of Modern Mathematics</a:t>
+                </a:r>
+                <a:endParaRPr lang="en-SG" sz="1800" cap="small" dirty="0">
+                  <a:solidFill>
+                    <a:schemeClr val="bg1"/>
+                  </a:solidFill>
+                  <a:latin typeface="+mj-lt"/>
+                </a:endParaRPr>
+              </a:p>
+            </p:txBody>
+          </p:sp>
+        </p:grpSp>
+      </p:grpSp>
+      <p:grpSp>
+        <p:nvGrpSpPr>
+          <p:cNvPr id="38" name="Group 37">
+            <a:extLst>
+              <a:ext uri="{FF2B5EF4-FFF2-40B4-BE49-F238E27FC236}">
+                <a16:creationId xmlns:a16="http://schemas.microsoft.com/office/drawing/2014/main" id="{6279285B-80DB-4E86-5864-A94C287ADD03}"/>
+              </a:ext>
+            </a:extLst>
+          </p:cNvPr>
+          <p:cNvGrpSpPr/>
+          <p:nvPr/>
+        </p:nvGrpSpPr>
+        <p:grpSpPr>
+          <a:xfrm rot="5400000">
+            <a:off x="2717819" y="3904640"/>
+            <a:ext cx="7297114" cy="698470"/>
+            <a:chOff x="2762768" y="3899962"/>
+            <a:chExt cx="7297114" cy="698470"/>
+          </a:xfrm>
+        </p:grpSpPr>
+        <p:grpSp>
+          <p:nvGrpSpPr>
+            <p:cNvPr id="39" name="Group 38">
+              <a:extLst>
+                <a:ext uri="{FF2B5EF4-FFF2-40B4-BE49-F238E27FC236}">
+                  <a16:creationId xmlns:a16="http://schemas.microsoft.com/office/drawing/2014/main" id="{DA4228C4-6AB3-AEE1-B204-BD9697E7DEE3}"/>
+                </a:ext>
+              </a:extLst>
+            </p:cNvPr>
+            <p:cNvGrpSpPr/>
+            <p:nvPr/>
+          </p:nvGrpSpPr>
+          <p:grpSpPr>
+            <a:xfrm>
+              <a:off x="2762768" y="3899962"/>
+              <a:ext cx="4429674" cy="698470"/>
+              <a:chOff x="3051010" y="3838575"/>
+              <a:chExt cx="4429674" cy="698470"/>
+            </a:xfrm>
+          </p:grpSpPr>
+          <p:sp>
+            <p:nvSpPr>
+              <p:cNvPr id="42" name="TextBox 41">
+                <a:extLst>
+                  <a:ext uri="{FF2B5EF4-FFF2-40B4-BE49-F238E27FC236}">
+                    <a16:creationId xmlns:a16="http://schemas.microsoft.com/office/drawing/2014/main" id="{A6F9480F-1291-1B41-C7CF-9617953E076A}"/>
+                  </a:ext>
+                </a:extLst>
+              </p:cNvPr>
+              <p:cNvSpPr txBox="1"/>
+              <p:nvPr/>
+            </p:nvSpPr>
+            <p:spPr>
+              <a:xfrm>
+                <a:off x="3810000" y="3838575"/>
+                <a:ext cx="2911695" cy="276999"/>
+              </a:xfrm>
+              <a:prstGeom prst="rect">
+                <a:avLst/>
+              </a:prstGeom>
+              <a:noFill/>
+            </p:spPr>
+            <p:txBody>
+              <a:bodyPr wrap="none" lIns="0" tIns="0" rIns="0" bIns="0" rtlCol="0" anchor="ctr" anchorCtr="0">
+                <a:spAutoFit/>
+              </a:bodyPr>
+              <a:lstStyle/>
+              <a:p>
+                <a:r>
+                  <a:rPr lang="en-SG" b="1" dirty="0">
+                    <a:solidFill>
+                      <a:schemeClr val="bg1"/>
+                    </a:solidFill>
+                  </a:rPr>
+                  <a:t>A Complete Introduction to</a:t>
+                </a:r>
+              </a:p>
+            </p:txBody>
+          </p:sp>
+          <p:sp>
+            <p:nvSpPr>
+              <p:cNvPr id="43" name="TextBox 42">
+                <a:extLst>
+                  <a:ext uri="{FF2B5EF4-FFF2-40B4-BE49-F238E27FC236}">
+                    <a16:creationId xmlns:a16="http://schemas.microsoft.com/office/drawing/2014/main" id="{1E70D1A7-1F07-06AF-2706-6EEE1257FF84}"/>
+                  </a:ext>
+                </a:extLst>
+              </p:cNvPr>
+              <p:cNvSpPr txBox="1"/>
+              <p:nvPr/>
+            </p:nvSpPr>
+            <p:spPr>
+              <a:xfrm>
+                <a:off x="3051010" y="4044602"/>
+                <a:ext cx="4429674" cy="492443"/>
+              </a:xfrm>
+              <a:prstGeom prst="rect">
+                <a:avLst/>
+              </a:prstGeom>
+              <a:noFill/>
+            </p:spPr>
+            <p:txBody>
+              <a:bodyPr wrap="none" lIns="0" tIns="0" rIns="0" bIns="0" rtlCol="0" anchor="ctr" anchorCtr="0">
+                <a:spAutoFit/>
+              </a:bodyPr>
+              <a:lstStyle/>
+              <a:p>
+                <a:r>
+                  <a:rPr lang="en-SG" sz="3200" b="1" dirty="0">
+                    <a:solidFill>
+                      <a:schemeClr val="bg1"/>
+                    </a:solidFill>
+                  </a:rPr>
+                  <a:t>ABSTRACT ALGEBRA</a:t>
+                </a:r>
+              </a:p>
+            </p:txBody>
+          </p:sp>
+        </p:grpSp>
+        <p:sp>
+          <p:nvSpPr>
+            <p:cNvPr id="40" name="TextBox 39">
+              <a:extLst>
+                <a:ext uri="{FF2B5EF4-FFF2-40B4-BE49-F238E27FC236}">
+                  <a16:creationId xmlns:a16="http://schemas.microsoft.com/office/drawing/2014/main" id="{7BE6C0E5-7C6B-CA60-E99C-D17F3595E911}"/>
+                </a:ext>
+              </a:extLst>
+            </p:cNvPr>
+            <p:cNvSpPr txBox="1"/>
+            <p:nvPr/>
+          </p:nvSpPr>
+          <p:spPr>
+            <a:xfrm>
+              <a:off x="8764656" y="4085853"/>
+              <a:ext cx="1295226" cy="276999"/>
+            </a:xfrm>
+            <a:prstGeom prst="rect">
+              <a:avLst/>
+            </a:prstGeom>
+            <a:noFill/>
+          </p:spPr>
+          <p:txBody>
+            <a:bodyPr wrap="none" lIns="0" tIns="0" rIns="0" bIns="0" rtlCol="0" anchor="ctr" anchorCtr="0">
+              <a:spAutoFit/>
+            </a:bodyPr>
+            <a:lstStyle/>
+            <a:p>
+              <a:r>
+                <a:rPr lang="en-SG" dirty="0">
+                  <a:solidFill>
+                    <a:schemeClr val="bg1"/>
+                  </a:solidFill>
+                </a:rPr>
+                <a:t>Kan Onn Kit</a:t>
+              </a:r>
+            </a:p>
+          </p:txBody>
+        </p:sp>
+      </p:grpSp>
+    </p:spTree>
+    <p:extLst>
+      <p:ext uri="{BB962C8B-B14F-4D97-AF65-F5344CB8AC3E}">
+        <p14:creationId xmlns:p14="http://schemas.microsoft.com/office/powerpoint/2010/main" val="2520538140"/>
+      </p:ext>
+    </p:extLst>
+  </p:cSld>
+  <p:clrMapOvr>
+    <a:masterClrMapping/>
+  </p:clrMapOvr>
+</p:sld>
+</file>
+
 <file path=ppt/theme/theme1.xml><?xml version="1.0" encoding="utf-8"?>
 <a:theme xmlns:a="http://schemas.openxmlformats.org/drawingml/2006/main" name="Office Theme">
   <a:themeElements>

--- a/book/images/cover/paperback/Book Cover (Paperback).pptx
+++ b/book/images/cover/paperback/Book Cover (Paperback).pptx
@@ -2,25 +2,27 @@
 <file path=ppt/presentation.xml><?xml version="1.0" encoding="utf-8"?>
 <p:presentation xmlns:a="http://schemas.openxmlformats.org/drawingml/2006/main" xmlns:r="http://schemas.openxmlformats.org/officeDocument/2006/relationships" xmlns:p="http://schemas.openxmlformats.org/presentationml/2006/main" embedTrueTypeFonts="1" autoCompressPictures="0">
   <p:sldMasterIdLst>
-    <p:sldMasterId id="2147483708" r:id="rId1"/>
+    <p:sldMasterId id="2147483720" r:id="rId1"/>
   </p:sldMasterIdLst>
   <p:notesMasterIdLst>
-    <p:notesMasterId r:id="rId5"/>
+    <p:notesMasterId r:id="rId7"/>
   </p:notesMasterIdLst>
   <p:sldIdLst>
-    <p:sldId id="257" r:id="rId2"/>
+    <p:sldId id="262" r:id="rId2"/>
     <p:sldId id="260" r:id="rId3"/>
     <p:sldId id="261" r:id="rId4"/>
+    <p:sldId id="263" r:id="rId5"/>
+    <p:sldId id="264" r:id="rId6"/>
   </p:sldIdLst>
-  <p:sldSz cx="12773025" cy="8458200"/>
+  <p:sldSz cx="12827000" cy="8458200"/>
   <p:notesSz cx="6858000" cy="9144000"/>
   <p:embeddedFontLst>
     <p:embeddedFont>
       <p:font typeface="TeXGyrePagella" panose="00000500000000000000" pitchFamily="50" charset="0"/>
-      <p:regular r:id="rId6"/>
-      <p:bold r:id="rId7"/>
-      <p:italic r:id="rId8"/>
-      <p:boldItalic r:id="rId9"/>
+      <p:regular r:id="rId8"/>
+      <p:bold r:id="rId9"/>
+      <p:italic r:id="rId10"/>
+      <p:boldItalic r:id="rId11"/>
     </p:embeddedFont>
   </p:embeddedFontLst>
   <p:defaultTextStyle>
@@ -208,7 +210,7 @@
           <a:p>
             <a:fld id="{4631FA5A-0C3E-4742-B6AD-B80374474249}" type="datetimeFigureOut">
               <a:rPr lang="en-US" smtClean="0"/>
-              <a:t>9/22/2024</a:t>
+              <a:t>9/24/2024</a:t>
             </a:fld>
             <a:endParaRPr lang="en-US"/>
           </a:p>
@@ -226,8 +228,8 @@
         </p:nvSpPr>
         <p:spPr>
           <a:xfrm>
-            <a:off x="1100138" y="1143000"/>
-            <a:ext cx="4657725" cy="3086100"/>
+            <a:off x="1089025" y="1143000"/>
+            <a:ext cx="4679950" cy="3086100"/>
           </a:xfrm>
           <a:prstGeom prst="rect">
             <a:avLst/>
@@ -505,8 +507,8 @@
         </p:nvSpPr>
         <p:spPr>
           <a:xfrm>
-            <a:off x="1100138" y="1143000"/>
-            <a:ext cx="4657725" cy="3086100"/>
+            <a:off x="1089025" y="1143000"/>
+            <a:ext cx="4679950" cy="3086100"/>
           </a:xfrm>
         </p:spPr>
       </p:sp>
@@ -659,8 +661,8 @@
         </p:nvSpPr>
         <p:spPr>
           <a:xfrm>
-            <a:off x="1100138" y="1143000"/>
-            <a:ext cx="4657725" cy="3086100"/>
+            <a:off x="1089025" y="1143000"/>
+            <a:ext cx="4679950" cy="3086100"/>
           </a:xfrm>
         </p:spPr>
       </p:sp>
@@ -775,6 +777,314 @@
     <p:extLst>
       <p:ext uri="{BB962C8B-B14F-4D97-AF65-F5344CB8AC3E}">
         <p14:creationId xmlns:p14="http://schemas.microsoft.com/office/powerpoint/2010/main" val="930565854"/>
+      </p:ext>
+    </p:extLst>
+  </p:cSld>
+  <p:clrMapOvr>
+    <a:masterClrMapping/>
+  </p:clrMapOvr>
+</p:notes>
+</file>
+
+<file path=ppt/notesSlides/notesSlide3.xml><?xml version="1.0" encoding="utf-8"?>
+<p:notes xmlns:a="http://schemas.openxmlformats.org/drawingml/2006/main" xmlns:r="http://schemas.openxmlformats.org/officeDocument/2006/relationships" xmlns:p="http://schemas.openxmlformats.org/presentationml/2006/main">
+  <p:cSld>
+    <p:spTree>
+      <p:nvGrpSpPr>
+        <p:cNvPr id="1" name=""/>
+        <p:cNvGrpSpPr/>
+        <p:nvPr/>
+      </p:nvGrpSpPr>
+      <p:grpSpPr>
+        <a:xfrm>
+          <a:off x="0" y="0"/>
+          <a:ext cx="0" cy="0"/>
+          <a:chOff x="0" y="0"/>
+          <a:chExt cx="0" cy="0"/>
+        </a:xfrm>
+      </p:grpSpPr>
+      <p:sp>
+        <p:nvSpPr>
+          <p:cNvPr id="2" name="Slide Image Placeholder 1"/>
+          <p:cNvSpPr>
+            <a:spLocks noGrp="1" noRot="1" noChangeAspect="1"/>
+          </p:cNvSpPr>
+          <p:nvPr>
+            <p:ph type="sldImg"/>
+          </p:nvPr>
+        </p:nvSpPr>
+        <p:spPr>
+          <a:xfrm>
+            <a:off x="1089025" y="1143000"/>
+            <a:ext cx="4679950" cy="3086100"/>
+          </a:xfrm>
+        </p:spPr>
+      </p:sp>
+      <p:sp>
+        <p:nvSpPr>
+          <p:cNvPr id="3" name="Notes Placeholder 2"/>
+          <p:cNvSpPr>
+            <a:spLocks noGrp="1"/>
+          </p:cNvSpPr>
+          <p:nvPr>
+            <p:ph type="body" idx="1"/>
+          </p:nvPr>
+        </p:nvSpPr>
+        <p:spPr/>
+        <p:txBody>
+          <a:bodyPr/>
+          <a:lstStyle/>
+          <a:p>
+            <a:r>
+              <a:rPr lang="en-US" sz="1600" b="1" u="sng" dirty="0">
+                <a:latin typeface="Arial" panose="020B0604020202020204" pitchFamily="34" charset="0"/>
+                <a:cs typeface="Arial" panose="020B0604020202020204" pitchFamily="34" charset="0"/>
+              </a:rPr>
+              <a:t>Palette</a:t>
+            </a:r>
+          </a:p>
+          <a:p>
+            <a:r>
+              <a:rPr lang="en-US" sz="1600" dirty="0">
+                <a:latin typeface="Arial" panose="020B0604020202020204" pitchFamily="34" charset="0"/>
+                <a:cs typeface="Arial" panose="020B0604020202020204" pitchFamily="34" charset="0"/>
+              </a:rPr>
+              <a:t>White: 	</a:t>
+            </a:r>
+            <a:r>
+              <a:rPr lang="en-US" sz="1600" dirty="0" err="1">
+                <a:latin typeface="Arial" panose="020B0604020202020204" pitchFamily="34" charset="0"/>
+                <a:cs typeface="Arial" panose="020B0604020202020204" pitchFamily="34" charset="0"/>
+              </a:rPr>
+              <a:t>ffffff</a:t>
+            </a:r>
+            <a:endParaRPr lang="en-US" sz="1600" dirty="0">
+              <a:latin typeface="Arial" panose="020B0604020202020204" pitchFamily="34" charset="0"/>
+              <a:cs typeface="Arial" panose="020B0604020202020204" pitchFamily="34" charset="0"/>
+            </a:endParaRPr>
+          </a:p>
+          <a:p>
+            <a:r>
+              <a:rPr lang="en-US" sz="1600" dirty="0">
+                <a:latin typeface="Arial" panose="020B0604020202020204" pitchFamily="34" charset="0"/>
+                <a:cs typeface="Arial" panose="020B0604020202020204" pitchFamily="34" charset="0"/>
+              </a:rPr>
+              <a:t>Lightest Purple:	9F979F</a:t>
+            </a:r>
+          </a:p>
+          <a:p>
+            <a:endParaRPr lang="en-US" sz="1600" dirty="0">
+              <a:latin typeface="Arial" panose="020B0604020202020204" pitchFamily="34" charset="0"/>
+              <a:cs typeface="Arial" panose="020B0604020202020204" pitchFamily="34" charset="0"/>
+            </a:endParaRPr>
+          </a:p>
+          <a:p>
+            <a:r>
+              <a:rPr lang="en-US" sz="1600" dirty="0">
+                <a:latin typeface="Arial" panose="020B0604020202020204" pitchFamily="34" charset="0"/>
+                <a:cs typeface="Arial" panose="020B0604020202020204" pitchFamily="34" charset="0"/>
+              </a:rPr>
+              <a:t>Blue:	231E5C</a:t>
+            </a:r>
+          </a:p>
+          <a:p>
+            <a:r>
+              <a:rPr lang="en-US" sz="1600" dirty="0">
+                <a:latin typeface="Arial" panose="020B0604020202020204" pitchFamily="34" charset="0"/>
+                <a:cs typeface="Arial" panose="020B0604020202020204" pitchFamily="34" charset="0"/>
+              </a:rPr>
+              <a:t>Darker Blue:	130F2D</a:t>
+            </a:r>
+          </a:p>
+          <a:p>
+            <a:endParaRPr lang="en-US" sz="1600" dirty="0">
+              <a:latin typeface="Arial" panose="020B0604020202020204" pitchFamily="34" charset="0"/>
+              <a:cs typeface="Arial" panose="020B0604020202020204" pitchFamily="34" charset="0"/>
+            </a:endParaRPr>
+          </a:p>
+        </p:txBody>
+      </p:sp>
+      <p:sp>
+        <p:nvSpPr>
+          <p:cNvPr id="4" name="Slide Number Placeholder 3"/>
+          <p:cNvSpPr>
+            <a:spLocks noGrp="1"/>
+          </p:cNvSpPr>
+          <p:nvPr>
+            <p:ph type="sldNum" sz="quarter" idx="5"/>
+          </p:nvPr>
+        </p:nvSpPr>
+        <p:spPr/>
+        <p:txBody>
+          <a:bodyPr/>
+          <a:lstStyle/>
+          <a:p>
+            <a:fld id="{6D7F8505-08BA-1145-A3F2-95255ED130AE}" type="slidenum">
+              <a:rPr lang="en-US" smtClean="0"/>
+              <a:t>4</a:t>
+            </a:fld>
+            <a:endParaRPr lang="en-US"/>
+          </a:p>
+        </p:txBody>
+      </p:sp>
+    </p:spTree>
+    <p:extLst>
+      <p:ext uri="{BB962C8B-B14F-4D97-AF65-F5344CB8AC3E}">
+        <p14:creationId xmlns:p14="http://schemas.microsoft.com/office/powerpoint/2010/main" val="786214489"/>
+      </p:ext>
+    </p:extLst>
+  </p:cSld>
+  <p:clrMapOvr>
+    <a:masterClrMapping/>
+  </p:clrMapOvr>
+</p:notes>
+</file>
+
+<file path=ppt/notesSlides/notesSlide4.xml><?xml version="1.0" encoding="utf-8"?>
+<p:notes xmlns:a="http://schemas.openxmlformats.org/drawingml/2006/main" xmlns:r="http://schemas.openxmlformats.org/officeDocument/2006/relationships" xmlns:p="http://schemas.openxmlformats.org/presentationml/2006/main">
+  <p:cSld>
+    <p:spTree>
+      <p:nvGrpSpPr>
+        <p:cNvPr id="1" name=""/>
+        <p:cNvGrpSpPr/>
+        <p:nvPr/>
+      </p:nvGrpSpPr>
+      <p:grpSpPr>
+        <a:xfrm>
+          <a:off x="0" y="0"/>
+          <a:ext cx="0" cy="0"/>
+          <a:chOff x="0" y="0"/>
+          <a:chExt cx="0" cy="0"/>
+        </a:xfrm>
+      </p:grpSpPr>
+      <p:sp>
+        <p:nvSpPr>
+          <p:cNvPr id="2" name="Slide Image Placeholder 1"/>
+          <p:cNvSpPr>
+            <a:spLocks noGrp="1" noRot="1" noChangeAspect="1"/>
+          </p:cNvSpPr>
+          <p:nvPr>
+            <p:ph type="sldImg"/>
+          </p:nvPr>
+        </p:nvSpPr>
+        <p:spPr>
+          <a:xfrm>
+            <a:off x="1089025" y="1143000"/>
+            <a:ext cx="4679950" cy="3086100"/>
+          </a:xfrm>
+        </p:spPr>
+      </p:sp>
+      <p:sp>
+        <p:nvSpPr>
+          <p:cNvPr id="3" name="Notes Placeholder 2"/>
+          <p:cNvSpPr>
+            <a:spLocks noGrp="1"/>
+          </p:cNvSpPr>
+          <p:nvPr>
+            <p:ph type="body" idx="1"/>
+          </p:nvPr>
+        </p:nvSpPr>
+        <p:spPr/>
+        <p:txBody>
+          <a:bodyPr/>
+          <a:lstStyle/>
+          <a:p>
+            <a:r>
+              <a:rPr lang="en-US" sz="1600" b="1" u="sng" dirty="0">
+                <a:latin typeface="Arial" panose="020B0604020202020204" pitchFamily="34" charset="0"/>
+                <a:cs typeface="Arial" panose="020B0604020202020204" pitchFamily="34" charset="0"/>
+              </a:rPr>
+              <a:t>Palette</a:t>
+            </a:r>
+          </a:p>
+          <a:p>
+            <a:r>
+              <a:rPr lang="en-US" sz="1600" dirty="0">
+                <a:latin typeface="Arial" panose="020B0604020202020204" pitchFamily="34" charset="0"/>
+                <a:cs typeface="Arial" panose="020B0604020202020204" pitchFamily="34" charset="0"/>
+              </a:rPr>
+              <a:t>White: 	</a:t>
+            </a:r>
+            <a:r>
+              <a:rPr lang="en-US" sz="1600" dirty="0" err="1">
+                <a:latin typeface="Arial" panose="020B0604020202020204" pitchFamily="34" charset="0"/>
+                <a:cs typeface="Arial" panose="020B0604020202020204" pitchFamily="34" charset="0"/>
+              </a:rPr>
+              <a:t>ffffff</a:t>
+            </a:r>
+            <a:endParaRPr lang="en-US" sz="1600" dirty="0">
+              <a:latin typeface="Arial" panose="020B0604020202020204" pitchFamily="34" charset="0"/>
+              <a:cs typeface="Arial" panose="020B0604020202020204" pitchFamily="34" charset="0"/>
+            </a:endParaRPr>
+          </a:p>
+          <a:p>
+            <a:r>
+              <a:rPr lang="en-US" sz="1600" dirty="0">
+                <a:latin typeface="Arial" panose="020B0604020202020204" pitchFamily="34" charset="0"/>
+                <a:cs typeface="Arial" panose="020B0604020202020204" pitchFamily="34" charset="0"/>
+              </a:rPr>
+              <a:t>Lightest Purple:	9F979F</a:t>
+            </a:r>
+          </a:p>
+          <a:p>
+            <a:endParaRPr lang="en-US" sz="1600" dirty="0">
+              <a:latin typeface="Arial" panose="020B0604020202020204" pitchFamily="34" charset="0"/>
+              <a:cs typeface="Arial" panose="020B0604020202020204" pitchFamily="34" charset="0"/>
+            </a:endParaRPr>
+          </a:p>
+          <a:p>
+            <a:r>
+              <a:rPr lang="en-US" sz="1600" dirty="0">
+                <a:latin typeface="Arial" panose="020B0604020202020204" pitchFamily="34" charset="0"/>
+                <a:cs typeface="Arial" panose="020B0604020202020204" pitchFamily="34" charset="0"/>
+              </a:rPr>
+              <a:t>Blue:	231E5C</a:t>
+            </a:r>
+          </a:p>
+          <a:p>
+            <a:r>
+              <a:rPr lang="en-US" sz="1600" dirty="0">
+                <a:latin typeface="Arial" panose="020B0604020202020204" pitchFamily="34" charset="0"/>
+                <a:cs typeface="Arial" panose="020B0604020202020204" pitchFamily="34" charset="0"/>
+              </a:rPr>
+              <a:t>Darker Blue:	130F2D</a:t>
+            </a:r>
+          </a:p>
+          <a:p>
+            <a:endParaRPr lang="en-US" sz="1600" dirty="0">
+              <a:latin typeface="Arial" panose="020B0604020202020204" pitchFamily="34" charset="0"/>
+              <a:cs typeface="Arial" panose="020B0604020202020204" pitchFamily="34" charset="0"/>
+            </a:endParaRPr>
+          </a:p>
+        </p:txBody>
+      </p:sp>
+      <p:sp>
+        <p:nvSpPr>
+          <p:cNvPr id="4" name="Slide Number Placeholder 3"/>
+          <p:cNvSpPr>
+            <a:spLocks noGrp="1"/>
+          </p:cNvSpPr>
+          <p:nvPr>
+            <p:ph type="sldNum" sz="quarter" idx="5"/>
+          </p:nvPr>
+        </p:nvSpPr>
+        <p:spPr/>
+        <p:txBody>
+          <a:bodyPr/>
+          <a:lstStyle/>
+          <a:p>
+            <a:fld id="{6D7F8505-08BA-1145-A3F2-95255ED130AE}" type="slidenum">
+              <a:rPr lang="en-US" smtClean="0"/>
+              <a:t>5</a:t>
+            </a:fld>
+            <a:endParaRPr lang="en-US"/>
+          </a:p>
+        </p:txBody>
+      </p:sp>
+    </p:spTree>
+    <p:extLst>
+      <p:ext uri="{BB962C8B-B14F-4D97-AF65-F5344CB8AC3E}">
+        <p14:creationId xmlns:p14="http://schemas.microsoft.com/office/powerpoint/2010/main" val="2260701709"/>
       </p:ext>
     </p:extLst>
   </p:cSld>
@@ -813,26 +1123,23 @@
         </p:nvSpPr>
         <p:spPr>
           <a:xfrm>
-            <a:off x="957977" y="1384248"/>
-            <a:ext cx="10857071" cy="2944707"/>
+            <a:off x="962025" y="1384248"/>
+            <a:ext cx="10902950" cy="2944707"/>
           </a:xfrm>
         </p:spPr>
         <p:txBody>
-          <a:bodyPr anchor="b">
-            <a:normAutofit/>
-          </a:bodyPr>
+          <a:bodyPr anchor="b"/>
           <a:lstStyle>
             <a:lvl1pPr algn="ctr">
-              <a:defRPr sz="7200">
-                <a:latin typeface="TeXGyrePagella" panose="00000500000000000000" pitchFamily="50" charset="0"/>
-              </a:defRPr>
+              <a:defRPr sz="7400"/>
             </a:lvl1pPr>
           </a:lstStyle>
           <a:p>
             <a:r>
-              <a:rPr lang="en-US" dirty="0"/>
+              <a:rPr lang="en-US"/>
               <a:t>Click to edit Master title style</a:t>
             </a:r>
+            <a:endParaRPr lang="en-US" dirty="0"/>
           </a:p>
         </p:txBody>
       </p:sp>
@@ -848,20 +1155,16 @@
         </p:nvSpPr>
         <p:spPr>
           <a:xfrm>
-            <a:off x="1596628" y="4442514"/>
-            <a:ext cx="9579769" cy="2042106"/>
+            <a:off x="1603375" y="4442514"/>
+            <a:ext cx="9620250" cy="2042106"/>
           </a:xfrm>
         </p:spPr>
         <p:txBody>
-          <a:bodyPr>
-            <a:normAutofit/>
-          </a:bodyPr>
+          <a:bodyPr/>
           <a:lstStyle>
             <a:lvl1pPr marL="0" indent="0" algn="ctr">
               <a:buNone/>
-              <a:defRPr sz="3200">
-                <a:latin typeface="TeXGyrePagella" panose="00000500000000000000" pitchFamily="50" charset="0"/>
-              </a:defRPr>
+              <a:defRPr sz="2960"/>
             </a:lvl1pPr>
             <a:lvl2pPr marL="563865" indent="0" algn="ctr">
               <a:buNone/>
@@ -898,9 +1201,10 @@
           </a:lstStyle>
           <a:p>
             <a:r>
-              <a:rPr lang="en-US" dirty="0"/>
+              <a:rPr lang="en-US"/>
               <a:t>Click to edit Master subtitle style</a:t>
             </a:r>
+            <a:endParaRPr lang="en-US" dirty="0"/>
           </a:p>
         </p:txBody>
       </p:sp>
@@ -921,7 +1225,7 @@
           <a:p>
             <a:fld id="{AAA91E2B-DE77-4648-B8EB-FB3E5B7C0103}" type="datetimeFigureOut">
               <a:rPr lang="en-US" smtClean="0"/>
-              <a:t>9/22/2024</a:t>
+              <a:t>9/24/2024</a:t>
             </a:fld>
             <a:endParaRPr lang="en-US"/>
           </a:p>
@@ -972,7 +1276,7 @@
     </p:spTree>
     <p:extLst>
       <p:ext uri="{BB962C8B-B14F-4D97-AF65-F5344CB8AC3E}">
-        <p14:creationId xmlns:p14="http://schemas.microsoft.com/office/powerpoint/2010/main" val="2631608952"/>
+        <p14:creationId xmlns:p14="http://schemas.microsoft.com/office/powerpoint/2010/main" val="2153877223"/>
       </p:ext>
     </p:extLst>
   </p:cSld>
@@ -1091,7 +1395,7 @@
           <a:p>
             <a:fld id="{AAA91E2B-DE77-4648-B8EB-FB3E5B7C0103}" type="datetimeFigureOut">
               <a:rPr lang="en-US" smtClean="0"/>
-              <a:t>9/22/2024</a:t>
+              <a:t>9/24/2024</a:t>
             </a:fld>
             <a:endParaRPr lang="en-US"/>
           </a:p>
@@ -1142,7 +1446,7 @@
     </p:spTree>
     <p:extLst>
       <p:ext uri="{BB962C8B-B14F-4D97-AF65-F5344CB8AC3E}">
-        <p14:creationId xmlns:p14="http://schemas.microsoft.com/office/powerpoint/2010/main" val="1560828325"/>
+        <p14:creationId xmlns:p14="http://schemas.microsoft.com/office/powerpoint/2010/main" val="4279810524"/>
       </p:ext>
     </p:extLst>
   </p:cSld>
@@ -1181,8 +1485,8 @@
         </p:nvSpPr>
         <p:spPr>
           <a:xfrm>
-            <a:off x="9140696" y="450321"/>
-            <a:ext cx="2754184" cy="7167934"/>
+            <a:off x="9179323" y="450321"/>
+            <a:ext cx="2765822" cy="7167934"/>
           </a:xfrm>
         </p:spPr>
         <p:txBody>
@@ -1209,8 +1513,8 @@
         </p:nvSpPr>
         <p:spPr>
           <a:xfrm>
-            <a:off x="878146" y="450321"/>
-            <a:ext cx="8102888" cy="7167934"/>
+            <a:off x="881857" y="450321"/>
+            <a:ext cx="8137128" cy="7167934"/>
           </a:xfrm>
         </p:spPr>
         <p:txBody>
@@ -1271,7 +1575,7 @@
           <a:p>
             <a:fld id="{AAA91E2B-DE77-4648-B8EB-FB3E5B7C0103}" type="datetimeFigureOut">
               <a:rPr lang="en-US" smtClean="0"/>
-              <a:t>9/22/2024</a:t>
+              <a:t>9/24/2024</a:t>
             </a:fld>
             <a:endParaRPr lang="en-US"/>
           </a:p>
@@ -1322,7 +1626,7 @@
     </p:spTree>
     <p:extLst>
       <p:ext uri="{BB962C8B-B14F-4D97-AF65-F5344CB8AC3E}">
-        <p14:creationId xmlns:p14="http://schemas.microsoft.com/office/powerpoint/2010/main" val="1240705109"/>
+        <p14:creationId xmlns:p14="http://schemas.microsoft.com/office/powerpoint/2010/main" val="975479912"/>
       </p:ext>
     </p:extLst>
   </p:cSld>
@@ -1362,18 +1666,13 @@
         <p:spPr/>
         <p:txBody>
           <a:bodyPr/>
-          <a:lstStyle>
-            <a:lvl1pPr>
-              <a:defRPr>
-                <a:latin typeface="TeXGyrePagella" panose="00000500000000000000" pitchFamily="50" charset="0"/>
-              </a:defRPr>
-            </a:lvl1pPr>
-          </a:lstStyle>
+          <a:lstStyle/>
           <a:p>
             <a:r>
-              <a:rPr lang="en-US" dirty="0"/>
+              <a:rPr lang="en-US"/>
               <a:t>Click to edit Master title style</a:t>
             </a:r>
+            <a:endParaRPr lang="en-US" dirty="0"/>
           </a:p>
         </p:txBody>
       </p:sp>
@@ -1390,67 +1689,42 @@
         <p:spPr/>
         <p:txBody>
           <a:bodyPr/>
-          <a:lstStyle>
-            <a:lvl1pPr>
-              <a:defRPr>
-                <a:latin typeface="TeXGyrePagella" panose="00000500000000000000" pitchFamily="50" charset="0"/>
-              </a:defRPr>
-            </a:lvl1pPr>
-            <a:lvl2pPr>
-              <a:defRPr>
-                <a:latin typeface="TeXGyrePagella" panose="00000500000000000000" pitchFamily="50" charset="0"/>
-              </a:defRPr>
-            </a:lvl2pPr>
-            <a:lvl3pPr>
-              <a:defRPr>
-                <a:latin typeface="TeXGyrePagella" panose="00000500000000000000" pitchFamily="50" charset="0"/>
-              </a:defRPr>
-            </a:lvl3pPr>
-            <a:lvl4pPr>
-              <a:defRPr>
-                <a:latin typeface="TeXGyrePagella" panose="00000500000000000000" pitchFamily="50" charset="0"/>
-              </a:defRPr>
-            </a:lvl4pPr>
-            <a:lvl5pPr>
-              <a:defRPr>
-                <a:latin typeface="TeXGyrePagella" panose="00000500000000000000" pitchFamily="50" charset="0"/>
-              </a:defRPr>
-            </a:lvl5pPr>
-          </a:lstStyle>
+          <a:lstStyle/>
           <a:p>
             <a:pPr lvl="0"/>
             <a:r>
-              <a:rPr lang="en-US" dirty="0"/>
+              <a:rPr lang="en-US"/>
               <a:t>Click to edit Master text styles</a:t>
             </a:r>
           </a:p>
           <a:p>
             <a:pPr lvl="1"/>
             <a:r>
-              <a:rPr lang="en-US" dirty="0"/>
+              <a:rPr lang="en-US"/>
               <a:t>Second level</a:t>
             </a:r>
           </a:p>
           <a:p>
             <a:pPr lvl="2"/>
             <a:r>
-              <a:rPr lang="en-US" dirty="0"/>
+              <a:rPr lang="en-US"/>
               <a:t>Third level</a:t>
             </a:r>
           </a:p>
           <a:p>
             <a:pPr lvl="3"/>
             <a:r>
-              <a:rPr lang="en-US" dirty="0"/>
+              <a:rPr lang="en-US"/>
               <a:t>Fourth level</a:t>
             </a:r>
           </a:p>
           <a:p>
             <a:pPr lvl="4"/>
             <a:r>
-              <a:rPr lang="en-US" dirty="0"/>
+              <a:rPr lang="en-US"/>
               <a:t>Fifth level</a:t>
             </a:r>
+            <a:endParaRPr lang="en-US" dirty="0"/>
           </a:p>
         </p:txBody>
       </p:sp>
@@ -1471,7 +1745,7 @@
           <a:p>
             <a:fld id="{AAA91E2B-DE77-4648-B8EB-FB3E5B7C0103}" type="datetimeFigureOut">
               <a:rPr lang="en-US" smtClean="0"/>
-              <a:t>9/22/2024</a:t>
+              <a:t>9/24/2024</a:t>
             </a:fld>
             <a:endParaRPr lang="en-US"/>
           </a:p>
@@ -1522,7 +1796,7 @@
     </p:spTree>
     <p:extLst>
       <p:ext uri="{BB962C8B-B14F-4D97-AF65-F5344CB8AC3E}">
-        <p14:creationId xmlns:p14="http://schemas.microsoft.com/office/powerpoint/2010/main" val="1095808140"/>
+        <p14:creationId xmlns:p14="http://schemas.microsoft.com/office/powerpoint/2010/main" val="3658756462"/>
       </p:ext>
     </p:extLst>
   </p:cSld>
@@ -1561,8 +1835,8 @@
         </p:nvSpPr>
         <p:spPr>
           <a:xfrm>
-            <a:off x="871494" y="2108679"/>
-            <a:ext cx="11016734" cy="3518376"/>
+            <a:off x="875176" y="2108679"/>
+            <a:ext cx="11063288" cy="3518376"/>
           </a:xfrm>
         </p:spPr>
         <p:txBody>
@@ -1593,8 +1867,8 @@
         </p:nvSpPr>
         <p:spPr>
           <a:xfrm>
-            <a:off x="871494" y="5660339"/>
-            <a:ext cx="11016734" cy="1850231"/>
+            <a:off x="875176" y="5660339"/>
+            <a:ext cx="11063288" cy="1850231"/>
           </a:xfrm>
         </p:spPr>
         <p:txBody>
@@ -1715,7 +1989,7 @@
           <a:p>
             <a:fld id="{AAA91E2B-DE77-4648-B8EB-FB3E5B7C0103}" type="datetimeFigureOut">
               <a:rPr lang="en-US" smtClean="0"/>
-              <a:t>9/22/2024</a:t>
+              <a:t>9/24/2024</a:t>
             </a:fld>
             <a:endParaRPr lang="en-US"/>
           </a:p>
@@ -1766,7 +2040,7 @@
     </p:spTree>
     <p:extLst>
       <p:ext uri="{BB962C8B-B14F-4D97-AF65-F5344CB8AC3E}">
-        <p14:creationId xmlns:p14="http://schemas.microsoft.com/office/powerpoint/2010/main" val="1446788948"/>
+        <p14:creationId xmlns:p14="http://schemas.microsoft.com/office/powerpoint/2010/main" val="2550181888"/>
       </p:ext>
     </p:extLst>
   </p:cSld>
@@ -1828,8 +2102,8 @@
         </p:nvSpPr>
         <p:spPr>
           <a:xfrm>
-            <a:off x="878145" y="2251604"/>
-            <a:ext cx="5428536" cy="5366650"/>
+            <a:off x="881856" y="2251604"/>
+            <a:ext cx="5451475" cy="5366650"/>
           </a:xfrm>
         </p:spPr>
         <p:txBody>
@@ -1885,8 +2159,8 @@
         </p:nvSpPr>
         <p:spPr>
           <a:xfrm>
-            <a:off x="6466344" y="2251604"/>
-            <a:ext cx="5428536" cy="5366650"/>
+            <a:off x="6493669" y="2251604"/>
+            <a:ext cx="5451475" cy="5366650"/>
           </a:xfrm>
         </p:spPr>
         <p:txBody>
@@ -1947,7 +2221,7 @@
           <a:p>
             <a:fld id="{AAA91E2B-DE77-4648-B8EB-FB3E5B7C0103}" type="datetimeFigureOut">
               <a:rPr lang="en-US" smtClean="0"/>
-              <a:t>9/22/2024</a:t>
+              <a:t>9/24/2024</a:t>
             </a:fld>
             <a:endParaRPr lang="en-US"/>
           </a:p>
@@ -1998,7 +2272,7 @@
     </p:spTree>
     <p:extLst>
       <p:ext uri="{BB962C8B-B14F-4D97-AF65-F5344CB8AC3E}">
-        <p14:creationId xmlns:p14="http://schemas.microsoft.com/office/powerpoint/2010/main" val="1611470829"/>
+        <p14:creationId xmlns:p14="http://schemas.microsoft.com/office/powerpoint/2010/main" val="1974758187"/>
       </p:ext>
     </p:extLst>
   </p:cSld>
@@ -2037,8 +2311,8 @@
         </p:nvSpPr>
         <p:spPr>
           <a:xfrm>
-            <a:off x="879809" y="450323"/>
-            <a:ext cx="11016734" cy="1634861"/>
+            <a:off x="883527" y="450323"/>
+            <a:ext cx="11063288" cy="1634861"/>
           </a:xfrm>
         </p:spPr>
         <p:txBody>
@@ -2065,8 +2339,8 @@
         </p:nvSpPr>
         <p:spPr>
           <a:xfrm>
-            <a:off x="879811" y="2073434"/>
-            <a:ext cx="5403587" cy="1016158"/>
+            <a:off x="883529" y="2073434"/>
+            <a:ext cx="5426421" cy="1016158"/>
           </a:xfrm>
         </p:spPr>
         <p:txBody>
@@ -2130,8 +2404,8 @@
         </p:nvSpPr>
         <p:spPr>
           <a:xfrm>
-            <a:off x="879811" y="3089593"/>
-            <a:ext cx="5403587" cy="4544325"/>
+            <a:off x="883529" y="3089593"/>
+            <a:ext cx="5426421" cy="4544325"/>
           </a:xfrm>
         </p:spPr>
         <p:txBody>
@@ -2187,8 +2461,8 @@
         </p:nvSpPr>
         <p:spPr>
           <a:xfrm>
-            <a:off x="6466345" y="2073434"/>
-            <a:ext cx="5430199" cy="1016158"/>
+            <a:off x="6493669" y="2073434"/>
+            <a:ext cx="5453146" cy="1016158"/>
           </a:xfrm>
         </p:spPr>
         <p:txBody>
@@ -2252,8 +2526,8 @@
         </p:nvSpPr>
         <p:spPr>
           <a:xfrm>
-            <a:off x="6466345" y="3089593"/>
-            <a:ext cx="5430199" cy="4544325"/>
+            <a:off x="6493669" y="3089593"/>
+            <a:ext cx="5453146" cy="4544325"/>
           </a:xfrm>
         </p:spPr>
         <p:txBody>
@@ -2314,7 +2588,7 @@
           <a:p>
             <a:fld id="{AAA91E2B-DE77-4648-B8EB-FB3E5B7C0103}" type="datetimeFigureOut">
               <a:rPr lang="en-US" smtClean="0"/>
-              <a:t>9/22/2024</a:t>
+              <a:t>9/24/2024</a:t>
             </a:fld>
             <a:endParaRPr lang="en-US"/>
           </a:p>
@@ -2365,7 +2639,7 @@
     </p:spTree>
     <p:extLst>
       <p:ext uri="{BB962C8B-B14F-4D97-AF65-F5344CB8AC3E}">
-        <p14:creationId xmlns:p14="http://schemas.microsoft.com/office/powerpoint/2010/main" val="1638366396"/>
+        <p14:creationId xmlns:p14="http://schemas.microsoft.com/office/powerpoint/2010/main" val="3730490486"/>
       </p:ext>
     </p:extLst>
   </p:cSld>
@@ -2432,7 +2706,7 @@
           <a:p>
             <a:fld id="{AAA91E2B-DE77-4648-B8EB-FB3E5B7C0103}" type="datetimeFigureOut">
               <a:rPr lang="en-US" smtClean="0"/>
-              <a:t>9/22/2024</a:t>
+              <a:t>9/24/2024</a:t>
             </a:fld>
             <a:endParaRPr lang="en-US"/>
           </a:p>
@@ -2483,7 +2757,7 @@
     </p:spTree>
     <p:extLst>
       <p:ext uri="{BB962C8B-B14F-4D97-AF65-F5344CB8AC3E}">
-        <p14:creationId xmlns:p14="http://schemas.microsoft.com/office/powerpoint/2010/main" val="3210294530"/>
+        <p14:creationId xmlns:p14="http://schemas.microsoft.com/office/powerpoint/2010/main" val="3627080417"/>
       </p:ext>
     </p:extLst>
   </p:cSld>
@@ -2527,7 +2801,7 @@
           <a:p>
             <a:fld id="{AAA91E2B-DE77-4648-B8EB-FB3E5B7C0103}" type="datetimeFigureOut">
               <a:rPr lang="en-US" smtClean="0"/>
-              <a:t>9/22/2024</a:t>
+              <a:t>9/24/2024</a:t>
             </a:fld>
             <a:endParaRPr lang="en-US"/>
           </a:p>
@@ -2578,7 +2852,7 @@
     </p:spTree>
     <p:extLst>
       <p:ext uri="{BB962C8B-B14F-4D97-AF65-F5344CB8AC3E}">
-        <p14:creationId xmlns:p14="http://schemas.microsoft.com/office/powerpoint/2010/main" val="171779632"/>
+        <p14:creationId xmlns:p14="http://schemas.microsoft.com/office/powerpoint/2010/main" val="195616276"/>
       </p:ext>
     </p:extLst>
   </p:cSld>
@@ -2617,8 +2891,8 @@
         </p:nvSpPr>
         <p:spPr>
           <a:xfrm>
-            <a:off x="879809" y="563880"/>
-            <a:ext cx="4119633" cy="1973580"/>
+            <a:off x="883527" y="563880"/>
+            <a:ext cx="4137041" cy="1973580"/>
           </a:xfrm>
         </p:spPr>
         <p:txBody>
@@ -2649,8 +2923,8 @@
         </p:nvSpPr>
         <p:spPr>
           <a:xfrm>
-            <a:off x="5430199" y="1217826"/>
-            <a:ext cx="6466344" cy="6010804"/>
+            <a:off x="5453146" y="1217826"/>
+            <a:ext cx="6493669" cy="6010804"/>
           </a:xfrm>
         </p:spPr>
         <p:txBody>
@@ -2734,8 +3008,8 @@
         </p:nvSpPr>
         <p:spPr>
           <a:xfrm>
-            <a:off x="879809" y="2537460"/>
-            <a:ext cx="4119633" cy="4700959"/>
+            <a:off x="883527" y="2537460"/>
+            <a:ext cx="4137041" cy="4700959"/>
           </a:xfrm>
         </p:spPr>
         <p:txBody>
@@ -2804,7 +3078,7 @@
           <a:p>
             <a:fld id="{AAA91E2B-DE77-4648-B8EB-FB3E5B7C0103}" type="datetimeFigureOut">
               <a:rPr lang="en-US" smtClean="0"/>
-              <a:t>9/22/2024</a:t>
+              <a:t>9/24/2024</a:t>
             </a:fld>
             <a:endParaRPr lang="en-US"/>
           </a:p>
@@ -2855,7 +3129,7 @@
     </p:spTree>
     <p:extLst>
       <p:ext uri="{BB962C8B-B14F-4D97-AF65-F5344CB8AC3E}">
-        <p14:creationId xmlns:p14="http://schemas.microsoft.com/office/powerpoint/2010/main" val="2700634323"/>
+        <p14:creationId xmlns:p14="http://schemas.microsoft.com/office/powerpoint/2010/main" val="1019875579"/>
       </p:ext>
     </p:extLst>
   </p:cSld>
@@ -2894,8 +3168,8 @@
         </p:nvSpPr>
         <p:spPr>
           <a:xfrm>
-            <a:off x="879809" y="563880"/>
-            <a:ext cx="4119633" cy="1973580"/>
+            <a:off x="883527" y="563880"/>
+            <a:ext cx="4137041" cy="1973580"/>
           </a:xfrm>
         </p:spPr>
         <p:txBody>
@@ -2926,8 +3200,8 @@
         </p:nvSpPr>
         <p:spPr>
           <a:xfrm>
-            <a:off x="5430199" y="1217826"/>
-            <a:ext cx="6466344" cy="6010804"/>
+            <a:off x="5453146" y="1217826"/>
+            <a:ext cx="6493669" cy="6010804"/>
           </a:xfrm>
         </p:spPr>
         <p:txBody>
@@ -2991,8 +3265,8 @@
         </p:nvSpPr>
         <p:spPr>
           <a:xfrm>
-            <a:off x="879809" y="2537460"/>
-            <a:ext cx="4119633" cy="4700959"/>
+            <a:off x="883527" y="2537460"/>
+            <a:ext cx="4137041" cy="4700959"/>
           </a:xfrm>
         </p:spPr>
         <p:txBody>
@@ -3061,7 +3335,7 @@
           <a:p>
             <a:fld id="{AAA91E2B-DE77-4648-B8EB-FB3E5B7C0103}" type="datetimeFigureOut">
               <a:rPr lang="en-US" smtClean="0"/>
-              <a:t>9/22/2024</a:t>
+              <a:t>9/24/2024</a:t>
             </a:fld>
             <a:endParaRPr lang="en-US"/>
           </a:p>
@@ -3112,7 +3386,7 @@
     </p:spTree>
     <p:extLst>
       <p:ext uri="{BB962C8B-B14F-4D97-AF65-F5344CB8AC3E}">
-        <p14:creationId xmlns:p14="http://schemas.microsoft.com/office/powerpoint/2010/main" val="586366454"/>
+        <p14:creationId xmlns:p14="http://schemas.microsoft.com/office/powerpoint/2010/main" val="2112847657"/>
       </p:ext>
     </p:extLst>
   </p:cSld>
@@ -3156,8 +3430,8 @@
         </p:nvSpPr>
         <p:spPr>
           <a:xfrm>
-            <a:off x="878146" y="450323"/>
-            <a:ext cx="11016734" cy="1634861"/>
+            <a:off x="881856" y="450323"/>
+            <a:ext cx="11063288" cy="1634861"/>
           </a:xfrm>
           <a:prstGeom prst="rect">
             <a:avLst/>
@@ -3188,8 +3462,8 @@
         </p:nvSpPr>
         <p:spPr>
           <a:xfrm>
-            <a:off x="878146" y="2251604"/>
-            <a:ext cx="11016734" cy="5366650"/>
+            <a:off x="881856" y="2251604"/>
+            <a:ext cx="11063288" cy="5366650"/>
           </a:xfrm>
           <a:prstGeom prst="rect">
             <a:avLst/>
@@ -3249,8 +3523,8 @@
         </p:nvSpPr>
         <p:spPr>
           <a:xfrm>
-            <a:off x="878145" y="7839500"/>
-            <a:ext cx="2873931" cy="450321"/>
+            <a:off x="881856" y="7839500"/>
+            <a:ext cx="2886075" cy="450321"/>
           </a:xfrm>
           <a:prstGeom prst="rect">
             <a:avLst/>
@@ -3266,7 +3540,6 @@
                     <a:tint val="75000"/>
                   </a:schemeClr>
                 </a:solidFill>
-                <a:latin typeface="TeXGyrePagella" panose="00000500000000000000" pitchFamily="50" charset="0"/>
               </a:defRPr>
             </a:lvl1pPr>
           </a:lstStyle>
@@ -3274,7 +3547,7 @@
             <a:fld id="{AAA91E2B-DE77-4648-B8EB-FB3E5B7C0103}" type="datetimeFigureOut">
               <a:rPr lang="en-US" smtClean="0"/>
               <a:pPr/>
-              <a:t>9/22/2024</a:t>
+              <a:t>9/24/2024</a:t>
             </a:fld>
             <a:endParaRPr lang="en-US" dirty="0"/>
           </a:p>
@@ -3292,8 +3565,8 @@
         </p:nvSpPr>
         <p:spPr>
           <a:xfrm>
-            <a:off x="4231065" y="7839500"/>
-            <a:ext cx="4310896" cy="450321"/>
+            <a:off x="4248944" y="7839500"/>
+            <a:ext cx="4329113" cy="450321"/>
           </a:xfrm>
           <a:prstGeom prst="rect">
             <a:avLst/>
@@ -3309,7 +3582,6 @@
                     <a:tint val="75000"/>
                   </a:schemeClr>
                 </a:solidFill>
-                <a:latin typeface="TeXGyrePagella" panose="00000500000000000000" pitchFamily="50" charset="0"/>
               </a:defRPr>
             </a:lvl1pPr>
           </a:lstStyle>
@@ -3330,8 +3602,8 @@
         </p:nvSpPr>
         <p:spPr>
           <a:xfrm>
-            <a:off x="9020949" y="7839500"/>
-            <a:ext cx="2873931" cy="450321"/>
+            <a:off x="9059069" y="7839500"/>
+            <a:ext cx="2886075" cy="450321"/>
           </a:xfrm>
           <a:prstGeom prst="rect">
             <a:avLst/>
@@ -3347,7 +3619,6 @@
                     <a:tint val="75000"/>
                   </a:schemeClr>
                 </a:solidFill>
-                <a:latin typeface="TeXGyrePagella" panose="00000500000000000000" pitchFamily="50" charset="0"/>
               </a:defRPr>
             </a:lvl1pPr>
           </a:lstStyle>
@@ -3364,23 +3635,23 @@
     </p:spTree>
     <p:extLst>
       <p:ext uri="{BB962C8B-B14F-4D97-AF65-F5344CB8AC3E}">
-        <p14:creationId xmlns:p14="http://schemas.microsoft.com/office/powerpoint/2010/main" val="3588439202"/>
+        <p14:creationId xmlns:p14="http://schemas.microsoft.com/office/powerpoint/2010/main" val="2671840028"/>
       </p:ext>
     </p:extLst>
   </p:cSld>
   <p:clrMap bg1="lt1" tx1="dk1" bg2="lt2" tx2="dk2" accent1="accent1" accent2="accent2" accent3="accent3" accent4="accent4" accent5="accent5" accent6="accent6" hlink="hlink" folHlink="folHlink"/>
   <p:sldLayoutIdLst>
-    <p:sldLayoutId id="2147483709" r:id="rId1"/>
-    <p:sldLayoutId id="2147483710" r:id="rId2"/>
-    <p:sldLayoutId id="2147483711" r:id="rId3"/>
-    <p:sldLayoutId id="2147483712" r:id="rId4"/>
-    <p:sldLayoutId id="2147483713" r:id="rId5"/>
-    <p:sldLayoutId id="2147483714" r:id="rId6"/>
-    <p:sldLayoutId id="2147483715" r:id="rId7"/>
-    <p:sldLayoutId id="2147483716" r:id="rId8"/>
-    <p:sldLayoutId id="2147483717" r:id="rId9"/>
-    <p:sldLayoutId id="2147483718" r:id="rId10"/>
-    <p:sldLayoutId id="2147483719" r:id="rId11"/>
+    <p:sldLayoutId id="2147483721" r:id="rId1"/>
+    <p:sldLayoutId id="2147483722" r:id="rId2"/>
+    <p:sldLayoutId id="2147483723" r:id="rId3"/>
+    <p:sldLayoutId id="2147483724" r:id="rId4"/>
+    <p:sldLayoutId id="2147483725" r:id="rId5"/>
+    <p:sldLayoutId id="2147483726" r:id="rId6"/>
+    <p:sldLayoutId id="2147483727" r:id="rId7"/>
+    <p:sldLayoutId id="2147483728" r:id="rId8"/>
+    <p:sldLayoutId id="2147483729" r:id="rId9"/>
+    <p:sldLayoutId id="2147483730" r:id="rId10"/>
+    <p:sldLayoutId id="2147483731" r:id="rId11"/>
   </p:sldLayoutIdLst>
   <p:txStyles>
     <p:titleStyle>
@@ -3392,7 +3663,7 @@
           <a:spcPct val="0"/>
         </a:spcBef>
         <a:buNone/>
-        <a:defRPr sz="5400" kern="1200">
+        <a:defRPr sz="5427" kern="1200">
           <a:solidFill>
             <a:schemeClr val="tx1"/>
           </a:solidFill>
@@ -3668,20 +3939,6 @@
 <file path=ppt/slides/slide1.xml><?xml version="1.0" encoding="utf-8"?>
 <p:sld xmlns:a="http://schemas.openxmlformats.org/drawingml/2006/main" xmlns:r="http://schemas.openxmlformats.org/officeDocument/2006/relationships" xmlns:p="http://schemas.openxmlformats.org/presentationml/2006/main" show="0">
   <p:cSld>
-    <p:bg>
-      <p:bgPr>
-        <a:blipFill dpi="0" rotWithShape="1">
-          <a:blip r:embed="rId2">
-            <a:lum/>
-          </a:blip>
-          <a:srcRect/>
-          <a:stretch>
-            <a:fillRect/>
-          </a:stretch>
-        </a:blipFill>
-        <a:effectLst/>
-      </p:bgPr>
-    </p:bg>
     <p:spTree>
       <p:nvGrpSpPr>
         <p:cNvPr id="1" name=""/>
@@ -3698,10 +3955,10 @@
       </p:grpSpPr>
       <p:sp>
         <p:nvSpPr>
-          <p:cNvPr id="5" name="Rectangle 4">
+          <p:cNvPr id="29" name="Rectangle 28">
             <a:extLst>
               <a:ext uri="{FF2B5EF4-FFF2-40B4-BE49-F238E27FC236}">
-                <a16:creationId xmlns:a16="http://schemas.microsoft.com/office/drawing/2014/main" id="{89AA23C3-8864-BA30-2A49-B7976C002501}"/>
+                <a16:creationId xmlns:a16="http://schemas.microsoft.com/office/drawing/2014/main" id="{89DE354C-23A3-15C6-6E45-87228A4A9737}"/>
               </a:ext>
             </a:extLst>
           </p:cNvPr>
@@ -3710,16 +3967,14 @@
         </p:nvSpPr>
         <p:spPr>
           <a:xfrm>
-            <a:off x="5602285" y="114299"/>
-            <a:ext cx="1563693" cy="8229600"/>
+            <a:off x="3565525" y="7026275"/>
+            <a:ext cx="1835151" cy="1090614"/>
           </a:xfrm>
           <a:prstGeom prst="rect">
             <a:avLst/>
           </a:prstGeom>
           <a:solidFill>
-            <a:srgbClr val="7030A0">
-              <a:alpha val="49804"/>
-            </a:srgbClr>
+            <a:srgbClr val="FFFF00"/>
           </a:solidFill>
           <a:ln>
             <a:noFill/>
@@ -3746,16 +4001,64 @@
           <a:lstStyle/>
           <a:p>
             <a:pPr algn="ctr"/>
-            <a:endParaRPr lang="en-SG" dirty="0"/>
+            <a:r>
+              <a:rPr lang="en-SG" sz="1801" dirty="0">
+                <a:solidFill>
+                  <a:schemeClr val="tx1"/>
+                </a:solidFill>
+              </a:rPr>
+              <a:t>Barcode Area</a:t>
+            </a:r>
+          </a:p>
+          <a:p>
+            <a:pPr algn="ctr"/>
+            <a:r>
+              <a:rPr lang="en-SG" sz="1801" dirty="0">
+                <a:solidFill>
+                  <a:schemeClr val="tx1"/>
+                </a:solidFill>
+              </a:rPr>
+              <a:t>2.0” x 1.8”</a:t>
+            </a:r>
           </a:p>
         </p:txBody>
       </p:sp>
+      <p:pic>
+        <p:nvPicPr>
+          <p:cNvPr id="8" name="Picture 7">
+            <a:extLst>
+              <a:ext uri="{FF2B5EF4-FFF2-40B4-BE49-F238E27FC236}">
+                <a16:creationId xmlns:a16="http://schemas.microsoft.com/office/drawing/2014/main" id="{2E6D4899-B663-2A1D-6D07-5425390A07CE}"/>
+              </a:ext>
+            </a:extLst>
+          </p:cNvPr>
+          <p:cNvPicPr>
+            <a:picLocks noChangeAspect="1"/>
+          </p:cNvPicPr>
+          <p:nvPr/>
+        </p:nvPicPr>
+        <p:blipFill>
+          <a:blip r:embed="rId2"/>
+          <a:stretch>
+            <a:fillRect/>
+          </a:stretch>
+        </p:blipFill>
+        <p:spPr>
+          <a:xfrm>
+            <a:off x="0" y="0"/>
+            <a:ext cx="12835171" cy="8458200"/>
+          </a:xfrm>
+          <a:prstGeom prst="rect">
+            <a:avLst/>
+          </a:prstGeom>
+        </p:spPr>
+      </p:pic>
       <p:sp>
         <p:nvSpPr>
-          <p:cNvPr id="4" name="Rectangle 3">
+          <p:cNvPr id="2" name="Rectangle 1">
             <a:extLst>
               <a:ext uri="{FF2B5EF4-FFF2-40B4-BE49-F238E27FC236}">
-                <a16:creationId xmlns:a16="http://schemas.microsoft.com/office/drawing/2014/main" id="{CD2B5AF0-12A2-D1C7-DBBE-653D75E6EA55}"/>
+                <a16:creationId xmlns:a16="http://schemas.microsoft.com/office/drawing/2014/main" id="{B2CB13FE-AF57-9EDB-2666-AC5A39650303}"/>
               </a:ext>
             </a:extLst>
           </p:cNvPr>
@@ -3764,16 +4067,14 @@
         </p:nvSpPr>
         <p:spPr>
           <a:xfrm>
-            <a:off x="7165978" y="114299"/>
-            <a:ext cx="5486400" cy="8229600"/>
+            <a:off x="565149" y="554205"/>
+            <a:ext cx="4591051" cy="7340115"/>
           </a:xfrm>
           <a:prstGeom prst="rect">
             <a:avLst/>
           </a:prstGeom>
           <a:solidFill>
-            <a:srgbClr val="000000">
-              <a:alpha val="50196"/>
-            </a:srgbClr>
+            <a:srgbClr val="0070C0"/>
           </a:solidFill>
           <a:ln>
             <a:noFill/>
@@ -3800,16 +4101,26 @@
           <a:lstStyle/>
           <a:p>
             <a:pPr algn="ctr"/>
-            <a:endParaRPr lang="en-SG" dirty="0"/>
+            <a:r>
+              <a:rPr lang="en-SG" sz="1801" dirty="0"/>
+              <a:t>Cover Safe Area</a:t>
+            </a:r>
+          </a:p>
+          <a:p>
+            <a:pPr algn="ctr"/>
+            <a:r>
+              <a:rPr lang="en-SG" sz="1801" dirty="0"/>
+              <a:t>5” x 8”</a:t>
+            </a:r>
           </a:p>
         </p:txBody>
       </p:sp>
       <p:sp>
         <p:nvSpPr>
-          <p:cNvPr id="2" name="Rectangle 1">
+          <p:cNvPr id="9" name="Rectangle 8">
             <a:extLst>
               <a:ext uri="{FF2B5EF4-FFF2-40B4-BE49-F238E27FC236}">
-                <a16:creationId xmlns:a16="http://schemas.microsoft.com/office/drawing/2014/main" id="{4C2AA2E7-396A-2BC5-C7C0-86BBDEC0CD1B}"/>
+                <a16:creationId xmlns:a16="http://schemas.microsoft.com/office/drawing/2014/main" id="{8C109653-88C4-E2D9-69F5-E7C934475516}"/>
               </a:ext>
             </a:extLst>
           </p:cNvPr>
@@ -3818,16 +4129,14 @@
         </p:nvSpPr>
         <p:spPr>
           <a:xfrm>
-            <a:off x="115885" y="114299"/>
-            <a:ext cx="5486400" cy="8229600"/>
+            <a:off x="1833032" y="6731531"/>
+            <a:ext cx="3310128" cy="1152144"/>
           </a:xfrm>
           <a:prstGeom prst="rect">
             <a:avLst/>
           </a:prstGeom>
           <a:solidFill>
-            <a:srgbClr val="000000">
-              <a:alpha val="50196"/>
-            </a:srgbClr>
+            <a:srgbClr val="FFFF00"/>
           </a:solidFill>
           <a:ln>
             <a:noFill/>
@@ -3854,16 +4163,34 @@
           <a:lstStyle/>
           <a:p>
             <a:pPr algn="ctr"/>
-            <a:endParaRPr lang="en-SG" dirty="0"/>
+            <a:r>
+              <a:rPr lang="en-SG" sz="1801" dirty="0">
+                <a:solidFill>
+                  <a:schemeClr val="tx1"/>
+                </a:solidFill>
+              </a:rPr>
+              <a:t>Barcode Area</a:t>
+            </a:r>
+          </a:p>
+          <a:p>
+            <a:pPr algn="ctr"/>
+            <a:r>
+              <a:rPr lang="en-SG" sz="1801" dirty="0">
+                <a:solidFill>
+                  <a:schemeClr val="tx1"/>
+                </a:solidFill>
+              </a:rPr>
+              <a:t>3.622” x 1.26”</a:t>
+            </a:r>
           </a:p>
         </p:txBody>
       </p:sp>
       <p:sp>
         <p:nvSpPr>
-          <p:cNvPr id="10" name="Rectangle 9">
+          <p:cNvPr id="14" name="Rectangle 13">
             <a:extLst>
               <a:ext uri="{FF2B5EF4-FFF2-40B4-BE49-F238E27FC236}">
-                <a16:creationId xmlns:a16="http://schemas.microsoft.com/office/drawing/2014/main" id="{226BF444-EAAD-A155-5F17-CB8CA8EF31D7}"/>
+                <a16:creationId xmlns:a16="http://schemas.microsoft.com/office/drawing/2014/main" id="{CF36E22A-1B0A-3A1F-F86E-701C62D1BCF9}"/>
               </a:ext>
             </a:extLst>
           </p:cNvPr>
@@ -3872,8 +4199,8 @@
         </p:nvSpPr>
         <p:spPr>
           <a:xfrm>
-            <a:off x="5654675" y="228599"/>
-            <a:ext cx="1458913" cy="8001001"/>
+            <a:off x="5594349" y="91440"/>
+            <a:ext cx="1635126" cy="8252459"/>
           </a:xfrm>
           <a:prstGeom prst="rect">
             <a:avLst/>
@@ -3907,25 +4234,25 @@
           <a:p>
             <a:pPr algn="ctr"/>
             <a:r>
-              <a:rPr lang="en-SG" dirty="0"/>
+              <a:rPr lang="en-SG" sz="1801" dirty="0"/>
               <a:t>Spine Width</a:t>
             </a:r>
           </a:p>
           <a:p>
             <a:pPr algn="ctr"/>
             <a:r>
-              <a:rPr lang="en-SG" dirty="0"/>
-              <a:t>1.718”</a:t>
+              <a:rPr lang="en-SG" sz="1801" dirty="0"/>
+              <a:t>1.778”</a:t>
             </a:r>
           </a:p>
         </p:txBody>
       </p:sp>
       <p:sp>
         <p:nvSpPr>
-          <p:cNvPr id="11" name="Rectangle 10">
+          <p:cNvPr id="3" name="Rectangle 2">
             <a:extLst>
               <a:ext uri="{FF2B5EF4-FFF2-40B4-BE49-F238E27FC236}">
-                <a16:creationId xmlns:a16="http://schemas.microsoft.com/office/drawing/2014/main" id="{EB142010-AED1-F5DB-7D26-4A8827B6346E}"/>
+                <a16:creationId xmlns:a16="http://schemas.microsoft.com/office/drawing/2014/main" id="{64F80761-D07E-1F94-75BF-6FB2DD93197C}"/>
               </a:ext>
             </a:extLst>
           </p:cNvPr>
@@ -3934,8 +4261,8 @@
         </p:nvSpPr>
         <p:spPr>
           <a:xfrm>
-            <a:off x="228599" y="228599"/>
-            <a:ext cx="5260975" cy="8001001"/>
+            <a:off x="7670800" y="543560"/>
+            <a:ext cx="4591051" cy="7340115"/>
           </a:xfrm>
           <a:prstGeom prst="rect">
             <a:avLst/>
@@ -3969,147 +4296,15 @@
           <a:p>
             <a:pPr algn="ctr"/>
             <a:r>
-              <a:rPr lang="en-SG" dirty="0"/>
-              <a:t>Back Cover</a:t>
+              <a:rPr lang="en-SG" sz="1801" dirty="0"/>
+              <a:t>Cover Safe Area</a:t>
             </a:r>
           </a:p>
           <a:p>
             <a:pPr algn="ctr"/>
             <a:r>
-              <a:rPr lang="en-SG" dirty="0"/>
-              <a:t>5.75” x 8.75”</a:t>
-            </a:r>
-          </a:p>
-        </p:txBody>
-      </p:sp>
-      <p:sp>
-        <p:nvSpPr>
-          <p:cNvPr id="12" name="Rectangle 11">
-            <a:extLst>
-              <a:ext uri="{FF2B5EF4-FFF2-40B4-BE49-F238E27FC236}">
-                <a16:creationId xmlns:a16="http://schemas.microsoft.com/office/drawing/2014/main" id="{80D65BE8-CAE0-A39D-DF2E-F1AA2715CE27}"/>
-              </a:ext>
-            </a:extLst>
-          </p:cNvPr>
-          <p:cNvSpPr/>
-          <p:nvPr/>
-        </p:nvSpPr>
-        <p:spPr>
-          <a:xfrm>
-            <a:off x="7278689" y="228599"/>
-            <a:ext cx="5265737" cy="8001001"/>
-          </a:xfrm>
-          <a:prstGeom prst="rect">
-            <a:avLst/>
-          </a:prstGeom>
-          <a:solidFill>
-            <a:srgbClr val="0070C0"/>
-          </a:solidFill>
-          <a:ln>
-            <a:noFill/>
-          </a:ln>
-        </p:spPr>
-        <p:style>
-          <a:lnRef idx="2">
-            <a:schemeClr val="accent1">
-              <a:shade val="15000"/>
-            </a:schemeClr>
-          </a:lnRef>
-          <a:fillRef idx="1">
-            <a:schemeClr val="accent1"/>
-          </a:fillRef>
-          <a:effectRef idx="0">
-            <a:schemeClr val="accent1"/>
-          </a:effectRef>
-          <a:fontRef idx="minor">
-            <a:schemeClr val="lt1"/>
-          </a:fontRef>
-        </p:style>
-        <p:txBody>
-          <a:bodyPr rtlCol="0" anchor="ctr"/>
-          <a:lstStyle/>
-          <a:p>
-            <a:pPr algn="ctr"/>
-            <a:r>
-              <a:rPr lang="en-SG" dirty="0"/>
-              <a:t>Front Cover</a:t>
-            </a:r>
-          </a:p>
-          <a:p>
-            <a:pPr algn="ctr"/>
-            <a:r>
-              <a:rPr lang="en-SG" dirty="0"/>
-              <a:t>5.75” x 8.75”</a:t>
-            </a:r>
-          </a:p>
-        </p:txBody>
-      </p:sp>
-      <p:sp>
-        <p:nvSpPr>
-          <p:cNvPr id="29" name="Rectangle 28">
-            <a:extLst>
-              <a:ext uri="{FF2B5EF4-FFF2-40B4-BE49-F238E27FC236}">
-                <a16:creationId xmlns:a16="http://schemas.microsoft.com/office/drawing/2014/main" id="{89DE354C-23A3-15C6-6E45-87228A4A9737}"/>
-              </a:ext>
-            </a:extLst>
-          </p:cNvPr>
-          <p:cNvSpPr/>
-          <p:nvPr/>
-        </p:nvSpPr>
-        <p:spPr>
-          <a:xfrm>
-            <a:off x="3538538" y="7026274"/>
-            <a:ext cx="1835150" cy="1090613"/>
-          </a:xfrm>
-          <a:prstGeom prst="rect">
-            <a:avLst/>
-          </a:prstGeom>
-          <a:solidFill>
-            <a:srgbClr val="FFFF00"/>
-          </a:solidFill>
-          <a:ln>
-            <a:noFill/>
-          </a:ln>
-        </p:spPr>
-        <p:style>
-          <a:lnRef idx="2">
-            <a:schemeClr val="accent1">
-              <a:shade val="15000"/>
-            </a:schemeClr>
-          </a:lnRef>
-          <a:fillRef idx="1">
-            <a:schemeClr val="accent1"/>
-          </a:fillRef>
-          <a:effectRef idx="0">
-            <a:schemeClr val="accent1"/>
-          </a:effectRef>
-          <a:fontRef idx="minor">
-            <a:schemeClr val="lt1"/>
-          </a:fontRef>
-        </p:style>
-        <p:txBody>
-          <a:bodyPr rtlCol="0" anchor="ctr"/>
-          <a:lstStyle/>
-          <a:p>
-            <a:pPr algn="ctr"/>
-            <a:r>
-              <a:rPr lang="en-SG" dirty="0">
-                <a:solidFill>
-                  <a:schemeClr val="tx1"/>
-                </a:solidFill>
-              </a:rPr>
-              <a:t>Barcode Area</a:t>
-            </a:r>
-          </a:p>
-          <a:p>
-            <a:pPr algn="ctr"/>
-            <a:r>
-              <a:rPr lang="en-SG" dirty="0">
-                <a:solidFill>
-                  <a:schemeClr val="tx1"/>
-                </a:solidFill>
-              </a:rPr>
-              <a:t>2.0” x 1.8”</a:t>
+              <a:rPr lang="en-SG" sz="1801" dirty="0"/>
+              <a:t>5” x 8”</a:t>
             </a:r>
           </a:p>
         </p:txBody>
@@ -4117,7 +4312,7 @@
     </p:spTree>
     <p:extLst>
       <p:ext uri="{BB962C8B-B14F-4D97-AF65-F5344CB8AC3E}">
-        <p14:creationId xmlns:p14="http://schemas.microsoft.com/office/powerpoint/2010/main" val="1362305970"/>
+        <p14:creationId xmlns:p14="http://schemas.microsoft.com/office/powerpoint/2010/main" val="883218766"/>
       </p:ext>
     </p:extLst>
   </p:cSld>
@@ -4166,7 +4361,7 @@
         </p:blipFill>
         <p:spPr>
           <a:xfrm>
-            <a:off x="-1866" y="0"/>
+            <a:off x="25122" y="0"/>
             <a:ext cx="12771918" cy="8458200"/>
           </a:xfrm>
           <a:prstGeom prst="rect">
@@ -4188,10 +4383,10 @@
         </p:nvGrpSpPr>
         <p:grpSpPr>
           <a:xfrm>
-            <a:off x="8399133" y="3249673"/>
-            <a:ext cx="3036409" cy="2268699"/>
+            <a:off x="8426121" y="3249676"/>
+            <a:ext cx="3041216" cy="2268827"/>
             <a:chOff x="8399133" y="3249673"/>
-            <a:chExt cx="3036409" cy="2268699"/>
+            <a:chExt cx="3041214" cy="2268828"/>
           </a:xfrm>
         </p:grpSpPr>
         <p:sp>
@@ -4208,8 +4403,8 @@
           </p:nvSpPr>
           <p:spPr>
             <a:xfrm>
-              <a:off x="9461953" y="4722257"/>
-              <a:ext cx="910771" cy="276999"/>
+              <a:off x="9461953" y="4722256"/>
+              <a:ext cx="910771" cy="276871"/>
             </a:xfrm>
             <a:prstGeom prst="rect">
               <a:avLst/>
@@ -4224,7 +4419,7 @@
             <a:p>
               <a:pPr algn="ctr"/>
               <a:r>
-                <a:rPr lang="en-US" sz="1200" dirty="0">
+                <a:rPr lang="en-US" sz="1199" dirty="0">
                   <a:solidFill>
                     <a:schemeClr val="bg1"/>
                   </a:solidFill>
@@ -4233,7 +4428,7 @@
                 <a:t>1</a:t>
               </a:r>
               <a:r>
-                <a:rPr lang="en-US" sz="1200" baseline="30000" dirty="0">
+                <a:rPr lang="en-US" sz="1199" baseline="30000" dirty="0">
                   <a:solidFill>
                     <a:schemeClr val="bg1"/>
                   </a:solidFill>
@@ -4242,7 +4437,7 @@
                 <a:t>st</a:t>
               </a:r>
               <a:r>
-                <a:rPr lang="en-US" sz="1200" dirty="0">
+                <a:rPr lang="en-US" sz="1199" dirty="0">
                   <a:solidFill>
                     <a:schemeClr val="bg1"/>
                   </a:solidFill>
@@ -4267,8 +4462,8 @@
           </p:nvSpPr>
           <p:spPr>
             <a:xfrm>
-              <a:off x="9171953" y="5149040"/>
-              <a:ext cx="1479892" cy="369332"/>
+              <a:off x="9171953" y="5149041"/>
+              <a:ext cx="1479891" cy="369460"/>
             </a:xfrm>
             <a:prstGeom prst="rect">
               <a:avLst/>
@@ -4282,7 +4477,7 @@
             <a:lstStyle/>
             <a:p>
               <a:r>
-                <a:rPr lang="en-US" dirty="0">
+                <a:rPr lang="en-US" sz="1801" dirty="0">
                   <a:solidFill>
                     <a:schemeClr val="bg1"/>
                   </a:solidFill>
@@ -4308,9 +4503,9 @@
           <p:grpSpPr>
             <a:xfrm>
               <a:off x="8399133" y="3647457"/>
-              <a:ext cx="3036409" cy="1136721"/>
+              <a:ext cx="3041214" cy="1137043"/>
               <a:chOff x="8399133" y="3647457"/>
-              <a:chExt cx="3036409" cy="1136721"/>
+              <a:chExt cx="3041214" cy="1137043"/>
             </a:xfrm>
           </p:grpSpPr>
           <p:sp>
@@ -4327,8 +4522,8 @@
             </p:nvSpPr>
             <p:spPr>
               <a:xfrm>
-                <a:off x="8545647" y="4076292"/>
-                <a:ext cx="2743380" cy="707886"/>
+                <a:off x="8545648" y="4076293"/>
+                <a:ext cx="2744980" cy="708207"/>
               </a:xfrm>
               <a:prstGeom prst="rect">
                 <a:avLst/>
@@ -4342,7 +4537,7 @@
               <a:lstStyle/>
               <a:p>
                 <a:r>
-                  <a:rPr lang="en-US" sz="4000" b="1" dirty="0">
+                  <a:rPr lang="en-US" sz="4002" b="1" dirty="0">
                     <a:solidFill>
                       <a:schemeClr val="bg1"/>
                     </a:solidFill>
@@ -4368,7 +4563,7 @@
             <p:spPr>
               <a:xfrm>
                 <a:off x="8399133" y="3647457"/>
-                <a:ext cx="3036409" cy="707886"/>
+                <a:ext cx="3041214" cy="708207"/>
               </a:xfrm>
               <a:prstGeom prst="rect">
                 <a:avLst/>
@@ -4382,7 +4577,7 @@
               <a:lstStyle/>
               <a:p>
                 <a:r>
-                  <a:rPr lang="en-US" sz="4000" b="1" dirty="0">
+                  <a:rPr lang="en-US" sz="4002" b="1" dirty="0">
                     <a:solidFill>
                       <a:schemeClr val="bg1"/>
                     </a:solidFill>
@@ -4409,9 +4604,9 @@
           <p:grpSpPr>
             <a:xfrm>
               <a:off x="9111929" y="3249673"/>
-              <a:ext cx="1604927" cy="552163"/>
+              <a:ext cx="1604926" cy="552289"/>
               <a:chOff x="9111929" y="3249673"/>
-              <a:chExt cx="1604927" cy="552163"/>
+              <a:chExt cx="1604926" cy="552289"/>
             </a:xfrm>
           </p:grpSpPr>
           <p:sp>
@@ -4428,8 +4623,8 @@
             </p:nvSpPr>
             <p:spPr>
               <a:xfrm>
-                <a:off x="9111929" y="3463282"/>
-                <a:ext cx="1604927" cy="338554"/>
+                <a:off x="9111929" y="3463280"/>
+                <a:ext cx="1604926" cy="338682"/>
               </a:xfrm>
               <a:prstGeom prst="rect">
                 <a:avLst/>
@@ -4443,7 +4638,7 @@
               <a:lstStyle/>
               <a:p>
                 <a:r>
-                  <a:rPr lang="en-US" sz="1600" b="1" dirty="0">
+                  <a:rPr lang="en-US" sz="1601" b="1" dirty="0">
                     <a:solidFill>
                       <a:schemeClr val="bg1"/>
                     </a:solidFill>
@@ -4469,7 +4664,7 @@
             <p:spPr>
               <a:xfrm>
                 <a:off x="9257275" y="3249673"/>
-                <a:ext cx="1303242" cy="338554"/>
+                <a:ext cx="1303241" cy="338682"/>
               </a:xfrm>
               <a:prstGeom prst="rect">
                 <a:avLst/>
@@ -4483,7 +4678,7 @@
               <a:lstStyle/>
               <a:p>
                 <a:r>
-                  <a:rPr lang="en-US" sz="1600" b="1" dirty="0">
+                  <a:rPr lang="en-US" sz="1601" b="1" dirty="0">
                     <a:solidFill>
                       <a:schemeClr val="bg1"/>
                     </a:solidFill>
@@ -4510,8 +4705,8 @@
         </p:nvGrpSpPr>
         <p:grpSpPr>
           <a:xfrm>
-            <a:off x="228599" y="228599"/>
-            <a:ext cx="5260975" cy="8001001"/>
+            <a:off x="255586" y="228599"/>
+            <a:ext cx="5260976" cy="8001002"/>
             <a:chOff x="228599" y="228599"/>
             <a:chExt cx="5260975" cy="8001001"/>
           </a:xfrm>
@@ -4566,7 +4761,7 @@
             <a:lstStyle/>
             <a:p>
               <a:pPr algn="ctr"/>
-              <a:endParaRPr lang="en-SG" dirty="0"/>
+              <a:endParaRPr lang="en-SG" sz="1801" dirty="0"/>
             </a:p>
           </p:txBody>
         </p:sp>
@@ -4619,7 +4814,7 @@
             <a:p>
               <a:pPr algn="ctr"/>
               <a:r>
-                <a:rPr lang="en-SG" dirty="0">
+                <a:rPr lang="en-SG" sz="1801" dirty="0">
                   <a:solidFill>
                     <a:schemeClr val="tx1"/>
                   </a:solidFill>
@@ -4630,7 +4825,7 @@
             <a:p>
               <a:pPr algn="ctr"/>
               <a:r>
-                <a:rPr lang="en-SG" dirty="0">
+                <a:rPr lang="en-SG" sz="1801" dirty="0">
                   <a:solidFill>
                     <a:schemeClr val="tx1"/>
                   </a:solidFill>
@@ -4654,8 +4849,8 @@
           </p:nvSpPr>
           <p:spPr>
             <a:xfrm>
-              <a:off x="357933" y="3325615"/>
-              <a:ext cx="5009620" cy="3857466"/>
+              <a:off x="357932" y="3325616"/>
+              <a:ext cx="5009619" cy="4039567"/>
             </a:xfrm>
             <a:prstGeom prst="rect">
               <a:avLst/>
@@ -4668,83 +4863,60 @@
             </a:bodyPr>
             <a:lstStyle/>
             <a:p>
-              <a:pPr algn="just" rtl="0">
-                <a:spcBef>
-                  <a:spcPts val="0"/>
-                </a:spcBef>
+              <a:pPr algn="just">
                 <a:spcAft>
-                  <a:spcPts val="1000"/>
+                  <a:spcPts val="999"/>
                 </a:spcAft>
               </a:pPr>
               <a:r>
-                <a:rPr lang="en-US" sz="1200" b="0" i="0" u="none" strike="noStrike" dirty="0">
+                <a:rPr lang="en-US" sz="1199" dirty="0">
                   <a:solidFill>
                     <a:schemeClr val="bg1"/>
                   </a:solidFill>
-                  <a:effectLst/>
                 </a:rPr>
                 <a:t>The field of abstract algebra is deeply fundamental to modern mathematics. Working mathematicians, computer scientists, physicists, and chemists frequently encounter topics in abstract algebra, and a basic understanding of abstract algebra would immensely help. To that end, </a:t>
               </a:r>
               <a:r>
-                <a:rPr lang="en-US" sz="1200" b="0" i="1" u="none" strike="noStrike" dirty="0">
+                <a:rPr lang="en-US" sz="1199" i="1" dirty="0">
                   <a:solidFill>
                     <a:schemeClr val="bg1"/>
                   </a:solidFill>
-                  <a:effectLst/>
                 </a:rPr>
                 <a:t>A Complete Introduction to Abstract Algebra</a:t>
               </a:r>
               <a:r>
-                <a:rPr lang="en-US" sz="1200" b="0" i="0" u="none" strike="noStrike" dirty="0">
+                <a:rPr lang="en-US" sz="1199" dirty="0">
                   <a:solidFill>
                     <a:schemeClr val="bg1"/>
                   </a:solidFill>
-                  <a:effectLst/>
                 </a:rPr>
                 <a:t> provides all the necessary foundation to understand this fundamental study, assuming only a high-school understanding of mathematics. Everything, from the results discussed in the chapters to the questions and exercises, will have detailed solutions and explanations, providing you with the reassurance that you're on the right track and deepening your appreciation of the beauty of abstract algebra.</a:t>
               </a:r>
-              <a:endParaRPr lang="en-US" sz="1200" b="0" dirty="0">
-                <a:solidFill>
-                  <a:schemeClr val="bg1"/>
-                </a:solidFill>
-                <a:effectLst/>
-              </a:endParaRPr>
             </a:p>
             <a:p>
-              <a:pPr algn="just" rtl="0">
-                <a:spcBef>
-                  <a:spcPts val="0"/>
-                </a:spcBef>
+              <a:pPr algn="just">
                 <a:spcAft>
-                  <a:spcPts val="1000"/>
+                  <a:spcPts val="999"/>
                 </a:spcAft>
               </a:pPr>
               <a:r>
-                <a:rPr lang="en-US" sz="1200" b="0" i="0" u="none" strike="noStrike" dirty="0">
+                <a:rPr lang="en-US" sz="1199" dirty="0">
                   <a:solidFill>
                     <a:schemeClr val="bg1"/>
                   </a:solidFill>
-                  <a:effectLst/>
                 </a:rPr>
                 <a:t>This book covers the absolute fundamentals of abstract algebra, starting with the prerequisite knowledge, moving on to groups, looking at rings and fields, and ending with an introduction to Galois theory. It adopts a structured approach to learning abstract algebra. Examples, exercises, and problems are frequently interspersed in the text to facilitate understanding, provide insight, and develop the ability to do proofs.</a:t>
               </a:r>
-              <a:endParaRPr lang="en-US" sz="1200" b="0" dirty="0">
-                <a:solidFill>
-                  <a:schemeClr val="bg1"/>
-                </a:solidFill>
-                <a:effectLst/>
-              </a:endParaRPr>
             </a:p>
             <a:p>
               <a:br>
-                <a:rPr lang="en-US" sz="1200" b="0" dirty="0">
+                <a:rPr lang="en-US" sz="1199" dirty="0">
                   <a:solidFill>
                     <a:schemeClr val="bg1"/>
                   </a:solidFill>
-                  <a:effectLst/>
                 </a:rPr>
               </a:br>
-              <a:endParaRPr lang="en-SG" sz="1200" dirty="0">
+              <a:endParaRPr lang="en-SG" sz="1199" dirty="0">
                 <a:solidFill>
                   <a:schemeClr val="bg1"/>
                 </a:solidFill>
@@ -5338,7 +5510,7 @@
               <a:lstStyle/>
               <a:p>
                 <a:pPr algn="ctr"/>
-                <a:endParaRPr lang="en-SG" dirty="0"/>
+                <a:endParaRPr lang="en-SG" sz="1801" dirty="0"/>
               </a:p>
             </p:txBody>
           </p:sp>
@@ -5978,12 +6150,12 @@
                 </a:fontRef>
               </p:style>
               <p:txBody>
-                <a:bodyPr lIns="36000" tIns="36000" rIns="36000" bIns="36000" rtlCol="0" anchor="ctr"/>
+                <a:bodyPr lIns="36001" tIns="36001" rIns="36001" bIns="36001" rtlCol="0" anchor="ctr"/>
                 <a:lstStyle/>
                 <a:p>
                   <a:pPr algn="ctr"/>
                   <a:r>
-                    <a:rPr lang="en-SG" sz="1200" i="1" dirty="0"/>
+                    <a:rPr lang="en-SG" sz="1199" i="1" dirty="0"/>
                     <a:t>r</a:t>
                   </a:r>
                 </a:p>
@@ -6035,16 +6207,16 @@
                 </a:fontRef>
               </p:style>
               <p:txBody>
-                <a:bodyPr lIns="36000" tIns="36000" rIns="36000" bIns="36000" rtlCol="0" anchor="ctr"/>
+                <a:bodyPr lIns="36001" tIns="36001" rIns="36001" bIns="36001" rtlCol="0" anchor="ctr"/>
                 <a:lstStyle/>
                 <a:p>
                   <a:pPr algn="ctr"/>
                   <a:r>
-                    <a:rPr lang="en-SG" sz="1200" i="1" dirty="0"/>
+                    <a:rPr lang="en-SG" sz="1199" i="1" dirty="0"/>
                     <a:t>r</a:t>
                   </a:r>
                   <a:r>
-                    <a:rPr lang="en-SG" sz="1200" i="1" baseline="30000" dirty="0"/>
+                    <a:rPr lang="en-SG" sz="1199" i="1" baseline="30000" dirty="0"/>
                     <a:t>2</a:t>
                   </a:r>
                 </a:p>
@@ -6096,16 +6268,16 @@
                 </a:fontRef>
               </p:style>
               <p:txBody>
-                <a:bodyPr lIns="36000" tIns="36000" rIns="36000" bIns="36000" rtlCol="0" anchor="ctr"/>
+                <a:bodyPr lIns="36001" tIns="36001" rIns="36001" bIns="36001" rtlCol="0" anchor="ctr"/>
                 <a:lstStyle/>
                 <a:p>
                   <a:pPr algn="ctr"/>
                   <a:r>
-                    <a:rPr lang="en-SG" sz="1200" i="1" dirty="0"/>
+                    <a:rPr lang="en-SG" sz="1199" i="1" dirty="0"/>
                     <a:t>r</a:t>
                   </a:r>
                   <a:r>
-                    <a:rPr lang="en-SG" sz="1200" i="1" baseline="30000" dirty="0"/>
+                    <a:rPr lang="en-SG" sz="1199" i="1" baseline="30000" dirty="0"/>
                     <a:t>3</a:t>
                   </a:r>
                 </a:p>
@@ -6157,16 +6329,16 @@
                 </a:fontRef>
               </p:style>
               <p:txBody>
-                <a:bodyPr lIns="36000" tIns="36000" rIns="36000" bIns="36000" rtlCol="0" anchor="ctr"/>
+                <a:bodyPr lIns="36001" tIns="36001" rIns="36001" bIns="36001" rtlCol="0" anchor="ctr"/>
                 <a:lstStyle/>
                 <a:p>
                   <a:pPr algn="ctr"/>
                   <a:r>
-                    <a:rPr lang="en-SG" sz="1200" i="1" dirty="0"/>
+                    <a:rPr lang="en-SG" sz="1199" i="1" dirty="0"/>
                     <a:t>r</a:t>
                   </a:r>
                   <a:r>
-                    <a:rPr lang="en-SG" sz="1200" i="1" baseline="30000" dirty="0"/>
+                    <a:rPr lang="en-SG" sz="1199" i="1" baseline="30000" dirty="0"/>
                     <a:t>4</a:t>
                   </a:r>
                 </a:p>
@@ -6218,16 +6390,16 @@
                 </a:fontRef>
               </p:style>
               <p:txBody>
-                <a:bodyPr lIns="36000" tIns="36000" rIns="36000" bIns="36000" rtlCol="0" anchor="ctr"/>
+                <a:bodyPr lIns="36001" tIns="36001" rIns="36001" bIns="36001" rtlCol="0" anchor="ctr"/>
                 <a:lstStyle/>
                 <a:p>
                   <a:pPr algn="ctr"/>
                   <a:r>
-                    <a:rPr lang="en-SG" sz="1200" i="1" dirty="0"/>
+                    <a:rPr lang="en-SG" sz="1199" i="1" dirty="0"/>
                     <a:t>r</a:t>
                   </a:r>
                   <a:r>
-                    <a:rPr lang="en-SG" sz="1200" i="1" baseline="30000" dirty="0"/>
+                    <a:rPr lang="en-SG" sz="1199" i="1" baseline="30000" dirty="0"/>
                     <a:t>5</a:t>
                   </a:r>
                 </a:p>
@@ -6279,12 +6451,12 @@
                 </a:fontRef>
               </p:style>
               <p:txBody>
-                <a:bodyPr lIns="36000" tIns="36000" rIns="36000" bIns="36000" rtlCol="0" anchor="ctr"/>
+                <a:bodyPr lIns="36001" tIns="36001" rIns="36001" bIns="36001" rtlCol="0" anchor="ctr"/>
                 <a:lstStyle/>
                 <a:p>
                   <a:pPr algn="ctr"/>
                   <a:r>
-                    <a:rPr lang="en-SG" sz="1200" i="1" dirty="0"/>
+                    <a:rPr lang="en-SG" sz="1199" i="1" dirty="0"/>
                     <a:t>e</a:t>
                   </a:r>
                 </a:p>
@@ -6357,12 +6529,12 @@
                 </a:fontRef>
               </p:style>
               <p:txBody>
-                <a:bodyPr lIns="36000" tIns="36000" rIns="36000" bIns="36000" rtlCol="0" anchor="ctr"/>
+                <a:bodyPr lIns="36001" tIns="36001" rIns="36001" bIns="36001" rtlCol="0" anchor="ctr"/>
                 <a:lstStyle/>
                 <a:p>
                   <a:pPr algn="ctr"/>
                   <a:r>
-                    <a:rPr lang="en-SG" sz="1200" i="1" kern="0" dirty="0"/>
+                    <a:rPr lang="en-SG" sz="1199" i="1" kern="0" dirty="0"/>
                     <a:t>s</a:t>
                   </a:r>
                 </a:p>
@@ -6414,12 +6586,12 @@
                 </a:fontRef>
               </p:style>
               <p:txBody>
-                <a:bodyPr lIns="36000" tIns="36000" rIns="36000" bIns="36000" rtlCol="0" anchor="ctr"/>
+                <a:bodyPr lIns="36001" tIns="36001" rIns="36001" bIns="36001" rtlCol="0" anchor="ctr"/>
                 <a:lstStyle/>
                 <a:p>
                   <a:pPr algn="ctr"/>
                   <a:r>
-                    <a:rPr lang="en-SG" sz="1200" i="1" kern="0" dirty="0"/>
+                    <a:rPr lang="en-SG" sz="1199" i="1" kern="0" dirty="0"/>
                     <a:t>rs</a:t>
                   </a:r>
                 </a:p>
@@ -6471,23 +6643,23 @@
                 </a:fontRef>
               </p:style>
               <p:txBody>
-                <a:bodyPr lIns="36000" tIns="36000" rIns="36000" bIns="36000" rtlCol="0" anchor="ctr"/>
+                <a:bodyPr lIns="36001" tIns="36001" rIns="36001" bIns="36001" rtlCol="0" anchor="ctr"/>
                 <a:lstStyle/>
                 <a:p>
                   <a:pPr algn="ctr"/>
                   <a:r>
-                    <a:rPr lang="en-SG" sz="1200" i="1" kern="0" dirty="0"/>
+                    <a:rPr lang="en-SG" sz="1199" i="1" kern="0" dirty="0"/>
                     <a:t>r</a:t>
                   </a:r>
                   <a:r>
-                    <a:rPr lang="en-SG" sz="1200" i="1" kern="0" baseline="30000" dirty="0"/>
+                    <a:rPr lang="en-SG" sz="1199" i="1" kern="0" baseline="30000" dirty="0"/>
                     <a:t>2</a:t>
                   </a:r>
                   <a:r>
-                    <a:rPr lang="en-SG" sz="1200" i="1" kern="0" dirty="0"/>
+                    <a:rPr lang="en-SG" sz="1199" i="1" kern="0" dirty="0"/>
                     <a:t>s</a:t>
                   </a:r>
-                  <a:endParaRPr lang="en-SG" sz="2000" i="1" kern="0" dirty="0"/>
+                  <a:endParaRPr lang="en-SG" sz="2001" i="1" kern="0" dirty="0"/>
                 </a:p>
               </p:txBody>
             </p:sp>
@@ -6537,23 +6709,23 @@
                 </a:fontRef>
               </p:style>
               <p:txBody>
-                <a:bodyPr lIns="36000" tIns="36000" rIns="36000" bIns="36000" rtlCol="0" anchor="ctr"/>
+                <a:bodyPr lIns="36001" tIns="36001" rIns="36001" bIns="36001" rtlCol="0" anchor="ctr"/>
                 <a:lstStyle/>
                 <a:p>
                   <a:pPr algn="ctr"/>
                   <a:r>
-                    <a:rPr lang="en-SG" sz="1200" i="1" kern="0" dirty="0"/>
+                    <a:rPr lang="en-SG" sz="1199" i="1" kern="0" dirty="0"/>
                     <a:t>r</a:t>
                   </a:r>
                   <a:r>
-                    <a:rPr lang="en-SG" sz="1200" i="1" kern="0" baseline="30000" dirty="0"/>
+                    <a:rPr lang="en-SG" sz="1199" i="1" kern="0" baseline="30000" dirty="0"/>
                     <a:t>3</a:t>
                   </a:r>
                   <a:r>
-                    <a:rPr lang="en-SG" sz="1200" i="1" kern="0" dirty="0"/>
+                    <a:rPr lang="en-SG" sz="1199" i="1" kern="0" dirty="0"/>
                     <a:t>s</a:t>
                   </a:r>
-                  <a:endParaRPr lang="en-SG" sz="2000" i="1" kern="0" dirty="0"/>
+                  <a:endParaRPr lang="en-SG" sz="2001" i="1" kern="0" dirty="0"/>
                 </a:p>
               </p:txBody>
             </p:sp>
@@ -6603,23 +6775,23 @@
                 </a:fontRef>
               </p:style>
               <p:txBody>
-                <a:bodyPr lIns="36000" tIns="36000" rIns="36000" bIns="36000" rtlCol="0" anchor="ctr"/>
+                <a:bodyPr lIns="36001" tIns="36001" rIns="36001" bIns="36001" rtlCol="0" anchor="ctr"/>
                 <a:lstStyle/>
                 <a:p>
                   <a:pPr algn="ctr"/>
                   <a:r>
-                    <a:rPr lang="en-SG" sz="1200" i="1" kern="0" dirty="0"/>
+                    <a:rPr lang="en-SG" sz="1199" i="1" kern="0" dirty="0"/>
                     <a:t>r</a:t>
                   </a:r>
                   <a:r>
-                    <a:rPr lang="en-SG" sz="1200" i="1" kern="0" baseline="30000" dirty="0"/>
+                    <a:rPr lang="en-SG" sz="1199" i="1" kern="0" baseline="30000" dirty="0"/>
                     <a:t>4</a:t>
                   </a:r>
                   <a:r>
-                    <a:rPr lang="en-SG" sz="1200" i="1" kern="0" dirty="0"/>
+                    <a:rPr lang="en-SG" sz="1199" i="1" kern="0" dirty="0"/>
                     <a:t>s</a:t>
                   </a:r>
-                  <a:endParaRPr lang="en-SG" sz="2000" i="1" kern="0" dirty="0"/>
+                  <a:endParaRPr lang="en-SG" sz="2001" i="1" kern="0" dirty="0"/>
                 </a:p>
               </p:txBody>
             </p:sp>
@@ -6669,23 +6841,23 @@
                 </a:fontRef>
               </p:style>
               <p:txBody>
-                <a:bodyPr lIns="36000" tIns="36000" rIns="36000" bIns="36000" rtlCol="0" anchor="ctr"/>
+                <a:bodyPr lIns="36001" tIns="36001" rIns="36001" bIns="36001" rtlCol="0" anchor="ctr"/>
                 <a:lstStyle/>
                 <a:p>
                   <a:pPr algn="ctr"/>
                   <a:r>
-                    <a:rPr lang="en-SG" sz="1200" i="1" kern="0" dirty="0"/>
+                    <a:rPr lang="en-SG" sz="1199" i="1" kern="0" dirty="0"/>
                     <a:t>r</a:t>
                   </a:r>
                   <a:r>
-                    <a:rPr lang="en-SG" sz="1200" i="1" kern="0" baseline="30000" dirty="0"/>
+                    <a:rPr lang="en-SG" sz="1199" i="1" kern="0" baseline="30000" dirty="0"/>
                     <a:t>5</a:t>
                   </a:r>
                   <a:r>
-                    <a:rPr lang="en-SG" sz="1200" i="1" kern="0" dirty="0"/>
+                    <a:rPr lang="en-SG" sz="1199" i="1" kern="0" dirty="0"/>
                     <a:t>s</a:t>
                   </a:r>
-                  <a:endParaRPr lang="en-SG" sz="2000" i="1" kern="0" dirty="0"/>
+                  <a:endParaRPr lang="en-SG" sz="2001" i="1" kern="0" dirty="0"/>
                 </a:p>
               </p:txBody>
             </p:sp>
@@ -6704,8 +6876,8 @@
             </p:nvSpPr>
             <p:spPr>
               <a:xfrm>
-                <a:off x="1262881" y="1709431"/>
-                <a:ext cx="3191040" cy="830997"/>
+                <a:off x="1262882" y="1709240"/>
+                <a:ext cx="3191041" cy="831381"/>
               </a:xfrm>
               <a:prstGeom prst="rect">
                 <a:avLst/>
@@ -6720,7 +6892,7 @@
               <a:p>
                 <a:pPr algn="ctr"/>
                 <a:r>
-                  <a:rPr lang="en-US" sz="1800" cap="small" dirty="0">
+                  <a:rPr lang="en-US" sz="1801" cap="small" dirty="0">
                     <a:solidFill>
                       <a:schemeClr val="bg1"/>
                     </a:solidFill>
@@ -6732,7 +6904,7 @@
               <a:p>
                 <a:pPr algn="ctr"/>
                 <a:r>
-                  <a:rPr lang="en-US" sz="1800" cap="small" dirty="0">
+                  <a:rPr lang="en-US" sz="1801" cap="small" dirty="0">
                     <a:solidFill>
                       <a:schemeClr val="bg1"/>
                     </a:solidFill>
@@ -6744,7 +6916,7 @@
               <a:p>
                 <a:pPr algn="ctr"/>
                 <a:r>
-                  <a:rPr lang="en-US" sz="1800" cap="small" dirty="0">
+                  <a:rPr lang="en-US" sz="1801" cap="small" dirty="0">
                     <a:solidFill>
                       <a:schemeClr val="bg1"/>
                     </a:solidFill>
@@ -6752,7 +6924,7 @@
                   </a:rPr>
                   <a:t>of Modern Mathematics</a:t>
                 </a:r>
-                <a:endParaRPr lang="en-SG" sz="1800" cap="small" dirty="0">
+                <a:endParaRPr lang="en-SG" sz="1801" cap="small" dirty="0">
                   <a:solidFill>
                     <a:schemeClr val="bg1"/>
                   </a:solidFill>
@@ -6777,10 +6949,10 @@
         </p:nvGrpSpPr>
         <p:grpSpPr>
           <a:xfrm rot="5400000">
-            <a:off x="2717819" y="3904640"/>
-            <a:ext cx="7297114" cy="698470"/>
-            <a:chOff x="2762768" y="3899962"/>
-            <a:chExt cx="7297114" cy="698470"/>
+            <a:off x="2744840" y="3904608"/>
+            <a:ext cx="7297115" cy="698534"/>
+            <a:chOff x="2762769" y="3899899"/>
+            <a:chExt cx="7297114" cy="698533"/>
           </a:xfrm>
         </p:grpSpPr>
         <p:grpSp>
@@ -6797,10 +6969,10 @@
           </p:nvGrpSpPr>
           <p:grpSpPr>
             <a:xfrm>
-              <a:off x="2762768" y="3899962"/>
-              <a:ext cx="4429674" cy="698470"/>
-              <a:chOff x="3051010" y="3838575"/>
-              <a:chExt cx="4429674" cy="698470"/>
+              <a:off x="2762769" y="3899899"/>
+              <a:ext cx="4429673" cy="698533"/>
+              <a:chOff x="3051011" y="3838512"/>
+              <a:chExt cx="4429673" cy="698533"/>
             </a:xfrm>
           </p:grpSpPr>
           <p:sp>
@@ -6817,8 +6989,8 @@
             </p:nvSpPr>
             <p:spPr>
               <a:xfrm>
-                <a:off x="3810000" y="3838575"/>
-                <a:ext cx="2911695" cy="276999"/>
+                <a:off x="3809999" y="3838512"/>
+                <a:ext cx="2911694" cy="277127"/>
               </a:xfrm>
               <a:prstGeom prst="rect">
                 <a:avLst/>
@@ -6832,7 +7004,7 @@
               <a:lstStyle/>
               <a:p>
                 <a:r>
-                  <a:rPr lang="en-SG" b="1" dirty="0">
+                  <a:rPr lang="en-SG" sz="1801" b="1" dirty="0">
                     <a:solidFill>
                       <a:schemeClr val="bg1"/>
                     </a:solidFill>
@@ -6856,8 +7028,8 @@
             </p:nvSpPr>
             <p:spPr>
               <a:xfrm>
-                <a:off x="3051010" y="4044602"/>
-                <a:ext cx="4429674" cy="492443"/>
+                <a:off x="3051011" y="4044603"/>
+                <a:ext cx="4429673" cy="492442"/>
               </a:xfrm>
               <a:prstGeom prst="rect">
                 <a:avLst/>
@@ -6896,8 +7068,8 @@
           </p:nvSpPr>
           <p:spPr>
             <a:xfrm>
-              <a:off x="8764656" y="4085853"/>
-              <a:ext cx="1295226" cy="276999"/>
+              <a:off x="8764657" y="4085789"/>
+              <a:ext cx="1295226" cy="277127"/>
             </a:xfrm>
             <a:prstGeom prst="rect">
               <a:avLst/>
@@ -6911,7 +7083,7 @@
             <a:lstStyle/>
             <a:p>
               <a:r>
-                <a:rPr lang="en-SG" dirty="0">
+                <a:rPr lang="en-SG" sz="1801" dirty="0">
                   <a:solidFill>
                     <a:schemeClr val="bg1"/>
                   </a:solidFill>
@@ -6936,7 +7108,7 @@
 </file>
 
 <file path=ppt/slides/slide3.xml><?xml version="1.0" encoding="utf-8"?>
-<p:sld xmlns:a="http://schemas.openxmlformats.org/drawingml/2006/main" xmlns:r="http://schemas.openxmlformats.org/officeDocument/2006/relationships" xmlns:p="http://schemas.openxmlformats.org/presentationml/2006/main">
+<p:sld xmlns:a="http://schemas.openxmlformats.org/drawingml/2006/main" xmlns:r="http://schemas.openxmlformats.org/officeDocument/2006/relationships" xmlns:p="http://schemas.openxmlformats.org/presentationml/2006/main" show="0">
   <p:cSld>
     <p:spTree>
       <p:nvGrpSpPr>
@@ -6974,7 +7146,7 @@
         </p:blipFill>
         <p:spPr>
           <a:xfrm>
-            <a:off x="-1866" y="0"/>
+            <a:off x="25122" y="0"/>
             <a:ext cx="12771918" cy="8458200"/>
           </a:xfrm>
           <a:prstGeom prst="rect">
@@ -6996,10 +7168,10 @@
         </p:nvGrpSpPr>
         <p:grpSpPr>
           <a:xfrm>
-            <a:off x="8399133" y="3249673"/>
-            <a:ext cx="3036409" cy="2268699"/>
+            <a:off x="8426121" y="3249676"/>
+            <a:ext cx="3041216" cy="2268827"/>
             <a:chOff x="8399133" y="3249673"/>
-            <a:chExt cx="3036409" cy="2268699"/>
+            <a:chExt cx="3041214" cy="2268828"/>
           </a:xfrm>
         </p:grpSpPr>
         <p:sp>
@@ -7016,8 +7188,8 @@
           </p:nvSpPr>
           <p:spPr>
             <a:xfrm>
-              <a:off x="9461953" y="4722257"/>
-              <a:ext cx="910771" cy="276999"/>
+              <a:off x="9461953" y="4722256"/>
+              <a:ext cx="910771" cy="276871"/>
             </a:xfrm>
             <a:prstGeom prst="rect">
               <a:avLst/>
@@ -7032,7 +7204,7 @@
             <a:p>
               <a:pPr algn="ctr"/>
               <a:r>
-                <a:rPr lang="en-US" sz="1200" dirty="0">
+                <a:rPr lang="en-US" sz="1199" dirty="0">
                   <a:solidFill>
                     <a:schemeClr val="bg1"/>
                   </a:solidFill>
@@ -7041,7 +7213,7 @@
                 <a:t>1</a:t>
               </a:r>
               <a:r>
-                <a:rPr lang="en-US" sz="1200" baseline="30000" dirty="0">
+                <a:rPr lang="en-US" sz="1199" baseline="30000" dirty="0">
                   <a:solidFill>
                     <a:schemeClr val="bg1"/>
                   </a:solidFill>
@@ -7050,7 +7222,7 @@
                 <a:t>st</a:t>
               </a:r>
               <a:r>
-                <a:rPr lang="en-US" sz="1200" dirty="0">
+                <a:rPr lang="en-US" sz="1199" dirty="0">
                   <a:solidFill>
                     <a:schemeClr val="bg1"/>
                   </a:solidFill>
@@ -7075,8 +7247,8 @@
           </p:nvSpPr>
           <p:spPr>
             <a:xfrm>
-              <a:off x="9171953" y="5149040"/>
-              <a:ext cx="1479892" cy="369332"/>
+              <a:off x="9171953" y="5149041"/>
+              <a:ext cx="1479891" cy="369460"/>
             </a:xfrm>
             <a:prstGeom prst="rect">
               <a:avLst/>
@@ -7090,7 +7262,7 @@
             <a:lstStyle/>
             <a:p>
               <a:r>
-                <a:rPr lang="en-US" dirty="0">
+                <a:rPr lang="en-US" sz="1801" dirty="0">
                   <a:solidFill>
                     <a:schemeClr val="bg1"/>
                   </a:solidFill>
@@ -7116,9 +7288,9 @@
           <p:grpSpPr>
             <a:xfrm>
               <a:off x="8399133" y="3647457"/>
-              <a:ext cx="3036409" cy="1136721"/>
+              <a:ext cx="3041214" cy="1137043"/>
               <a:chOff x="8399133" y="3647457"/>
-              <a:chExt cx="3036409" cy="1136721"/>
+              <a:chExt cx="3041214" cy="1137043"/>
             </a:xfrm>
           </p:grpSpPr>
           <p:sp>
@@ -7135,8 +7307,8 @@
             </p:nvSpPr>
             <p:spPr>
               <a:xfrm>
-                <a:off x="8545647" y="4076292"/>
-                <a:ext cx="2743380" cy="707886"/>
+                <a:off x="8545648" y="4076293"/>
+                <a:ext cx="2744980" cy="708207"/>
               </a:xfrm>
               <a:prstGeom prst="rect">
                 <a:avLst/>
@@ -7150,7 +7322,7 @@
               <a:lstStyle/>
               <a:p>
                 <a:r>
-                  <a:rPr lang="en-US" sz="4000" b="1" dirty="0">
+                  <a:rPr lang="en-US" sz="4002" b="1" dirty="0">
                     <a:solidFill>
                       <a:schemeClr val="bg1"/>
                     </a:solidFill>
@@ -7176,7 +7348,7 @@
             <p:spPr>
               <a:xfrm>
                 <a:off x="8399133" y="3647457"/>
-                <a:ext cx="3036409" cy="707886"/>
+                <a:ext cx="3041214" cy="708207"/>
               </a:xfrm>
               <a:prstGeom prst="rect">
                 <a:avLst/>
@@ -7190,7 +7362,7 @@
               <a:lstStyle/>
               <a:p>
                 <a:r>
-                  <a:rPr lang="en-US" sz="4000" b="1" dirty="0">
+                  <a:rPr lang="en-US" sz="4002" b="1" dirty="0">
                     <a:solidFill>
                       <a:schemeClr val="bg1"/>
                     </a:solidFill>
@@ -7217,9 +7389,9 @@
           <p:grpSpPr>
             <a:xfrm>
               <a:off x="9111929" y="3249673"/>
-              <a:ext cx="1604927" cy="552163"/>
+              <a:ext cx="1604926" cy="552289"/>
               <a:chOff x="9111929" y="3249673"/>
-              <a:chExt cx="1604927" cy="552163"/>
+              <a:chExt cx="1604926" cy="552289"/>
             </a:xfrm>
           </p:grpSpPr>
           <p:sp>
@@ -7236,8 +7408,8 @@
             </p:nvSpPr>
             <p:spPr>
               <a:xfrm>
-                <a:off x="9111929" y="3463282"/>
-                <a:ext cx="1604927" cy="338554"/>
+                <a:off x="9111929" y="3463280"/>
+                <a:ext cx="1604926" cy="338682"/>
               </a:xfrm>
               <a:prstGeom prst="rect">
                 <a:avLst/>
@@ -7251,7 +7423,7 @@
               <a:lstStyle/>
               <a:p>
                 <a:r>
-                  <a:rPr lang="en-US" sz="1600" b="1" dirty="0">
+                  <a:rPr lang="en-US" sz="1601" b="1" dirty="0">
                     <a:solidFill>
                       <a:schemeClr val="bg1"/>
                     </a:solidFill>
@@ -7277,7 +7449,7 @@
             <p:spPr>
               <a:xfrm>
                 <a:off x="9257275" y="3249673"/>
-                <a:ext cx="1303242" cy="338554"/>
+                <a:ext cx="1303241" cy="338682"/>
               </a:xfrm>
               <a:prstGeom prst="rect">
                 <a:avLst/>
@@ -7291,7 +7463,7 @@
               <a:lstStyle/>
               <a:p>
                 <a:r>
-                  <a:rPr lang="en-US" sz="1600" b="1" dirty="0">
+                  <a:rPr lang="en-US" sz="1601" b="1" dirty="0">
                     <a:solidFill>
                       <a:schemeClr val="bg1"/>
                     </a:solidFill>
@@ -7318,10 +7490,10 @@
         </p:nvGrpSpPr>
         <p:grpSpPr>
           <a:xfrm>
-            <a:off x="349200" y="338400"/>
-            <a:ext cx="5018400" cy="6844681"/>
+            <a:off x="376188" y="338404"/>
+            <a:ext cx="5018400" cy="7026783"/>
             <a:chOff x="349200" y="338400"/>
-            <a:chExt cx="5018400" cy="6844681"/>
+            <a:chExt cx="5018400" cy="7026783"/>
           </a:xfrm>
         </p:grpSpPr>
         <p:sp>
@@ -7338,8 +7510,8 @@
           </p:nvSpPr>
           <p:spPr>
             <a:xfrm>
-              <a:off x="357933" y="3325615"/>
-              <a:ext cx="5009620" cy="3857466"/>
+              <a:off x="357934" y="3325616"/>
+              <a:ext cx="5009620" cy="4039567"/>
             </a:xfrm>
             <a:prstGeom prst="rect">
               <a:avLst/>
@@ -7352,83 +7524,60 @@
             </a:bodyPr>
             <a:lstStyle/>
             <a:p>
-              <a:pPr algn="just" rtl="0">
-                <a:spcBef>
-                  <a:spcPts val="0"/>
-                </a:spcBef>
+              <a:pPr algn="just">
                 <a:spcAft>
-                  <a:spcPts val="1000"/>
+                  <a:spcPts val="999"/>
                 </a:spcAft>
               </a:pPr>
               <a:r>
-                <a:rPr lang="en-US" sz="1200" b="0" i="0" u="none" strike="noStrike" dirty="0">
+                <a:rPr lang="en-US" sz="1199" dirty="0">
                   <a:solidFill>
                     <a:schemeClr val="bg1"/>
                   </a:solidFill>
-                  <a:effectLst/>
                 </a:rPr>
                 <a:t>The field of abstract algebra is deeply fundamental to modern mathematics. Working mathematicians, computer scientists, physicists, and chemists frequently encounter topics in abstract algebra, and a basic understanding of abstract algebra would immensely help. To that end, </a:t>
               </a:r>
               <a:r>
-                <a:rPr lang="en-US" sz="1200" b="0" i="1" u="none" strike="noStrike" dirty="0">
+                <a:rPr lang="en-US" sz="1199" i="1" dirty="0">
                   <a:solidFill>
                     <a:schemeClr val="bg1"/>
                   </a:solidFill>
-                  <a:effectLst/>
                 </a:rPr>
                 <a:t>A Complete Introduction to Abstract Algebra</a:t>
               </a:r>
               <a:r>
-                <a:rPr lang="en-US" sz="1200" b="0" i="0" u="none" strike="noStrike" dirty="0">
+                <a:rPr lang="en-US" sz="1199" dirty="0">
                   <a:solidFill>
                     <a:schemeClr val="bg1"/>
                   </a:solidFill>
-                  <a:effectLst/>
                 </a:rPr>
                 <a:t> provides all the necessary foundation to understand this fundamental study, assuming only a high-school understanding of mathematics. Everything, from the results discussed in the chapters to the questions and exercises, will have detailed solutions and explanations, providing you with the reassurance that you're on the right track and deepening your appreciation of the beauty of abstract algebra.</a:t>
               </a:r>
-              <a:endParaRPr lang="en-US" sz="1200" b="0" dirty="0">
-                <a:solidFill>
-                  <a:schemeClr val="bg1"/>
-                </a:solidFill>
-                <a:effectLst/>
-              </a:endParaRPr>
             </a:p>
             <a:p>
-              <a:pPr algn="just" rtl="0">
-                <a:spcBef>
-                  <a:spcPts val="0"/>
-                </a:spcBef>
+              <a:pPr algn="just">
                 <a:spcAft>
-                  <a:spcPts val="1000"/>
+                  <a:spcPts val="999"/>
                 </a:spcAft>
               </a:pPr>
               <a:r>
-                <a:rPr lang="en-US" sz="1200" b="0" i="0" u="none" strike="noStrike" dirty="0">
+                <a:rPr lang="en-US" sz="1199" dirty="0">
                   <a:solidFill>
                     <a:schemeClr val="bg1"/>
                   </a:solidFill>
-                  <a:effectLst/>
                 </a:rPr>
                 <a:t>This book covers the absolute fundamentals of abstract algebra, starting with the prerequisite knowledge, moving on to groups, looking at rings and fields, and ending with an introduction to Galois theory. It adopts a structured approach to learning abstract algebra. Examples, exercises, and problems are frequently interspersed in the text to facilitate understanding, provide insight, and develop the ability to do proofs.</a:t>
               </a:r>
-              <a:endParaRPr lang="en-US" sz="1200" b="0" dirty="0">
-                <a:solidFill>
-                  <a:schemeClr val="bg1"/>
-                </a:solidFill>
-                <a:effectLst/>
-              </a:endParaRPr>
             </a:p>
             <a:p>
               <a:br>
-                <a:rPr lang="en-US" sz="1200" b="0" dirty="0">
+                <a:rPr lang="en-US" sz="1199" dirty="0">
                   <a:solidFill>
                     <a:schemeClr val="bg1"/>
                   </a:solidFill>
-                  <a:effectLst/>
                 </a:rPr>
               </a:br>
-              <a:endParaRPr lang="en-SG" sz="1200" dirty="0">
+              <a:endParaRPr lang="en-SG" sz="1199" dirty="0">
                 <a:solidFill>
                   <a:schemeClr val="bg1"/>
                 </a:solidFill>
@@ -8022,7 +8171,7 @@
               <a:lstStyle/>
               <a:p>
                 <a:pPr algn="ctr"/>
-                <a:endParaRPr lang="en-SG" dirty="0"/>
+                <a:endParaRPr lang="en-SG" sz="1801" dirty="0"/>
               </a:p>
             </p:txBody>
           </p:sp>
@@ -8662,12 +8811,12 @@
                 </a:fontRef>
               </p:style>
               <p:txBody>
-                <a:bodyPr lIns="36000" tIns="36000" rIns="36000" bIns="36000" rtlCol="0" anchor="ctr"/>
+                <a:bodyPr lIns="36001" tIns="36001" rIns="36001" bIns="36001" rtlCol="0" anchor="ctr"/>
                 <a:lstStyle/>
                 <a:p>
                   <a:pPr algn="ctr"/>
                   <a:r>
-                    <a:rPr lang="en-SG" sz="1200" i="1" dirty="0"/>
+                    <a:rPr lang="en-SG" sz="1199" i="1" dirty="0"/>
                     <a:t>r</a:t>
                   </a:r>
                 </a:p>
@@ -8719,16 +8868,16 @@
                 </a:fontRef>
               </p:style>
               <p:txBody>
-                <a:bodyPr lIns="36000" tIns="36000" rIns="36000" bIns="36000" rtlCol="0" anchor="ctr"/>
+                <a:bodyPr lIns="36001" tIns="36001" rIns="36001" bIns="36001" rtlCol="0" anchor="ctr"/>
                 <a:lstStyle/>
                 <a:p>
                   <a:pPr algn="ctr"/>
                   <a:r>
-                    <a:rPr lang="en-SG" sz="1200" i="1" dirty="0"/>
+                    <a:rPr lang="en-SG" sz="1199" i="1" dirty="0"/>
                     <a:t>r</a:t>
                   </a:r>
                   <a:r>
-                    <a:rPr lang="en-SG" sz="1200" i="1" baseline="30000" dirty="0"/>
+                    <a:rPr lang="en-SG" sz="1199" i="1" baseline="30000" dirty="0"/>
                     <a:t>2</a:t>
                   </a:r>
                 </a:p>
@@ -8780,16 +8929,16 @@
                 </a:fontRef>
               </p:style>
               <p:txBody>
-                <a:bodyPr lIns="36000" tIns="36000" rIns="36000" bIns="36000" rtlCol="0" anchor="ctr"/>
+                <a:bodyPr lIns="36001" tIns="36001" rIns="36001" bIns="36001" rtlCol="0" anchor="ctr"/>
                 <a:lstStyle/>
                 <a:p>
                   <a:pPr algn="ctr"/>
                   <a:r>
-                    <a:rPr lang="en-SG" sz="1200" i="1" dirty="0"/>
+                    <a:rPr lang="en-SG" sz="1199" i="1" dirty="0"/>
                     <a:t>r</a:t>
                   </a:r>
                   <a:r>
-                    <a:rPr lang="en-SG" sz="1200" i="1" baseline="30000" dirty="0"/>
+                    <a:rPr lang="en-SG" sz="1199" i="1" baseline="30000" dirty="0"/>
                     <a:t>3</a:t>
                   </a:r>
                 </a:p>
@@ -8841,16 +8990,16 @@
                 </a:fontRef>
               </p:style>
               <p:txBody>
-                <a:bodyPr lIns="36000" tIns="36000" rIns="36000" bIns="36000" rtlCol="0" anchor="ctr"/>
+                <a:bodyPr lIns="36001" tIns="36001" rIns="36001" bIns="36001" rtlCol="0" anchor="ctr"/>
                 <a:lstStyle/>
                 <a:p>
                   <a:pPr algn="ctr"/>
                   <a:r>
-                    <a:rPr lang="en-SG" sz="1200" i="1" dirty="0"/>
+                    <a:rPr lang="en-SG" sz="1199" i="1" dirty="0"/>
                     <a:t>r</a:t>
                   </a:r>
                   <a:r>
-                    <a:rPr lang="en-SG" sz="1200" i="1" baseline="30000" dirty="0"/>
+                    <a:rPr lang="en-SG" sz="1199" i="1" baseline="30000" dirty="0"/>
                     <a:t>4</a:t>
                   </a:r>
                 </a:p>
@@ -8902,16 +9051,16 @@
                 </a:fontRef>
               </p:style>
               <p:txBody>
-                <a:bodyPr lIns="36000" tIns="36000" rIns="36000" bIns="36000" rtlCol="0" anchor="ctr"/>
+                <a:bodyPr lIns="36001" tIns="36001" rIns="36001" bIns="36001" rtlCol="0" anchor="ctr"/>
                 <a:lstStyle/>
                 <a:p>
                   <a:pPr algn="ctr"/>
                   <a:r>
-                    <a:rPr lang="en-SG" sz="1200" i="1" dirty="0"/>
+                    <a:rPr lang="en-SG" sz="1199" i="1" dirty="0"/>
                     <a:t>r</a:t>
                   </a:r>
                   <a:r>
-                    <a:rPr lang="en-SG" sz="1200" i="1" baseline="30000" dirty="0"/>
+                    <a:rPr lang="en-SG" sz="1199" i="1" baseline="30000" dirty="0"/>
                     <a:t>5</a:t>
                   </a:r>
                 </a:p>
@@ -8963,12 +9112,12 @@
                 </a:fontRef>
               </p:style>
               <p:txBody>
-                <a:bodyPr lIns="36000" tIns="36000" rIns="36000" bIns="36000" rtlCol="0" anchor="ctr"/>
+                <a:bodyPr lIns="36001" tIns="36001" rIns="36001" bIns="36001" rtlCol="0" anchor="ctr"/>
                 <a:lstStyle/>
                 <a:p>
                   <a:pPr algn="ctr"/>
                   <a:r>
-                    <a:rPr lang="en-SG" sz="1200" i="1" dirty="0"/>
+                    <a:rPr lang="en-SG" sz="1199" i="1" dirty="0"/>
                     <a:t>e</a:t>
                   </a:r>
                 </a:p>
@@ -9041,12 +9190,12 @@
                 </a:fontRef>
               </p:style>
               <p:txBody>
-                <a:bodyPr lIns="36000" tIns="36000" rIns="36000" bIns="36000" rtlCol="0" anchor="ctr"/>
+                <a:bodyPr lIns="36001" tIns="36001" rIns="36001" bIns="36001" rtlCol="0" anchor="ctr"/>
                 <a:lstStyle/>
                 <a:p>
                   <a:pPr algn="ctr"/>
                   <a:r>
-                    <a:rPr lang="en-SG" sz="1200" i="1" kern="0" dirty="0"/>
+                    <a:rPr lang="en-SG" sz="1199" i="1" kern="0" dirty="0"/>
                     <a:t>s</a:t>
                   </a:r>
                 </a:p>
@@ -9098,12 +9247,12 @@
                 </a:fontRef>
               </p:style>
               <p:txBody>
-                <a:bodyPr lIns="36000" tIns="36000" rIns="36000" bIns="36000" rtlCol="0" anchor="ctr"/>
+                <a:bodyPr lIns="36001" tIns="36001" rIns="36001" bIns="36001" rtlCol="0" anchor="ctr"/>
                 <a:lstStyle/>
                 <a:p>
                   <a:pPr algn="ctr"/>
                   <a:r>
-                    <a:rPr lang="en-SG" sz="1200" i="1" kern="0" dirty="0"/>
+                    <a:rPr lang="en-SG" sz="1199" i="1" kern="0" dirty="0"/>
                     <a:t>rs</a:t>
                   </a:r>
                 </a:p>
@@ -9155,23 +9304,23 @@
                 </a:fontRef>
               </p:style>
               <p:txBody>
-                <a:bodyPr lIns="36000" tIns="36000" rIns="36000" bIns="36000" rtlCol="0" anchor="ctr"/>
+                <a:bodyPr lIns="36001" tIns="36001" rIns="36001" bIns="36001" rtlCol="0" anchor="ctr"/>
                 <a:lstStyle/>
                 <a:p>
                   <a:pPr algn="ctr"/>
                   <a:r>
-                    <a:rPr lang="en-SG" sz="1200" i="1" kern="0" dirty="0"/>
+                    <a:rPr lang="en-SG" sz="1199" i="1" kern="0" dirty="0"/>
                     <a:t>r</a:t>
                   </a:r>
                   <a:r>
-                    <a:rPr lang="en-SG" sz="1200" i="1" kern="0" baseline="30000" dirty="0"/>
+                    <a:rPr lang="en-SG" sz="1199" i="1" kern="0" baseline="30000" dirty="0"/>
                     <a:t>2</a:t>
                   </a:r>
                   <a:r>
-                    <a:rPr lang="en-SG" sz="1200" i="1" kern="0" dirty="0"/>
+                    <a:rPr lang="en-SG" sz="1199" i="1" kern="0" dirty="0"/>
                     <a:t>s</a:t>
                   </a:r>
-                  <a:endParaRPr lang="en-SG" sz="2000" i="1" kern="0" dirty="0"/>
+                  <a:endParaRPr lang="en-SG" sz="2001" i="1" kern="0" dirty="0"/>
                 </a:p>
               </p:txBody>
             </p:sp>
@@ -9221,23 +9370,23 @@
                 </a:fontRef>
               </p:style>
               <p:txBody>
-                <a:bodyPr lIns="36000" tIns="36000" rIns="36000" bIns="36000" rtlCol="0" anchor="ctr"/>
+                <a:bodyPr lIns="36001" tIns="36001" rIns="36001" bIns="36001" rtlCol="0" anchor="ctr"/>
                 <a:lstStyle/>
                 <a:p>
                   <a:pPr algn="ctr"/>
                   <a:r>
-                    <a:rPr lang="en-SG" sz="1200" i="1" kern="0" dirty="0"/>
+                    <a:rPr lang="en-SG" sz="1199" i="1" kern="0" dirty="0"/>
                     <a:t>r</a:t>
                   </a:r>
                   <a:r>
-                    <a:rPr lang="en-SG" sz="1200" i="1" kern="0" baseline="30000" dirty="0"/>
+                    <a:rPr lang="en-SG" sz="1199" i="1" kern="0" baseline="30000" dirty="0"/>
                     <a:t>3</a:t>
                   </a:r>
                   <a:r>
-                    <a:rPr lang="en-SG" sz="1200" i="1" kern="0" dirty="0"/>
+                    <a:rPr lang="en-SG" sz="1199" i="1" kern="0" dirty="0"/>
                     <a:t>s</a:t>
                   </a:r>
-                  <a:endParaRPr lang="en-SG" sz="2000" i="1" kern="0" dirty="0"/>
+                  <a:endParaRPr lang="en-SG" sz="2001" i="1" kern="0" dirty="0"/>
                 </a:p>
               </p:txBody>
             </p:sp>
@@ -9287,23 +9436,23 @@
                 </a:fontRef>
               </p:style>
               <p:txBody>
-                <a:bodyPr lIns="36000" tIns="36000" rIns="36000" bIns="36000" rtlCol="0" anchor="ctr"/>
+                <a:bodyPr lIns="36001" tIns="36001" rIns="36001" bIns="36001" rtlCol="0" anchor="ctr"/>
                 <a:lstStyle/>
                 <a:p>
                   <a:pPr algn="ctr"/>
                   <a:r>
-                    <a:rPr lang="en-SG" sz="1200" i="1" kern="0" dirty="0"/>
+                    <a:rPr lang="en-SG" sz="1199" i="1" kern="0" dirty="0"/>
                     <a:t>r</a:t>
                   </a:r>
                   <a:r>
-                    <a:rPr lang="en-SG" sz="1200" i="1" kern="0" baseline="30000" dirty="0"/>
+                    <a:rPr lang="en-SG" sz="1199" i="1" kern="0" baseline="30000" dirty="0"/>
                     <a:t>4</a:t>
                   </a:r>
                   <a:r>
-                    <a:rPr lang="en-SG" sz="1200" i="1" kern="0" dirty="0"/>
+                    <a:rPr lang="en-SG" sz="1199" i="1" kern="0" dirty="0"/>
                     <a:t>s</a:t>
                   </a:r>
-                  <a:endParaRPr lang="en-SG" sz="2000" i="1" kern="0" dirty="0"/>
+                  <a:endParaRPr lang="en-SG" sz="2001" i="1" kern="0" dirty="0"/>
                 </a:p>
               </p:txBody>
             </p:sp>
@@ -9353,23 +9502,23 @@
                 </a:fontRef>
               </p:style>
               <p:txBody>
-                <a:bodyPr lIns="36000" tIns="36000" rIns="36000" bIns="36000" rtlCol="0" anchor="ctr"/>
+                <a:bodyPr lIns="36001" tIns="36001" rIns="36001" bIns="36001" rtlCol="0" anchor="ctr"/>
                 <a:lstStyle/>
                 <a:p>
                   <a:pPr algn="ctr"/>
                   <a:r>
-                    <a:rPr lang="en-SG" sz="1200" i="1" kern="0" dirty="0"/>
+                    <a:rPr lang="en-SG" sz="1199" i="1" kern="0" dirty="0"/>
                     <a:t>r</a:t>
                   </a:r>
                   <a:r>
-                    <a:rPr lang="en-SG" sz="1200" i="1" kern="0" baseline="30000" dirty="0"/>
+                    <a:rPr lang="en-SG" sz="1199" i="1" kern="0" baseline="30000" dirty="0"/>
                     <a:t>5</a:t>
                   </a:r>
                   <a:r>
-                    <a:rPr lang="en-SG" sz="1200" i="1" kern="0" dirty="0"/>
+                    <a:rPr lang="en-SG" sz="1199" i="1" kern="0" dirty="0"/>
                     <a:t>s</a:t>
                   </a:r>
-                  <a:endParaRPr lang="en-SG" sz="2000" i="1" kern="0" dirty="0"/>
+                  <a:endParaRPr lang="en-SG" sz="2001" i="1" kern="0" dirty="0"/>
                 </a:p>
               </p:txBody>
             </p:sp>
@@ -9388,8 +9537,8 @@
             </p:nvSpPr>
             <p:spPr>
               <a:xfrm>
-                <a:off x="1262881" y="1709431"/>
-                <a:ext cx="3191040" cy="830997"/>
+                <a:off x="1262880" y="1709239"/>
+                <a:ext cx="3191040" cy="831381"/>
               </a:xfrm>
               <a:prstGeom prst="rect">
                 <a:avLst/>
@@ -9404,7 +9553,7 @@
               <a:p>
                 <a:pPr algn="ctr"/>
                 <a:r>
-                  <a:rPr lang="en-US" sz="1800" cap="small" dirty="0">
+                  <a:rPr lang="en-US" sz="1801" cap="small" dirty="0">
                     <a:solidFill>
                       <a:schemeClr val="bg1"/>
                     </a:solidFill>
@@ -9416,7 +9565,7 @@
               <a:p>
                 <a:pPr algn="ctr"/>
                 <a:r>
-                  <a:rPr lang="en-US" sz="1800" cap="small" dirty="0">
+                  <a:rPr lang="en-US" sz="1801" cap="small" dirty="0">
                     <a:solidFill>
                       <a:schemeClr val="bg1"/>
                     </a:solidFill>
@@ -9428,7 +9577,7 @@
               <a:p>
                 <a:pPr algn="ctr"/>
                 <a:r>
-                  <a:rPr lang="en-US" sz="1800" cap="small" dirty="0">
+                  <a:rPr lang="en-US" sz="1801" cap="small" dirty="0">
                     <a:solidFill>
                       <a:schemeClr val="bg1"/>
                     </a:solidFill>
@@ -9436,7 +9585,7 @@
                   </a:rPr>
                   <a:t>of Modern Mathematics</a:t>
                 </a:r>
-                <a:endParaRPr lang="en-SG" sz="1800" cap="small" dirty="0">
+                <a:endParaRPr lang="en-SG" sz="1801" cap="small" dirty="0">
                   <a:solidFill>
                     <a:schemeClr val="bg1"/>
                   </a:solidFill>
@@ -9461,10 +9610,10 @@
         </p:nvGrpSpPr>
         <p:grpSpPr>
           <a:xfrm rot="5400000">
-            <a:off x="2717819" y="3904640"/>
-            <a:ext cx="7297114" cy="698470"/>
-            <a:chOff x="2762768" y="3899962"/>
-            <a:chExt cx="7297114" cy="698470"/>
+            <a:off x="2744840" y="3904608"/>
+            <a:ext cx="7297115" cy="698534"/>
+            <a:chOff x="2762769" y="3899899"/>
+            <a:chExt cx="7297114" cy="698533"/>
           </a:xfrm>
         </p:grpSpPr>
         <p:grpSp>
@@ -9481,10 +9630,10 @@
           </p:nvGrpSpPr>
           <p:grpSpPr>
             <a:xfrm>
-              <a:off x="2762768" y="3899962"/>
-              <a:ext cx="4429674" cy="698470"/>
-              <a:chOff x="3051010" y="3838575"/>
-              <a:chExt cx="4429674" cy="698470"/>
+              <a:off x="2762769" y="3899899"/>
+              <a:ext cx="4429673" cy="698533"/>
+              <a:chOff x="3051011" y="3838512"/>
+              <a:chExt cx="4429673" cy="698533"/>
             </a:xfrm>
           </p:grpSpPr>
           <p:sp>
@@ -9501,8 +9650,8 @@
             </p:nvSpPr>
             <p:spPr>
               <a:xfrm>
-                <a:off x="3810000" y="3838575"/>
-                <a:ext cx="2911695" cy="276999"/>
+                <a:off x="3809999" y="3838512"/>
+                <a:ext cx="2911694" cy="277127"/>
               </a:xfrm>
               <a:prstGeom prst="rect">
                 <a:avLst/>
@@ -9516,7 +9665,7 @@
               <a:lstStyle/>
               <a:p>
                 <a:r>
-                  <a:rPr lang="en-SG" b="1" dirty="0">
+                  <a:rPr lang="en-SG" sz="1801" b="1" dirty="0">
                     <a:solidFill>
                       <a:schemeClr val="bg1"/>
                     </a:solidFill>
@@ -9540,8 +9689,8 @@
             </p:nvSpPr>
             <p:spPr>
               <a:xfrm>
-                <a:off x="3051010" y="4044602"/>
-                <a:ext cx="4429674" cy="492443"/>
+                <a:off x="3051011" y="4044603"/>
+                <a:ext cx="4429673" cy="492442"/>
               </a:xfrm>
               <a:prstGeom prst="rect">
                 <a:avLst/>
@@ -9580,8 +9729,8 @@
           </p:nvSpPr>
           <p:spPr>
             <a:xfrm>
-              <a:off x="8764656" y="4085853"/>
-              <a:ext cx="1295226" cy="276999"/>
+              <a:off x="8764657" y="4085789"/>
+              <a:ext cx="1295226" cy="277127"/>
             </a:xfrm>
             <a:prstGeom prst="rect">
               <a:avLst/>
@@ -9595,7 +9744,7 @@
             <a:lstStyle/>
             <a:p>
               <a:r>
-                <a:rPr lang="en-SG" dirty="0">
+                <a:rPr lang="en-SG" sz="1801" dirty="0">
                   <a:solidFill>
                     <a:schemeClr val="bg1"/>
                   </a:solidFill>
@@ -9610,6 +9759,5452 @@
     <p:extLst>
       <p:ext uri="{BB962C8B-B14F-4D97-AF65-F5344CB8AC3E}">
         <p14:creationId xmlns:p14="http://schemas.microsoft.com/office/powerpoint/2010/main" val="2520538140"/>
+      </p:ext>
+    </p:extLst>
+  </p:cSld>
+  <p:clrMapOvr>
+    <a:masterClrMapping/>
+  </p:clrMapOvr>
+</p:sld>
+</file>
+
+<file path=ppt/slides/slide4.xml><?xml version="1.0" encoding="utf-8"?>
+<p:sld xmlns:a="http://schemas.openxmlformats.org/drawingml/2006/main" xmlns:r="http://schemas.openxmlformats.org/officeDocument/2006/relationships" xmlns:p="http://schemas.openxmlformats.org/presentationml/2006/main" show="0">
+  <p:cSld>
+    <p:spTree>
+      <p:nvGrpSpPr>
+        <p:cNvPr id="1" name=""/>
+        <p:cNvGrpSpPr/>
+        <p:nvPr/>
+      </p:nvGrpSpPr>
+      <p:grpSpPr>
+        <a:xfrm>
+          <a:off x="0" y="0"/>
+          <a:ext cx="0" cy="0"/>
+          <a:chOff x="0" y="0"/>
+          <a:chExt cx="0" cy="0"/>
+        </a:xfrm>
+      </p:grpSpPr>
+      <p:pic>
+        <p:nvPicPr>
+          <p:cNvPr id="52" name="Background">
+            <a:extLst>
+              <a:ext uri="{FF2B5EF4-FFF2-40B4-BE49-F238E27FC236}">
+                <a16:creationId xmlns:a16="http://schemas.microsoft.com/office/drawing/2014/main" id="{7ABC9704-A58D-EA3D-C317-247DFC87C8DC}"/>
+              </a:ext>
+            </a:extLst>
+          </p:cNvPr>
+          <p:cNvPicPr>
+            <a:picLocks noChangeAspect="1"/>
+          </p:cNvPicPr>
+          <p:nvPr/>
+        </p:nvPicPr>
+        <p:blipFill>
+          <a:blip r:embed="rId3"/>
+          <a:stretch>
+            <a:fillRect/>
+          </a:stretch>
+        </p:blipFill>
+        <p:spPr>
+          <a:xfrm>
+            <a:off x="0" y="834"/>
+            <a:ext cx="12827000" cy="8456532"/>
+          </a:xfrm>
+          <a:prstGeom prst="rect">
+            <a:avLst/>
+          </a:prstGeom>
+        </p:spPr>
+      </p:pic>
+      <p:sp>
+        <p:nvSpPr>
+          <p:cNvPr id="8" name="Rectangle 7">
+            <a:extLst>
+              <a:ext uri="{FF2B5EF4-FFF2-40B4-BE49-F238E27FC236}">
+                <a16:creationId xmlns:a16="http://schemas.microsoft.com/office/drawing/2014/main" id="{E45DDC3B-FF00-17D6-F25F-9B02AAFECAD8}"/>
+              </a:ext>
+            </a:extLst>
+          </p:cNvPr>
+          <p:cNvSpPr/>
+          <p:nvPr/>
+        </p:nvSpPr>
+        <p:spPr>
+          <a:xfrm>
+            <a:off x="565149" y="554205"/>
+            <a:ext cx="4591051" cy="7340115"/>
+          </a:xfrm>
+          <a:prstGeom prst="rect">
+            <a:avLst/>
+          </a:prstGeom>
+          <a:solidFill>
+            <a:srgbClr val="0070C0"/>
+          </a:solidFill>
+          <a:ln>
+            <a:noFill/>
+          </a:ln>
+        </p:spPr>
+        <p:style>
+          <a:lnRef idx="2">
+            <a:schemeClr val="accent1">
+              <a:shade val="15000"/>
+            </a:schemeClr>
+          </a:lnRef>
+          <a:fillRef idx="1">
+            <a:schemeClr val="accent1"/>
+          </a:fillRef>
+          <a:effectRef idx="0">
+            <a:schemeClr val="accent1"/>
+          </a:effectRef>
+          <a:fontRef idx="minor">
+            <a:schemeClr val="lt1"/>
+          </a:fontRef>
+        </p:style>
+        <p:txBody>
+          <a:bodyPr rtlCol="0" anchor="ctr"/>
+          <a:lstStyle/>
+          <a:p>
+            <a:pPr algn="ctr"/>
+            <a:r>
+              <a:rPr lang="en-SG" sz="1801" dirty="0"/>
+              <a:t>Cover Safe Area</a:t>
+            </a:r>
+          </a:p>
+          <a:p>
+            <a:pPr algn="ctr"/>
+            <a:r>
+              <a:rPr lang="en-SG" sz="1801" dirty="0"/>
+              <a:t>5” x 8”</a:t>
+            </a:r>
+          </a:p>
+        </p:txBody>
+      </p:sp>
+      <p:sp>
+        <p:nvSpPr>
+          <p:cNvPr id="23" name="Rectangle 22">
+            <a:extLst>
+              <a:ext uri="{FF2B5EF4-FFF2-40B4-BE49-F238E27FC236}">
+                <a16:creationId xmlns:a16="http://schemas.microsoft.com/office/drawing/2014/main" id="{9BA7C6AA-0385-127F-B9D6-3F436721ED9E}"/>
+              </a:ext>
+            </a:extLst>
+          </p:cNvPr>
+          <p:cNvSpPr/>
+          <p:nvPr/>
+        </p:nvSpPr>
+        <p:spPr>
+          <a:xfrm>
+            <a:off x="5594349" y="91440"/>
+            <a:ext cx="1635126" cy="8252459"/>
+          </a:xfrm>
+          <a:prstGeom prst="rect">
+            <a:avLst/>
+          </a:prstGeom>
+          <a:solidFill>
+            <a:srgbClr val="7030A0"/>
+          </a:solidFill>
+          <a:ln>
+            <a:noFill/>
+          </a:ln>
+        </p:spPr>
+        <p:style>
+          <a:lnRef idx="2">
+            <a:schemeClr val="accent1">
+              <a:shade val="15000"/>
+            </a:schemeClr>
+          </a:lnRef>
+          <a:fillRef idx="1">
+            <a:schemeClr val="accent1"/>
+          </a:fillRef>
+          <a:effectRef idx="0">
+            <a:schemeClr val="accent1"/>
+          </a:effectRef>
+          <a:fontRef idx="minor">
+            <a:schemeClr val="lt1"/>
+          </a:fontRef>
+        </p:style>
+        <p:txBody>
+          <a:bodyPr rtlCol="0" anchor="ctr"/>
+          <a:lstStyle/>
+          <a:p>
+            <a:pPr algn="ctr"/>
+            <a:r>
+              <a:rPr lang="en-SG" sz="1801" dirty="0"/>
+              <a:t>Spine Width</a:t>
+            </a:r>
+          </a:p>
+          <a:p>
+            <a:pPr algn="ctr"/>
+            <a:r>
+              <a:rPr lang="en-SG" sz="1801" dirty="0"/>
+              <a:t>1.778”</a:t>
+            </a:r>
+          </a:p>
+        </p:txBody>
+      </p:sp>
+      <p:grpSp>
+        <p:nvGrpSpPr>
+          <p:cNvPr id="19" name="Title Text">
+            <a:extLst>
+              <a:ext uri="{FF2B5EF4-FFF2-40B4-BE49-F238E27FC236}">
+                <a16:creationId xmlns:a16="http://schemas.microsoft.com/office/drawing/2014/main" id="{09A7FF36-1561-2266-B891-CD4632F01CE4}"/>
+              </a:ext>
+            </a:extLst>
+          </p:cNvPr>
+          <p:cNvGrpSpPr/>
+          <p:nvPr/>
+        </p:nvGrpSpPr>
+        <p:grpSpPr>
+          <a:xfrm>
+            <a:off x="8464766" y="3250800"/>
+            <a:ext cx="3041216" cy="2268827"/>
+            <a:chOff x="8399133" y="3249673"/>
+            <a:chExt cx="3041214" cy="2268828"/>
+          </a:xfrm>
+        </p:grpSpPr>
+        <p:sp>
+          <p:nvSpPr>
+            <p:cNvPr id="3" name="TextBox 2">
+              <a:extLst>
+                <a:ext uri="{FF2B5EF4-FFF2-40B4-BE49-F238E27FC236}">
+                  <a16:creationId xmlns:a16="http://schemas.microsoft.com/office/drawing/2014/main" id="{6397CB26-1A52-C78C-9B8A-36FF3AE94034}"/>
+                </a:ext>
+              </a:extLst>
+            </p:cNvPr>
+            <p:cNvSpPr txBox="1"/>
+            <p:nvPr/>
+          </p:nvSpPr>
+          <p:spPr>
+            <a:xfrm>
+              <a:off x="9461953" y="4722256"/>
+              <a:ext cx="910771" cy="276871"/>
+            </a:xfrm>
+            <a:prstGeom prst="rect">
+              <a:avLst/>
+            </a:prstGeom>
+            <a:noFill/>
+          </p:spPr>
+          <p:txBody>
+            <a:bodyPr wrap="square" rtlCol="0">
+              <a:spAutoFit/>
+            </a:bodyPr>
+            <a:lstStyle/>
+            <a:p>
+              <a:pPr algn="ctr"/>
+              <a:r>
+                <a:rPr lang="en-US" sz="1199" dirty="0">
+                  <a:solidFill>
+                    <a:schemeClr val="bg1"/>
+                  </a:solidFill>
+                  <a:latin typeface="TeXGyrePagella" pitchFamily="2" charset="77"/>
+                </a:rPr>
+                <a:t>1</a:t>
+              </a:r>
+              <a:r>
+                <a:rPr lang="en-US" sz="1199" baseline="30000" dirty="0">
+                  <a:solidFill>
+                    <a:schemeClr val="bg1"/>
+                  </a:solidFill>
+                  <a:latin typeface="TeXGyrePagella" pitchFamily="2" charset="77"/>
+                </a:rPr>
+                <a:t>st</a:t>
+              </a:r>
+              <a:r>
+                <a:rPr lang="en-US" sz="1199" dirty="0">
+                  <a:solidFill>
+                    <a:schemeClr val="bg1"/>
+                  </a:solidFill>
+                  <a:latin typeface="TeXGyrePagella" pitchFamily="2" charset="77"/>
+                </a:rPr>
+                <a:t> Edition</a:t>
+              </a:r>
+            </a:p>
+          </p:txBody>
+        </p:sp>
+        <p:sp>
+          <p:nvSpPr>
+            <p:cNvPr id="4" name="TextBox 3">
+              <a:extLst>
+                <a:ext uri="{FF2B5EF4-FFF2-40B4-BE49-F238E27FC236}">
+                  <a16:creationId xmlns:a16="http://schemas.microsoft.com/office/drawing/2014/main" id="{23B25E08-1152-C48C-21C0-DE1D6ED06058}"/>
+                </a:ext>
+              </a:extLst>
+            </p:cNvPr>
+            <p:cNvSpPr txBox="1"/>
+            <p:nvPr/>
+          </p:nvSpPr>
+          <p:spPr>
+            <a:xfrm>
+              <a:off x="9171953" y="5149041"/>
+              <a:ext cx="1479891" cy="369460"/>
+            </a:xfrm>
+            <a:prstGeom prst="rect">
+              <a:avLst/>
+            </a:prstGeom>
+            <a:noFill/>
+          </p:spPr>
+          <p:txBody>
+            <a:bodyPr wrap="none" rtlCol="0">
+              <a:spAutoFit/>
+            </a:bodyPr>
+            <a:lstStyle/>
+            <a:p>
+              <a:r>
+                <a:rPr lang="en-US" sz="1801" dirty="0">
+                  <a:solidFill>
+                    <a:schemeClr val="bg1"/>
+                  </a:solidFill>
+                  <a:latin typeface="TeXGyrePagella" pitchFamily="2" charset="77"/>
+                </a:rPr>
+                <a:t>Kan Onn Kit</a:t>
+              </a:r>
+            </a:p>
+          </p:txBody>
+        </p:sp>
+        <p:grpSp>
+          <p:nvGrpSpPr>
+            <p:cNvPr id="17" name="Group 16">
+              <a:extLst>
+                <a:ext uri="{FF2B5EF4-FFF2-40B4-BE49-F238E27FC236}">
+                  <a16:creationId xmlns:a16="http://schemas.microsoft.com/office/drawing/2014/main" id="{FF9AB695-002A-DD8C-4CE5-E615B2FD4325}"/>
+                </a:ext>
+              </a:extLst>
+            </p:cNvPr>
+            <p:cNvGrpSpPr/>
+            <p:nvPr/>
+          </p:nvGrpSpPr>
+          <p:grpSpPr>
+            <a:xfrm>
+              <a:off x="8399133" y="3647457"/>
+              <a:ext cx="3041214" cy="1137043"/>
+              <a:chOff x="8399133" y="3647457"/>
+              <a:chExt cx="3041214" cy="1137043"/>
+            </a:xfrm>
+          </p:grpSpPr>
+          <p:sp>
+            <p:nvSpPr>
+              <p:cNvPr id="11" name="TextBox 10">
+                <a:extLst>
+                  <a:ext uri="{FF2B5EF4-FFF2-40B4-BE49-F238E27FC236}">
+                    <a16:creationId xmlns:a16="http://schemas.microsoft.com/office/drawing/2014/main" id="{A5EFD885-0B31-CAD8-3EE9-B4961ADF0657}"/>
+                  </a:ext>
+                </a:extLst>
+              </p:cNvPr>
+              <p:cNvSpPr txBox="1"/>
+              <p:nvPr/>
+            </p:nvSpPr>
+            <p:spPr>
+              <a:xfrm>
+                <a:off x="8545648" y="4076293"/>
+                <a:ext cx="2744980" cy="708207"/>
+              </a:xfrm>
+              <a:prstGeom prst="rect">
+                <a:avLst/>
+              </a:prstGeom>
+              <a:noFill/>
+            </p:spPr>
+            <p:txBody>
+              <a:bodyPr wrap="none" rtlCol="0">
+                <a:spAutoFit/>
+              </a:bodyPr>
+              <a:lstStyle/>
+              <a:p>
+                <a:r>
+                  <a:rPr lang="en-US" sz="4002" b="1" dirty="0">
+                    <a:solidFill>
+                      <a:schemeClr val="bg1"/>
+                    </a:solidFill>
+                    <a:latin typeface="TeXGyrePagella" pitchFamily="2" charset="77"/>
+                  </a:rPr>
+                  <a:t>ALGEBRA</a:t>
+                </a:r>
+              </a:p>
+            </p:txBody>
+          </p:sp>
+          <p:sp>
+            <p:nvSpPr>
+              <p:cNvPr id="12" name="TextBox 11">
+                <a:extLst>
+                  <a:ext uri="{FF2B5EF4-FFF2-40B4-BE49-F238E27FC236}">
+                    <a16:creationId xmlns:a16="http://schemas.microsoft.com/office/drawing/2014/main" id="{86A99F65-1B85-5C6F-9390-78BF76EC9A72}"/>
+                  </a:ext>
+                </a:extLst>
+              </p:cNvPr>
+              <p:cNvSpPr txBox="1"/>
+              <p:nvPr/>
+            </p:nvSpPr>
+            <p:spPr>
+              <a:xfrm>
+                <a:off x="8399133" y="3647457"/>
+                <a:ext cx="3041214" cy="708207"/>
+              </a:xfrm>
+              <a:prstGeom prst="rect">
+                <a:avLst/>
+              </a:prstGeom>
+              <a:noFill/>
+            </p:spPr>
+            <p:txBody>
+              <a:bodyPr wrap="none" rtlCol="0">
+                <a:spAutoFit/>
+              </a:bodyPr>
+              <a:lstStyle/>
+              <a:p>
+                <a:r>
+                  <a:rPr lang="en-US" sz="4002" b="1" dirty="0">
+                    <a:solidFill>
+                      <a:schemeClr val="bg1"/>
+                    </a:solidFill>
+                    <a:latin typeface="TeXGyrePagella" pitchFamily="2" charset="77"/>
+                  </a:rPr>
+                  <a:t>ABSTRACT</a:t>
+                </a:r>
+              </a:p>
+            </p:txBody>
+          </p:sp>
+        </p:grpSp>
+        <p:grpSp>
+          <p:nvGrpSpPr>
+            <p:cNvPr id="18" name="Group 17">
+              <a:extLst>
+                <a:ext uri="{FF2B5EF4-FFF2-40B4-BE49-F238E27FC236}">
+                  <a16:creationId xmlns:a16="http://schemas.microsoft.com/office/drawing/2014/main" id="{74CC6DAB-E61B-6BAC-3949-ADCEFD271432}"/>
+                </a:ext>
+              </a:extLst>
+            </p:cNvPr>
+            <p:cNvGrpSpPr/>
+            <p:nvPr/>
+          </p:nvGrpSpPr>
+          <p:grpSpPr>
+            <a:xfrm>
+              <a:off x="9111929" y="3249673"/>
+              <a:ext cx="1604926" cy="552289"/>
+              <a:chOff x="9111929" y="3249673"/>
+              <a:chExt cx="1604926" cy="552289"/>
+            </a:xfrm>
+          </p:grpSpPr>
+          <p:sp>
+            <p:nvSpPr>
+              <p:cNvPr id="7" name="TextBox 6">
+                <a:extLst>
+                  <a:ext uri="{FF2B5EF4-FFF2-40B4-BE49-F238E27FC236}">
+                    <a16:creationId xmlns:a16="http://schemas.microsoft.com/office/drawing/2014/main" id="{3983B89A-17CA-0F9C-A588-11DC30D76FEB}"/>
+                  </a:ext>
+                </a:extLst>
+              </p:cNvPr>
+              <p:cNvSpPr txBox="1"/>
+              <p:nvPr/>
+            </p:nvSpPr>
+            <p:spPr>
+              <a:xfrm>
+                <a:off x="9111929" y="3463280"/>
+                <a:ext cx="1604926" cy="338682"/>
+              </a:xfrm>
+              <a:prstGeom prst="rect">
+                <a:avLst/>
+              </a:prstGeom>
+              <a:noFill/>
+            </p:spPr>
+            <p:txBody>
+              <a:bodyPr wrap="none" rtlCol="0">
+                <a:spAutoFit/>
+              </a:bodyPr>
+              <a:lstStyle/>
+              <a:p>
+                <a:r>
+                  <a:rPr lang="en-US" sz="1601" b="1" dirty="0">
+                    <a:solidFill>
+                      <a:schemeClr val="bg1"/>
+                    </a:solidFill>
+                    <a:latin typeface="TeXGyrePagella" pitchFamily="2" charset="77"/>
+                  </a:rPr>
+                  <a:t>Introduction to</a:t>
+                </a:r>
+              </a:p>
+            </p:txBody>
+          </p:sp>
+          <p:sp>
+            <p:nvSpPr>
+              <p:cNvPr id="10" name="TextBox 9">
+                <a:extLst>
+                  <a:ext uri="{FF2B5EF4-FFF2-40B4-BE49-F238E27FC236}">
+                    <a16:creationId xmlns:a16="http://schemas.microsoft.com/office/drawing/2014/main" id="{55624CBA-2C20-925A-C891-FFA50EB9E47D}"/>
+                  </a:ext>
+                </a:extLst>
+              </p:cNvPr>
+              <p:cNvSpPr txBox="1"/>
+              <p:nvPr/>
+            </p:nvSpPr>
+            <p:spPr>
+              <a:xfrm>
+                <a:off x="9257275" y="3249673"/>
+                <a:ext cx="1303241" cy="338682"/>
+              </a:xfrm>
+              <a:prstGeom prst="rect">
+                <a:avLst/>
+              </a:prstGeom>
+              <a:noFill/>
+            </p:spPr>
+            <p:txBody>
+              <a:bodyPr wrap="none" rtlCol="0">
+                <a:spAutoFit/>
+              </a:bodyPr>
+              <a:lstStyle/>
+              <a:p>
+                <a:r>
+                  <a:rPr lang="en-US" sz="1601" b="1" dirty="0">
+                    <a:solidFill>
+                      <a:schemeClr val="bg1"/>
+                    </a:solidFill>
+                    <a:latin typeface="TeXGyrePagella" pitchFamily="2" charset="77"/>
+                  </a:rPr>
+                  <a:t>A Complete</a:t>
+                </a:r>
+              </a:p>
+            </p:txBody>
+          </p:sp>
+        </p:grpSp>
+      </p:grpSp>
+      <p:sp>
+        <p:nvSpPr>
+          <p:cNvPr id="6" name="Back Cover Text">
+            <a:extLst>
+              <a:ext uri="{FF2B5EF4-FFF2-40B4-BE49-F238E27FC236}">
+                <a16:creationId xmlns:a16="http://schemas.microsoft.com/office/drawing/2014/main" id="{82897915-1C7B-271A-7ED4-EA4F14BA9D44}"/>
+              </a:ext>
+            </a:extLst>
+          </p:cNvPr>
+          <p:cNvSpPr txBox="1"/>
+          <p:nvPr/>
+        </p:nvSpPr>
+        <p:spPr>
+          <a:xfrm>
+            <a:off x="567988" y="3340045"/>
+            <a:ext cx="4588212" cy="3005951"/>
+          </a:xfrm>
+          <a:prstGeom prst="rect">
+            <a:avLst/>
+          </a:prstGeom>
+          <a:noFill/>
+        </p:spPr>
+        <p:txBody>
+          <a:bodyPr wrap="square" lIns="0" tIns="0" rIns="0" bIns="0" rtlCol="0">
+            <a:spAutoFit/>
+          </a:bodyPr>
+          <a:lstStyle/>
+          <a:p>
+            <a:pPr algn="just">
+              <a:spcAft>
+                <a:spcPts val="999"/>
+              </a:spcAft>
+            </a:pPr>
+            <a:r>
+              <a:rPr lang="en-US" sz="1100" dirty="0">
+                <a:solidFill>
+                  <a:schemeClr val="bg1"/>
+                </a:solidFill>
+              </a:rPr>
+              <a:t>The field of abstract algebra is deeply fundamental to modern mathematics. Working mathematicians, computer scientists, physicists, and chemists frequently encounter topics in abstract algebra, and a basic understanding of abstract algebra would immensely help. To that end, </a:t>
+            </a:r>
+            <a:r>
+              <a:rPr lang="en-US" sz="1100" i="1" dirty="0">
+                <a:solidFill>
+                  <a:schemeClr val="bg1"/>
+                </a:solidFill>
+              </a:rPr>
+              <a:t>A Complete Introduction to Abstract Algebra</a:t>
+            </a:r>
+            <a:r>
+              <a:rPr lang="en-US" sz="1100" dirty="0">
+                <a:solidFill>
+                  <a:schemeClr val="bg1"/>
+                </a:solidFill>
+              </a:rPr>
+              <a:t> provides all the necessary foundation to understand this fundamental study, assuming only a high-school understanding of mathematics. Everything, from the results discussed in the chapters to the questions and exercises, will have detailed solutions and explanations, providing you with the reassurance that you're on the right track and deepening your appreciation of the beauty of abstract algebra.</a:t>
+            </a:r>
+          </a:p>
+          <a:p>
+            <a:pPr algn="just">
+              <a:spcAft>
+                <a:spcPts val="999"/>
+              </a:spcAft>
+            </a:pPr>
+            <a:r>
+              <a:rPr lang="en-US" sz="1100" dirty="0">
+                <a:solidFill>
+                  <a:schemeClr val="bg1"/>
+                </a:solidFill>
+              </a:rPr>
+              <a:t>This book covers the absolute fundamentals of abstract algebra, starting with the prerequisite knowledge, moving on to groups, looking at rings and fields, and ending with an introduction to Galois theory. It adopts a structured approach to learning abstract algebra. Examples, exercises, and problems are frequently interspersed in the text to facilitate understanding, provide insight, and develop the ability to do proofs.</a:t>
+            </a:r>
+          </a:p>
+        </p:txBody>
+      </p:sp>
+      <p:grpSp>
+        <p:nvGrpSpPr>
+          <p:cNvPr id="21" name="Hero Diagram">
+            <a:extLst>
+              <a:ext uri="{FF2B5EF4-FFF2-40B4-BE49-F238E27FC236}">
+                <a16:creationId xmlns:a16="http://schemas.microsoft.com/office/drawing/2014/main" id="{20491AA2-A4E3-83E2-A8FE-AA821C59D7DB}"/>
+              </a:ext>
+            </a:extLst>
+          </p:cNvPr>
+          <p:cNvGrpSpPr/>
+          <p:nvPr/>
+        </p:nvGrpSpPr>
+        <p:grpSpPr>
+          <a:xfrm>
+            <a:off x="496067" y="506670"/>
+            <a:ext cx="4780013" cy="2757461"/>
+            <a:chOff x="349200" y="338400"/>
+            <a:chExt cx="5018400" cy="2894981"/>
+          </a:xfrm>
+        </p:grpSpPr>
+        <p:sp>
+          <p:nvSpPr>
+            <p:cNvPr id="9" name="Hexagon Background">
+              <a:extLst>
+                <a:ext uri="{FF2B5EF4-FFF2-40B4-BE49-F238E27FC236}">
+                  <a16:creationId xmlns:a16="http://schemas.microsoft.com/office/drawing/2014/main" id="{7A060CAA-35D7-B4DA-F003-EFD71A9D79EC}"/>
+                </a:ext>
+              </a:extLst>
+            </p:cNvPr>
+            <p:cNvSpPr/>
+            <p:nvPr/>
+          </p:nvSpPr>
+          <p:spPr>
+            <a:xfrm>
+              <a:off x="1029798" y="1482409"/>
+              <a:ext cx="3653961" cy="1397634"/>
+            </a:xfrm>
+            <a:custGeom>
+              <a:avLst/>
+              <a:gdLst>
+                <a:gd name="connsiteX0" fmla="*/ 2275840 w 4572000"/>
+                <a:gd name="connsiteY0" fmla="*/ 0 h 1407160"/>
+                <a:gd name="connsiteX1" fmla="*/ 4566920 w 4572000"/>
+                <a:gd name="connsiteY1" fmla="*/ 370840 h 1407160"/>
+                <a:gd name="connsiteX2" fmla="*/ 4572000 w 4572000"/>
+                <a:gd name="connsiteY2" fmla="*/ 1056640 h 1407160"/>
+                <a:gd name="connsiteX3" fmla="*/ 2311400 w 4572000"/>
+                <a:gd name="connsiteY3" fmla="*/ 1407160 h 1407160"/>
+                <a:gd name="connsiteX4" fmla="*/ 20320 w 4572000"/>
+                <a:gd name="connsiteY4" fmla="*/ 1056640 h 1407160"/>
+                <a:gd name="connsiteX5" fmla="*/ 0 w 4572000"/>
+                <a:gd name="connsiteY5" fmla="*/ 386080 h 1407160"/>
+                <a:gd name="connsiteX6" fmla="*/ 2275840 w 4572000"/>
+                <a:gd name="connsiteY6" fmla="*/ 0 h 1407160"/>
+                <a:gd name="connsiteX0" fmla="*/ 2275840 w 4572000"/>
+                <a:gd name="connsiteY0" fmla="*/ 0 h 1407160"/>
+                <a:gd name="connsiteX1" fmla="*/ 4099560 w 4572000"/>
+                <a:gd name="connsiteY1" fmla="*/ 370840 h 1407160"/>
+                <a:gd name="connsiteX2" fmla="*/ 4572000 w 4572000"/>
+                <a:gd name="connsiteY2" fmla="*/ 1056640 h 1407160"/>
+                <a:gd name="connsiteX3" fmla="*/ 2311400 w 4572000"/>
+                <a:gd name="connsiteY3" fmla="*/ 1407160 h 1407160"/>
+                <a:gd name="connsiteX4" fmla="*/ 20320 w 4572000"/>
+                <a:gd name="connsiteY4" fmla="*/ 1056640 h 1407160"/>
+                <a:gd name="connsiteX5" fmla="*/ 0 w 4572000"/>
+                <a:gd name="connsiteY5" fmla="*/ 386080 h 1407160"/>
+                <a:gd name="connsiteX6" fmla="*/ 2275840 w 4572000"/>
+                <a:gd name="connsiteY6" fmla="*/ 0 h 1407160"/>
+                <a:gd name="connsiteX0" fmla="*/ 2275840 w 4109720"/>
+                <a:gd name="connsiteY0" fmla="*/ 0 h 1407160"/>
+                <a:gd name="connsiteX1" fmla="*/ 4099560 w 4109720"/>
+                <a:gd name="connsiteY1" fmla="*/ 370840 h 1407160"/>
+                <a:gd name="connsiteX2" fmla="*/ 4109720 w 4109720"/>
+                <a:gd name="connsiteY2" fmla="*/ 1066800 h 1407160"/>
+                <a:gd name="connsiteX3" fmla="*/ 2311400 w 4109720"/>
+                <a:gd name="connsiteY3" fmla="*/ 1407160 h 1407160"/>
+                <a:gd name="connsiteX4" fmla="*/ 20320 w 4109720"/>
+                <a:gd name="connsiteY4" fmla="*/ 1056640 h 1407160"/>
+                <a:gd name="connsiteX5" fmla="*/ 0 w 4109720"/>
+                <a:gd name="connsiteY5" fmla="*/ 386080 h 1407160"/>
+                <a:gd name="connsiteX6" fmla="*/ 2275840 w 4109720"/>
+                <a:gd name="connsiteY6" fmla="*/ 0 h 1407160"/>
+                <a:gd name="connsiteX0" fmla="*/ 2275840 w 4109720"/>
+                <a:gd name="connsiteY0" fmla="*/ 0 h 1407160"/>
+                <a:gd name="connsiteX1" fmla="*/ 4099560 w 4109720"/>
+                <a:gd name="connsiteY1" fmla="*/ 370840 h 1407160"/>
+                <a:gd name="connsiteX2" fmla="*/ 4109720 w 4109720"/>
+                <a:gd name="connsiteY2" fmla="*/ 1066800 h 1407160"/>
+                <a:gd name="connsiteX3" fmla="*/ 2311400 w 4109720"/>
+                <a:gd name="connsiteY3" fmla="*/ 1407160 h 1407160"/>
+                <a:gd name="connsiteX4" fmla="*/ 492760 w 4109720"/>
+                <a:gd name="connsiteY4" fmla="*/ 1076960 h 1407160"/>
+                <a:gd name="connsiteX5" fmla="*/ 0 w 4109720"/>
+                <a:gd name="connsiteY5" fmla="*/ 386080 h 1407160"/>
+                <a:gd name="connsiteX6" fmla="*/ 2275840 w 4109720"/>
+                <a:gd name="connsiteY6" fmla="*/ 0 h 1407160"/>
+                <a:gd name="connsiteX0" fmla="*/ 1818640 w 3652520"/>
+                <a:gd name="connsiteY0" fmla="*/ 0 h 1407160"/>
+                <a:gd name="connsiteX1" fmla="*/ 3642360 w 3652520"/>
+                <a:gd name="connsiteY1" fmla="*/ 370840 h 1407160"/>
+                <a:gd name="connsiteX2" fmla="*/ 3652520 w 3652520"/>
+                <a:gd name="connsiteY2" fmla="*/ 1066800 h 1407160"/>
+                <a:gd name="connsiteX3" fmla="*/ 1854200 w 3652520"/>
+                <a:gd name="connsiteY3" fmla="*/ 1407160 h 1407160"/>
+                <a:gd name="connsiteX4" fmla="*/ 35560 w 3652520"/>
+                <a:gd name="connsiteY4" fmla="*/ 1076960 h 1407160"/>
+                <a:gd name="connsiteX5" fmla="*/ 0 w 3652520"/>
+                <a:gd name="connsiteY5" fmla="*/ 365760 h 1407160"/>
+                <a:gd name="connsiteX6" fmla="*/ 1818640 w 3652520"/>
+                <a:gd name="connsiteY6" fmla="*/ 0 h 1407160"/>
+                <a:gd name="connsiteX0" fmla="*/ 1818640 w 3652520"/>
+                <a:gd name="connsiteY0" fmla="*/ 0 h 1407160"/>
+                <a:gd name="connsiteX1" fmla="*/ 3642360 w 3652520"/>
+                <a:gd name="connsiteY1" fmla="*/ 370840 h 1407160"/>
+                <a:gd name="connsiteX2" fmla="*/ 3652520 w 3652520"/>
+                <a:gd name="connsiteY2" fmla="*/ 1066800 h 1407160"/>
+                <a:gd name="connsiteX3" fmla="*/ 1854200 w 3652520"/>
+                <a:gd name="connsiteY3" fmla="*/ 1407160 h 1407160"/>
+                <a:gd name="connsiteX4" fmla="*/ 30480 w 3652520"/>
+                <a:gd name="connsiteY4" fmla="*/ 1071880 h 1407160"/>
+                <a:gd name="connsiteX5" fmla="*/ 0 w 3652520"/>
+                <a:gd name="connsiteY5" fmla="*/ 365760 h 1407160"/>
+                <a:gd name="connsiteX6" fmla="*/ 1818640 w 3652520"/>
+                <a:gd name="connsiteY6" fmla="*/ 0 h 1407160"/>
+                <a:gd name="connsiteX0" fmla="*/ 1828165 w 3652520"/>
+                <a:gd name="connsiteY0" fmla="*/ 0 h 1389697"/>
+                <a:gd name="connsiteX1" fmla="*/ 3642360 w 3652520"/>
+                <a:gd name="connsiteY1" fmla="*/ 353377 h 1389697"/>
+                <a:gd name="connsiteX2" fmla="*/ 3652520 w 3652520"/>
+                <a:gd name="connsiteY2" fmla="*/ 1049337 h 1389697"/>
+                <a:gd name="connsiteX3" fmla="*/ 1854200 w 3652520"/>
+                <a:gd name="connsiteY3" fmla="*/ 1389697 h 1389697"/>
+                <a:gd name="connsiteX4" fmla="*/ 30480 w 3652520"/>
+                <a:gd name="connsiteY4" fmla="*/ 1054417 h 1389697"/>
+                <a:gd name="connsiteX5" fmla="*/ 0 w 3652520"/>
+                <a:gd name="connsiteY5" fmla="*/ 348297 h 1389697"/>
+                <a:gd name="connsiteX6" fmla="*/ 1828165 w 3652520"/>
+                <a:gd name="connsiteY6" fmla="*/ 0 h 1389697"/>
+                <a:gd name="connsiteX0" fmla="*/ 1828165 w 3652520"/>
+                <a:gd name="connsiteY0" fmla="*/ 0 h 1389697"/>
+                <a:gd name="connsiteX1" fmla="*/ 3642360 w 3652520"/>
+                <a:gd name="connsiteY1" fmla="*/ 353377 h 1389697"/>
+                <a:gd name="connsiteX2" fmla="*/ 3652520 w 3652520"/>
+                <a:gd name="connsiteY2" fmla="*/ 1049337 h 1389697"/>
+                <a:gd name="connsiteX3" fmla="*/ 1854200 w 3652520"/>
+                <a:gd name="connsiteY3" fmla="*/ 1389697 h 1389697"/>
+                <a:gd name="connsiteX4" fmla="*/ 30480 w 3652520"/>
+                <a:gd name="connsiteY4" fmla="*/ 1054417 h 1389697"/>
+                <a:gd name="connsiteX5" fmla="*/ 0 w 3652520"/>
+                <a:gd name="connsiteY5" fmla="*/ 348297 h 1389697"/>
+                <a:gd name="connsiteX6" fmla="*/ 1828165 w 3652520"/>
+                <a:gd name="connsiteY6" fmla="*/ 0 h 1389697"/>
+                <a:gd name="connsiteX0" fmla="*/ 1828165 w 3652520"/>
+                <a:gd name="connsiteY0" fmla="*/ 0 h 1389697"/>
+                <a:gd name="connsiteX1" fmla="*/ 3642360 w 3652520"/>
+                <a:gd name="connsiteY1" fmla="*/ 353377 h 1389697"/>
+                <a:gd name="connsiteX2" fmla="*/ 3652520 w 3652520"/>
+                <a:gd name="connsiteY2" fmla="*/ 1049337 h 1389697"/>
+                <a:gd name="connsiteX3" fmla="*/ 1854200 w 3652520"/>
+                <a:gd name="connsiteY3" fmla="*/ 1389697 h 1389697"/>
+                <a:gd name="connsiteX4" fmla="*/ 30480 w 3652520"/>
+                <a:gd name="connsiteY4" fmla="*/ 1054417 h 1389697"/>
+                <a:gd name="connsiteX5" fmla="*/ 0 w 3652520"/>
+                <a:gd name="connsiteY5" fmla="*/ 348297 h 1389697"/>
+                <a:gd name="connsiteX6" fmla="*/ 1828165 w 3652520"/>
+                <a:gd name="connsiteY6" fmla="*/ 0 h 1389697"/>
+                <a:gd name="connsiteX0" fmla="*/ 1823402 w 3652520"/>
+                <a:gd name="connsiteY0" fmla="*/ 0 h 1389697"/>
+                <a:gd name="connsiteX1" fmla="*/ 3642360 w 3652520"/>
+                <a:gd name="connsiteY1" fmla="*/ 353377 h 1389697"/>
+                <a:gd name="connsiteX2" fmla="*/ 3652520 w 3652520"/>
+                <a:gd name="connsiteY2" fmla="*/ 1049337 h 1389697"/>
+                <a:gd name="connsiteX3" fmla="*/ 1854200 w 3652520"/>
+                <a:gd name="connsiteY3" fmla="*/ 1389697 h 1389697"/>
+                <a:gd name="connsiteX4" fmla="*/ 30480 w 3652520"/>
+                <a:gd name="connsiteY4" fmla="*/ 1054417 h 1389697"/>
+                <a:gd name="connsiteX5" fmla="*/ 0 w 3652520"/>
+                <a:gd name="connsiteY5" fmla="*/ 348297 h 1389697"/>
+                <a:gd name="connsiteX6" fmla="*/ 1823402 w 3652520"/>
+                <a:gd name="connsiteY6" fmla="*/ 0 h 1389697"/>
+                <a:gd name="connsiteX0" fmla="*/ 1823402 w 3649345"/>
+                <a:gd name="connsiteY0" fmla="*/ 0 h 1389697"/>
+                <a:gd name="connsiteX1" fmla="*/ 3642360 w 3649345"/>
+                <a:gd name="connsiteY1" fmla="*/ 353377 h 1389697"/>
+                <a:gd name="connsiteX2" fmla="*/ 3649345 w 3649345"/>
+                <a:gd name="connsiteY2" fmla="*/ 1022349 h 1389697"/>
+                <a:gd name="connsiteX3" fmla="*/ 1854200 w 3649345"/>
+                <a:gd name="connsiteY3" fmla="*/ 1389697 h 1389697"/>
+                <a:gd name="connsiteX4" fmla="*/ 30480 w 3649345"/>
+                <a:gd name="connsiteY4" fmla="*/ 1054417 h 1389697"/>
+                <a:gd name="connsiteX5" fmla="*/ 0 w 3649345"/>
+                <a:gd name="connsiteY5" fmla="*/ 348297 h 1389697"/>
+                <a:gd name="connsiteX6" fmla="*/ 1823402 w 3649345"/>
+                <a:gd name="connsiteY6" fmla="*/ 0 h 1389697"/>
+                <a:gd name="connsiteX0" fmla="*/ 1823402 w 3649345"/>
+                <a:gd name="connsiteY0" fmla="*/ 0 h 1391284"/>
+                <a:gd name="connsiteX1" fmla="*/ 3642360 w 3649345"/>
+                <a:gd name="connsiteY1" fmla="*/ 353377 h 1391284"/>
+                <a:gd name="connsiteX2" fmla="*/ 3649345 w 3649345"/>
+                <a:gd name="connsiteY2" fmla="*/ 1022349 h 1391284"/>
+                <a:gd name="connsiteX3" fmla="*/ 1836737 w 3649345"/>
+                <a:gd name="connsiteY3" fmla="*/ 1391284 h 1391284"/>
+                <a:gd name="connsiteX4" fmla="*/ 30480 w 3649345"/>
+                <a:gd name="connsiteY4" fmla="*/ 1054417 h 1391284"/>
+                <a:gd name="connsiteX5" fmla="*/ 0 w 3649345"/>
+                <a:gd name="connsiteY5" fmla="*/ 348297 h 1391284"/>
+                <a:gd name="connsiteX6" fmla="*/ 1823402 w 3649345"/>
+                <a:gd name="connsiteY6" fmla="*/ 0 h 1391284"/>
+                <a:gd name="connsiteX0" fmla="*/ 1823402 w 3649345"/>
+                <a:gd name="connsiteY0" fmla="*/ 0 h 1388109"/>
+                <a:gd name="connsiteX1" fmla="*/ 3642360 w 3649345"/>
+                <a:gd name="connsiteY1" fmla="*/ 353377 h 1388109"/>
+                <a:gd name="connsiteX2" fmla="*/ 3649345 w 3649345"/>
+                <a:gd name="connsiteY2" fmla="*/ 1022349 h 1388109"/>
+                <a:gd name="connsiteX3" fmla="*/ 1817687 w 3649345"/>
+                <a:gd name="connsiteY3" fmla="*/ 1388109 h 1388109"/>
+                <a:gd name="connsiteX4" fmla="*/ 30480 w 3649345"/>
+                <a:gd name="connsiteY4" fmla="*/ 1054417 h 1388109"/>
+                <a:gd name="connsiteX5" fmla="*/ 0 w 3649345"/>
+                <a:gd name="connsiteY5" fmla="*/ 348297 h 1388109"/>
+                <a:gd name="connsiteX6" fmla="*/ 1823402 w 3649345"/>
+                <a:gd name="connsiteY6" fmla="*/ 0 h 1388109"/>
+                <a:gd name="connsiteX0" fmla="*/ 1823402 w 3649345"/>
+                <a:gd name="connsiteY0" fmla="*/ 0 h 1391284"/>
+                <a:gd name="connsiteX1" fmla="*/ 3642360 w 3649345"/>
+                <a:gd name="connsiteY1" fmla="*/ 353377 h 1391284"/>
+                <a:gd name="connsiteX2" fmla="*/ 3649345 w 3649345"/>
+                <a:gd name="connsiteY2" fmla="*/ 1022349 h 1391284"/>
+                <a:gd name="connsiteX3" fmla="*/ 1847850 w 3649345"/>
+                <a:gd name="connsiteY3" fmla="*/ 1391284 h 1391284"/>
+                <a:gd name="connsiteX4" fmla="*/ 30480 w 3649345"/>
+                <a:gd name="connsiteY4" fmla="*/ 1054417 h 1391284"/>
+                <a:gd name="connsiteX5" fmla="*/ 0 w 3649345"/>
+                <a:gd name="connsiteY5" fmla="*/ 348297 h 1391284"/>
+                <a:gd name="connsiteX6" fmla="*/ 1823402 w 3649345"/>
+                <a:gd name="connsiteY6" fmla="*/ 0 h 1391284"/>
+                <a:gd name="connsiteX0" fmla="*/ 1823402 w 3649345"/>
+                <a:gd name="connsiteY0" fmla="*/ 0 h 1402397"/>
+                <a:gd name="connsiteX1" fmla="*/ 3642360 w 3649345"/>
+                <a:gd name="connsiteY1" fmla="*/ 353377 h 1402397"/>
+                <a:gd name="connsiteX2" fmla="*/ 3649345 w 3649345"/>
+                <a:gd name="connsiteY2" fmla="*/ 1022349 h 1402397"/>
+                <a:gd name="connsiteX3" fmla="*/ 1841500 w 3649345"/>
+                <a:gd name="connsiteY3" fmla="*/ 1402397 h 1402397"/>
+                <a:gd name="connsiteX4" fmla="*/ 30480 w 3649345"/>
+                <a:gd name="connsiteY4" fmla="*/ 1054417 h 1402397"/>
+                <a:gd name="connsiteX5" fmla="*/ 0 w 3649345"/>
+                <a:gd name="connsiteY5" fmla="*/ 348297 h 1402397"/>
+                <a:gd name="connsiteX6" fmla="*/ 1823402 w 3649345"/>
+                <a:gd name="connsiteY6" fmla="*/ 0 h 1402397"/>
+                <a:gd name="connsiteX0" fmla="*/ 1823402 w 3649345"/>
+                <a:gd name="connsiteY0" fmla="*/ 0 h 1392872"/>
+                <a:gd name="connsiteX1" fmla="*/ 3642360 w 3649345"/>
+                <a:gd name="connsiteY1" fmla="*/ 353377 h 1392872"/>
+                <a:gd name="connsiteX2" fmla="*/ 3649345 w 3649345"/>
+                <a:gd name="connsiteY2" fmla="*/ 1022349 h 1392872"/>
+                <a:gd name="connsiteX3" fmla="*/ 1843088 w 3649345"/>
+                <a:gd name="connsiteY3" fmla="*/ 1392872 h 1392872"/>
+                <a:gd name="connsiteX4" fmla="*/ 30480 w 3649345"/>
+                <a:gd name="connsiteY4" fmla="*/ 1054417 h 1392872"/>
+                <a:gd name="connsiteX5" fmla="*/ 0 w 3649345"/>
+                <a:gd name="connsiteY5" fmla="*/ 348297 h 1392872"/>
+                <a:gd name="connsiteX6" fmla="*/ 1823402 w 3649345"/>
+                <a:gd name="connsiteY6" fmla="*/ 0 h 1392872"/>
+                <a:gd name="connsiteX0" fmla="*/ 1823402 w 3649345"/>
+                <a:gd name="connsiteY0" fmla="*/ 0 h 1392872"/>
+                <a:gd name="connsiteX1" fmla="*/ 3642360 w 3649345"/>
+                <a:gd name="connsiteY1" fmla="*/ 353377 h 1392872"/>
+                <a:gd name="connsiteX2" fmla="*/ 3649345 w 3649345"/>
+                <a:gd name="connsiteY2" fmla="*/ 1022349 h 1392872"/>
+                <a:gd name="connsiteX3" fmla="*/ 1843088 w 3649345"/>
+                <a:gd name="connsiteY3" fmla="*/ 1392872 h 1392872"/>
+                <a:gd name="connsiteX4" fmla="*/ 11430 w 3649345"/>
+                <a:gd name="connsiteY4" fmla="*/ 1044892 h 1392872"/>
+                <a:gd name="connsiteX5" fmla="*/ 0 w 3649345"/>
+                <a:gd name="connsiteY5" fmla="*/ 348297 h 1392872"/>
+                <a:gd name="connsiteX6" fmla="*/ 1823402 w 3649345"/>
+                <a:gd name="connsiteY6" fmla="*/ 0 h 1392872"/>
+                <a:gd name="connsiteX0" fmla="*/ 1815465 w 3641408"/>
+                <a:gd name="connsiteY0" fmla="*/ 0 h 1392872"/>
+                <a:gd name="connsiteX1" fmla="*/ 3634423 w 3641408"/>
+                <a:gd name="connsiteY1" fmla="*/ 353377 h 1392872"/>
+                <a:gd name="connsiteX2" fmla="*/ 3641408 w 3641408"/>
+                <a:gd name="connsiteY2" fmla="*/ 1022349 h 1392872"/>
+                <a:gd name="connsiteX3" fmla="*/ 1835151 w 3641408"/>
+                <a:gd name="connsiteY3" fmla="*/ 1392872 h 1392872"/>
+                <a:gd name="connsiteX4" fmla="*/ 3493 w 3641408"/>
+                <a:gd name="connsiteY4" fmla="*/ 1044892 h 1392872"/>
+                <a:gd name="connsiteX5" fmla="*/ 0 w 3641408"/>
+                <a:gd name="connsiteY5" fmla="*/ 359409 h 1392872"/>
+                <a:gd name="connsiteX6" fmla="*/ 1815465 w 3641408"/>
+                <a:gd name="connsiteY6" fmla="*/ 0 h 1392872"/>
+                <a:gd name="connsiteX0" fmla="*/ 1823402 w 3641408"/>
+                <a:gd name="connsiteY0" fmla="*/ 0 h 1396047"/>
+                <a:gd name="connsiteX1" fmla="*/ 3634423 w 3641408"/>
+                <a:gd name="connsiteY1" fmla="*/ 356552 h 1396047"/>
+                <a:gd name="connsiteX2" fmla="*/ 3641408 w 3641408"/>
+                <a:gd name="connsiteY2" fmla="*/ 1025524 h 1396047"/>
+                <a:gd name="connsiteX3" fmla="*/ 1835151 w 3641408"/>
+                <a:gd name="connsiteY3" fmla="*/ 1396047 h 1396047"/>
+                <a:gd name="connsiteX4" fmla="*/ 3493 w 3641408"/>
+                <a:gd name="connsiteY4" fmla="*/ 1048067 h 1396047"/>
+                <a:gd name="connsiteX5" fmla="*/ 0 w 3641408"/>
+                <a:gd name="connsiteY5" fmla="*/ 362584 h 1396047"/>
+                <a:gd name="connsiteX6" fmla="*/ 1823402 w 3641408"/>
+                <a:gd name="connsiteY6" fmla="*/ 0 h 1396047"/>
+                <a:gd name="connsiteX0" fmla="*/ 1823402 w 3641408"/>
+                <a:gd name="connsiteY0" fmla="*/ 0 h 1396047"/>
+                <a:gd name="connsiteX1" fmla="*/ 3634423 w 3641408"/>
+                <a:gd name="connsiteY1" fmla="*/ 356552 h 1396047"/>
+                <a:gd name="connsiteX2" fmla="*/ 3641408 w 3641408"/>
+                <a:gd name="connsiteY2" fmla="*/ 1025524 h 1396047"/>
+                <a:gd name="connsiteX3" fmla="*/ 1835151 w 3641408"/>
+                <a:gd name="connsiteY3" fmla="*/ 1396047 h 1396047"/>
+                <a:gd name="connsiteX4" fmla="*/ 3493 w 3641408"/>
+                <a:gd name="connsiteY4" fmla="*/ 1048067 h 1396047"/>
+                <a:gd name="connsiteX5" fmla="*/ 0 w 3641408"/>
+                <a:gd name="connsiteY5" fmla="*/ 362584 h 1396047"/>
+                <a:gd name="connsiteX6" fmla="*/ 1823402 w 3641408"/>
+                <a:gd name="connsiteY6" fmla="*/ 0 h 1396047"/>
+                <a:gd name="connsiteX0" fmla="*/ 1823402 w 3641408"/>
+                <a:gd name="connsiteY0" fmla="*/ 0 h 1396047"/>
+                <a:gd name="connsiteX1" fmla="*/ 3634423 w 3641408"/>
+                <a:gd name="connsiteY1" fmla="*/ 356552 h 1396047"/>
+                <a:gd name="connsiteX2" fmla="*/ 3641408 w 3641408"/>
+                <a:gd name="connsiteY2" fmla="*/ 1025524 h 1396047"/>
+                <a:gd name="connsiteX3" fmla="*/ 1835151 w 3641408"/>
+                <a:gd name="connsiteY3" fmla="*/ 1396047 h 1396047"/>
+                <a:gd name="connsiteX4" fmla="*/ 3493 w 3641408"/>
+                <a:gd name="connsiteY4" fmla="*/ 1048067 h 1396047"/>
+                <a:gd name="connsiteX5" fmla="*/ 0 w 3641408"/>
+                <a:gd name="connsiteY5" fmla="*/ 362584 h 1396047"/>
+                <a:gd name="connsiteX6" fmla="*/ 1823402 w 3641408"/>
+                <a:gd name="connsiteY6" fmla="*/ 0 h 1396047"/>
+                <a:gd name="connsiteX0" fmla="*/ 1823402 w 3641408"/>
+                <a:gd name="connsiteY0" fmla="*/ 0 h 1396047"/>
+                <a:gd name="connsiteX1" fmla="*/ 3634423 w 3641408"/>
+                <a:gd name="connsiteY1" fmla="*/ 356552 h 1396047"/>
+                <a:gd name="connsiteX2" fmla="*/ 3641408 w 3641408"/>
+                <a:gd name="connsiteY2" fmla="*/ 1025524 h 1396047"/>
+                <a:gd name="connsiteX3" fmla="*/ 1835151 w 3641408"/>
+                <a:gd name="connsiteY3" fmla="*/ 1396047 h 1396047"/>
+                <a:gd name="connsiteX4" fmla="*/ 3493 w 3641408"/>
+                <a:gd name="connsiteY4" fmla="*/ 1048067 h 1396047"/>
+                <a:gd name="connsiteX5" fmla="*/ 0 w 3641408"/>
+                <a:gd name="connsiteY5" fmla="*/ 362584 h 1396047"/>
+                <a:gd name="connsiteX6" fmla="*/ 1823402 w 3641408"/>
+                <a:gd name="connsiteY6" fmla="*/ 0 h 1396047"/>
+                <a:gd name="connsiteX0" fmla="*/ 1823402 w 3641408"/>
+                <a:gd name="connsiteY0" fmla="*/ 0 h 1396047"/>
+                <a:gd name="connsiteX1" fmla="*/ 3634423 w 3641408"/>
+                <a:gd name="connsiteY1" fmla="*/ 356552 h 1396047"/>
+                <a:gd name="connsiteX2" fmla="*/ 3641408 w 3641408"/>
+                <a:gd name="connsiteY2" fmla="*/ 1025524 h 1396047"/>
+                <a:gd name="connsiteX3" fmla="*/ 1835151 w 3641408"/>
+                <a:gd name="connsiteY3" fmla="*/ 1396047 h 1396047"/>
+                <a:gd name="connsiteX4" fmla="*/ 3493 w 3641408"/>
+                <a:gd name="connsiteY4" fmla="*/ 1048067 h 1396047"/>
+                <a:gd name="connsiteX5" fmla="*/ 0 w 3641408"/>
+                <a:gd name="connsiteY5" fmla="*/ 362584 h 1396047"/>
+                <a:gd name="connsiteX6" fmla="*/ 1823402 w 3641408"/>
+                <a:gd name="connsiteY6" fmla="*/ 0 h 1396047"/>
+                <a:gd name="connsiteX0" fmla="*/ 1823402 w 3641408"/>
+                <a:gd name="connsiteY0" fmla="*/ 0 h 1396047"/>
+                <a:gd name="connsiteX1" fmla="*/ 3634423 w 3641408"/>
+                <a:gd name="connsiteY1" fmla="*/ 356552 h 1396047"/>
+                <a:gd name="connsiteX2" fmla="*/ 3641408 w 3641408"/>
+                <a:gd name="connsiteY2" fmla="*/ 1025524 h 1396047"/>
+                <a:gd name="connsiteX3" fmla="*/ 1835151 w 3641408"/>
+                <a:gd name="connsiteY3" fmla="*/ 1396047 h 1396047"/>
+                <a:gd name="connsiteX4" fmla="*/ 3493 w 3641408"/>
+                <a:gd name="connsiteY4" fmla="*/ 1048067 h 1396047"/>
+                <a:gd name="connsiteX5" fmla="*/ 0 w 3641408"/>
+                <a:gd name="connsiteY5" fmla="*/ 362584 h 1396047"/>
+                <a:gd name="connsiteX6" fmla="*/ 1823402 w 3641408"/>
+                <a:gd name="connsiteY6" fmla="*/ 0 h 1396047"/>
+                <a:gd name="connsiteX0" fmla="*/ 1823402 w 3641408"/>
+                <a:gd name="connsiteY0" fmla="*/ 0 h 1396047"/>
+                <a:gd name="connsiteX1" fmla="*/ 3640773 w 3641408"/>
+                <a:gd name="connsiteY1" fmla="*/ 366077 h 1396047"/>
+                <a:gd name="connsiteX2" fmla="*/ 3641408 w 3641408"/>
+                <a:gd name="connsiteY2" fmla="*/ 1025524 h 1396047"/>
+                <a:gd name="connsiteX3" fmla="*/ 1835151 w 3641408"/>
+                <a:gd name="connsiteY3" fmla="*/ 1396047 h 1396047"/>
+                <a:gd name="connsiteX4" fmla="*/ 3493 w 3641408"/>
+                <a:gd name="connsiteY4" fmla="*/ 1048067 h 1396047"/>
+                <a:gd name="connsiteX5" fmla="*/ 0 w 3641408"/>
+                <a:gd name="connsiteY5" fmla="*/ 362584 h 1396047"/>
+                <a:gd name="connsiteX6" fmla="*/ 1823402 w 3641408"/>
+                <a:gd name="connsiteY6" fmla="*/ 0 h 1396047"/>
+                <a:gd name="connsiteX0" fmla="*/ 1823402 w 3640984"/>
+                <a:gd name="connsiteY0" fmla="*/ 0 h 1396047"/>
+                <a:gd name="connsiteX1" fmla="*/ 3640773 w 3640984"/>
+                <a:gd name="connsiteY1" fmla="*/ 366077 h 1396047"/>
+                <a:gd name="connsiteX2" fmla="*/ 3635058 w 3640984"/>
+                <a:gd name="connsiteY2" fmla="*/ 1030286 h 1396047"/>
+                <a:gd name="connsiteX3" fmla="*/ 1835151 w 3640984"/>
+                <a:gd name="connsiteY3" fmla="*/ 1396047 h 1396047"/>
+                <a:gd name="connsiteX4" fmla="*/ 3493 w 3640984"/>
+                <a:gd name="connsiteY4" fmla="*/ 1048067 h 1396047"/>
+                <a:gd name="connsiteX5" fmla="*/ 0 w 3640984"/>
+                <a:gd name="connsiteY5" fmla="*/ 362584 h 1396047"/>
+                <a:gd name="connsiteX6" fmla="*/ 1823402 w 3640984"/>
+                <a:gd name="connsiteY6" fmla="*/ 0 h 1396047"/>
+                <a:gd name="connsiteX0" fmla="*/ 1823402 w 3640984"/>
+                <a:gd name="connsiteY0" fmla="*/ 0 h 1396047"/>
+                <a:gd name="connsiteX1" fmla="*/ 3640773 w 3640984"/>
+                <a:gd name="connsiteY1" fmla="*/ 366077 h 1396047"/>
+                <a:gd name="connsiteX2" fmla="*/ 3635058 w 3640984"/>
+                <a:gd name="connsiteY2" fmla="*/ 1030286 h 1396047"/>
+                <a:gd name="connsiteX3" fmla="*/ 1835151 w 3640984"/>
+                <a:gd name="connsiteY3" fmla="*/ 1396047 h 1396047"/>
+                <a:gd name="connsiteX4" fmla="*/ 3493 w 3640984"/>
+                <a:gd name="connsiteY4" fmla="*/ 1041717 h 1396047"/>
+                <a:gd name="connsiteX5" fmla="*/ 0 w 3640984"/>
+                <a:gd name="connsiteY5" fmla="*/ 362584 h 1396047"/>
+                <a:gd name="connsiteX6" fmla="*/ 1823402 w 3640984"/>
+                <a:gd name="connsiteY6" fmla="*/ 0 h 1396047"/>
+                <a:gd name="connsiteX0" fmla="*/ 1823402 w 3651985"/>
+                <a:gd name="connsiteY0" fmla="*/ 0 h 1396047"/>
+                <a:gd name="connsiteX1" fmla="*/ 3651885 w 3651985"/>
+                <a:gd name="connsiteY1" fmla="*/ 366077 h 1396047"/>
+                <a:gd name="connsiteX2" fmla="*/ 3635058 w 3651985"/>
+                <a:gd name="connsiteY2" fmla="*/ 1030286 h 1396047"/>
+                <a:gd name="connsiteX3" fmla="*/ 1835151 w 3651985"/>
+                <a:gd name="connsiteY3" fmla="*/ 1396047 h 1396047"/>
+                <a:gd name="connsiteX4" fmla="*/ 3493 w 3651985"/>
+                <a:gd name="connsiteY4" fmla="*/ 1041717 h 1396047"/>
+                <a:gd name="connsiteX5" fmla="*/ 0 w 3651985"/>
+                <a:gd name="connsiteY5" fmla="*/ 362584 h 1396047"/>
+                <a:gd name="connsiteX6" fmla="*/ 1823402 w 3651985"/>
+                <a:gd name="connsiteY6" fmla="*/ 0 h 1396047"/>
+                <a:gd name="connsiteX0" fmla="*/ 1823402 w 3652067"/>
+                <a:gd name="connsiteY0" fmla="*/ 0 h 1396047"/>
+                <a:gd name="connsiteX1" fmla="*/ 3651885 w 3652067"/>
+                <a:gd name="connsiteY1" fmla="*/ 366077 h 1396047"/>
+                <a:gd name="connsiteX2" fmla="*/ 3644583 w 3652067"/>
+                <a:gd name="connsiteY2" fmla="*/ 1038223 h 1396047"/>
+                <a:gd name="connsiteX3" fmla="*/ 1835151 w 3652067"/>
+                <a:gd name="connsiteY3" fmla="*/ 1396047 h 1396047"/>
+                <a:gd name="connsiteX4" fmla="*/ 3493 w 3652067"/>
+                <a:gd name="connsiteY4" fmla="*/ 1041717 h 1396047"/>
+                <a:gd name="connsiteX5" fmla="*/ 0 w 3652067"/>
+                <a:gd name="connsiteY5" fmla="*/ 362584 h 1396047"/>
+                <a:gd name="connsiteX6" fmla="*/ 1823402 w 3652067"/>
+                <a:gd name="connsiteY6" fmla="*/ 0 h 1396047"/>
+                <a:gd name="connsiteX0" fmla="*/ 1823402 w 3652067"/>
+                <a:gd name="connsiteY0" fmla="*/ 0 h 1397634"/>
+                <a:gd name="connsiteX1" fmla="*/ 3651885 w 3652067"/>
+                <a:gd name="connsiteY1" fmla="*/ 366077 h 1397634"/>
+                <a:gd name="connsiteX2" fmla="*/ 3644583 w 3652067"/>
+                <a:gd name="connsiteY2" fmla="*/ 1038223 h 1397634"/>
+                <a:gd name="connsiteX3" fmla="*/ 1830389 w 3652067"/>
+                <a:gd name="connsiteY3" fmla="*/ 1397634 h 1397634"/>
+                <a:gd name="connsiteX4" fmla="*/ 3493 w 3652067"/>
+                <a:gd name="connsiteY4" fmla="*/ 1041717 h 1397634"/>
+                <a:gd name="connsiteX5" fmla="*/ 0 w 3652067"/>
+                <a:gd name="connsiteY5" fmla="*/ 362584 h 1397634"/>
+                <a:gd name="connsiteX6" fmla="*/ 1823402 w 3652067"/>
+                <a:gd name="connsiteY6" fmla="*/ 0 h 1397634"/>
+                <a:gd name="connsiteX0" fmla="*/ 1832691 w 3661356"/>
+                <a:gd name="connsiteY0" fmla="*/ 0 h 1397634"/>
+                <a:gd name="connsiteX1" fmla="*/ 3661174 w 3661356"/>
+                <a:gd name="connsiteY1" fmla="*/ 366077 h 1397634"/>
+                <a:gd name="connsiteX2" fmla="*/ 3653872 w 3661356"/>
+                <a:gd name="connsiteY2" fmla="*/ 1038223 h 1397634"/>
+                <a:gd name="connsiteX3" fmla="*/ 1839678 w 3661356"/>
+                <a:gd name="connsiteY3" fmla="*/ 1397634 h 1397634"/>
+                <a:gd name="connsiteX4" fmla="*/ 82 w 3661356"/>
+                <a:gd name="connsiteY4" fmla="*/ 1040129 h 1397634"/>
+                <a:gd name="connsiteX5" fmla="*/ 9289 w 3661356"/>
+                <a:gd name="connsiteY5" fmla="*/ 362584 h 1397634"/>
+                <a:gd name="connsiteX6" fmla="*/ 1832691 w 3661356"/>
+                <a:gd name="connsiteY6" fmla="*/ 0 h 1397634"/>
+                <a:gd name="connsiteX0" fmla="*/ 1832780 w 3661445"/>
+                <a:gd name="connsiteY0" fmla="*/ 0 h 1397634"/>
+                <a:gd name="connsiteX1" fmla="*/ 3661263 w 3661445"/>
+                <a:gd name="connsiteY1" fmla="*/ 366077 h 1397634"/>
+                <a:gd name="connsiteX2" fmla="*/ 3653961 w 3661445"/>
+                <a:gd name="connsiteY2" fmla="*/ 1038223 h 1397634"/>
+                <a:gd name="connsiteX3" fmla="*/ 1839767 w 3661445"/>
+                <a:gd name="connsiteY3" fmla="*/ 1397634 h 1397634"/>
+                <a:gd name="connsiteX4" fmla="*/ 171 w 3661445"/>
+                <a:gd name="connsiteY4" fmla="*/ 1040129 h 1397634"/>
+                <a:gd name="connsiteX5" fmla="*/ 3028 w 3661445"/>
+                <a:gd name="connsiteY5" fmla="*/ 362584 h 1397634"/>
+                <a:gd name="connsiteX6" fmla="*/ 1832780 w 3661445"/>
+                <a:gd name="connsiteY6" fmla="*/ 0 h 1397634"/>
+                <a:gd name="connsiteX0" fmla="*/ 1832780 w 3653961"/>
+                <a:gd name="connsiteY0" fmla="*/ 0 h 1397634"/>
+                <a:gd name="connsiteX1" fmla="*/ 3653326 w 3653961"/>
+                <a:gd name="connsiteY1" fmla="*/ 366077 h 1397634"/>
+                <a:gd name="connsiteX2" fmla="*/ 3653961 w 3653961"/>
+                <a:gd name="connsiteY2" fmla="*/ 1038223 h 1397634"/>
+                <a:gd name="connsiteX3" fmla="*/ 1839767 w 3653961"/>
+                <a:gd name="connsiteY3" fmla="*/ 1397634 h 1397634"/>
+                <a:gd name="connsiteX4" fmla="*/ 171 w 3653961"/>
+                <a:gd name="connsiteY4" fmla="*/ 1040129 h 1397634"/>
+                <a:gd name="connsiteX5" fmla="*/ 3028 w 3653961"/>
+                <a:gd name="connsiteY5" fmla="*/ 362584 h 1397634"/>
+                <a:gd name="connsiteX6" fmla="*/ 1832780 w 3653961"/>
+                <a:gd name="connsiteY6" fmla="*/ 0 h 1397634"/>
+              </a:gdLst>
+              <a:ahLst/>
+              <a:cxnLst>
+                <a:cxn ang="0">
+                  <a:pos x="connsiteX0" y="connsiteY0"/>
+                </a:cxn>
+                <a:cxn ang="0">
+                  <a:pos x="connsiteX1" y="connsiteY1"/>
+                </a:cxn>
+                <a:cxn ang="0">
+                  <a:pos x="connsiteX2" y="connsiteY2"/>
+                </a:cxn>
+                <a:cxn ang="0">
+                  <a:pos x="connsiteX3" y="connsiteY3"/>
+                </a:cxn>
+                <a:cxn ang="0">
+                  <a:pos x="connsiteX4" y="connsiteY4"/>
+                </a:cxn>
+                <a:cxn ang="0">
+                  <a:pos x="connsiteX5" y="connsiteY5"/>
+                </a:cxn>
+                <a:cxn ang="0">
+                  <a:pos x="connsiteX6" y="connsiteY6"/>
+                </a:cxn>
+              </a:cxnLst>
+              <a:rect l="l" t="t" r="r" b="b"/>
+              <a:pathLst>
+                <a:path w="3653961" h="1397634">
+                  <a:moveTo>
+                    <a:pt x="1832780" y="0"/>
+                  </a:moveTo>
+                  <a:lnTo>
+                    <a:pt x="3653326" y="366077"/>
+                  </a:lnTo>
+                  <a:cubicBezTo>
+                    <a:pt x="3655019" y="594677"/>
+                    <a:pt x="3652268" y="809623"/>
+                    <a:pt x="3653961" y="1038223"/>
+                  </a:cubicBezTo>
+                  <a:lnTo>
+                    <a:pt x="1839767" y="1397634"/>
+                  </a:lnTo>
+                  <a:lnTo>
+                    <a:pt x="171" y="1040129"/>
+                  </a:lnTo>
+                  <a:cubicBezTo>
+                    <a:pt x="-993" y="811635"/>
+                    <a:pt x="4192" y="591078"/>
+                    <a:pt x="3028" y="362584"/>
+                  </a:cubicBezTo>
+                  <a:lnTo>
+                    <a:pt x="1832780" y="0"/>
+                  </a:lnTo>
+                  <a:close/>
+                </a:path>
+              </a:pathLst>
+            </a:custGeom>
+            <a:solidFill>
+              <a:srgbClr val="475281">
+                <a:alpha val="29804"/>
+              </a:srgbClr>
+            </a:solidFill>
+          </p:spPr>
+          <p:style>
+            <a:lnRef idx="2">
+              <a:schemeClr val="accent1">
+                <a:shade val="15000"/>
+              </a:schemeClr>
+            </a:lnRef>
+            <a:fillRef idx="1">
+              <a:schemeClr val="accent1"/>
+            </a:fillRef>
+            <a:effectRef idx="0">
+              <a:schemeClr val="accent1"/>
+            </a:effectRef>
+            <a:fontRef idx="minor">
+              <a:schemeClr val="lt1"/>
+            </a:fontRef>
+          </p:style>
+          <p:txBody>
+            <a:bodyPr rtlCol="0" anchor="ctr"/>
+            <a:lstStyle/>
+            <a:p>
+              <a:pPr algn="ctr"/>
+              <a:endParaRPr lang="en-SG" sz="1801" dirty="0"/>
+            </a:p>
+          </p:txBody>
+        </p:sp>
+        <p:grpSp>
+          <p:nvGrpSpPr>
+            <p:cNvPr id="15" name="Group 14">
+              <a:extLst>
+                <a:ext uri="{FF2B5EF4-FFF2-40B4-BE49-F238E27FC236}">
+                  <a16:creationId xmlns:a16="http://schemas.microsoft.com/office/drawing/2014/main" id="{C7581FC7-BEE2-D7FF-365C-89AA4B215E9C}"/>
+                </a:ext>
+              </a:extLst>
+            </p:cNvPr>
+            <p:cNvGrpSpPr/>
+            <p:nvPr/>
+          </p:nvGrpSpPr>
+          <p:grpSpPr>
+            <a:xfrm>
+              <a:off x="1031400" y="1514326"/>
+              <a:ext cx="3654000" cy="1334956"/>
+              <a:chOff x="1031400" y="1514326"/>
+              <a:chExt cx="3654000" cy="1334956"/>
+            </a:xfrm>
+          </p:grpSpPr>
+          <p:cxnSp>
+            <p:nvCxnSpPr>
+              <p:cNvPr id="66" name="Straight Connector 65">
+                <a:extLst>
+                  <a:ext uri="{FF2B5EF4-FFF2-40B4-BE49-F238E27FC236}">
+                    <a16:creationId xmlns:a16="http://schemas.microsoft.com/office/drawing/2014/main" id="{6B5816AB-09D9-260A-7CAB-7E58555DCA5B}"/>
+                  </a:ext>
+                </a:extLst>
+              </p:cNvPr>
+              <p:cNvCxnSpPr>
+                <a:cxnSpLocks/>
+                <a:stCxn id="37" idx="5"/>
+                <a:endCxn id="60" idx="2"/>
+              </p:cNvCxnSpPr>
+              <p:nvPr/>
+            </p:nvCxnSpPr>
+            <p:spPr>
+              <a:xfrm>
+                <a:off x="3018954" y="1514326"/>
+                <a:ext cx="1441446" cy="287988"/>
+              </a:xfrm>
+              <a:prstGeom prst="line">
+                <a:avLst/>
+              </a:prstGeom>
+              <a:ln w="12700">
+                <a:solidFill>
+                  <a:srgbClr val="9F979F"/>
+                </a:solidFill>
+              </a:ln>
+            </p:spPr>
+            <p:style>
+              <a:lnRef idx="1">
+                <a:schemeClr val="accent1"/>
+              </a:lnRef>
+              <a:fillRef idx="0">
+                <a:schemeClr val="accent1"/>
+              </a:fillRef>
+              <a:effectRef idx="0">
+                <a:schemeClr val="accent1"/>
+              </a:effectRef>
+              <a:fontRef idx="minor">
+                <a:schemeClr val="tx1"/>
+              </a:fontRef>
+            </p:style>
+          </p:cxnSp>
+          <p:cxnSp>
+            <p:nvCxnSpPr>
+              <p:cNvPr id="71" name="Straight Connector 70">
+                <a:extLst>
+                  <a:ext uri="{FF2B5EF4-FFF2-40B4-BE49-F238E27FC236}">
+                    <a16:creationId xmlns:a16="http://schemas.microsoft.com/office/drawing/2014/main" id="{4673802F-A6B3-53EF-A77B-ED41659659A5}"/>
+                  </a:ext>
+                </a:extLst>
+              </p:cNvPr>
+              <p:cNvCxnSpPr>
+                <a:cxnSpLocks/>
+                <a:stCxn id="37" idx="3"/>
+                <a:endCxn id="64" idx="6"/>
+              </p:cNvCxnSpPr>
+              <p:nvPr/>
+            </p:nvCxnSpPr>
+            <p:spPr>
+              <a:xfrm flipH="1">
+                <a:off x="1256400" y="1514326"/>
+                <a:ext cx="1444356" cy="287988"/>
+              </a:xfrm>
+              <a:prstGeom prst="line">
+                <a:avLst/>
+              </a:prstGeom>
+              <a:ln w="12700">
+                <a:solidFill>
+                  <a:srgbClr val="9F979F"/>
+                </a:solidFill>
+              </a:ln>
+            </p:spPr>
+            <p:style>
+              <a:lnRef idx="1">
+                <a:schemeClr val="accent1"/>
+              </a:lnRef>
+              <a:fillRef idx="0">
+                <a:schemeClr val="accent1"/>
+              </a:fillRef>
+              <a:effectRef idx="0">
+                <a:schemeClr val="accent1"/>
+              </a:effectRef>
+              <a:fontRef idx="minor">
+                <a:schemeClr val="tx1"/>
+              </a:fontRef>
+            </p:style>
+          </p:cxnSp>
+          <p:cxnSp>
+            <p:nvCxnSpPr>
+              <p:cNvPr id="73" name="Straight Connector 72">
+                <a:extLst>
+                  <a:ext uri="{FF2B5EF4-FFF2-40B4-BE49-F238E27FC236}">
+                    <a16:creationId xmlns:a16="http://schemas.microsoft.com/office/drawing/2014/main" id="{3DFDFB89-4011-4933-40C9-3A706C5B145E}"/>
+                  </a:ext>
+                </a:extLst>
+              </p:cNvPr>
+              <p:cNvCxnSpPr>
+                <a:cxnSpLocks/>
+                <a:stCxn id="64" idx="4"/>
+                <a:endCxn id="63" idx="0"/>
+              </p:cNvCxnSpPr>
+              <p:nvPr/>
+            </p:nvCxnSpPr>
+            <p:spPr>
+              <a:xfrm>
+                <a:off x="1031400" y="2027314"/>
+                <a:ext cx="0" cy="313332"/>
+              </a:xfrm>
+              <a:prstGeom prst="line">
+                <a:avLst/>
+              </a:prstGeom>
+              <a:ln w="12700">
+                <a:solidFill>
+                  <a:srgbClr val="9F979F"/>
+                </a:solidFill>
+              </a:ln>
+            </p:spPr>
+            <p:style>
+              <a:lnRef idx="1">
+                <a:schemeClr val="accent1"/>
+              </a:lnRef>
+              <a:fillRef idx="0">
+                <a:schemeClr val="accent1"/>
+              </a:fillRef>
+              <a:effectRef idx="0">
+                <a:schemeClr val="accent1"/>
+              </a:effectRef>
+              <a:fontRef idx="minor">
+                <a:schemeClr val="tx1"/>
+              </a:fontRef>
+            </p:style>
+          </p:cxnSp>
+          <p:cxnSp>
+            <p:nvCxnSpPr>
+              <p:cNvPr id="77" name="Straight Connector 76">
+                <a:extLst>
+                  <a:ext uri="{FF2B5EF4-FFF2-40B4-BE49-F238E27FC236}">
+                    <a16:creationId xmlns:a16="http://schemas.microsoft.com/office/drawing/2014/main" id="{E3AB7C48-93B5-71B6-D34C-1067AD46BA67}"/>
+                  </a:ext>
+                </a:extLst>
+              </p:cNvPr>
+              <p:cNvCxnSpPr>
+                <a:cxnSpLocks/>
+                <a:stCxn id="63" idx="6"/>
+                <a:endCxn id="62" idx="1"/>
+              </p:cNvCxnSpPr>
+              <p:nvPr/>
+            </p:nvCxnSpPr>
+            <p:spPr>
+              <a:xfrm>
+                <a:off x="1256400" y="2565646"/>
+                <a:ext cx="1444356" cy="283636"/>
+              </a:xfrm>
+              <a:prstGeom prst="line">
+                <a:avLst/>
+              </a:prstGeom>
+              <a:ln w="12700">
+                <a:solidFill>
+                  <a:srgbClr val="9F979F"/>
+                </a:solidFill>
+              </a:ln>
+            </p:spPr>
+            <p:style>
+              <a:lnRef idx="1">
+                <a:schemeClr val="accent1"/>
+              </a:lnRef>
+              <a:fillRef idx="0">
+                <a:schemeClr val="accent1"/>
+              </a:fillRef>
+              <a:effectRef idx="0">
+                <a:schemeClr val="accent1"/>
+              </a:effectRef>
+              <a:fontRef idx="minor">
+                <a:schemeClr val="tx1"/>
+              </a:fontRef>
+            </p:style>
+          </p:cxnSp>
+          <p:cxnSp>
+            <p:nvCxnSpPr>
+              <p:cNvPr id="79" name="Straight Connector 78">
+                <a:extLst>
+                  <a:ext uri="{FF2B5EF4-FFF2-40B4-BE49-F238E27FC236}">
+                    <a16:creationId xmlns:a16="http://schemas.microsoft.com/office/drawing/2014/main" id="{160C110F-5CA8-B16C-70C3-9509C7A16C01}"/>
+                  </a:ext>
+                </a:extLst>
+              </p:cNvPr>
+              <p:cNvCxnSpPr>
+                <a:cxnSpLocks/>
+                <a:stCxn id="62" idx="7"/>
+                <a:endCxn id="61" idx="2"/>
+              </p:cNvCxnSpPr>
+              <p:nvPr/>
+            </p:nvCxnSpPr>
+            <p:spPr>
+              <a:xfrm flipV="1">
+                <a:off x="3018954" y="2565000"/>
+                <a:ext cx="1441446" cy="284282"/>
+              </a:xfrm>
+              <a:prstGeom prst="line">
+                <a:avLst/>
+              </a:prstGeom>
+              <a:ln w="12700">
+                <a:solidFill>
+                  <a:srgbClr val="9F979F"/>
+                </a:solidFill>
+              </a:ln>
+            </p:spPr>
+            <p:style>
+              <a:lnRef idx="1">
+                <a:schemeClr val="accent1"/>
+              </a:lnRef>
+              <a:fillRef idx="0">
+                <a:schemeClr val="accent1"/>
+              </a:fillRef>
+              <a:effectRef idx="0">
+                <a:schemeClr val="accent1"/>
+              </a:effectRef>
+              <a:fontRef idx="minor">
+                <a:schemeClr val="tx1"/>
+              </a:fontRef>
+            </p:style>
+          </p:cxnSp>
+          <p:cxnSp>
+            <p:nvCxnSpPr>
+              <p:cNvPr id="82" name="Straight Connector 81">
+                <a:extLst>
+                  <a:ext uri="{FF2B5EF4-FFF2-40B4-BE49-F238E27FC236}">
+                    <a16:creationId xmlns:a16="http://schemas.microsoft.com/office/drawing/2014/main" id="{8B4749C5-01F8-874D-6EB3-726BE405F87F}"/>
+                  </a:ext>
+                </a:extLst>
+              </p:cNvPr>
+              <p:cNvCxnSpPr>
+                <a:cxnSpLocks/>
+                <a:stCxn id="61" idx="0"/>
+                <a:endCxn id="60" idx="4"/>
+              </p:cNvCxnSpPr>
+              <p:nvPr/>
+            </p:nvCxnSpPr>
+            <p:spPr>
+              <a:xfrm flipV="1">
+                <a:off x="4685400" y="2027314"/>
+                <a:ext cx="0" cy="312686"/>
+              </a:xfrm>
+              <a:prstGeom prst="line">
+                <a:avLst/>
+              </a:prstGeom>
+              <a:ln w="12700">
+                <a:solidFill>
+                  <a:srgbClr val="9F979F"/>
+                </a:solidFill>
+              </a:ln>
+            </p:spPr>
+            <p:style>
+              <a:lnRef idx="1">
+                <a:schemeClr val="accent1"/>
+              </a:lnRef>
+              <a:fillRef idx="0">
+                <a:schemeClr val="accent1"/>
+              </a:fillRef>
+              <a:effectRef idx="0">
+                <a:schemeClr val="accent1"/>
+              </a:effectRef>
+              <a:fontRef idx="minor">
+                <a:schemeClr val="tx1"/>
+              </a:fontRef>
+            </p:style>
+          </p:cxnSp>
+        </p:grpSp>
+        <p:grpSp>
+          <p:nvGrpSpPr>
+            <p:cNvPr id="14" name="Group 13">
+              <a:extLst>
+                <a:ext uri="{FF2B5EF4-FFF2-40B4-BE49-F238E27FC236}">
+                  <a16:creationId xmlns:a16="http://schemas.microsoft.com/office/drawing/2014/main" id="{2D0999AE-677C-7E69-313C-3ED11A8AF07B}"/>
+                </a:ext>
+              </a:extLst>
+            </p:cNvPr>
+            <p:cNvGrpSpPr/>
+            <p:nvPr/>
+          </p:nvGrpSpPr>
+          <p:grpSpPr>
+            <a:xfrm>
+              <a:off x="573146" y="550711"/>
+              <a:ext cx="4569454" cy="825175"/>
+              <a:chOff x="573146" y="550711"/>
+              <a:chExt cx="4569454" cy="825175"/>
+            </a:xfrm>
+          </p:grpSpPr>
+          <p:cxnSp>
+            <p:nvCxnSpPr>
+              <p:cNvPr id="41" name="Straight Connector 40">
+                <a:extLst>
+                  <a:ext uri="{FF2B5EF4-FFF2-40B4-BE49-F238E27FC236}">
+                    <a16:creationId xmlns:a16="http://schemas.microsoft.com/office/drawing/2014/main" id="{915204B8-0488-196B-2151-F7B7BB34BF27}"/>
+                  </a:ext>
+                </a:extLst>
+              </p:cNvPr>
+              <p:cNvCxnSpPr>
+                <a:cxnSpLocks/>
+              </p:cNvCxnSpPr>
+              <p:nvPr/>
+            </p:nvCxnSpPr>
+            <p:spPr>
+              <a:xfrm>
+                <a:off x="573146" y="550711"/>
+                <a:ext cx="2289101" cy="817710"/>
+              </a:xfrm>
+              <a:prstGeom prst="line">
+                <a:avLst/>
+              </a:prstGeom>
+              <a:ln w="12700">
+                <a:solidFill>
+                  <a:srgbClr val="9F979F"/>
+                </a:solidFill>
+              </a:ln>
+            </p:spPr>
+            <p:style>
+              <a:lnRef idx="1">
+                <a:schemeClr val="accent1"/>
+              </a:lnRef>
+              <a:fillRef idx="0">
+                <a:schemeClr val="accent1"/>
+              </a:fillRef>
+              <a:effectRef idx="0">
+                <a:schemeClr val="accent1"/>
+              </a:effectRef>
+              <a:fontRef idx="minor">
+                <a:schemeClr val="tx1"/>
+              </a:fontRef>
+            </p:style>
+          </p:cxnSp>
+          <p:cxnSp>
+            <p:nvCxnSpPr>
+              <p:cNvPr id="45" name="Straight Connector 44">
+                <a:extLst>
+                  <a:ext uri="{FF2B5EF4-FFF2-40B4-BE49-F238E27FC236}">
+                    <a16:creationId xmlns:a16="http://schemas.microsoft.com/office/drawing/2014/main" id="{57C150BE-01A7-CF98-ED8D-DDA532D14884}"/>
+                  </a:ext>
+                </a:extLst>
+              </p:cNvPr>
+              <p:cNvCxnSpPr>
+                <a:cxnSpLocks/>
+              </p:cNvCxnSpPr>
+              <p:nvPr/>
+            </p:nvCxnSpPr>
+            <p:spPr>
+              <a:xfrm>
+                <a:off x="1485571" y="580520"/>
+                <a:ext cx="1394877" cy="795366"/>
+              </a:xfrm>
+              <a:prstGeom prst="line">
+                <a:avLst/>
+              </a:prstGeom>
+              <a:ln w="12700">
+                <a:solidFill>
+                  <a:srgbClr val="9F979F"/>
+                </a:solidFill>
+              </a:ln>
+            </p:spPr>
+            <p:style>
+              <a:lnRef idx="1">
+                <a:schemeClr val="accent1"/>
+              </a:lnRef>
+              <a:fillRef idx="0">
+                <a:schemeClr val="accent1"/>
+              </a:fillRef>
+              <a:effectRef idx="0">
+                <a:schemeClr val="accent1"/>
+              </a:effectRef>
+              <a:fontRef idx="minor">
+                <a:schemeClr val="tx1"/>
+              </a:fontRef>
+            </p:style>
+          </p:cxnSp>
+          <p:cxnSp>
+            <p:nvCxnSpPr>
+              <p:cNvPr id="48" name="Straight Connector 47">
+                <a:extLst>
+                  <a:ext uri="{FF2B5EF4-FFF2-40B4-BE49-F238E27FC236}">
+                    <a16:creationId xmlns:a16="http://schemas.microsoft.com/office/drawing/2014/main" id="{2946B45E-6157-3BB5-E2B8-E3BD7E9B64F1}"/>
+                  </a:ext>
+                </a:extLst>
+              </p:cNvPr>
+              <p:cNvCxnSpPr>
+                <a:cxnSpLocks/>
+              </p:cNvCxnSpPr>
+              <p:nvPr/>
+            </p:nvCxnSpPr>
+            <p:spPr>
+              <a:xfrm>
+                <a:off x="2392922" y="580520"/>
+                <a:ext cx="462235" cy="787901"/>
+              </a:xfrm>
+              <a:prstGeom prst="line">
+                <a:avLst/>
+              </a:prstGeom>
+              <a:ln w="12700">
+                <a:solidFill>
+                  <a:srgbClr val="9F979F"/>
+                </a:solidFill>
+              </a:ln>
+            </p:spPr>
+            <p:style>
+              <a:lnRef idx="1">
+                <a:schemeClr val="accent1"/>
+              </a:lnRef>
+              <a:fillRef idx="0">
+                <a:schemeClr val="accent1"/>
+              </a:fillRef>
+              <a:effectRef idx="0">
+                <a:schemeClr val="accent1"/>
+              </a:effectRef>
+              <a:fontRef idx="minor">
+                <a:schemeClr val="tx1"/>
+              </a:fontRef>
+            </p:style>
+          </p:cxnSp>
+          <p:cxnSp>
+            <p:nvCxnSpPr>
+              <p:cNvPr id="50" name="Straight Connector 49">
+                <a:extLst>
+                  <a:ext uri="{FF2B5EF4-FFF2-40B4-BE49-F238E27FC236}">
+                    <a16:creationId xmlns:a16="http://schemas.microsoft.com/office/drawing/2014/main" id="{30915596-1A0E-01A6-73A8-D877BD4455E3}"/>
+                  </a:ext>
+                </a:extLst>
+              </p:cNvPr>
+              <p:cNvCxnSpPr>
+                <a:cxnSpLocks/>
+              </p:cNvCxnSpPr>
+              <p:nvPr/>
+            </p:nvCxnSpPr>
+            <p:spPr>
+              <a:xfrm flipH="1">
+                <a:off x="2865240" y="577129"/>
+                <a:ext cx="451255" cy="776690"/>
+              </a:xfrm>
+              <a:prstGeom prst="line">
+                <a:avLst/>
+              </a:prstGeom>
+              <a:ln w="12700">
+                <a:solidFill>
+                  <a:srgbClr val="9F979F"/>
+                </a:solidFill>
+              </a:ln>
+            </p:spPr>
+            <p:style>
+              <a:lnRef idx="1">
+                <a:schemeClr val="accent1"/>
+              </a:lnRef>
+              <a:fillRef idx="0">
+                <a:schemeClr val="accent1"/>
+              </a:fillRef>
+              <a:effectRef idx="0">
+                <a:schemeClr val="accent1"/>
+              </a:effectRef>
+              <a:fontRef idx="minor">
+                <a:schemeClr val="tx1"/>
+              </a:fontRef>
+            </p:style>
+          </p:cxnSp>
+          <p:cxnSp>
+            <p:nvCxnSpPr>
+              <p:cNvPr id="57" name="Straight Connector 56">
+                <a:extLst>
+                  <a:ext uri="{FF2B5EF4-FFF2-40B4-BE49-F238E27FC236}">
+                    <a16:creationId xmlns:a16="http://schemas.microsoft.com/office/drawing/2014/main" id="{05D3CBBF-54B8-E006-2E56-ED4236E144FC}"/>
+                  </a:ext>
+                </a:extLst>
+              </p:cNvPr>
+              <p:cNvCxnSpPr>
+                <a:cxnSpLocks/>
+              </p:cNvCxnSpPr>
+              <p:nvPr/>
+            </p:nvCxnSpPr>
+            <p:spPr>
+              <a:xfrm flipH="1">
+                <a:off x="2851560" y="559609"/>
+                <a:ext cx="1378615" cy="800675"/>
+              </a:xfrm>
+              <a:prstGeom prst="line">
+                <a:avLst/>
+              </a:prstGeom>
+              <a:ln w="12700">
+                <a:solidFill>
+                  <a:srgbClr val="9F979F"/>
+                </a:solidFill>
+              </a:ln>
+            </p:spPr>
+            <p:style>
+              <a:lnRef idx="1">
+                <a:schemeClr val="accent1"/>
+              </a:lnRef>
+              <a:fillRef idx="0">
+                <a:schemeClr val="accent1"/>
+              </a:fillRef>
+              <a:effectRef idx="0">
+                <a:schemeClr val="accent1"/>
+              </a:effectRef>
+              <a:fontRef idx="minor">
+                <a:schemeClr val="tx1"/>
+              </a:fontRef>
+            </p:style>
+          </p:cxnSp>
+          <p:cxnSp>
+            <p:nvCxnSpPr>
+              <p:cNvPr id="59" name="Straight Connector 58">
+                <a:extLst>
+                  <a:ext uri="{FF2B5EF4-FFF2-40B4-BE49-F238E27FC236}">
+                    <a16:creationId xmlns:a16="http://schemas.microsoft.com/office/drawing/2014/main" id="{D8F28395-286E-00F9-955F-5BC02B4CB613}"/>
+                  </a:ext>
+                </a:extLst>
+              </p:cNvPr>
+              <p:cNvCxnSpPr>
+                <a:cxnSpLocks/>
+              </p:cNvCxnSpPr>
+              <p:nvPr/>
+            </p:nvCxnSpPr>
+            <p:spPr>
+              <a:xfrm flipH="1">
+                <a:off x="2859855" y="566313"/>
+                <a:ext cx="2282745" cy="793971"/>
+              </a:xfrm>
+              <a:prstGeom prst="line">
+                <a:avLst/>
+              </a:prstGeom>
+              <a:ln w="12700">
+                <a:solidFill>
+                  <a:srgbClr val="9F979F"/>
+                </a:solidFill>
+              </a:ln>
+            </p:spPr>
+            <p:style>
+              <a:lnRef idx="1">
+                <a:schemeClr val="accent1"/>
+              </a:lnRef>
+              <a:fillRef idx="0">
+                <a:schemeClr val="accent1"/>
+              </a:fillRef>
+              <a:effectRef idx="0">
+                <a:schemeClr val="accent1"/>
+              </a:effectRef>
+              <a:fontRef idx="minor">
+                <a:schemeClr val="tx1"/>
+              </a:fontRef>
+            </p:style>
+          </p:cxnSp>
+        </p:grpSp>
+        <p:grpSp>
+          <p:nvGrpSpPr>
+            <p:cNvPr id="20" name="Group 19">
+              <a:extLst>
+                <a:ext uri="{FF2B5EF4-FFF2-40B4-BE49-F238E27FC236}">
+                  <a16:creationId xmlns:a16="http://schemas.microsoft.com/office/drawing/2014/main" id="{6AEB60FA-D876-551A-02E9-4BBD2A7DF61E}"/>
+                </a:ext>
+              </a:extLst>
+            </p:cNvPr>
+            <p:cNvGrpSpPr/>
+            <p:nvPr/>
+          </p:nvGrpSpPr>
+          <p:grpSpPr>
+            <a:xfrm>
+              <a:off x="806400" y="1130227"/>
+              <a:ext cx="4104000" cy="2103154"/>
+              <a:chOff x="806400" y="1130227"/>
+              <a:chExt cx="4104000" cy="2103154"/>
+            </a:xfrm>
+          </p:grpSpPr>
+          <p:sp>
+            <p:nvSpPr>
+              <p:cNvPr id="60" name="Oval 59">
+                <a:extLst>
+                  <a:ext uri="{FF2B5EF4-FFF2-40B4-BE49-F238E27FC236}">
+                    <a16:creationId xmlns:a16="http://schemas.microsoft.com/office/drawing/2014/main" id="{A65E0101-56FA-23B7-2E4C-F52C70312EC9}"/>
+                  </a:ext>
+                </a:extLst>
+              </p:cNvPr>
+              <p:cNvSpPr/>
+              <p:nvPr/>
+            </p:nvSpPr>
+            <p:spPr>
+              <a:xfrm>
+                <a:off x="4460400" y="1577314"/>
+                <a:ext cx="450000" cy="450000"/>
+              </a:xfrm>
+              <a:prstGeom prst="ellipse">
+                <a:avLst/>
+              </a:prstGeom>
+              <a:solidFill>
+                <a:srgbClr val="1C1D20"/>
+              </a:solidFill>
+              <a:ln w="19050">
+                <a:solidFill>
+                  <a:srgbClr val="475281"/>
+                </a:solidFill>
+              </a:ln>
+            </p:spPr>
+            <p:style>
+              <a:lnRef idx="2">
+                <a:schemeClr val="accent1">
+                  <a:shade val="15000"/>
+                </a:schemeClr>
+              </a:lnRef>
+              <a:fillRef idx="1">
+                <a:schemeClr val="accent1"/>
+              </a:fillRef>
+              <a:effectRef idx="0">
+                <a:schemeClr val="accent1"/>
+              </a:effectRef>
+              <a:fontRef idx="minor">
+                <a:schemeClr val="lt1"/>
+              </a:fontRef>
+            </p:style>
+            <p:txBody>
+              <a:bodyPr lIns="36001" tIns="36001" rIns="36001" bIns="36001" rtlCol="0" anchor="ctr"/>
+              <a:lstStyle/>
+              <a:p>
+                <a:pPr algn="ctr"/>
+                <a:r>
+                  <a:rPr lang="en-SG" sz="1199" i="1" dirty="0"/>
+                  <a:t>r</a:t>
+                </a:r>
+              </a:p>
+            </p:txBody>
+          </p:sp>
+          <p:sp>
+            <p:nvSpPr>
+              <p:cNvPr id="61" name="Oval 60">
+                <a:extLst>
+                  <a:ext uri="{FF2B5EF4-FFF2-40B4-BE49-F238E27FC236}">
+                    <a16:creationId xmlns:a16="http://schemas.microsoft.com/office/drawing/2014/main" id="{E5332B3C-5AD5-4166-CA26-256883998AB5}"/>
+                  </a:ext>
+                </a:extLst>
+              </p:cNvPr>
+              <p:cNvSpPr/>
+              <p:nvPr/>
+            </p:nvSpPr>
+            <p:spPr>
+              <a:xfrm>
+                <a:off x="4460400" y="2340000"/>
+                <a:ext cx="450000" cy="450000"/>
+              </a:xfrm>
+              <a:prstGeom prst="ellipse">
+                <a:avLst/>
+              </a:prstGeom>
+              <a:solidFill>
+                <a:srgbClr val="1C1D20"/>
+              </a:solidFill>
+              <a:ln w="19050">
+                <a:solidFill>
+                  <a:srgbClr val="475281"/>
+                </a:solidFill>
+              </a:ln>
+            </p:spPr>
+            <p:style>
+              <a:lnRef idx="2">
+                <a:schemeClr val="accent1">
+                  <a:shade val="15000"/>
+                </a:schemeClr>
+              </a:lnRef>
+              <a:fillRef idx="1">
+                <a:schemeClr val="accent1"/>
+              </a:fillRef>
+              <a:effectRef idx="0">
+                <a:schemeClr val="accent1"/>
+              </a:effectRef>
+              <a:fontRef idx="minor">
+                <a:schemeClr val="lt1"/>
+              </a:fontRef>
+            </p:style>
+            <p:txBody>
+              <a:bodyPr lIns="36001" tIns="36001" rIns="36001" bIns="36001" rtlCol="0" anchor="ctr"/>
+              <a:lstStyle/>
+              <a:p>
+                <a:pPr algn="ctr"/>
+                <a:r>
+                  <a:rPr lang="en-SG" sz="1199" i="1" dirty="0"/>
+                  <a:t>r</a:t>
+                </a:r>
+                <a:r>
+                  <a:rPr lang="en-SG" sz="1199" i="1" baseline="30000" dirty="0"/>
+                  <a:t>2</a:t>
+                </a:r>
+              </a:p>
+            </p:txBody>
+          </p:sp>
+          <p:sp>
+            <p:nvSpPr>
+              <p:cNvPr id="62" name="Oval 61">
+                <a:extLst>
+                  <a:ext uri="{FF2B5EF4-FFF2-40B4-BE49-F238E27FC236}">
+                    <a16:creationId xmlns:a16="http://schemas.microsoft.com/office/drawing/2014/main" id="{094245E9-C0FA-16D7-50F1-9F8DE90B9BEA}"/>
+                  </a:ext>
+                </a:extLst>
+              </p:cNvPr>
+              <p:cNvSpPr/>
+              <p:nvPr/>
+            </p:nvSpPr>
+            <p:spPr>
+              <a:xfrm>
+                <a:off x="2634855" y="2783381"/>
+                <a:ext cx="450000" cy="450000"/>
+              </a:xfrm>
+              <a:prstGeom prst="ellipse">
+                <a:avLst/>
+              </a:prstGeom>
+              <a:solidFill>
+                <a:srgbClr val="1C1D20"/>
+              </a:solidFill>
+              <a:ln w="19050">
+                <a:solidFill>
+                  <a:srgbClr val="475281"/>
+                </a:solidFill>
+              </a:ln>
+            </p:spPr>
+            <p:style>
+              <a:lnRef idx="2">
+                <a:schemeClr val="accent1">
+                  <a:shade val="15000"/>
+                </a:schemeClr>
+              </a:lnRef>
+              <a:fillRef idx="1">
+                <a:schemeClr val="accent1"/>
+              </a:fillRef>
+              <a:effectRef idx="0">
+                <a:schemeClr val="accent1"/>
+              </a:effectRef>
+              <a:fontRef idx="minor">
+                <a:schemeClr val="lt1"/>
+              </a:fontRef>
+            </p:style>
+            <p:txBody>
+              <a:bodyPr lIns="36001" tIns="36001" rIns="36001" bIns="36001" rtlCol="0" anchor="ctr"/>
+              <a:lstStyle/>
+              <a:p>
+                <a:pPr algn="ctr"/>
+                <a:r>
+                  <a:rPr lang="en-SG" sz="1199" i="1" dirty="0"/>
+                  <a:t>r</a:t>
+                </a:r>
+                <a:r>
+                  <a:rPr lang="en-SG" sz="1199" i="1" baseline="30000" dirty="0"/>
+                  <a:t>3</a:t>
+                </a:r>
+              </a:p>
+            </p:txBody>
+          </p:sp>
+          <p:sp>
+            <p:nvSpPr>
+              <p:cNvPr id="63" name="Oval 62">
+                <a:extLst>
+                  <a:ext uri="{FF2B5EF4-FFF2-40B4-BE49-F238E27FC236}">
+                    <a16:creationId xmlns:a16="http://schemas.microsoft.com/office/drawing/2014/main" id="{44C4C3EE-D09B-8D4F-1D26-D86849440652}"/>
+                  </a:ext>
+                </a:extLst>
+              </p:cNvPr>
+              <p:cNvSpPr/>
+              <p:nvPr/>
+            </p:nvSpPr>
+            <p:spPr>
+              <a:xfrm>
+                <a:off x="806400" y="2340646"/>
+                <a:ext cx="450000" cy="450000"/>
+              </a:xfrm>
+              <a:prstGeom prst="ellipse">
+                <a:avLst/>
+              </a:prstGeom>
+              <a:solidFill>
+                <a:srgbClr val="1C1D20"/>
+              </a:solidFill>
+              <a:ln w="19050">
+                <a:solidFill>
+                  <a:srgbClr val="475281"/>
+                </a:solidFill>
+              </a:ln>
+            </p:spPr>
+            <p:style>
+              <a:lnRef idx="2">
+                <a:schemeClr val="accent1">
+                  <a:shade val="15000"/>
+                </a:schemeClr>
+              </a:lnRef>
+              <a:fillRef idx="1">
+                <a:schemeClr val="accent1"/>
+              </a:fillRef>
+              <a:effectRef idx="0">
+                <a:schemeClr val="accent1"/>
+              </a:effectRef>
+              <a:fontRef idx="minor">
+                <a:schemeClr val="lt1"/>
+              </a:fontRef>
+            </p:style>
+            <p:txBody>
+              <a:bodyPr lIns="36001" tIns="36001" rIns="36001" bIns="36001" rtlCol="0" anchor="ctr"/>
+              <a:lstStyle/>
+              <a:p>
+                <a:pPr algn="ctr"/>
+                <a:r>
+                  <a:rPr lang="en-SG" sz="1199" i="1" dirty="0"/>
+                  <a:t>r</a:t>
+                </a:r>
+                <a:r>
+                  <a:rPr lang="en-SG" sz="1199" i="1" baseline="30000" dirty="0"/>
+                  <a:t>4</a:t>
+                </a:r>
+              </a:p>
+            </p:txBody>
+          </p:sp>
+          <p:sp>
+            <p:nvSpPr>
+              <p:cNvPr id="64" name="Oval 63">
+                <a:extLst>
+                  <a:ext uri="{FF2B5EF4-FFF2-40B4-BE49-F238E27FC236}">
+                    <a16:creationId xmlns:a16="http://schemas.microsoft.com/office/drawing/2014/main" id="{4B631057-B3D0-44A0-0A98-B06B20C30459}"/>
+                  </a:ext>
+                </a:extLst>
+              </p:cNvPr>
+              <p:cNvSpPr/>
+              <p:nvPr/>
+            </p:nvSpPr>
+            <p:spPr>
+              <a:xfrm>
+                <a:off x="806400" y="1577314"/>
+                <a:ext cx="450000" cy="450000"/>
+              </a:xfrm>
+              <a:prstGeom prst="ellipse">
+                <a:avLst/>
+              </a:prstGeom>
+              <a:solidFill>
+                <a:srgbClr val="1C1D20"/>
+              </a:solidFill>
+              <a:ln w="19050">
+                <a:solidFill>
+                  <a:srgbClr val="475281"/>
+                </a:solidFill>
+              </a:ln>
+            </p:spPr>
+            <p:style>
+              <a:lnRef idx="2">
+                <a:schemeClr val="accent1">
+                  <a:shade val="15000"/>
+                </a:schemeClr>
+              </a:lnRef>
+              <a:fillRef idx="1">
+                <a:schemeClr val="accent1"/>
+              </a:fillRef>
+              <a:effectRef idx="0">
+                <a:schemeClr val="accent1"/>
+              </a:effectRef>
+              <a:fontRef idx="minor">
+                <a:schemeClr val="lt1"/>
+              </a:fontRef>
+            </p:style>
+            <p:txBody>
+              <a:bodyPr lIns="36001" tIns="36001" rIns="36001" bIns="36001" rtlCol="0" anchor="ctr"/>
+              <a:lstStyle/>
+              <a:p>
+                <a:pPr algn="ctr"/>
+                <a:r>
+                  <a:rPr lang="en-SG" sz="1199" i="1" dirty="0"/>
+                  <a:t>r</a:t>
+                </a:r>
+                <a:r>
+                  <a:rPr lang="en-SG" sz="1199" i="1" baseline="30000" dirty="0"/>
+                  <a:t>5</a:t>
+                </a:r>
+              </a:p>
+            </p:txBody>
+          </p:sp>
+          <p:sp>
+            <p:nvSpPr>
+              <p:cNvPr id="37" name="Oval 36">
+                <a:extLst>
+                  <a:ext uri="{FF2B5EF4-FFF2-40B4-BE49-F238E27FC236}">
+                    <a16:creationId xmlns:a16="http://schemas.microsoft.com/office/drawing/2014/main" id="{EEEEFC5D-3D1D-CCA7-F066-A16DDBCCFE78}"/>
+                  </a:ext>
+                </a:extLst>
+              </p:cNvPr>
+              <p:cNvSpPr/>
+              <p:nvPr/>
+            </p:nvSpPr>
+            <p:spPr>
+              <a:xfrm>
+                <a:off x="2634855" y="1130227"/>
+                <a:ext cx="450000" cy="450000"/>
+              </a:xfrm>
+              <a:prstGeom prst="ellipse">
+                <a:avLst/>
+              </a:prstGeom>
+              <a:solidFill>
+                <a:srgbClr val="1C1D20"/>
+              </a:solidFill>
+              <a:ln w="19050">
+                <a:solidFill>
+                  <a:srgbClr val="475281"/>
+                </a:solidFill>
+              </a:ln>
+            </p:spPr>
+            <p:style>
+              <a:lnRef idx="2">
+                <a:schemeClr val="accent1">
+                  <a:shade val="15000"/>
+                </a:schemeClr>
+              </a:lnRef>
+              <a:fillRef idx="1">
+                <a:schemeClr val="accent1"/>
+              </a:fillRef>
+              <a:effectRef idx="0">
+                <a:schemeClr val="accent1"/>
+              </a:effectRef>
+              <a:fontRef idx="minor">
+                <a:schemeClr val="lt1"/>
+              </a:fontRef>
+            </p:style>
+            <p:txBody>
+              <a:bodyPr lIns="36001" tIns="36001" rIns="36001" bIns="36001" rtlCol="0" anchor="ctr"/>
+              <a:lstStyle/>
+              <a:p>
+                <a:pPr algn="ctr"/>
+                <a:r>
+                  <a:rPr lang="en-SG" sz="1199" i="1" dirty="0"/>
+                  <a:t>e</a:t>
+                </a:r>
+              </a:p>
+            </p:txBody>
+          </p:sp>
+        </p:grpSp>
+        <p:grpSp>
+          <p:nvGrpSpPr>
+            <p:cNvPr id="16" name="Group 15">
+              <a:extLst>
+                <a:ext uri="{FF2B5EF4-FFF2-40B4-BE49-F238E27FC236}">
+                  <a16:creationId xmlns:a16="http://schemas.microsoft.com/office/drawing/2014/main" id="{0A4A566E-C639-4687-9237-284476AB35E5}"/>
+                </a:ext>
+              </a:extLst>
+            </p:cNvPr>
+            <p:cNvGrpSpPr/>
+            <p:nvPr/>
+          </p:nvGrpSpPr>
+          <p:grpSpPr>
+            <a:xfrm>
+              <a:off x="349200" y="338400"/>
+              <a:ext cx="5018400" cy="450000"/>
+              <a:chOff x="349200" y="338400"/>
+              <a:chExt cx="5018400" cy="450000"/>
+            </a:xfrm>
+          </p:grpSpPr>
+          <p:sp>
+            <p:nvSpPr>
+              <p:cNvPr id="30" name="Oval 29">
+                <a:extLst>
+                  <a:ext uri="{FF2B5EF4-FFF2-40B4-BE49-F238E27FC236}">
+                    <a16:creationId xmlns:a16="http://schemas.microsoft.com/office/drawing/2014/main" id="{9D73A3FA-2B9C-6BA4-75C6-AE3AB3148AB1}"/>
+                  </a:ext>
+                </a:extLst>
+              </p:cNvPr>
+              <p:cNvSpPr/>
+              <p:nvPr/>
+            </p:nvSpPr>
+            <p:spPr>
+              <a:xfrm>
+                <a:off x="349200" y="338400"/>
+                <a:ext cx="450000" cy="450000"/>
+              </a:xfrm>
+              <a:prstGeom prst="ellipse">
+                <a:avLst/>
+              </a:prstGeom>
+              <a:solidFill>
+                <a:srgbClr val="1C1D20"/>
+              </a:solidFill>
+              <a:ln w="19050">
+                <a:solidFill>
+                  <a:srgbClr val="475281"/>
+                </a:solidFill>
+              </a:ln>
+            </p:spPr>
+            <p:style>
+              <a:lnRef idx="2">
+                <a:schemeClr val="accent1">
+                  <a:shade val="15000"/>
+                </a:schemeClr>
+              </a:lnRef>
+              <a:fillRef idx="1">
+                <a:schemeClr val="accent1"/>
+              </a:fillRef>
+              <a:effectRef idx="0">
+                <a:schemeClr val="accent1"/>
+              </a:effectRef>
+              <a:fontRef idx="minor">
+                <a:schemeClr val="lt1"/>
+              </a:fontRef>
+            </p:style>
+            <p:txBody>
+              <a:bodyPr lIns="36001" tIns="36001" rIns="36001" bIns="36001" rtlCol="0" anchor="ctr"/>
+              <a:lstStyle/>
+              <a:p>
+                <a:pPr algn="ctr"/>
+                <a:r>
+                  <a:rPr lang="en-SG" sz="1199" i="1" kern="0" dirty="0"/>
+                  <a:t>s</a:t>
+                </a:r>
+              </a:p>
+            </p:txBody>
+          </p:sp>
+          <p:sp>
+            <p:nvSpPr>
+              <p:cNvPr id="32" name="Oval 31">
+                <a:extLst>
+                  <a:ext uri="{FF2B5EF4-FFF2-40B4-BE49-F238E27FC236}">
+                    <a16:creationId xmlns:a16="http://schemas.microsoft.com/office/drawing/2014/main" id="{0E2CB9EF-41CF-59F1-A148-E3A705DF1775}"/>
+                  </a:ext>
+                </a:extLst>
+              </p:cNvPr>
+              <p:cNvSpPr/>
+              <p:nvPr/>
+            </p:nvSpPr>
+            <p:spPr>
+              <a:xfrm>
+                <a:off x="1262880" y="338400"/>
+                <a:ext cx="450000" cy="450000"/>
+              </a:xfrm>
+              <a:prstGeom prst="ellipse">
+                <a:avLst/>
+              </a:prstGeom>
+              <a:solidFill>
+                <a:srgbClr val="1C1D20"/>
+              </a:solidFill>
+              <a:ln w="19050">
+                <a:solidFill>
+                  <a:srgbClr val="475281"/>
+                </a:solidFill>
+              </a:ln>
+            </p:spPr>
+            <p:style>
+              <a:lnRef idx="2">
+                <a:schemeClr val="accent1">
+                  <a:shade val="15000"/>
+                </a:schemeClr>
+              </a:lnRef>
+              <a:fillRef idx="1">
+                <a:schemeClr val="accent1"/>
+              </a:fillRef>
+              <a:effectRef idx="0">
+                <a:schemeClr val="accent1"/>
+              </a:effectRef>
+              <a:fontRef idx="minor">
+                <a:schemeClr val="lt1"/>
+              </a:fontRef>
+            </p:style>
+            <p:txBody>
+              <a:bodyPr lIns="36001" tIns="36001" rIns="36001" bIns="36001" rtlCol="0" anchor="ctr"/>
+              <a:lstStyle/>
+              <a:p>
+                <a:pPr algn="ctr"/>
+                <a:r>
+                  <a:rPr lang="en-SG" sz="1199" i="1" kern="0" dirty="0"/>
+                  <a:t>rs</a:t>
+                </a:r>
+              </a:p>
+            </p:txBody>
+          </p:sp>
+          <p:sp>
+            <p:nvSpPr>
+              <p:cNvPr id="33" name="Oval 32">
+                <a:extLst>
+                  <a:ext uri="{FF2B5EF4-FFF2-40B4-BE49-F238E27FC236}">
+                    <a16:creationId xmlns:a16="http://schemas.microsoft.com/office/drawing/2014/main" id="{CF4EFF7F-BA38-BDF9-3584-EB5060BC982C}"/>
+                  </a:ext>
+                </a:extLst>
+              </p:cNvPr>
+              <p:cNvSpPr/>
+              <p:nvPr/>
+            </p:nvSpPr>
+            <p:spPr>
+              <a:xfrm>
+                <a:off x="2176560" y="338400"/>
+                <a:ext cx="450000" cy="450000"/>
+              </a:xfrm>
+              <a:prstGeom prst="ellipse">
+                <a:avLst/>
+              </a:prstGeom>
+              <a:solidFill>
+                <a:srgbClr val="1C1D20"/>
+              </a:solidFill>
+              <a:ln w="19050">
+                <a:solidFill>
+                  <a:srgbClr val="475281"/>
+                </a:solidFill>
+              </a:ln>
+            </p:spPr>
+            <p:style>
+              <a:lnRef idx="2">
+                <a:schemeClr val="accent1">
+                  <a:shade val="15000"/>
+                </a:schemeClr>
+              </a:lnRef>
+              <a:fillRef idx="1">
+                <a:schemeClr val="accent1"/>
+              </a:fillRef>
+              <a:effectRef idx="0">
+                <a:schemeClr val="accent1"/>
+              </a:effectRef>
+              <a:fontRef idx="minor">
+                <a:schemeClr val="lt1"/>
+              </a:fontRef>
+            </p:style>
+            <p:txBody>
+              <a:bodyPr lIns="36001" tIns="36001" rIns="36001" bIns="36001" rtlCol="0" anchor="ctr"/>
+              <a:lstStyle/>
+              <a:p>
+                <a:pPr algn="ctr"/>
+                <a:r>
+                  <a:rPr lang="en-SG" sz="1199" i="1" kern="0" dirty="0"/>
+                  <a:t>r</a:t>
+                </a:r>
+                <a:r>
+                  <a:rPr lang="en-SG" sz="1199" i="1" kern="0" baseline="30000" dirty="0"/>
+                  <a:t>2</a:t>
+                </a:r>
+                <a:r>
+                  <a:rPr lang="en-SG" sz="1199" i="1" kern="0" dirty="0"/>
+                  <a:t>s</a:t>
+                </a:r>
+                <a:endParaRPr lang="en-SG" sz="2001" i="1" kern="0" dirty="0"/>
+              </a:p>
+            </p:txBody>
+          </p:sp>
+          <p:sp>
+            <p:nvSpPr>
+              <p:cNvPr id="34" name="Oval 33">
+                <a:extLst>
+                  <a:ext uri="{FF2B5EF4-FFF2-40B4-BE49-F238E27FC236}">
+                    <a16:creationId xmlns:a16="http://schemas.microsoft.com/office/drawing/2014/main" id="{D30451EA-675A-8D63-254D-A61D4D320B69}"/>
+                  </a:ext>
+                </a:extLst>
+              </p:cNvPr>
+              <p:cNvSpPr/>
+              <p:nvPr/>
+            </p:nvSpPr>
+            <p:spPr>
+              <a:xfrm>
+                <a:off x="3090240" y="338400"/>
+                <a:ext cx="450000" cy="450000"/>
+              </a:xfrm>
+              <a:prstGeom prst="ellipse">
+                <a:avLst/>
+              </a:prstGeom>
+              <a:solidFill>
+                <a:srgbClr val="1C1D20"/>
+              </a:solidFill>
+              <a:ln w="19050">
+                <a:solidFill>
+                  <a:srgbClr val="475281"/>
+                </a:solidFill>
+              </a:ln>
+            </p:spPr>
+            <p:style>
+              <a:lnRef idx="2">
+                <a:schemeClr val="accent1">
+                  <a:shade val="15000"/>
+                </a:schemeClr>
+              </a:lnRef>
+              <a:fillRef idx="1">
+                <a:schemeClr val="accent1"/>
+              </a:fillRef>
+              <a:effectRef idx="0">
+                <a:schemeClr val="accent1"/>
+              </a:effectRef>
+              <a:fontRef idx="minor">
+                <a:schemeClr val="lt1"/>
+              </a:fontRef>
+            </p:style>
+            <p:txBody>
+              <a:bodyPr lIns="36001" tIns="36001" rIns="36001" bIns="36001" rtlCol="0" anchor="ctr"/>
+              <a:lstStyle/>
+              <a:p>
+                <a:pPr algn="ctr"/>
+                <a:r>
+                  <a:rPr lang="en-SG" sz="1199" i="1" kern="0" dirty="0"/>
+                  <a:t>r</a:t>
+                </a:r>
+                <a:r>
+                  <a:rPr lang="en-SG" sz="1199" i="1" kern="0" baseline="30000" dirty="0"/>
+                  <a:t>3</a:t>
+                </a:r>
+                <a:r>
+                  <a:rPr lang="en-SG" sz="1199" i="1" kern="0" dirty="0"/>
+                  <a:t>s</a:t>
+                </a:r>
+                <a:endParaRPr lang="en-SG" sz="2001" i="1" kern="0" dirty="0"/>
+              </a:p>
+            </p:txBody>
+          </p:sp>
+          <p:sp>
+            <p:nvSpPr>
+              <p:cNvPr id="35" name="Oval 34">
+                <a:extLst>
+                  <a:ext uri="{FF2B5EF4-FFF2-40B4-BE49-F238E27FC236}">
+                    <a16:creationId xmlns:a16="http://schemas.microsoft.com/office/drawing/2014/main" id="{48D112B0-9D37-465B-BDEA-6163A81B2800}"/>
+                  </a:ext>
+                </a:extLst>
+              </p:cNvPr>
+              <p:cNvSpPr/>
+              <p:nvPr/>
+            </p:nvSpPr>
+            <p:spPr>
+              <a:xfrm>
+                <a:off x="4003920" y="338400"/>
+                <a:ext cx="450000" cy="450000"/>
+              </a:xfrm>
+              <a:prstGeom prst="ellipse">
+                <a:avLst/>
+              </a:prstGeom>
+              <a:solidFill>
+                <a:srgbClr val="1C1D20"/>
+              </a:solidFill>
+              <a:ln w="19050">
+                <a:solidFill>
+                  <a:srgbClr val="475281"/>
+                </a:solidFill>
+              </a:ln>
+            </p:spPr>
+            <p:style>
+              <a:lnRef idx="2">
+                <a:schemeClr val="accent1">
+                  <a:shade val="15000"/>
+                </a:schemeClr>
+              </a:lnRef>
+              <a:fillRef idx="1">
+                <a:schemeClr val="accent1"/>
+              </a:fillRef>
+              <a:effectRef idx="0">
+                <a:schemeClr val="accent1"/>
+              </a:effectRef>
+              <a:fontRef idx="minor">
+                <a:schemeClr val="lt1"/>
+              </a:fontRef>
+            </p:style>
+            <p:txBody>
+              <a:bodyPr lIns="36001" tIns="36001" rIns="36001" bIns="36001" rtlCol="0" anchor="ctr"/>
+              <a:lstStyle/>
+              <a:p>
+                <a:pPr algn="ctr"/>
+                <a:r>
+                  <a:rPr lang="en-SG" sz="1199" i="1" kern="0" dirty="0"/>
+                  <a:t>r</a:t>
+                </a:r>
+                <a:r>
+                  <a:rPr lang="en-SG" sz="1199" i="1" kern="0" baseline="30000" dirty="0"/>
+                  <a:t>4</a:t>
+                </a:r>
+                <a:r>
+                  <a:rPr lang="en-SG" sz="1199" i="1" kern="0" dirty="0"/>
+                  <a:t>s</a:t>
+                </a:r>
+                <a:endParaRPr lang="en-SG" sz="2001" i="1" kern="0" dirty="0"/>
+              </a:p>
+            </p:txBody>
+          </p:sp>
+          <p:sp>
+            <p:nvSpPr>
+              <p:cNvPr id="36" name="Oval 35">
+                <a:extLst>
+                  <a:ext uri="{FF2B5EF4-FFF2-40B4-BE49-F238E27FC236}">
+                    <a16:creationId xmlns:a16="http://schemas.microsoft.com/office/drawing/2014/main" id="{500CE131-13AE-CED9-2375-A4C64DE44CC3}"/>
+                  </a:ext>
+                </a:extLst>
+              </p:cNvPr>
+              <p:cNvSpPr/>
+              <p:nvPr/>
+            </p:nvSpPr>
+            <p:spPr>
+              <a:xfrm>
+                <a:off x="4917600" y="338400"/>
+                <a:ext cx="450000" cy="450000"/>
+              </a:xfrm>
+              <a:prstGeom prst="ellipse">
+                <a:avLst/>
+              </a:prstGeom>
+              <a:solidFill>
+                <a:srgbClr val="1C1D20"/>
+              </a:solidFill>
+              <a:ln w="19050">
+                <a:solidFill>
+                  <a:srgbClr val="475281"/>
+                </a:solidFill>
+              </a:ln>
+            </p:spPr>
+            <p:style>
+              <a:lnRef idx="2">
+                <a:schemeClr val="accent1">
+                  <a:shade val="15000"/>
+                </a:schemeClr>
+              </a:lnRef>
+              <a:fillRef idx="1">
+                <a:schemeClr val="accent1"/>
+              </a:fillRef>
+              <a:effectRef idx="0">
+                <a:schemeClr val="accent1"/>
+              </a:effectRef>
+              <a:fontRef idx="minor">
+                <a:schemeClr val="lt1"/>
+              </a:fontRef>
+            </p:style>
+            <p:txBody>
+              <a:bodyPr lIns="36001" tIns="36001" rIns="36001" bIns="36001" rtlCol="0" anchor="ctr"/>
+              <a:lstStyle/>
+              <a:p>
+                <a:pPr algn="ctr"/>
+                <a:r>
+                  <a:rPr lang="en-SG" sz="1199" i="1" kern="0" dirty="0"/>
+                  <a:t>r</a:t>
+                </a:r>
+                <a:r>
+                  <a:rPr lang="en-SG" sz="1199" i="1" kern="0" baseline="30000" dirty="0"/>
+                  <a:t>5</a:t>
+                </a:r>
+                <a:r>
+                  <a:rPr lang="en-SG" sz="1199" i="1" kern="0" dirty="0"/>
+                  <a:t>s</a:t>
+                </a:r>
+                <a:endParaRPr lang="en-SG" sz="2001" i="1" kern="0" dirty="0"/>
+              </a:p>
+            </p:txBody>
+          </p:sp>
+        </p:grpSp>
+        <p:sp>
+          <p:nvSpPr>
+            <p:cNvPr id="5" name="Hero Text">
+              <a:extLst>
+                <a:ext uri="{FF2B5EF4-FFF2-40B4-BE49-F238E27FC236}">
+                  <a16:creationId xmlns:a16="http://schemas.microsoft.com/office/drawing/2014/main" id="{93A99CD1-5C36-4118-ECE1-80076636EADC}"/>
+                </a:ext>
+              </a:extLst>
+            </p:cNvPr>
+            <p:cNvSpPr txBox="1"/>
+            <p:nvPr/>
+          </p:nvSpPr>
+          <p:spPr>
+            <a:xfrm>
+              <a:off x="1262882" y="1709240"/>
+              <a:ext cx="3191041" cy="831381"/>
+            </a:xfrm>
+            <a:prstGeom prst="rect">
+              <a:avLst/>
+            </a:prstGeom>
+            <a:noFill/>
+          </p:spPr>
+          <p:txBody>
+            <a:bodyPr wrap="square" lIns="0" tIns="0" rIns="0" bIns="0" rtlCol="0" anchor="ctr" anchorCtr="0">
+              <a:spAutoFit/>
+            </a:bodyPr>
+            <a:lstStyle/>
+            <a:p>
+              <a:pPr algn="ctr"/>
+              <a:r>
+                <a:rPr lang="en-US" sz="1801" cap="small" dirty="0">
+                  <a:solidFill>
+                    <a:schemeClr val="bg1"/>
+                  </a:solidFill>
+                  <a:latin typeface="+mj-lt"/>
+                </a:rPr>
+                <a:t>Demystifying</a:t>
+              </a:r>
+            </a:p>
+            <a:p>
+              <a:pPr algn="ctr"/>
+              <a:r>
+                <a:rPr lang="en-US" sz="1801" cap="small" dirty="0">
+                  <a:solidFill>
+                    <a:schemeClr val="bg1"/>
+                  </a:solidFill>
+                  <a:latin typeface="+mj-lt"/>
+                </a:rPr>
+                <a:t>The Language</a:t>
+              </a:r>
+            </a:p>
+            <a:p>
+              <a:pPr algn="ctr"/>
+              <a:r>
+                <a:rPr lang="en-US" sz="1801" cap="small" dirty="0">
+                  <a:solidFill>
+                    <a:schemeClr val="bg1"/>
+                  </a:solidFill>
+                  <a:latin typeface="+mj-lt"/>
+                </a:rPr>
+                <a:t>of Modern Mathematics</a:t>
+              </a:r>
+              <a:endParaRPr lang="en-SG" sz="1801" cap="small" dirty="0">
+                <a:solidFill>
+                  <a:schemeClr val="bg1"/>
+                </a:solidFill>
+                <a:latin typeface="+mj-lt"/>
+              </a:endParaRPr>
+            </a:p>
+          </p:txBody>
+        </p:sp>
+      </p:grpSp>
+      <p:grpSp>
+        <p:nvGrpSpPr>
+          <p:cNvPr id="38" name="Group 37">
+            <a:extLst>
+              <a:ext uri="{FF2B5EF4-FFF2-40B4-BE49-F238E27FC236}">
+                <a16:creationId xmlns:a16="http://schemas.microsoft.com/office/drawing/2014/main" id="{6279285B-80DB-4E86-5864-A94C287ADD03}"/>
+              </a:ext>
+            </a:extLst>
+          </p:cNvPr>
+          <p:cNvGrpSpPr/>
+          <p:nvPr/>
+        </p:nvGrpSpPr>
+        <p:grpSpPr>
+          <a:xfrm rot="5400000">
+            <a:off x="2763354" y="3874995"/>
+            <a:ext cx="7297115" cy="698534"/>
+            <a:chOff x="2762769" y="3899899"/>
+            <a:chExt cx="7297114" cy="698533"/>
+          </a:xfrm>
+        </p:grpSpPr>
+        <p:grpSp>
+          <p:nvGrpSpPr>
+            <p:cNvPr id="39" name="Group 38">
+              <a:extLst>
+                <a:ext uri="{FF2B5EF4-FFF2-40B4-BE49-F238E27FC236}">
+                  <a16:creationId xmlns:a16="http://schemas.microsoft.com/office/drawing/2014/main" id="{DA4228C4-6AB3-AEE1-B204-BD9697E7DEE3}"/>
+                </a:ext>
+              </a:extLst>
+            </p:cNvPr>
+            <p:cNvGrpSpPr/>
+            <p:nvPr/>
+          </p:nvGrpSpPr>
+          <p:grpSpPr>
+            <a:xfrm>
+              <a:off x="2762769" y="3899899"/>
+              <a:ext cx="4429673" cy="698533"/>
+              <a:chOff x="3051011" y="3838512"/>
+              <a:chExt cx="4429673" cy="698533"/>
+            </a:xfrm>
+          </p:grpSpPr>
+          <p:sp>
+            <p:nvSpPr>
+              <p:cNvPr id="42" name="TextBox 41">
+                <a:extLst>
+                  <a:ext uri="{FF2B5EF4-FFF2-40B4-BE49-F238E27FC236}">
+                    <a16:creationId xmlns:a16="http://schemas.microsoft.com/office/drawing/2014/main" id="{A6F9480F-1291-1B41-C7CF-9617953E076A}"/>
+                  </a:ext>
+                </a:extLst>
+              </p:cNvPr>
+              <p:cNvSpPr txBox="1"/>
+              <p:nvPr/>
+            </p:nvSpPr>
+            <p:spPr>
+              <a:xfrm>
+                <a:off x="3809999" y="3838512"/>
+                <a:ext cx="2911694" cy="277127"/>
+              </a:xfrm>
+              <a:prstGeom prst="rect">
+                <a:avLst/>
+              </a:prstGeom>
+              <a:noFill/>
+            </p:spPr>
+            <p:txBody>
+              <a:bodyPr wrap="none" lIns="0" tIns="0" rIns="0" bIns="0" rtlCol="0" anchor="ctr" anchorCtr="0">
+                <a:spAutoFit/>
+              </a:bodyPr>
+              <a:lstStyle/>
+              <a:p>
+                <a:r>
+                  <a:rPr lang="en-SG" sz="1801" b="1" dirty="0">
+                    <a:solidFill>
+                      <a:schemeClr val="bg1"/>
+                    </a:solidFill>
+                  </a:rPr>
+                  <a:t>A Complete Introduction to</a:t>
+                </a:r>
+              </a:p>
+            </p:txBody>
+          </p:sp>
+          <p:sp>
+            <p:nvSpPr>
+              <p:cNvPr id="43" name="TextBox 42">
+                <a:extLst>
+                  <a:ext uri="{FF2B5EF4-FFF2-40B4-BE49-F238E27FC236}">
+                    <a16:creationId xmlns:a16="http://schemas.microsoft.com/office/drawing/2014/main" id="{1E70D1A7-1F07-06AF-2706-6EEE1257FF84}"/>
+                  </a:ext>
+                </a:extLst>
+              </p:cNvPr>
+              <p:cNvSpPr txBox="1"/>
+              <p:nvPr/>
+            </p:nvSpPr>
+            <p:spPr>
+              <a:xfrm>
+                <a:off x="3051011" y="4044603"/>
+                <a:ext cx="4429673" cy="492442"/>
+              </a:xfrm>
+              <a:prstGeom prst="rect">
+                <a:avLst/>
+              </a:prstGeom>
+              <a:noFill/>
+            </p:spPr>
+            <p:txBody>
+              <a:bodyPr wrap="none" lIns="0" tIns="0" rIns="0" bIns="0" rtlCol="0" anchor="ctr" anchorCtr="0">
+                <a:spAutoFit/>
+              </a:bodyPr>
+              <a:lstStyle/>
+              <a:p>
+                <a:r>
+                  <a:rPr lang="en-SG" sz="3200" b="1" dirty="0">
+                    <a:solidFill>
+                      <a:schemeClr val="bg1"/>
+                    </a:solidFill>
+                  </a:rPr>
+                  <a:t>ABSTRACT ALGEBRA</a:t>
+                </a:r>
+              </a:p>
+            </p:txBody>
+          </p:sp>
+        </p:grpSp>
+        <p:sp>
+          <p:nvSpPr>
+            <p:cNvPr id="40" name="TextBox 39">
+              <a:extLst>
+                <a:ext uri="{FF2B5EF4-FFF2-40B4-BE49-F238E27FC236}">
+                  <a16:creationId xmlns:a16="http://schemas.microsoft.com/office/drawing/2014/main" id="{7BE6C0E5-7C6B-CA60-E99C-D17F3595E911}"/>
+                </a:ext>
+              </a:extLst>
+            </p:cNvPr>
+            <p:cNvSpPr txBox="1"/>
+            <p:nvPr/>
+          </p:nvSpPr>
+          <p:spPr>
+            <a:xfrm>
+              <a:off x="8764657" y="4085789"/>
+              <a:ext cx="1295226" cy="277127"/>
+            </a:xfrm>
+            <a:prstGeom prst="rect">
+              <a:avLst/>
+            </a:prstGeom>
+            <a:noFill/>
+          </p:spPr>
+          <p:txBody>
+            <a:bodyPr wrap="none" lIns="0" tIns="0" rIns="0" bIns="0" rtlCol="0" anchor="ctr" anchorCtr="0">
+              <a:spAutoFit/>
+            </a:bodyPr>
+            <a:lstStyle/>
+            <a:p>
+              <a:r>
+                <a:rPr lang="en-SG" sz="1801" dirty="0">
+                  <a:solidFill>
+                    <a:schemeClr val="bg1"/>
+                  </a:solidFill>
+                </a:rPr>
+                <a:t>Kan Onn Kit</a:t>
+              </a:r>
+            </a:p>
+          </p:txBody>
+        </p:sp>
+      </p:grpSp>
+      <p:sp>
+        <p:nvSpPr>
+          <p:cNvPr id="13" name="Rectangle 12">
+            <a:extLst>
+              <a:ext uri="{FF2B5EF4-FFF2-40B4-BE49-F238E27FC236}">
+                <a16:creationId xmlns:a16="http://schemas.microsoft.com/office/drawing/2014/main" id="{4AF8EF69-B0B1-010B-09E0-3D0DD6CCC02E}"/>
+              </a:ext>
+            </a:extLst>
+          </p:cNvPr>
+          <p:cNvSpPr/>
+          <p:nvPr/>
+        </p:nvSpPr>
+        <p:spPr>
+          <a:xfrm>
+            <a:off x="1833032" y="6731531"/>
+            <a:ext cx="3310128" cy="1152144"/>
+          </a:xfrm>
+          <a:prstGeom prst="rect">
+            <a:avLst/>
+          </a:prstGeom>
+          <a:solidFill>
+            <a:srgbClr val="FFFF00"/>
+          </a:solidFill>
+          <a:ln>
+            <a:noFill/>
+          </a:ln>
+        </p:spPr>
+        <p:style>
+          <a:lnRef idx="2">
+            <a:schemeClr val="accent1">
+              <a:shade val="15000"/>
+            </a:schemeClr>
+          </a:lnRef>
+          <a:fillRef idx="1">
+            <a:schemeClr val="accent1"/>
+          </a:fillRef>
+          <a:effectRef idx="0">
+            <a:schemeClr val="accent1"/>
+          </a:effectRef>
+          <a:fontRef idx="minor">
+            <a:schemeClr val="lt1"/>
+          </a:fontRef>
+        </p:style>
+        <p:txBody>
+          <a:bodyPr rtlCol="0" anchor="ctr"/>
+          <a:lstStyle/>
+          <a:p>
+            <a:pPr algn="ctr"/>
+            <a:r>
+              <a:rPr lang="en-SG" sz="1801" dirty="0">
+                <a:solidFill>
+                  <a:schemeClr val="tx1"/>
+                </a:solidFill>
+              </a:rPr>
+              <a:t>Barcode Area</a:t>
+            </a:r>
+          </a:p>
+          <a:p>
+            <a:pPr algn="ctr"/>
+            <a:r>
+              <a:rPr lang="en-SG" sz="1801" dirty="0">
+                <a:solidFill>
+                  <a:schemeClr val="tx1"/>
+                </a:solidFill>
+              </a:rPr>
+              <a:t>3.622” x 1.26”</a:t>
+            </a:r>
+          </a:p>
+        </p:txBody>
+      </p:sp>
+    </p:spTree>
+    <p:extLst>
+      <p:ext uri="{BB962C8B-B14F-4D97-AF65-F5344CB8AC3E}">
+        <p14:creationId xmlns:p14="http://schemas.microsoft.com/office/powerpoint/2010/main" val="3946363066"/>
+      </p:ext>
+    </p:extLst>
+  </p:cSld>
+  <p:clrMapOvr>
+    <a:masterClrMapping/>
+  </p:clrMapOvr>
+</p:sld>
+</file>
+
+<file path=ppt/slides/slide5.xml><?xml version="1.0" encoding="utf-8"?>
+<p:sld xmlns:a="http://schemas.openxmlformats.org/drawingml/2006/main" xmlns:r="http://schemas.openxmlformats.org/officeDocument/2006/relationships" xmlns:p="http://schemas.openxmlformats.org/presentationml/2006/main">
+  <p:cSld>
+    <p:spTree>
+      <p:nvGrpSpPr>
+        <p:cNvPr id="1" name=""/>
+        <p:cNvGrpSpPr/>
+        <p:nvPr/>
+      </p:nvGrpSpPr>
+      <p:grpSpPr>
+        <a:xfrm>
+          <a:off x="0" y="0"/>
+          <a:ext cx="0" cy="0"/>
+          <a:chOff x="0" y="0"/>
+          <a:chExt cx="0" cy="0"/>
+        </a:xfrm>
+      </p:grpSpPr>
+      <p:pic>
+        <p:nvPicPr>
+          <p:cNvPr id="52" name="Background">
+            <a:extLst>
+              <a:ext uri="{FF2B5EF4-FFF2-40B4-BE49-F238E27FC236}">
+                <a16:creationId xmlns:a16="http://schemas.microsoft.com/office/drawing/2014/main" id="{7ABC9704-A58D-EA3D-C317-247DFC87C8DC}"/>
+              </a:ext>
+            </a:extLst>
+          </p:cNvPr>
+          <p:cNvPicPr>
+            <a:picLocks noChangeAspect="1"/>
+          </p:cNvPicPr>
+          <p:nvPr/>
+        </p:nvPicPr>
+        <p:blipFill>
+          <a:blip r:embed="rId3"/>
+          <a:stretch>
+            <a:fillRect/>
+          </a:stretch>
+        </p:blipFill>
+        <p:spPr>
+          <a:xfrm>
+            <a:off x="0" y="834"/>
+            <a:ext cx="12827000" cy="8456532"/>
+          </a:xfrm>
+          <a:prstGeom prst="rect">
+            <a:avLst/>
+          </a:prstGeom>
+        </p:spPr>
+      </p:pic>
+      <p:grpSp>
+        <p:nvGrpSpPr>
+          <p:cNvPr id="19" name="Title Text">
+            <a:extLst>
+              <a:ext uri="{FF2B5EF4-FFF2-40B4-BE49-F238E27FC236}">
+                <a16:creationId xmlns:a16="http://schemas.microsoft.com/office/drawing/2014/main" id="{09A7FF36-1561-2266-B891-CD4632F01CE4}"/>
+              </a:ext>
+            </a:extLst>
+          </p:cNvPr>
+          <p:cNvGrpSpPr/>
+          <p:nvPr/>
+        </p:nvGrpSpPr>
+        <p:grpSpPr>
+          <a:xfrm>
+            <a:off x="8464766" y="3250800"/>
+            <a:ext cx="3041216" cy="2268827"/>
+            <a:chOff x="8399133" y="3249673"/>
+            <a:chExt cx="3041214" cy="2268828"/>
+          </a:xfrm>
+        </p:grpSpPr>
+        <p:sp>
+          <p:nvSpPr>
+            <p:cNvPr id="3" name="TextBox 2">
+              <a:extLst>
+                <a:ext uri="{FF2B5EF4-FFF2-40B4-BE49-F238E27FC236}">
+                  <a16:creationId xmlns:a16="http://schemas.microsoft.com/office/drawing/2014/main" id="{6397CB26-1A52-C78C-9B8A-36FF3AE94034}"/>
+                </a:ext>
+              </a:extLst>
+            </p:cNvPr>
+            <p:cNvSpPr txBox="1"/>
+            <p:nvPr/>
+          </p:nvSpPr>
+          <p:spPr>
+            <a:xfrm>
+              <a:off x="9461953" y="4722256"/>
+              <a:ext cx="910771" cy="276871"/>
+            </a:xfrm>
+            <a:prstGeom prst="rect">
+              <a:avLst/>
+            </a:prstGeom>
+            <a:noFill/>
+          </p:spPr>
+          <p:txBody>
+            <a:bodyPr wrap="square" rtlCol="0">
+              <a:spAutoFit/>
+            </a:bodyPr>
+            <a:lstStyle/>
+            <a:p>
+              <a:pPr algn="ctr"/>
+              <a:r>
+                <a:rPr lang="en-US" sz="1199" dirty="0">
+                  <a:solidFill>
+                    <a:schemeClr val="bg1"/>
+                  </a:solidFill>
+                  <a:latin typeface="TeXGyrePagella" pitchFamily="2" charset="77"/>
+                </a:rPr>
+                <a:t>1</a:t>
+              </a:r>
+              <a:r>
+                <a:rPr lang="en-US" sz="1199" baseline="30000" dirty="0">
+                  <a:solidFill>
+                    <a:schemeClr val="bg1"/>
+                  </a:solidFill>
+                  <a:latin typeface="TeXGyrePagella" pitchFamily="2" charset="77"/>
+                </a:rPr>
+                <a:t>st</a:t>
+              </a:r>
+              <a:r>
+                <a:rPr lang="en-US" sz="1199" dirty="0">
+                  <a:solidFill>
+                    <a:schemeClr val="bg1"/>
+                  </a:solidFill>
+                  <a:latin typeface="TeXGyrePagella" pitchFamily="2" charset="77"/>
+                </a:rPr>
+                <a:t> Edition</a:t>
+              </a:r>
+            </a:p>
+          </p:txBody>
+        </p:sp>
+        <p:sp>
+          <p:nvSpPr>
+            <p:cNvPr id="4" name="TextBox 3">
+              <a:extLst>
+                <a:ext uri="{FF2B5EF4-FFF2-40B4-BE49-F238E27FC236}">
+                  <a16:creationId xmlns:a16="http://schemas.microsoft.com/office/drawing/2014/main" id="{23B25E08-1152-C48C-21C0-DE1D6ED06058}"/>
+                </a:ext>
+              </a:extLst>
+            </p:cNvPr>
+            <p:cNvSpPr txBox="1"/>
+            <p:nvPr/>
+          </p:nvSpPr>
+          <p:spPr>
+            <a:xfrm>
+              <a:off x="9171953" y="5149041"/>
+              <a:ext cx="1479891" cy="369460"/>
+            </a:xfrm>
+            <a:prstGeom prst="rect">
+              <a:avLst/>
+            </a:prstGeom>
+            <a:noFill/>
+          </p:spPr>
+          <p:txBody>
+            <a:bodyPr wrap="none" rtlCol="0">
+              <a:spAutoFit/>
+            </a:bodyPr>
+            <a:lstStyle/>
+            <a:p>
+              <a:r>
+                <a:rPr lang="en-US" sz="1801" dirty="0">
+                  <a:solidFill>
+                    <a:schemeClr val="bg1"/>
+                  </a:solidFill>
+                  <a:latin typeface="TeXGyrePagella" pitchFamily="2" charset="77"/>
+                </a:rPr>
+                <a:t>Kan Onn Kit</a:t>
+              </a:r>
+            </a:p>
+          </p:txBody>
+        </p:sp>
+        <p:grpSp>
+          <p:nvGrpSpPr>
+            <p:cNvPr id="17" name="Group 16">
+              <a:extLst>
+                <a:ext uri="{FF2B5EF4-FFF2-40B4-BE49-F238E27FC236}">
+                  <a16:creationId xmlns:a16="http://schemas.microsoft.com/office/drawing/2014/main" id="{FF9AB695-002A-DD8C-4CE5-E615B2FD4325}"/>
+                </a:ext>
+              </a:extLst>
+            </p:cNvPr>
+            <p:cNvGrpSpPr/>
+            <p:nvPr/>
+          </p:nvGrpSpPr>
+          <p:grpSpPr>
+            <a:xfrm>
+              <a:off x="8399133" y="3647457"/>
+              <a:ext cx="3041214" cy="1137043"/>
+              <a:chOff x="8399133" y="3647457"/>
+              <a:chExt cx="3041214" cy="1137043"/>
+            </a:xfrm>
+          </p:grpSpPr>
+          <p:sp>
+            <p:nvSpPr>
+              <p:cNvPr id="11" name="TextBox 10">
+                <a:extLst>
+                  <a:ext uri="{FF2B5EF4-FFF2-40B4-BE49-F238E27FC236}">
+                    <a16:creationId xmlns:a16="http://schemas.microsoft.com/office/drawing/2014/main" id="{A5EFD885-0B31-CAD8-3EE9-B4961ADF0657}"/>
+                  </a:ext>
+                </a:extLst>
+              </p:cNvPr>
+              <p:cNvSpPr txBox="1"/>
+              <p:nvPr/>
+            </p:nvSpPr>
+            <p:spPr>
+              <a:xfrm>
+                <a:off x="8545648" y="4076293"/>
+                <a:ext cx="2744980" cy="708207"/>
+              </a:xfrm>
+              <a:prstGeom prst="rect">
+                <a:avLst/>
+              </a:prstGeom>
+              <a:noFill/>
+            </p:spPr>
+            <p:txBody>
+              <a:bodyPr wrap="none" rtlCol="0">
+                <a:spAutoFit/>
+              </a:bodyPr>
+              <a:lstStyle/>
+              <a:p>
+                <a:r>
+                  <a:rPr lang="en-US" sz="4002" b="1" dirty="0">
+                    <a:solidFill>
+                      <a:schemeClr val="bg1"/>
+                    </a:solidFill>
+                    <a:latin typeface="TeXGyrePagella" pitchFamily="2" charset="77"/>
+                  </a:rPr>
+                  <a:t>ALGEBRA</a:t>
+                </a:r>
+              </a:p>
+            </p:txBody>
+          </p:sp>
+          <p:sp>
+            <p:nvSpPr>
+              <p:cNvPr id="12" name="TextBox 11">
+                <a:extLst>
+                  <a:ext uri="{FF2B5EF4-FFF2-40B4-BE49-F238E27FC236}">
+                    <a16:creationId xmlns:a16="http://schemas.microsoft.com/office/drawing/2014/main" id="{86A99F65-1B85-5C6F-9390-78BF76EC9A72}"/>
+                  </a:ext>
+                </a:extLst>
+              </p:cNvPr>
+              <p:cNvSpPr txBox="1"/>
+              <p:nvPr/>
+            </p:nvSpPr>
+            <p:spPr>
+              <a:xfrm>
+                <a:off x="8399133" y="3647457"/>
+                <a:ext cx="3041214" cy="708207"/>
+              </a:xfrm>
+              <a:prstGeom prst="rect">
+                <a:avLst/>
+              </a:prstGeom>
+              <a:noFill/>
+            </p:spPr>
+            <p:txBody>
+              <a:bodyPr wrap="none" rtlCol="0">
+                <a:spAutoFit/>
+              </a:bodyPr>
+              <a:lstStyle/>
+              <a:p>
+                <a:r>
+                  <a:rPr lang="en-US" sz="4002" b="1" dirty="0">
+                    <a:solidFill>
+                      <a:schemeClr val="bg1"/>
+                    </a:solidFill>
+                    <a:latin typeface="TeXGyrePagella" pitchFamily="2" charset="77"/>
+                  </a:rPr>
+                  <a:t>ABSTRACT</a:t>
+                </a:r>
+              </a:p>
+            </p:txBody>
+          </p:sp>
+        </p:grpSp>
+        <p:grpSp>
+          <p:nvGrpSpPr>
+            <p:cNvPr id="18" name="Group 17">
+              <a:extLst>
+                <a:ext uri="{FF2B5EF4-FFF2-40B4-BE49-F238E27FC236}">
+                  <a16:creationId xmlns:a16="http://schemas.microsoft.com/office/drawing/2014/main" id="{74CC6DAB-E61B-6BAC-3949-ADCEFD271432}"/>
+                </a:ext>
+              </a:extLst>
+            </p:cNvPr>
+            <p:cNvGrpSpPr/>
+            <p:nvPr/>
+          </p:nvGrpSpPr>
+          <p:grpSpPr>
+            <a:xfrm>
+              <a:off x="9111929" y="3249673"/>
+              <a:ext cx="1604926" cy="552289"/>
+              <a:chOff x="9111929" y="3249673"/>
+              <a:chExt cx="1604926" cy="552289"/>
+            </a:xfrm>
+          </p:grpSpPr>
+          <p:sp>
+            <p:nvSpPr>
+              <p:cNvPr id="7" name="TextBox 6">
+                <a:extLst>
+                  <a:ext uri="{FF2B5EF4-FFF2-40B4-BE49-F238E27FC236}">
+                    <a16:creationId xmlns:a16="http://schemas.microsoft.com/office/drawing/2014/main" id="{3983B89A-17CA-0F9C-A588-11DC30D76FEB}"/>
+                  </a:ext>
+                </a:extLst>
+              </p:cNvPr>
+              <p:cNvSpPr txBox="1"/>
+              <p:nvPr/>
+            </p:nvSpPr>
+            <p:spPr>
+              <a:xfrm>
+                <a:off x="9111929" y="3463280"/>
+                <a:ext cx="1604926" cy="338682"/>
+              </a:xfrm>
+              <a:prstGeom prst="rect">
+                <a:avLst/>
+              </a:prstGeom>
+              <a:noFill/>
+            </p:spPr>
+            <p:txBody>
+              <a:bodyPr wrap="none" rtlCol="0">
+                <a:spAutoFit/>
+              </a:bodyPr>
+              <a:lstStyle/>
+              <a:p>
+                <a:r>
+                  <a:rPr lang="en-US" sz="1601" b="1" dirty="0">
+                    <a:solidFill>
+                      <a:schemeClr val="bg1"/>
+                    </a:solidFill>
+                    <a:latin typeface="TeXGyrePagella" pitchFamily="2" charset="77"/>
+                  </a:rPr>
+                  <a:t>Introduction to</a:t>
+                </a:r>
+              </a:p>
+            </p:txBody>
+          </p:sp>
+          <p:sp>
+            <p:nvSpPr>
+              <p:cNvPr id="10" name="TextBox 9">
+                <a:extLst>
+                  <a:ext uri="{FF2B5EF4-FFF2-40B4-BE49-F238E27FC236}">
+                    <a16:creationId xmlns:a16="http://schemas.microsoft.com/office/drawing/2014/main" id="{55624CBA-2C20-925A-C891-FFA50EB9E47D}"/>
+                  </a:ext>
+                </a:extLst>
+              </p:cNvPr>
+              <p:cNvSpPr txBox="1"/>
+              <p:nvPr/>
+            </p:nvSpPr>
+            <p:spPr>
+              <a:xfrm>
+                <a:off x="9257275" y="3249673"/>
+                <a:ext cx="1303241" cy="338682"/>
+              </a:xfrm>
+              <a:prstGeom prst="rect">
+                <a:avLst/>
+              </a:prstGeom>
+              <a:noFill/>
+            </p:spPr>
+            <p:txBody>
+              <a:bodyPr wrap="none" rtlCol="0">
+                <a:spAutoFit/>
+              </a:bodyPr>
+              <a:lstStyle/>
+              <a:p>
+                <a:r>
+                  <a:rPr lang="en-US" sz="1601" b="1" dirty="0">
+                    <a:solidFill>
+                      <a:schemeClr val="bg1"/>
+                    </a:solidFill>
+                    <a:latin typeface="TeXGyrePagella" pitchFamily="2" charset="77"/>
+                  </a:rPr>
+                  <a:t>A Complete</a:t>
+                </a:r>
+              </a:p>
+            </p:txBody>
+          </p:sp>
+        </p:grpSp>
+      </p:grpSp>
+      <p:sp>
+        <p:nvSpPr>
+          <p:cNvPr id="6" name="Back Cover Text">
+            <a:extLst>
+              <a:ext uri="{FF2B5EF4-FFF2-40B4-BE49-F238E27FC236}">
+                <a16:creationId xmlns:a16="http://schemas.microsoft.com/office/drawing/2014/main" id="{82897915-1C7B-271A-7ED4-EA4F14BA9D44}"/>
+              </a:ext>
+            </a:extLst>
+          </p:cNvPr>
+          <p:cNvSpPr txBox="1"/>
+          <p:nvPr/>
+        </p:nvSpPr>
+        <p:spPr>
+          <a:xfrm>
+            <a:off x="567988" y="3340045"/>
+            <a:ext cx="4588212" cy="3005951"/>
+          </a:xfrm>
+          <a:prstGeom prst="rect">
+            <a:avLst/>
+          </a:prstGeom>
+          <a:noFill/>
+        </p:spPr>
+        <p:txBody>
+          <a:bodyPr wrap="square" lIns="0" tIns="0" rIns="0" bIns="0" rtlCol="0">
+            <a:spAutoFit/>
+          </a:bodyPr>
+          <a:lstStyle/>
+          <a:p>
+            <a:pPr algn="just">
+              <a:spcAft>
+                <a:spcPts val="999"/>
+              </a:spcAft>
+            </a:pPr>
+            <a:r>
+              <a:rPr lang="en-US" sz="1100" dirty="0">
+                <a:solidFill>
+                  <a:schemeClr val="bg1"/>
+                </a:solidFill>
+              </a:rPr>
+              <a:t>The field of abstract algebra is deeply fundamental to modern mathematics. Working mathematicians, computer scientists, physicists, and chemists frequently encounter topics in abstract algebra, and a basic understanding of abstract algebra would immensely help. To that end, </a:t>
+            </a:r>
+            <a:r>
+              <a:rPr lang="en-US" sz="1100" i="1" dirty="0">
+                <a:solidFill>
+                  <a:schemeClr val="bg1"/>
+                </a:solidFill>
+              </a:rPr>
+              <a:t>A Complete Introduction to Abstract Algebra</a:t>
+            </a:r>
+            <a:r>
+              <a:rPr lang="en-US" sz="1100" dirty="0">
+                <a:solidFill>
+                  <a:schemeClr val="bg1"/>
+                </a:solidFill>
+              </a:rPr>
+              <a:t> provides all the necessary foundation to understand this fundamental study, assuming only a high-school understanding of mathematics. Everything, from the results discussed in the chapters to the questions and exercises, will have detailed solutions and explanations, providing you with the reassurance that you're on the right track and deepening your appreciation of the beauty of abstract algebra.</a:t>
+            </a:r>
+          </a:p>
+          <a:p>
+            <a:pPr algn="just">
+              <a:spcAft>
+                <a:spcPts val="999"/>
+              </a:spcAft>
+            </a:pPr>
+            <a:r>
+              <a:rPr lang="en-US" sz="1100" dirty="0">
+                <a:solidFill>
+                  <a:schemeClr val="bg1"/>
+                </a:solidFill>
+              </a:rPr>
+              <a:t>This book covers the absolute fundamentals of abstract algebra, starting with the prerequisite knowledge, moving on to groups, looking at rings and fields, and ending with an introduction to Galois theory. It adopts a structured approach to learning abstract algebra. Examples, exercises, and problems are frequently interspersed in the text to facilitate understanding, provide insight, and develop the ability to do proofs.</a:t>
+            </a:r>
+          </a:p>
+        </p:txBody>
+      </p:sp>
+      <p:grpSp>
+        <p:nvGrpSpPr>
+          <p:cNvPr id="21" name="Hero Diagram">
+            <a:extLst>
+              <a:ext uri="{FF2B5EF4-FFF2-40B4-BE49-F238E27FC236}">
+                <a16:creationId xmlns:a16="http://schemas.microsoft.com/office/drawing/2014/main" id="{20491AA2-A4E3-83E2-A8FE-AA821C59D7DB}"/>
+              </a:ext>
+            </a:extLst>
+          </p:cNvPr>
+          <p:cNvGrpSpPr/>
+          <p:nvPr/>
+        </p:nvGrpSpPr>
+        <p:grpSpPr>
+          <a:xfrm>
+            <a:off x="496067" y="506670"/>
+            <a:ext cx="4780013" cy="2757461"/>
+            <a:chOff x="349200" y="338400"/>
+            <a:chExt cx="5018400" cy="2894981"/>
+          </a:xfrm>
+        </p:grpSpPr>
+        <p:sp>
+          <p:nvSpPr>
+            <p:cNvPr id="9" name="Hexagon Background">
+              <a:extLst>
+                <a:ext uri="{FF2B5EF4-FFF2-40B4-BE49-F238E27FC236}">
+                  <a16:creationId xmlns:a16="http://schemas.microsoft.com/office/drawing/2014/main" id="{7A060CAA-35D7-B4DA-F003-EFD71A9D79EC}"/>
+                </a:ext>
+              </a:extLst>
+            </p:cNvPr>
+            <p:cNvSpPr/>
+            <p:nvPr/>
+          </p:nvSpPr>
+          <p:spPr>
+            <a:xfrm>
+              <a:off x="1029798" y="1482409"/>
+              <a:ext cx="3653961" cy="1397634"/>
+            </a:xfrm>
+            <a:custGeom>
+              <a:avLst/>
+              <a:gdLst>
+                <a:gd name="connsiteX0" fmla="*/ 2275840 w 4572000"/>
+                <a:gd name="connsiteY0" fmla="*/ 0 h 1407160"/>
+                <a:gd name="connsiteX1" fmla="*/ 4566920 w 4572000"/>
+                <a:gd name="connsiteY1" fmla="*/ 370840 h 1407160"/>
+                <a:gd name="connsiteX2" fmla="*/ 4572000 w 4572000"/>
+                <a:gd name="connsiteY2" fmla="*/ 1056640 h 1407160"/>
+                <a:gd name="connsiteX3" fmla="*/ 2311400 w 4572000"/>
+                <a:gd name="connsiteY3" fmla="*/ 1407160 h 1407160"/>
+                <a:gd name="connsiteX4" fmla="*/ 20320 w 4572000"/>
+                <a:gd name="connsiteY4" fmla="*/ 1056640 h 1407160"/>
+                <a:gd name="connsiteX5" fmla="*/ 0 w 4572000"/>
+                <a:gd name="connsiteY5" fmla="*/ 386080 h 1407160"/>
+                <a:gd name="connsiteX6" fmla="*/ 2275840 w 4572000"/>
+                <a:gd name="connsiteY6" fmla="*/ 0 h 1407160"/>
+                <a:gd name="connsiteX0" fmla="*/ 2275840 w 4572000"/>
+                <a:gd name="connsiteY0" fmla="*/ 0 h 1407160"/>
+                <a:gd name="connsiteX1" fmla="*/ 4099560 w 4572000"/>
+                <a:gd name="connsiteY1" fmla="*/ 370840 h 1407160"/>
+                <a:gd name="connsiteX2" fmla="*/ 4572000 w 4572000"/>
+                <a:gd name="connsiteY2" fmla="*/ 1056640 h 1407160"/>
+                <a:gd name="connsiteX3" fmla="*/ 2311400 w 4572000"/>
+                <a:gd name="connsiteY3" fmla="*/ 1407160 h 1407160"/>
+                <a:gd name="connsiteX4" fmla="*/ 20320 w 4572000"/>
+                <a:gd name="connsiteY4" fmla="*/ 1056640 h 1407160"/>
+                <a:gd name="connsiteX5" fmla="*/ 0 w 4572000"/>
+                <a:gd name="connsiteY5" fmla="*/ 386080 h 1407160"/>
+                <a:gd name="connsiteX6" fmla="*/ 2275840 w 4572000"/>
+                <a:gd name="connsiteY6" fmla="*/ 0 h 1407160"/>
+                <a:gd name="connsiteX0" fmla="*/ 2275840 w 4109720"/>
+                <a:gd name="connsiteY0" fmla="*/ 0 h 1407160"/>
+                <a:gd name="connsiteX1" fmla="*/ 4099560 w 4109720"/>
+                <a:gd name="connsiteY1" fmla="*/ 370840 h 1407160"/>
+                <a:gd name="connsiteX2" fmla="*/ 4109720 w 4109720"/>
+                <a:gd name="connsiteY2" fmla="*/ 1066800 h 1407160"/>
+                <a:gd name="connsiteX3" fmla="*/ 2311400 w 4109720"/>
+                <a:gd name="connsiteY3" fmla="*/ 1407160 h 1407160"/>
+                <a:gd name="connsiteX4" fmla="*/ 20320 w 4109720"/>
+                <a:gd name="connsiteY4" fmla="*/ 1056640 h 1407160"/>
+                <a:gd name="connsiteX5" fmla="*/ 0 w 4109720"/>
+                <a:gd name="connsiteY5" fmla="*/ 386080 h 1407160"/>
+                <a:gd name="connsiteX6" fmla="*/ 2275840 w 4109720"/>
+                <a:gd name="connsiteY6" fmla="*/ 0 h 1407160"/>
+                <a:gd name="connsiteX0" fmla="*/ 2275840 w 4109720"/>
+                <a:gd name="connsiteY0" fmla="*/ 0 h 1407160"/>
+                <a:gd name="connsiteX1" fmla="*/ 4099560 w 4109720"/>
+                <a:gd name="connsiteY1" fmla="*/ 370840 h 1407160"/>
+                <a:gd name="connsiteX2" fmla="*/ 4109720 w 4109720"/>
+                <a:gd name="connsiteY2" fmla="*/ 1066800 h 1407160"/>
+                <a:gd name="connsiteX3" fmla="*/ 2311400 w 4109720"/>
+                <a:gd name="connsiteY3" fmla="*/ 1407160 h 1407160"/>
+                <a:gd name="connsiteX4" fmla="*/ 492760 w 4109720"/>
+                <a:gd name="connsiteY4" fmla="*/ 1076960 h 1407160"/>
+                <a:gd name="connsiteX5" fmla="*/ 0 w 4109720"/>
+                <a:gd name="connsiteY5" fmla="*/ 386080 h 1407160"/>
+                <a:gd name="connsiteX6" fmla="*/ 2275840 w 4109720"/>
+                <a:gd name="connsiteY6" fmla="*/ 0 h 1407160"/>
+                <a:gd name="connsiteX0" fmla="*/ 1818640 w 3652520"/>
+                <a:gd name="connsiteY0" fmla="*/ 0 h 1407160"/>
+                <a:gd name="connsiteX1" fmla="*/ 3642360 w 3652520"/>
+                <a:gd name="connsiteY1" fmla="*/ 370840 h 1407160"/>
+                <a:gd name="connsiteX2" fmla="*/ 3652520 w 3652520"/>
+                <a:gd name="connsiteY2" fmla="*/ 1066800 h 1407160"/>
+                <a:gd name="connsiteX3" fmla="*/ 1854200 w 3652520"/>
+                <a:gd name="connsiteY3" fmla="*/ 1407160 h 1407160"/>
+                <a:gd name="connsiteX4" fmla="*/ 35560 w 3652520"/>
+                <a:gd name="connsiteY4" fmla="*/ 1076960 h 1407160"/>
+                <a:gd name="connsiteX5" fmla="*/ 0 w 3652520"/>
+                <a:gd name="connsiteY5" fmla="*/ 365760 h 1407160"/>
+                <a:gd name="connsiteX6" fmla="*/ 1818640 w 3652520"/>
+                <a:gd name="connsiteY6" fmla="*/ 0 h 1407160"/>
+                <a:gd name="connsiteX0" fmla="*/ 1818640 w 3652520"/>
+                <a:gd name="connsiteY0" fmla="*/ 0 h 1407160"/>
+                <a:gd name="connsiteX1" fmla="*/ 3642360 w 3652520"/>
+                <a:gd name="connsiteY1" fmla="*/ 370840 h 1407160"/>
+                <a:gd name="connsiteX2" fmla="*/ 3652520 w 3652520"/>
+                <a:gd name="connsiteY2" fmla="*/ 1066800 h 1407160"/>
+                <a:gd name="connsiteX3" fmla="*/ 1854200 w 3652520"/>
+                <a:gd name="connsiteY3" fmla="*/ 1407160 h 1407160"/>
+                <a:gd name="connsiteX4" fmla="*/ 30480 w 3652520"/>
+                <a:gd name="connsiteY4" fmla="*/ 1071880 h 1407160"/>
+                <a:gd name="connsiteX5" fmla="*/ 0 w 3652520"/>
+                <a:gd name="connsiteY5" fmla="*/ 365760 h 1407160"/>
+                <a:gd name="connsiteX6" fmla="*/ 1818640 w 3652520"/>
+                <a:gd name="connsiteY6" fmla="*/ 0 h 1407160"/>
+                <a:gd name="connsiteX0" fmla="*/ 1828165 w 3652520"/>
+                <a:gd name="connsiteY0" fmla="*/ 0 h 1389697"/>
+                <a:gd name="connsiteX1" fmla="*/ 3642360 w 3652520"/>
+                <a:gd name="connsiteY1" fmla="*/ 353377 h 1389697"/>
+                <a:gd name="connsiteX2" fmla="*/ 3652520 w 3652520"/>
+                <a:gd name="connsiteY2" fmla="*/ 1049337 h 1389697"/>
+                <a:gd name="connsiteX3" fmla="*/ 1854200 w 3652520"/>
+                <a:gd name="connsiteY3" fmla="*/ 1389697 h 1389697"/>
+                <a:gd name="connsiteX4" fmla="*/ 30480 w 3652520"/>
+                <a:gd name="connsiteY4" fmla="*/ 1054417 h 1389697"/>
+                <a:gd name="connsiteX5" fmla="*/ 0 w 3652520"/>
+                <a:gd name="connsiteY5" fmla="*/ 348297 h 1389697"/>
+                <a:gd name="connsiteX6" fmla="*/ 1828165 w 3652520"/>
+                <a:gd name="connsiteY6" fmla="*/ 0 h 1389697"/>
+                <a:gd name="connsiteX0" fmla="*/ 1828165 w 3652520"/>
+                <a:gd name="connsiteY0" fmla="*/ 0 h 1389697"/>
+                <a:gd name="connsiteX1" fmla="*/ 3642360 w 3652520"/>
+                <a:gd name="connsiteY1" fmla="*/ 353377 h 1389697"/>
+                <a:gd name="connsiteX2" fmla="*/ 3652520 w 3652520"/>
+                <a:gd name="connsiteY2" fmla="*/ 1049337 h 1389697"/>
+                <a:gd name="connsiteX3" fmla="*/ 1854200 w 3652520"/>
+                <a:gd name="connsiteY3" fmla="*/ 1389697 h 1389697"/>
+                <a:gd name="connsiteX4" fmla="*/ 30480 w 3652520"/>
+                <a:gd name="connsiteY4" fmla="*/ 1054417 h 1389697"/>
+                <a:gd name="connsiteX5" fmla="*/ 0 w 3652520"/>
+                <a:gd name="connsiteY5" fmla="*/ 348297 h 1389697"/>
+                <a:gd name="connsiteX6" fmla="*/ 1828165 w 3652520"/>
+                <a:gd name="connsiteY6" fmla="*/ 0 h 1389697"/>
+                <a:gd name="connsiteX0" fmla="*/ 1828165 w 3652520"/>
+                <a:gd name="connsiteY0" fmla="*/ 0 h 1389697"/>
+                <a:gd name="connsiteX1" fmla="*/ 3642360 w 3652520"/>
+                <a:gd name="connsiteY1" fmla="*/ 353377 h 1389697"/>
+                <a:gd name="connsiteX2" fmla="*/ 3652520 w 3652520"/>
+                <a:gd name="connsiteY2" fmla="*/ 1049337 h 1389697"/>
+                <a:gd name="connsiteX3" fmla="*/ 1854200 w 3652520"/>
+                <a:gd name="connsiteY3" fmla="*/ 1389697 h 1389697"/>
+                <a:gd name="connsiteX4" fmla="*/ 30480 w 3652520"/>
+                <a:gd name="connsiteY4" fmla="*/ 1054417 h 1389697"/>
+                <a:gd name="connsiteX5" fmla="*/ 0 w 3652520"/>
+                <a:gd name="connsiteY5" fmla="*/ 348297 h 1389697"/>
+                <a:gd name="connsiteX6" fmla="*/ 1828165 w 3652520"/>
+                <a:gd name="connsiteY6" fmla="*/ 0 h 1389697"/>
+                <a:gd name="connsiteX0" fmla="*/ 1823402 w 3652520"/>
+                <a:gd name="connsiteY0" fmla="*/ 0 h 1389697"/>
+                <a:gd name="connsiteX1" fmla="*/ 3642360 w 3652520"/>
+                <a:gd name="connsiteY1" fmla="*/ 353377 h 1389697"/>
+                <a:gd name="connsiteX2" fmla="*/ 3652520 w 3652520"/>
+                <a:gd name="connsiteY2" fmla="*/ 1049337 h 1389697"/>
+                <a:gd name="connsiteX3" fmla="*/ 1854200 w 3652520"/>
+                <a:gd name="connsiteY3" fmla="*/ 1389697 h 1389697"/>
+                <a:gd name="connsiteX4" fmla="*/ 30480 w 3652520"/>
+                <a:gd name="connsiteY4" fmla="*/ 1054417 h 1389697"/>
+                <a:gd name="connsiteX5" fmla="*/ 0 w 3652520"/>
+                <a:gd name="connsiteY5" fmla="*/ 348297 h 1389697"/>
+                <a:gd name="connsiteX6" fmla="*/ 1823402 w 3652520"/>
+                <a:gd name="connsiteY6" fmla="*/ 0 h 1389697"/>
+                <a:gd name="connsiteX0" fmla="*/ 1823402 w 3649345"/>
+                <a:gd name="connsiteY0" fmla="*/ 0 h 1389697"/>
+                <a:gd name="connsiteX1" fmla="*/ 3642360 w 3649345"/>
+                <a:gd name="connsiteY1" fmla="*/ 353377 h 1389697"/>
+                <a:gd name="connsiteX2" fmla="*/ 3649345 w 3649345"/>
+                <a:gd name="connsiteY2" fmla="*/ 1022349 h 1389697"/>
+                <a:gd name="connsiteX3" fmla="*/ 1854200 w 3649345"/>
+                <a:gd name="connsiteY3" fmla="*/ 1389697 h 1389697"/>
+                <a:gd name="connsiteX4" fmla="*/ 30480 w 3649345"/>
+                <a:gd name="connsiteY4" fmla="*/ 1054417 h 1389697"/>
+                <a:gd name="connsiteX5" fmla="*/ 0 w 3649345"/>
+                <a:gd name="connsiteY5" fmla="*/ 348297 h 1389697"/>
+                <a:gd name="connsiteX6" fmla="*/ 1823402 w 3649345"/>
+                <a:gd name="connsiteY6" fmla="*/ 0 h 1389697"/>
+                <a:gd name="connsiteX0" fmla="*/ 1823402 w 3649345"/>
+                <a:gd name="connsiteY0" fmla="*/ 0 h 1391284"/>
+                <a:gd name="connsiteX1" fmla="*/ 3642360 w 3649345"/>
+                <a:gd name="connsiteY1" fmla="*/ 353377 h 1391284"/>
+                <a:gd name="connsiteX2" fmla="*/ 3649345 w 3649345"/>
+                <a:gd name="connsiteY2" fmla="*/ 1022349 h 1391284"/>
+                <a:gd name="connsiteX3" fmla="*/ 1836737 w 3649345"/>
+                <a:gd name="connsiteY3" fmla="*/ 1391284 h 1391284"/>
+                <a:gd name="connsiteX4" fmla="*/ 30480 w 3649345"/>
+                <a:gd name="connsiteY4" fmla="*/ 1054417 h 1391284"/>
+                <a:gd name="connsiteX5" fmla="*/ 0 w 3649345"/>
+                <a:gd name="connsiteY5" fmla="*/ 348297 h 1391284"/>
+                <a:gd name="connsiteX6" fmla="*/ 1823402 w 3649345"/>
+                <a:gd name="connsiteY6" fmla="*/ 0 h 1391284"/>
+                <a:gd name="connsiteX0" fmla="*/ 1823402 w 3649345"/>
+                <a:gd name="connsiteY0" fmla="*/ 0 h 1388109"/>
+                <a:gd name="connsiteX1" fmla="*/ 3642360 w 3649345"/>
+                <a:gd name="connsiteY1" fmla="*/ 353377 h 1388109"/>
+                <a:gd name="connsiteX2" fmla="*/ 3649345 w 3649345"/>
+                <a:gd name="connsiteY2" fmla="*/ 1022349 h 1388109"/>
+                <a:gd name="connsiteX3" fmla="*/ 1817687 w 3649345"/>
+                <a:gd name="connsiteY3" fmla="*/ 1388109 h 1388109"/>
+                <a:gd name="connsiteX4" fmla="*/ 30480 w 3649345"/>
+                <a:gd name="connsiteY4" fmla="*/ 1054417 h 1388109"/>
+                <a:gd name="connsiteX5" fmla="*/ 0 w 3649345"/>
+                <a:gd name="connsiteY5" fmla="*/ 348297 h 1388109"/>
+                <a:gd name="connsiteX6" fmla="*/ 1823402 w 3649345"/>
+                <a:gd name="connsiteY6" fmla="*/ 0 h 1388109"/>
+                <a:gd name="connsiteX0" fmla="*/ 1823402 w 3649345"/>
+                <a:gd name="connsiteY0" fmla="*/ 0 h 1391284"/>
+                <a:gd name="connsiteX1" fmla="*/ 3642360 w 3649345"/>
+                <a:gd name="connsiteY1" fmla="*/ 353377 h 1391284"/>
+                <a:gd name="connsiteX2" fmla="*/ 3649345 w 3649345"/>
+                <a:gd name="connsiteY2" fmla="*/ 1022349 h 1391284"/>
+                <a:gd name="connsiteX3" fmla="*/ 1847850 w 3649345"/>
+                <a:gd name="connsiteY3" fmla="*/ 1391284 h 1391284"/>
+                <a:gd name="connsiteX4" fmla="*/ 30480 w 3649345"/>
+                <a:gd name="connsiteY4" fmla="*/ 1054417 h 1391284"/>
+                <a:gd name="connsiteX5" fmla="*/ 0 w 3649345"/>
+                <a:gd name="connsiteY5" fmla="*/ 348297 h 1391284"/>
+                <a:gd name="connsiteX6" fmla="*/ 1823402 w 3649345"/>
+                <a:gd name="connsiteY6" fmla="*/ 0 h 1391284"/>
+                <a:gd name="connsiteX0" fmla="*/ 1823402 w 3649345"/>
+                <a:gd name="connsiteY0" fmla="*/ 0 h 1402397"/>
+                <a:gd name="connsiteX1" fmla="*/ 3642360 w 3649345"/>
+                <a:gd name="connsiteY1" fmla="*/ 353377 h 1402397"/>
+                <a:gd name="connsiteX2" fmla="*/ 3649345 w 3649345"/>
+                <a:gd name="connsiteY2" fmla="*/ 1022349 h 1402397"/>
+                <a:gd name="connsiteX3" fmla="*/ 1841500 w 3649345"/>
+                <a:gd name="connsiteY3" fmla="*/ 1402397 h 1402397"/>
+                <a:gd name="connsiteX4" fmla="*/ 30480 w 3649345"/>
+                <a:gd name="connsiteY4" fmla="*/ 1054417 h 1402397"/>
+                <a:gd name="connsiteX5" fmla="*/ 0 w 3649345"/>
+                <a:gd name="connsiteY5" fmla="*/ 348297 h 1402397"/>
+                <a:gd name="connsiteX6" fmla="*/ 1823402 w 3649345"/>
+                <a:gd name="connsiteY6" fmla="*/ 0 h 1402397"/>
+                <a:gd name="connsiteX0" fmla="*/ 1823402 w 3649345"/>
+                <a:gd name="connsiteY0" fmla="*/ 0 h 1392872"/>
+                <a:gd name="connsiteX1" fmla="*/ 3642360 w 3649345"/>
+                <a:gd name="connsiteY1" fmla="*/ 353377 h 1392872"/>
+                <a:gd name="connsiteX2" fmla="*/ 3649345 w 3649345"/>
+                <a:gd name="connsiteY2" fmla="*/ 1022349 h 1392872"/>
+                <a:gd name="connsiteX3" fmla="*/ 1843088 w 3649345"/>
+                <a:gd name="connsiteY3" fmla="*/ 1392872 h 1392872"/>
+                <a:gd name="connsiteX4" fmla="*/ 30480 w 3649345"/>
+                <a:gd name="connsiteY4" fmla="*/ 1054417 h 1392872"/>
+                <a:gd name="connsiteX5" fmla="*/ 0 w 3649345"/>
+                <a:gd name="connsiteY5" fmla="*/ 348297 h 1392872"/>
+                <a:gd name="connsiteX6" fmla="*/ 1823402 w 3649345"/>
+                <a:gd name="connsiteY6" fmla="*/ 0 h 1392872"/>
+                <a:gd name="connsiteX0" fmla="*/ 1823402 w 3649345"/>
+                <a:gd name="connsiteY0" fmla="*/ 0 h 1392872"/>
+                <a:gd name="connsiteX1" fmla="*/ 3642360 w 3649345"/>
+                <a:gd name="connsiteY1" fmla="*/ 353377 h 1392872"/>
+                <a:gd name="connsiteX2" fmla="*/ 3649345 w 3649345"/>
+                <a:gd name="connsiteY2" fmla="*/ 1022349 h 1392872"/>
+                <a:gd name="connsiteX3" fmla="*/ 1843088 w 3649345"/>
+                <a:gd name="connsiteY3" fmla="*/ 1392872 h 1392872"/>
+                <a:gd name="connsiteX4" fmla="*/ 11430 w 3649345"/>
+                <a:gd name="connsiteY4" fmla="*/ 1044892 h 1392872"/>
+                <a:gd name="connsiteX5" fmla="*/ 0 w 3649345"/>
+                <a:gd name="connsiteY5" fmla="*/ 348297 h 1392872"/>
+                <a:gd name="connsiteX6" fmla="*/ 1823402 w 3649345"/>
+                <a:gd name="connsiteY6" fmla="*/ 0 h 1392872"/>
+                <a:gd name="connsiteX0" fmla="*/ 1815465 w 3641408"/>
+                <a:gd name="connsiteY0" fmla="*/ 0 h 1392872"/>
+                <a:gd name="connsiteX1" fmla="*/ 3634423 w 3641408"/>
+                <a:gd name="connsiteY1" fmla="*/ 353377 h 1392872"/>
+                <a:gd name="connsiteX2" fmla="*/ 3641408 w 3641408"/>
+                <a:gd name="connsiteY2" fmla="*/ 1022349 h 1392872"/>
+                <a:gd name="connsiteX3" fmla="*/ 1835151 w 3641408"/>
+                <a:gd name="connsiteY3" fmla="*/ 1392872 h 1392872"/>
+                <a:gd name="connsiteX4" fmla="*/ 3493 w 3641408"/>
+                <a:gd name="connsiteY4" fmla="*/ 1044892 h 1392872"/>
+                <a:gd name="connsiteX5" fmla="*/ 0 w 3641408"/>
+                <a:gd name="connsiteY5" fmla="*/ 359409 h 1392872"/>
+                <a:gd name="connsiteX6" fmla="*/ 1815465 w 3641408"/>
+                <a:gd name="connsiteY6" fmla="*/ 0 h 1392872"/>
+                <a:gd name="connsiteX0" fmla="*/ 1823402 w 3641408"/>
+                <a:gd name="connsiteY0" fmla="*/ 0 h 1396047"/>
+                <a:gd name="connsiteX1" fmla="*/ 3634423 w 3641408"/>
+                <a:gd name="connsiteY1" fmla="*/ 356552 h 1396047"/>
+                <a:gd name="connsiteX2" fmla="*/ 3641408 w 3641408"/>
+                <a:gd name="connsiteY2" fmla="*/ 1025524 h 1396047"/>
+                <a:gd name="connsiteX3" fmla="*/ 1835151 w 3641408"/>
+                <a:gd name="connsiteY3" fmla="*/ 1396047 h 1396047"/>
+                <a:gd name="connsiteX4" fmla="*/ 3493 w 3641408"/>
+                <a:gd name="connsiteY4" fmla="*/ 1048067 h 1396047"/>
+                <a:gd name="connsiteX5" fmla="*/ 0 w 3641408"/>
+                <a:gd name="connsiteY5" fmla="*/ 362584 h 1396047"/>
+                <a:gd name="connsiteX6" fmla="*/ 1823402 w 3641408"/>
+                <a:gd name="connsiteY6" fmla="*/ 0 h 1396047"/>
+                <a:gd name="connsiteX0" fmla="*/ 1823402 w 3641408"/>
+                <a:gd name="connsiteY0" fmla="*/ 0 h 1396047"/>
+                <a:gd name="connsiteX1" fmla="*/ 3634423 w 3641408"/>
+                <a:gd name="connsiteY1" fmla="*/ 356552 h 1396047"/>
+                <a:gd name="connsiteX2" fmla="*/ 3641408 w 3641408"/>
+                <a:gd name="connsiteY2" fmla="*/ 1025524 h 1396047"/>
+                <a:gd name="connsiteX3" fmla="*/ 1835151 w 3641408"/>
+                <a:gd name="connsiteY3" fmla="*/ 1396047 h 1396047"/>
+                <a:gd name="connsiteX4" fmla="*/ 3493 w 3641408"/>
+                <a:gd name="connsiteY4" fmla="*/ 1048067 h 1396047"/>
+                <a:gd name="connsiteX5" fmla="*/ 0 w 3641408"/>
+                <a:gd name="connsiteY5" fmla="*/ 362584 h 1396047"/>
+                <a:gd name="connsiteX6" fmla="*/ 1823402 w 3641408"/>
+                <a:gd name="connsiteY6" fmla="*/ 0 h 1396047"/>
+                <a:gd name="connsiteX0" fmla="*/ 1823402 w 3641408"/>
+                <a:gd name="connsiteY0" fmla="*/ 0 h 1396047"/>
+                <a:gd name="connsiteX1" fmla="*/ 3634423 w 3641408"/>
+                <a:gd name="connsiteY1" fmla="*/ 356552 h 1396047"/>
+                <a:gd name="connsiteX2" fmla="*/ 3641408 w 3641408"/>
+                <a:gd name="connsiteY2" fmla="*/ 1025524 h 1396047"/>
+                <a:gd name="connsiteX3" fmla="*/ 1835151 w 3641408"/>
+                <a:gd name="connsiteY3" fmla="*/ 1396047 h 1396047"/>
+                <a:gd name="connsiteX4" fmla="*/ 3493 w 3641408"/>
+                <a:gd name="connsiteY4" fmla="*/ 1048067 h 1396047"/>
+                <a:gd name="connsiteX5" fmla="*/ 0 w 3641408"/>
+                <a:gd name="connsiteY5" fmla="*/ 362584 h 1396047"/>
+                <a:gd name="connsiteX6" fmla="*/ 1823402 w 3641408"/>
+                <a:gd name="connsiteY6" fmla="*/ 0 h 1396047"/>
+                <a:gd name="connsiteX0" fmla="*/ 1823402 w 3641408"/>
+                <a:gd name="connsiteY0" fmla="*/ 0 h 1396047"/>
+                <a:gd name="connsiteX1" fmla="*/ 3634423 w 3641408"/>
+                <a:gd name="connsiteY1" fmla="*/ 356552 h 1396047"/>
+                <a:gd name="connsiteX2" fmla="*/ 3641408 w 3641408"/>
+                <a:gd name="connsiteY2" fmla="*/ 1025524 h 1396047"/>
+                <a:gd name="connsiteX3" fmla="*/ 1835151 w 3641408"/>
+                <a:gd name="connsiteY3" fmla="*/ 1396047 h 1396047"/>
+                <a:gd name="connsiteX4" fmla="*/ 3493 w 3641408"/>
+                <a:gd name="connsiteY4" fmla="*/ 1048067 h 1396047"/>
+                <a:gd name="connsiteX5" fmla="*/ 0 w 3641408"/>
+                <a:gd name="connsiteY5" fmla="*/ 362584 h 1396047"/>
+                <a:gd name="connsiteX6" fmla="*/ 1823402 w 3641408"/>
+                <a:gd name="connsiteY6" fmla="*/ 0 h 1396047"/>
+                <a:gd name="connsiteX0" fmla="*/ 1823402 w 3641408"/>
+                <a:gd name="connsiteY0" fmla="*/ 0 h 1396047"/>
+                <a:gd name="connsiteX1" fmla="*/ 3634423 w 3641408"/>
+                <a:gd name="connsiteY1" fmla="*/ 356552 h 1396047"/>
+                <a:gd name="connsiteX2" fmla="*/ 3641408 w 3641408"/>
+                <a:gd name="connsiteY2" fmla="*/ 1025524 h 1396047"/>
+                <a:gd name="connsiteX3" fmla="*/ 1835151 w 3641408"/>
+                <a:gd name="connsiteY3" fmla="*/ 1396047 h 1396047"/>
+                <a:gd name="connsiteX4" fmla="*/ 3493 w 3641408"/>
+                <a:gd name="connsiteY4" fmla="*/ 1048067 h 1396047"/>
+                <a:gd name="connsiteX5" fmla="*/ 0 w 3641408"/>
+                <a:gd name="connsiteY5" fmla="*/ 362584 h 1396047"/>
+                <a:gd name="connsiteX6" fmla="*/ 1823402 w 3641408"/>
+                <a:gd name="connsiteY6" fmla="*/ 0 h 1396047"/>
+                <a:gd name="connsiteX0" fmla="*/ 1823402 w 3641408"/>
+                <a:gd name="connsiteY0" fmla="*/ 0 h 1396047"/>
+                <a:gd name="connsiteX1" fmla="*/ 3634423 w 3641408"/>
+                <a:gd name="connsiteY1" fmla="*/ 356552 h 1396047"/>
+                <a:gd name="connsiteX2" fmla="*/ 3641408 w 3641408"/>
+                <a:gd name="connsiteY2" fmla="*/ 1025524 h 1396047"/>
+                <a:gd name="connsiteX3" fmla="*/ 1835151 w 3641408"/>
+                <a:gd name="connsiteY3" fmla="*/ 1396047 h 1396047"/>
+                <a:gd name="connsiteX4" fmla="*/ 3493 w 3641408"/>
+                <a:gd name="connsiteY4" fmla="*/ 1048067 h 1396047"/>
+                <a:gd name="connsiteX5" fmla="*/ 0 w 3641408"/>
+                <a:gd name="connsiteY5" fmla="*/ 362584 h 1396047"/>
+                <a:gd name="connsiteX6" fmla="*/ 1823402 w 3641408"/>
+                <a:gd name="connsiteY6" fmla="*/ 0 h 1396047"/>
+                <a:gd name="connsiteX0" fmla="*/ 1823402 w 3641408"/>
+                <a:gd name="connsiteY0" fmla="*/ 0 h 1396047"/>
+                <a:gd name="connsiteX1" fmla="*/ 3640773 w 3641408"/>
+                <a:gd name="connsiteY1" fmla="*/ 366077 h 1396047"/>
+                <a:gd name="connsiteX2" fmla="*/ 3641408 w 3641408"/>
+                <a:gd name="connsiteY2" fmla="*/ 1025524 h 1396047"/>
+                <a:gd name="connsiteX3" fmla="*/ 1835151 w 3641408"/>
+                <a:gd name="connsiteY3" fmla="*/ 1396047 h 1396047"/>
+                <a:gd name="connsiteX4" fmla="*/ 3493 w 3641408"/>
+                <a:gd name="connsiteY4" fmla="*/ 1048067 h 1396047"/>
+                <a:gd name="connsiteX5" fmla="*/ 0 w 3641408"/>
+                <a:gd name="connsiteY5" fmla="*/ 362584 h 1396047"/>
+                <a:gd name="connsiteX6" fmla="*/ 1823402 w 3641408"/>
+                <a:gd name="connsiteY6" fmla="*/ 0 h 1396047"/>
+                <a:gd name="connsiteX0" fmla="*/ 1823402 w 3640984"/>
+                <a:gd name="connsiteY0" fmla="*/ 0 h 1396047"/>
+                <a:gd name="connsiteX1" fmla="*/ 3640773 w 3640984"/>
+                <a:gd name="connsiteY1" fmla="*/ 366077 h 1396047"/>
+                <a:gd name="connsiteX2" fmla="*/ 3635058 w 3640984"/>
+                <a:gd name="connsiteY2" fmla="*/ 1030286 h 1396047"/>
+                <a:gd name="connsiteX3" fmla="*/ 1835151 w 3640984"/>
+                <a:gd name="connsiteY3" fmla="*/ 1396047 h 1396047"/>
+                <a:gd name="connsiteX4" fmla="*/ 3493 w 3640984"/>
+                <a:gd name="connsiteY4" fmla="*/ 1048067 h 1396047"/>
+                <a:gd name="connsiteX5" fmla="*/ 0 w 3640984"/>
+                <a:gd name="connsiteY5" fmla="*/ 362584 h 1396047"/>
+                <a:gd name="connsiteX6" fmla="*/ 1823402 w 3640984"/>
+                <a:gd name="connsiteY6" fmla="*/ 0 h 1396047"/>
+                <a:gd name="connsiteX0" fmla="*/ 1823402 w 3640984"/>
+                <a:gd name="connsiteY0" fmla="*/ 0 h 1396047"/>
+                <a:gd name="connsiteX1" fmla="*/ 3640773 w 3640984"/>
+                <a:gd name="connsiteY1" fmla="*/ 366077 h 1396047"/>
+                <a:gd name="connsiteX2" fmla="*/ 3635058 w 3640984"/>
+                <a:gd name="connsiteY2" fmla="*/ 1030286 h 1396047"/>
+                <a:gd name="connsiteX3" fmla="*/ 1835151 w 3640984"/>
+                <a:gd name="connsiteY3" fmla="*/ 1396047 h 1396047"/>
+                <a:gd name="connsiteX4" fmla="*/ 3493 w 3640984"/>
+                <a:gd name="connsiteY4" fmla="*/ 1041717 h 1396047"/>
+                <a:gd name="connsiteX5" fmla="*/ 0 w 3640984"/>
+                <a:gd name="connsiteY5" fmla="*/ 362584 h 1396047"/>
+                <a:gd name="connsiteX6" fmla="*/ 1823402 w 3640984"/>
+                <a:gd name="connsiteY6" fmla="*/ 0 h 1396047"/>
+                <a:gd name="connsiteX0" fmla="*/ 1823402 w 3651985"/>
+                <a:gd name="connsiteY0" fmla="*/ 0 h 1396047"/>
+                <a:gd name="connsiteX1" fmla="*/ 3651885 w 3651985"/>
+                <a:gd name="connsiteY1" fmla="*/ 366077 h 1396047"/>
+                <a:gd name="connsiteX2" fmla="*/ 3635058 w 3651985"/>
+                <a:gd name="connsiteY2" fmla="*/ 1030286 h 1396047"/>
+                <a:gd name="connsiteX3" fmla="*/ 1835151 w 3651985"/>
+                <a:gd name="connsiteY3" fmla="*/ 1396047 h 1396047"/>
+                <a:gd name="connsiteX4" fmla="*/ 3493 w 3651985"/>
+                <a:gd name="connsiteY4" fmla="*/ 1041717 h 1396047"/>
+                <a:gd name="connsiteX5" fmla="*/ 0 w 3651985"/>
+                <a:gd name="connsiteY5" fmla="*/ 362584 h 1396047"/>
+                <a:gd name="connsiteX6" fmla="*/ 1823402 w 3651985"/>
+                <a:gd name="connsiteY6" fmla="*/ 0 h 1396047"/>
+                <a:gd name="connsiteX0" fmla="*/ 1823402 w 3652067"/>
+                <a:gd name="connsiteY0" fmla="*/ 0 h 1396047"/>
+                <a:gd name="connsiteX1" fmla="*/ 3651885 w 3652067"/>
+                <a:gd name="connsiteY1" fmla="*/ 366077 h 1396047"/>
+                <a:gd name="connsiteX2" fmla="*/ 3644583 w 3652067"/>
+                <a:gd name="connsiteY2" fmla="*/ 1038223 h 1396047"/>
+                <a:gd name="connsiteX3" fmla="*/ 1835151 w 3652067"/>
+                <a:gd name="connsiteY3" fmla="*/ 1396047 h 1396047"/>
+                <a:gd name="connsiteX4" fmla="*/ 3493 w 3652067"/>
+                <a:gd name="connsiteY4" fmla="*/ 1041717 h 1396047"/>
+                <a:gd name="connsiteX5" fmla="*/ 0 w 3652067"/>
+                <a:gd name="connsiteY5" fmla="*/ 362584 h 1396047"/>
+                <a:gd name="connsiteX6" fmla="*/ 1823402 w 3652067"/>
+                <a:gd name="connsiteY6" fmla="*/ 0 h 1396047"/>
+                <a:gd name="connsiteX0" fmla="*/ 1823402 w 3652067"/>
+                <a:gd name="connsiteY0" fmla="*/ 0 h 1397634"/>
+                <a:gd name="connsiteX1" fmla="*/ 3651885 w 3652067"/>
+                <a:gd name="connsiteY1" fmla="*/ 366077 h 1397634"/>
+                <a:gd name="connsiteX2" fmla="*/ 3644583 w 3652067"/>
+                <a:gd name="connsiteY2" fmla="*/ 1038223 h 1397634"/>
+                <a:gd name="connsiteX3" fmla="*/ 1830389 w 3652067"/>
+                <a:gd name="connsiteY3" fmla="*/ 1397634 h 1397634"/>
+                <a:gd name="connsiteX4" fmla="*/ 3493 w 3652067"/>
+                <a:gd name="connsiteY4" fmla="*/ 1041717 h 1397634"/>
+                <a:gd name="connsiteX5" fmla="*/ 0 w 3652067"/>
+                <a:gd name="connsiteY5" fmla="*/ 362584 h 1397634"/>
+                <a:gd name="connsiteX6" fmla="*/ 1823402 w 3652067"/>
+                <a:gd name="connsiteY6" fmla="*/ 0 h 1397634"/>
+                <a:gd name="connsiteX0" fmla="*/ 1832691 w 3661356"/>
+                <a:gd name="connsiteY0" fmla="*/ 0 h 1397634"/>
+                <a:gd name="connsiteX1" fmla="*/ 3661174 w 3661356"/>
+                <a:gd name="connsiteY1" fmla="*/ 366077 h 1397634"/>
+                <a:gd name="connsiteX2" fmla="*/ 3653872 w 3661356"/>
+                <a:gd name="connsiteY2" fmla="*/ 1038223 h 1397634"/>
+                <a:gd name="connsiteX3" fmla="*/ 1839678 w 3661356"/>
+                <a:gd name="connsiteY3" fmla="*/ 1397634 h 1397634"/>
+                <a:gd name="connsiteX4" fmla="*/ 82 w 3661356"/>
+                <a:gd name="connsiteY4" fmla="*/ 1040129 h 1397634"/>
+                <a:gd name="connsiteX5" fmla="*/ 9289 w 3661356"/>
+                <a:gd name="connsiteY5" fmla="*/ 362584 h 1397634"/>
+                <a:gd name="connsiteX6" fmla="*/ 1832691 w 3661356"/>
+                <a:gd name="connsiteY6" fmla="*/ 0 h 1397634"/>
+                <a:gd name="connsiteX0" fmla="*/ 1832780 w 3661445"/>
+                <a:gd name="connsiteY0" fmla="*/ 0 h 1397634"/>
+                <a:gd name="connsiteX1" fmla="*/ 3661263 w 3661445"/>
+                <a:gd name="connsiteY1" fmla="*/ 366077 h 1397634"/>
+                <a:gd name="connsiteX2" fmla="*/ 3653961 w 3661445"/>
+                <a:gd name="connsiteY2" fmla="*/ 1038223 h 1397634"/>
+                <a:gd name="connsiteX3" fmla="*/ 1839767 w 3661445"/>
+                <a:gd name="connsiteY3" fmla="*/ 1397634 h 1397634"/>
+                <a:gd name="connsiteX4" fmla="*/ 171 w 3661445"/>
+                <a:gd name="connsiteY4" fmla="*/ 1040129 h 1397634"/>
+                <a:gd name="connsiteX5" fmla="*/ 3028 w 3661445"/>
+                <a:gd name="connsiteY5" fmla="*/ 362584 h 1397634"/>
+                <a:gd name="connsiteX6" fmla="*/ 1832780 w 3661445"/>
+                <a:gd name="connsiteY6" fmla="*/ 0 h 1397634"/>
+                <a:gd name="connsiteX0" fmla="*/ 1832780 w 3653961"/>
+                <a:gd name="connsiteY0" fmla="*/ 0 h 1397634"/>
+                <a:gd name="connsiteX1" fmla="*/ 3653326 w 3653961"/>
+                <a:gd name="connsiteY1" fmla="*/ 366077 h 1397634"/>
+                <a:gd name="connsiteX2" fmla="*/ 3653961 w 3653961"/>
+                <a:gd name="connsiteY2" fmla="*/ 1038223 h 1397634"/>
+                <a:gd name="connsiteX3" fmla="*/ 1839767 w 3653961"/>
+                <a:gd name="connsiteY3" fmla="*/ 1397634 h 1397634"/>
+                <a:gd name="connsiteX4" fmla="*/ 171 w 3653961"/>
+                <a:gd name="connsiteY4" fmla="*/ 1040129 h 1397634"/>
+                <a:gd name="connsiteX5" fmla="*/ 3028 w 3653961"/>
+                <a:gd name="connsiteY5" fmla="*/ 362584 h 1397634"/>
+                <a:gd name="connsiteX6" fmla="*/ 1832780 w 3653961"/>
+                <a:gd name="connsiteY6" fmla="*/ 0 h 1397634"/>
+              </a:gdLst>
+              <a:ahLst/>
+              <a:cxnLst>
+                <a:cxn ang="0">
+                  <a:pos x="connsiteX0" y="connsiteY0"/>
+                </a:cxn>
+                <a:cxn ang="0">
+                  <a:pos x="connsiteX1" y="connsiteY1"/>
+                </a:cxn>
+                <a:cxn ang="0">
+                  <a:pos x="connsiteX2" y="connsiteY2"/>
+                </a:cxn>
+                <a:cxn ang="0">
+                  <a:pos x="connsiteX3" y="connsiteY3"/>
+                </a:cxn>
+                <a:cxn ang="0">
+                  <a:pos x="connsiteX4" y="connsiteY4"/>
+                </a:cxn>
+                <a:cxn ang="0">
+                  <a:pos x="connsiteX5" y="connsiteY5"/>
+                </a:cxn>
+                <a:cxn ang="0">
+                  <a:pos x="connsiteX6" y="connsiteY6"/>
+                </a:cxn>
+              </a:cxnLst>
+              <a:rect l="l" t="t" r="r" b="b"/>
+              <a:pathLst>
+                <a:path w="3653961" h="1397634">
+                  <a:moveTo>
+                    <a:pt x="1832780" y="0"/>
+                  </a:moveTo>
+                  <a:lnTo>
+                    <a:pt x="3653326" y="366077"/>
+                  </a:lnTo>
+                  <a:cubicBezTo>
+                    <a:pt x="3655019" y="594677"/>
+                    <a:pt x="3652268" y="809623"/>
+                    <a:pt x="3653961" y="1038223"/>
+                  </a:cubicBezTo>
+                  <a:lnTo>
+                    <a:pt x="1839767" y="1397634"/>
+                  </a:lnTo>
+                  <a:lnTo>
+                    <a:pt x="171" y="1040129"/>
+                  </a:lnTo>
+                  <a:cubicBezTo>
+                    <a:pt x="-993" y="811635"/>
+                    <a:pt x="4192" y="591078"/>
+                    <a:pt x="3028" y="362584"/>
+                  </a:cubicBezTo>
+                  <a:lnTo>
+                    <a:pt x="1832780" y="0"/>
+                  </a:lnTo>
+                  <a:close/>
+                </a:path>
+              </a:pathLst>
+            </a:custGeom>
+            <a:solidFill>
+              <a:srgbClr val="475281">
+                <a:alpha val="29804"/>
+              </a:srgbClr>
+            </a:solidFill>
+          </p:spPr>
+          <p:style>
+            <a:lnRef idx="2">
+              <a:schemeClr val="accent1">
+                <a:shade val="15000"/>
+              </a:schemeClr>
+            </a:lnRef>
+            <a:fillRef idx="1">
+              <a:schemeClr val="accent1"/>
+            </a:fillRef>
+            <a:effectRef idx="0">
+              <a:schemeClr val="accent1"/>
+            </a:effectRef>
+            <a:fontRef idx="minor">
+              <a:schemeClr val="lt1"/>
+            </a:fontRef>
+          </p:style>
+          <p:txBody>
+            <a:bodyPr rtlCol="0" anchor="ctr"/>
+            <a:lstStyle/>
+            <a:p>
+              <a:pPr algn="ctr"/>
+              <a:endParaRPr lang="en-SG" sz="1801" dirty="0"/>
+            </a:p>
+          </p:txBody>
+        </p:sp>
+        <p:grpSp>
+          <p:nvGrpSpPr>
+            <p:cNvPr id="15" name="Group 14">
+              <a:extLst>
+                <a:ext uri="{FF2B5EF4-FFF2-40B4-BE49-F238E27FC236}">
+                  <a16:creationId xmlns:a16="http://schemas.microsoft.com/office/drawing/2014/main" id="{C7581FC7-BEE2-D7FF-365C-89AA4B215E9C}"/>
+                </a:ext>
+              </a:extLst>
+            </p:cNvPr>
+            <p:cNvGrpSpPr/>
+            <p:nvPr/>
+          </p:nvGrpSpPr>
+          <p:grpSpPr>
+            <a:xfrm>
+              <a:off x="1031400" y="1514326"/>
+              <a:ext cx="3654000" cy="1334956"/>
+              <a:chOff x="1031400" y="1514326"/>
+              <a:chExt cx="3654000" cy="1334956"/>
+            </a:xfrm>
+          </p:grpSpPr>
+          <p:cxnSp>
+            <p:nvCxnSpPr>
+              <p:cNvPr id="66" name="Straight Connector 65">
+                <a:extLst>
+                  <a:ext uri="{FF2B5EF4-FFF2-40B4-BE49-F238E27FC236}">
+                    <a16:creationId xmlns:a16="http://schemas.microsoft.com/office/drawing/2014/main" id="{6B5816AB-09D9-260A-7CAB-7E58555DCA5B}"/>
+                  </a:ext>
+                </a:extLst>
+              </p:cNvPr>
+              <p:cNvCxnSpPr>
+                <a:cxnSpLocks/>
+                <a:stCxn id="37" idx="5"/>
+                <a:endCxn id="60" idx="2"/>
+              </p:cNvCxnSpPr>
+              <p:nvPr/>
+            </p:nvCxnSpPr>
+            <p:spPr>
+              <a:xfrm>
+                <a:off x="3018954" y="1514326"/>
+                <a:ext cx="1441446" cy="287988"/>
+              </a:xfrm>
+              <a:prstGeom prst="line">
+                <a:avLst/>
+              </a:prstGeom>
+              <a:ln w="12700">
+                <a:solidFill>
+                  <a:srgbClr val="9F979F"/>
+                </a:solidFill>
+              </a:ln>
+            </p:spPr>
+            <p:style>
+              <a:lnRef idx="1">
+                <a:schemeClr val="accent1"/>
+              </a:lnRef>
+              <a:fillRef idx="0">
+                <a:schemeClr val="accent1"/>
+              </a:fillRef>
+              <a:effectRef idx="0">
+                <a:schemeClr val="accent1"/>
+              </a:effectRef>
+              <a:fontRef idx="minor">
+                <a:schemeClr val="tx1"/>
+              </a:fontRef>
+            </p:style>
+          </p:cxnSp>
+          <p:cxnSp>
+            <p:nvCxnSpPr>
+              <p:cNvPr id="71" name="Straight Connector 70">
+                <a:extLst>
+                  <a:ext uri="{FF2B5EF4-FFF2-40B4-BE49-F238E27FC236}">
+                    <a16:creationId xmlns:a16="http://schemas.microsoft.com/office/drawing/2014/main" id="{4673802F-A6B3-53EF-A77B-ED41659659A5}"/>
+                  </a:ext>
+                </a:extLst>
+              </p:cNvPr>
+              <p:cNvCxnSpPr>
+                <a:cxnSpLocks/>
+                <a:stCxn id="37" idx="3"/>
+                <a:endCxn id="64" idx="6"/>
+              </p:cNvCxnSpPr>
+              <p:nvPr/>
+            </p:nvCxnSpPr>
+            <p:spPr>
+              <a:xfrm flipH="1">
+                <a:off x="1256400" y="1514326"/>
+                <a:ext cx="1444356" cy="287988"/>
+              </a:xfrm>
+              <a:prstGeom prst="line">
+                <a:avLst/>
+              </a:prstGeom>
+              <a:ln w="12700">
+                <a:solidFill>
+                  <a:srgbClr val="9F979F"/>
+                </a:solidFill>
+              </a:ln>
+            </p:spPr>
+            <p:style>
+              <a:lnRef idx="1">
+                <a:schemeClr val="accent1"/>
+              </a:lnRef>
+              <a:fillRef idx="0">
+                <a:schemeClr val="accent1"/>
+              </a:fillRef>
+              <a:effectRef idx="0">
+                <a:schemeClr val="accent1"/>
+              </a:effectRef>
+              <a:fontRef idx="minor">
+                <a:schemeClr val="tx1"/>
+              </a:fontRef>
+            </p:style>
+          </p:cxnSp>
+          <p:cxnSp>
+            <p:nvCxnSpPr>
+              <p:cNvPr id="73" name="Straight Connector 72">
+                <a:extLst>
+                  <a:ext uri="{FF2B5EF4-FFF2-40B4-BE49-F238E27FC236}">
+                    <a16:creationId xmlns:a16="http://schemas.microsoft.com/office/drawing/2014/main" id="{3DFDFB89-4011-4933-40C9-3A706C5B145E}"/>
+                  </a:ext>
+                </a:extLst>
+              </p:cNvPr>
+              <p:cNvCxnSpPr>
+                <a:cxnSpLocks/>
+                <a:stCxn id="64" idx="4"/>
+                <a:endCxn id="63" idx="0"/>
+              </p:cNvCxnSpPr>
+              <p:nvPr/>
+            </p:nvCxnSpPr>
+            <p:spPr>
+              <a:xfrm>
+                <a:off x="1031400" y="2027314"/>
+                <a:ext cx="0" cy="313332"/>
+              </a:xfrm>
+              <a:prstGeom prst="line">
+                <a:avLst/>
+              </a:prstGeom>
+              <a:ln w="12700">
+                <a:solidFill>
+                  <a:srgbClr val="9F979F"/>
+                </a:solidFill>
+              </a:ln>
+            </p:spPr>
+            <p:style>
+              <a:lnRef idx="1">
+                <a:schemeClr val="accent1"/>
+              </a:lnRef>
+              <a:fillRef idx="0">
+                <a:schemeClr val="accent1"/>
+              </a:fillRef>
+              <a:effectRef idx="0">
+                <a:schemeClr val="accent1"/>
+              </a:effectRef>
+              <a:fontRef idx="minor">
+                <a:schemeClr val="tx1"/>
+              </a:fontRef>
+            </p:style>
+          </p:cxnSp>
+          <p:cxnSp>
+            <p:nvCxnSpPr>
+              <p:cNvPr id="77" name="Straight Connector 76">
+                <a:extLst>
+                  <a:ext uri="{FF2B5EF4-FFF2-40B4-BE49-F238E27FC236}">
+                    <a16:creationId xmlns:a16="http://schemas.microsoft.com/office/drawing/2014/main" id="{E3AB7C48-93B5-71B6-D34C-1067AD46BA67}"/>
+                  </a:ext>
+                </a:extLst>
+              </p:cNvPr>
+              <p:cNvCxnSpPr>
+                <a:cxnSpLocks/>
+                <a:stCxn id="63" idx="6"/>
+                <a:endCxn id="62" idx="1"/>
+              </p:cNvCxnSpPr>
+              <p:nvPr/>
+            </p:nvCxnSpPr>
+            <p:spPr>
+              <a:xfrm>
+                <a:off x="1256400" y="2565646"/>
+                <a:ext cx="1444356" cy="283636"/>
+              </a:xfrm>
+              <a:prstGeom prst="line">
+                <a:avLst/>
+              </a:prstGeom>
+              <a:ln w="12700">
+                <a:solidFill>
+                  <a:srgbClr val="9F979F"/>
+                </a:solidFill>
+              </a:ln>
+            </p:spPr>
+            <p:style>
+              <a:lnRef idx="1">
+                <a:schemeClr val="accent1"/>
+              </a:lnRef>
+              <a:fillRef idx="0">
+                <a:schemeClr val="accent1"/>
+              </a:fillRef>
+              <a:effectRef idx="0">
+                <a:schemeClr val="accent1"/>
+              </a:effectRef>
+              <a:fontRef idx="minor">
+                <a:schemeClr val="tx1"/>
+              </a:fontRef>
+            </p:style>
+          </p:cxnSp>
+          <p:cxnSp>
+            <p:nvCxnSpPr>
+              <p:cNvPr id="79" name="Straight Connector 78">
+                <a:extLst>
+                  <a:ext uri="{FF2B5EF4-FFF2-40B4-BE49-F238E27FC236}">
+                    <a16:creationId xmlns:a16="http://schemas.microsoft.com/office/drawing/2014/main" id="{160C110F-5CA8-B16C-70C3-9509C7A16C01}"/>
+                  </a:ext>
+                </a:extLst>
+              </p:cNvPr>
+              <p:cNvCxnSpPr>
+                <a:cxnSpLocks/>
+                <a:stCxn id="62" idx="7"/>
+                <a:endCxn id="61" idx="2"/>
+              </p:cNvCxnSpPr>
+              <p:nvPr/>
+            </p:nvCxnSpPr>
+            <p:spPr>
+              <a:xfrm flipV="1">
+                <a:off x="3018954" y="2565000"/>
+                <a:ext cx="1441446" cy="284282"/>
+              </a:xfrm>
+              <a:prstGeom prst="line">
+                <a:avLst/>
+              </a:prstGeom>
+              <a:ln w="12700">
+                <a:solidFill>
+                  <a:srgbClr val="9F979F"/>
+                </a:solidFill>
+              </a:ln>
+            </p:spPr>
+            <p:style>
+              <a:lnRef idx="1">
+                <a:schemeClr val="accent1"/>
+              </a:lnRef>
+              <a:fillRef idx="0">
+                <a:schemeClr val="accent1"/>
+              </a:fillRef>
+              <a:effectRef idx="0">
+                <a:schemeClr val="accent1"/>
+              </a:effectRef>
+              <a:fontRef idx="minor">
+                <a:schemeClr val="tx1"/>
+              </a:fontRef>
+            </p:style>
+          </p:cxnSp>
+          <p:cxnSp>
+            <p:nvCxnSpPr>
+              <p:cNvPr id="82" name="Straight Connector 81">
+                <a:extLst>
+                  <a:ext uri="{FF2B5EF4-FFF2-40B4-BE49-F238E27FC236}">
+                    <a16:creationId xmlns:a16="http://schemas.microsoft.com/office/drawing/2014/main" id="{8B4749C5-01F8-874D-6EB3-726BE405F87F}"/>
+                  </a:ext>
+                </a:extLst>
+              </p:cNvPr>
+              <p:cNvCxnSpPr>
+                <a:cxnSpLocks/>
+                <a:stCxn id="61" idx="0"/>
+                <a:endCxn id="60" idx="4"/>
+              </p:cNvCxnSpPr>
+              <p:nvPr/>
+            </p:nvCxnSpPr>
+            <p:spPr>
+              <a:xfrm flipV="1">
+                <a:off x="4685400" y="2027314"/>
+                <a:ext cx="0" cy="312686"/>
+              </a:xfrm>
+              <a:prstGeom prst="line">
+                <a:avLst/>
+              </a:prstGeom>
+              <a:ln w="12700">
+                <a:solidFill>
+                  <a:srgbClr val="9F979F"/>
+                </a:solidFill>
+              </a:ln>
+            </p:spPr>
+            <p:style>
+              <a:lnRef idx="1">
+                <a:schemeClr val="accent1"/>
+              </a:lnRef>
+              <a:fillRef idx="0">
+                <a:schemeClr val="accent1"/>
+              </a:fillRef>
+              <a:effectRef idx="0">
+                <a:schemeClr val="accent1"/>
+              </a:effectRef>
+              <a:fontRef idx="minor">
+                <a:schemeClr val="tx1"/>
+              </a:fontRef>
+            </p:style>
+          </p:cxnSp>
+        </p:grpSp>
+        <p:grpSp>
+          <p:nvGrpSpPr>
+            <p:cNvPr id="14" name="Group 13">
+              <a:extLst>
+                <a:ext uri="{FF2B5EF4-FFF2-40B4-BE49-F238E27FC236}">
+                  <a16:creationId xmlns:a16="http://schemas.microsoft.com/office/drawing/2014/main" id="{2D0999AE-677C-7E69-313C-3ED11A8AF07B}"/>
+                </a:ext>
+              </a:extLst>
+            </p:cNvPr>
+            <p:cNvGrpSpPr/>
+            <p:nvPr/>
+          </p:nvGrpSpPr>
+          <p:grpSpPr>
+            <a:xfrm>
+              <a:off x="573146" y="550711"/>
+              <a:ext cx="4569454" cy="825175"/>
+              <a:chOff x="573146" y="550711"/>
+              <a:chExt cx="4569454" cy="825175"/>
+            </a:xfrm>
+          </p:grpSpPr>
+          <p:cxnSp>
+            <p:nvCxnSpPr>
+              <p:cNvPr id="41" name="Straight Connector 40">
+                <a:extLst>
+                  <a:ext uri="{FF2B5EF4-FFF2-40B4-BE49-F238E27FC236}">
+                    <a16:creationId xmlns:a16="http://schemas.microsoft.com/office/drawing/2014/main" id="{915204B8-0488-196B-2151-F7B7BB34BF27}"/>
+                  </a:ext>
+                </a:extLst>
+              </p:cNvPr>
+              <p:cNvCxnSpPr>
+                <a:cxnSpLocks/>
+              </p:cNvCxnSpPr>
+              <p:nvPr/>
+            </p:nvCxnSpPr>
+            <p:spPr>
+              <a:xfrm>
+                <a:off x="573146" y="550711"/>
+                <a:ext cx="2289101" cy="817710"/>
+              </a:xfrm>
+              <a:prstGeom prst="line">
+                <a:avLst/>
+              </a:prstGeom>
+              <a:ln w="12700">
+                <a:solidFill>
+                  <a:srgbClr val="9F979F"/>
+                </a:solidFill>
+              </a:ln>
+            </p:spPr>
+            <p:style>
+              <a:lnRef idx="1">
+                <a:schemeClr val="accent1"/>
+              </a:lnRef>
+              <a:fillRef idx="0">
+                <a:schemeClr val="accent1"/>
+              </a:fillRef>
+              <a:effectRef idx="0">
+                <a:schemeClr val="accent1"/>
+              </a:effectRef>
+              <a:fontRef idx="minor">
+                <a:schemeClr val="tx1"/>
+              </a:fontRef>
+            </p:style>
+          </p:cxnSp>
+          <p:cxnSp>
+            <p:nvCxnSpPr>
+              <p:cNvPr id="45" name="Straight Connector 44">
+                <a:extLst>
+                  <a:ext uri="{FF2B5EF4-FFF2-40B4-BE49-F238E27FC236}">
+                    <a16:creationId xmlns:a16="http://schemas.microsoft.com/office/drawing/2014/main" id="{57C150BE-01A7-CF98-ED8D-DDA532D14884}"/>
+                  </a:ext>
+                </a:extLst>
+              </p:cNvPr>
+              <p:cNvCxnSpPr>
+                <a:cxnSpLocks/>
+              </p:cNvCxnSpPr>
+              <p:nvPr/>
+            </p:nvCxnSpPr>
+            <p:spPr>
+              <a:xfrm>
+                <a:off x="1485571" y="580520"/>
+                <a:ext cx="1394877" cy="795366"/>
+              </a:xfrm>
+              <a:prstGeom prst="line">
+                <a:avLst/>
+              </a:prstGeom>
+              <a:ln w="12700">
+                <a:solidFill>
+                  <a:srgbClr val="9F979F"/>
+                </a:solidFill>
+              </a:ln>
+            </p:spPr>
+            <p:style>
+              <a:lnRef idx="1">
+                <a:schemeClr val="accent1"/>
+              </a:lnRef>
+              <a:fillRef idx="0">
+                <a:schemeClr val="accent1"/>
+              </a:fillRef>
+              <a:effectRef idx="0">
+                <a:schemeClr val="accent1"/>
+              </a:effectRef>
+              <a:fontRef idx="minor">
+                <a:schemeClr val="tx1"/>
+              </a:fontRef>
+            </p:style>
+          </p:cxnSp>
+          <p:cxnSp>
+            <p:nvCxnSpPr>
+              <p:cNvPr id="48" name="Straight Connector 47">
+                <a:extLst>
+                  <a:ext uri="{FF2B5EF4-FFF2-40B4-BE49-F238E27FC236}">
+                    <a16:creationId xmlns:a16="http://schemas.microsoft.com/office/drawing/2014/main" id="{2946B45E-6157-3BB5-E2B8-E3BD7E9B64F1}"/>
+                  </a:ext>
+                </a:extLst>
+              </p:cNvPr>
+              <p:cNvCxnSpPr>
+                <a:cxnSpLocks/>
+              </p:cNvCxnSpPr>
+              <p:nvPr/>
+            </p:nvCxnSpPr>
+            <p:spPr>
+              <a:xfrm>
+                <a:off x="2392922" y="580520"/>
+                <a:ext cx="462235" cy="787901"/>
+              </a:xfrm>
+              <a:prstGeom prst="line">
+                <a:avLst/>
+              </a:prstGeom>
+              <a:ln w="12700">
+                <a:solidFill>
+                  <a:srgbClr val="9F979F"/>
+                </a:solidFill>
+              </a:ln>
+            </p:spPr>
+            <p:style>
+              <a:lnRef idx="1">
+                <a:schemeClr val="accent1"/>
+              </a:lnRef>
+              <a:fillRef idx="0">
+                <a:schemeClr val="accent1"/>
+              </a:fillRef>
+              <a:effectRef idx="0">
+                <a:schemeClr val="accent1"/>
+              </a:effectRef>
+              <a:fontRef idx="minor">
+                <a:schemeClr val="tx1"/>
+              </a:fontRef>
+            </p:style>
+          </p:cxnSp>
+          <p:cxnSp>
+            <p:nvCxnSpPr>
+              <p:cNvPr id="50" name="Straight Connector 49">
+                <a:extLst>
+                  <a:ext uri="{FF2B5EF4-FFF2-40B4-BE49-F238E27FC236}">
+                    <a16:creationId xmlns:a16="http://schemas.microsoft.com/office/drawing/2014/main" id="{30915596-1A0E-01A6-73A8-D877BD4455E3}"/>
+                  </a:ext>
+                </a:extLst>
+              </p:cNvPr>
+              <p:cNvCxnSpPr>
+                <a:cxnSpLocks/>
+              </p:cNvCxnSpPr>
+              <p:nvPr/>
+            </p:nvCxnSpPr>
+            <p:spPr>
+              <a:xfrm flipH="1">
+                <a:off x="2865240" y="577129"/>
+                <a:ext cx="451255" cy="776690"/>
+              </a:xfrm>
+              <a:prstGeom prst="line">
+                <a:avLst/>
+              </a:prstGeom>
+              <a:ln w="12700">
+                <a:solidFill>
+                  <a:srgbClr val="9F979F"/>
+                </a:solidFill>
+              </a:ln>
+            </p:spPr>
+            <p:style>
+              <a:lnRef idx="1">
+                <a:schemeClr val="accent1"/>
+              </a:lnRef>
+              <a:fillRef idx="0">
+                <a:schemeClr val="accent1"/>
+              </a:fillRef>
+              <a:effectRef idx="0">
+                <a:schemeClr val="accent1"/>
+              </a:effectRef>
+              <a:fontRef idx="minor">
+                <a:schemeClr val="tx1"/>
+              </a:fontRef>
+            </p:style>
+          </p:cxnSp>
+          <p:cxnSp>
+            <p:nvCxnSpPr>
+              <p:cNvPr id="57" name="Straight Connector 56">
+                <a:extLst>
+                  <a:ext uri="{FF2B5EF4-FFF2-40B4-BE49-F238E27FC236}">
+                    <a16:creationId xmlns:a16="http://schemas.microsoft.com/office/drawing/2014/main" id="{05D3CBBF-54B8-E006-2E56-ED4236E144FC}"/>
+                  </a:ext>
+                </a:extLst>
+              </p:cNvPr>
+              <p:cNvCxnSpPr>
+                <a:cxnSpLocks/>
+              </p:cNvCxnSpPr>
+              <p:nvPr/>
+            </p:nvCxnSpPr>
+            <p:spPr>
+              <a:xfrm flipH="1">
+                <a:off x="2851560" y="559609"/>
+                <a:ext cx="1378615" cy="800675"/>
+              </a:xfrm>
+              <a:prstGeom prst="line">
+                <a:avLst/>
+              </a:prstGeom>
+              <a:ln w="12700">
+                <a:solidFill>
+                  <a:srgbClr val="9F979F"/>
+                </a:solidFill>
+              </a:ln>
+            </p:spPr>
+            <p:style>
+              <a:lnRef idx="1">
+                <a:schemeClr val="accent1"/>
+              </a:lnRef>
+              <a:fillRef idx="0">
+                <a:schemeClr val="accent1"/>
+              </a:fillRef>
+              <a:effectRef idx="0">
+                <a:schemeClr val="accent1"/>
+              </a:effectRef>
+              <a:fontRef idx="minor">
+                <a:schemeClr val="tx1"/>
+              </a:fontRef>
+            </p:style>
+          </p:cxnSp>
+          <p:cxnSp>
+            <p:nvCxnSpPr>
+              <p:cNvPr id="59" name="Straight Connector 58">
+                <a:extLst>
+                  <a:ext uri="{FF2B5EF4-FFF2-40B4-BE49-F238E27FC236}">
+                    <a16:creationId xmlns:a16="http://schemas.microsoft.com/office/drawing/2014/main" id="{D8F28395-286E-00F9-955F-5BC02B4CB613}"/>
+                  </a:ext>
+                </a:extLst>
+              </p:cNvPr>
+              <p:cNvCxnSpPr>
+                <a:cxnSpLocks/>
+              </p:cNvCxnSpPr>
+              <p:nvPr/>
+            </p:nvCxnSpPr>
+            <p:spPr>
+              <a:xfrm flipH="1">
+                <a:off x="2859855" y="566313"/>
+                <a:ext cx="2282745" cy="793971"/>
+              </a:xfrm>
+              <a:prstGeom prst="line">
+                <a:avLst/>
+              </a:prstGeom>
+              <a:ln w="12700">
+                <a:solidFill>
+                  <a:srgbClr val="9F979F"/>
+                </a:solidFill>
+              </a:ln>
+            </p:spPr>
+            <p:style>
+              <a:lnRef idx="1">
+                <a:schemeClr val="accent1"/>
+              </a:lnRef>
+              <a:fillRef idx="0">
+                <a:schemeClr val="accent1"/>
+              </a:fillRef>
+              <a:effectRef idx="0">
+                <a:schemeClr val="accent1"/>
+              </a:effectRef>
+              <a:fontRef idx="minor">
+                <a:schemeClr val="tx1"/>
+              </a:fontRef>
+            </p:style>
+          </p:cxnSp>
+        </p:grpSp>
+        <p:grpSp>
+          <p:nvGrpSpPr>
+            <p:cNvPr id="20" name="Group 19">
+              <a:extLst>
+                <a:ext uri="{FF2B5EF4-FFF2-40B4-BE49-F238E27FC236}">
+                  <a16:creationId xmlns:a16="http://schemas.microsoft.com/office/drawing/2014/main" id="{6AEB60FA-D876-551A-02E9-4BBD2A7DF61E}"/>
+                </a:ext>
+              </a:extLst>
+            </p:cNvPr>
+            <p:cNvGrpSpPr/>
+            <p:nvPr/>
+          </p:nvGrpSpPr>
+          <p:grpSpPr>
+            <a:xfrm>
+              <a:off x="806400" y="1130227"/>
+              <a:ext cx="4104000" cy="2103154"/>
+              <a:chOff x="806400" y="1130227"/>
+              <a:chExt cx="4104000" cy="2103154"/>
+            </a:xfrm>
+          </p:grpSpPr>
+          <p:sp>
+            <p:nvSpPr>
+              <p:cNvPr id="60" name="Oval 59">
+                <a:extLst>
+                  <a:ext uri="{FF2B5EF4-FFF2-40B4-BE49-F238E27FC236}">
+                    <a16:creationId xmlns:a16="http://schemas.microsoft.com/office/drawing/2014/main" id="{A65E0101-56FA-23B7-2E4C-F52C70312EC9}"/>
+                  </a:ext>
+                </a:extLst>
+              </p:cNvPr>
+              <p:cNvSpPr/>
+              <p:nvPr/>
+            </p:nvSpPr>
+            <p:spPr>
+              <a:xfrm>
+                <a:off x="4460400" y="1577314"/>
+                <a:ext cx="450000" cy="450000"/>
+              </a:xfrm>
+              <a:prstGeom prst="ellipse">
+                <a:avLst/>
+              </a:prstGeom>
+              <a:solidFill>
+                <a:srgbClr val="1C1D20"/>
+              </a:solidFill>
+              <a:ln w="19050">
+                <a:solidFill>
+                  <a:srgbClr val="475281"/>
+                </a:solidFill>
+              </a:ln>
+            </p:spPr>
+            <p:style>
+              <a:lnRef idx="2">
+                <a:schemeClr val="accent1">
+                  <a:shade val="15000"/>
+                </a:schemeClr>
+              </a:lnRef>
+              <a:fillRef idx="1">
+                <a:schemeClr val="accent1"/>
+              </a:fillRef>
+              <a:effectRef idx="0">
+                <a:schemeClr val="accent1"/>
+              </a:effectRef>
+              <a:fontRef idx="minor">
+                <a:schemeClr val="lt1"/>
+              </a:fontRef>
+            </p:style>
+            <p:txBody>
+              <a:bodyPr lIns="36001" tIns="36001" rIns="36001" bIns="36001" rtlCol="0" anchor="ctr"/>
+              <a:lstStyle/>
+              <a:p>
+                <a:pPr algn="ctr"/>
+                <a:r>
+                  <a:rPr lang="en-SG" sz="1199" i="1" dirty="0"/>
+                  <a:t>r</a:t>
+                </a:r>
+              </a:p>
+            </p:txBody>
+          </p:sp>
+          <p:sp>
+            <p:nvSpPr>
+              <p:cNvPr id="61" name="Oval 60">
+                <a:extLst>
+                  <a:ext uri="{FF2B5EF4-FFF2-40B4-BE49-F238E27FC236}">
+                    <a16:creationId xmlns:a16="http://schemas.microsoft.com/office/drawing/2014/main" id="{E5332B3C-5AD5-4166-CA26-256883998AB5}"/>
+                  </a:ext>
+                </a:extLst>
+              </p:cNvPr>
+              <p:cNvSpPr/>
+              <p:nvPr/>
+            </p:nvSpPr>
+            <p:spPr>
+              <a:xfrm>
+                <a:off x="4460400" y="2340000"/>
+                <a:ext cx="450000" cy="450000"/>
+              </a:xfrm>
+              <a:prstGeom prst="ellipse">
+                <a:avLst/>
+              </a:prstGeom>
+              <a:solidFill>
+                <a:srgbClr val="1C1D20"/>
+              </a:solidFill>
+              <a:ln w="19050">
+                <a:solidFill>
+                  <a:srgbClr val="475281"/>
+                </a:solidFill>
+              </a:ln>
+            </p:spPr>
+            <p:style>
+              <a:lnRef idx="2">
+                <a:schemeClr val="accent1">
+                  <a:shade val="15000"/>
+                </a:schemeClr>
+              </a:lnRef>
+              <a:fillRef idx="1">
+                <a:schemeClr val="accent1"/>
+              </a:fillRef>
+              <a:effectRef idx="0">
+                <a:schemeClr val="accent1"/>
+              </a:effectRef>
+              <a:fontRef idx="minor">
+                <a:schemeClr val="lt1"/>
+              </a:fontRef>
+            </p:style>
+            <p:txBody>
+              <a:bodyPr lIns="36001" tIns="36001" rIns="36001" bIns="36001" rtlCol="0" anchor="ctr"/>
+              <a:lstStyle/>
+              <a:p>
+                <a:pPr algn="ctr"/>
+                <a:r>
+                  <a:rPr lang="en-SG" sz="1199" i="1" dirty="0"/>
+                  <a:t>r</a:t>
+                </a:r>
+                <a:r>
+                  <a:rPr lang="en-SG" sz="1199" i="1" baseline="30000" dirty="0"/>
+                  <a:t>2</a:t>
+                </a:r>
+              </a:p>
+            </p:txBody>
+          </p:sp>
+          <p:sp>
+            <p:nvSpPr>
+              <p:cNvPr id="62" name="Oval 61">
+                <a:extLst>
+                  <a:ext uri="{FF2B5EF4-FFF2-40B4-BE49-F238E27FC236}">
+                    <a16:creationId xmlns:a16="http://schemas.microsoft.com/office/drawing/2014/main" id="{094245E9-C0FA-16D7-50F1-9F8DE90B9BEA}"/>
+                  </a:ext>
+                </a:extLst>
+              </p:cNvPr>
+              <p:cNvSpPr/>
+              <p:nvPr/>
+            </p:nvSpPr>
+            <p:spPr>
+              <a:xfrm>
+                <a:off x="2634855" y="2783381"/>
+                <a:ext cx="450000" cy="450000"/>
+              </a:xfrm>
+              <a:prstGeom prst="ellipse">
+                <a:avLst/>
+              </a:prstGeom>
+              <a:solidFill>
+                <a:srgbClr val="1C1D20"/>
+              </a:solidFill>
+              <a:ln w="19050">
+                <a:solidFill>
+                  <a:srgbClr val="475281"/>
+                </a:solidFill>
+              </a:ln>
+            </p:spPr>
+            <p:style>
+              <a:lnRef idx="2">
+                <a:schemeClr val="accent1">
+                  <a:shade val="15000"/>
+                </a:schemeClr>
+              </a:lnRef>
+              <a:fillRef idx="1">
+                <a:schemeClr val="accent1"/>
+              </a:fillRef>
+              <a:effectRef idx="0">
+                <a:schemeClr val="accent1"/>
+              </a:effectRef>
+              <a:fontRef idx="minor">
+                <a:schemeClr val="lt1"/>
+              </a:fontRef>
+            </p:style>
+            <p:txBody>
+              <a:bodyPr lIns="36001" tIns="36001" rIns="36001" bIns="36001" rtlCol="0" anchor="ctr"/>
+              <a:lstStyle/>
+              <a:p>
+                <a:pPr algn="ctr"/>
+                <a:r>
+                  <a:rPr lang="en-SG" sz="1199" i="1" dirty="0"/>
+                  <a:t>r</a:t>
+                </a:r>
+                <a:r>
+                  <a:rPr lang="en-SG" sz="1199" i="1" baseline="30000" dirty="0"/>
+                  <a:t>3</a:t>
+                </a:r>
+              </a:p>
+            </p:txBody>
+          </p:sp>
+          <p:sp>
+            <p:nvSpPr>
+              <p:cNvPr id="63" name="Oval 62">
+                <a:extLst>
+                  <a:ext uri="{FF2B5EF4-FFF2-40B4-BE49-F238E27FC236}">
+                    <a16:creationId xmlns:a16="http://schemas.microsoft.com/office/drawing/2014/main" id="{44C4C3EE-D09B-8D4F-1D26-D86849440652}"/>
+                  </a:ext>
+                </a:extLst>
+              </p:cNvPr>
+              <p:cNvSpPr/>
+              <p:nvPr/>
+            </p:nvSpPr>
+            <p:spPr>
+              <a:xfrm>
+                <a:off x="806400" y="2340646"/>
+                <a:ext cx="450000" cy="450000"/>
+              </a:xfrm>
+              <a:prstGeom prst="ellipse">
+                <a:avLst/>
+              </a:prstGeom>
+              <a:solidFill>
+                <a:srgbClr val="1C1D20"/>
+              </a:solidFill>
+              <a:ln w="19050">
+                <a:solidFill>
+                  <a:srgbClr val="475281"/>
+                </a:solidFill>
+              </a:ln>
+            </p:spPr>
+            <p:style>
+              <a:lnRef idx="2">
+                <a:schemeClr val="accent1">
+                  <a:shade val="15000"/>
+                </a:schemeClr>
+              </a:lnRef>
+              <a:fillRef idx="1">
+                <a:schemeClr val="accent1"/>
+              </a:fillRef>
+              <a:effectRef idx="0">
+                <a:schemeClr val="accent1"/>
+              </a:effectRef>
+              <a:fontRef idx="minor">
+                <a:schemeClr val="lt1"/>
+              </a:fontRef>
+            </p:style>
+            <p:txBody>
+              <a:bodyPr lIns="36001" tIns="36001" rIns="36001" bIns="36001" rtlCol="0" anchor="ctr"/>
+              <a:lstStyle/>
+              <a:p>
+                <a:pPr algn="ctr"/>
+                <a:r>
+                  <a:rPr lang="en-SG" sz="1199" i="1" dirty="0"/>
+                  <a:t>r</a:t>
+                </a:r>
+                <a:r>
+                  <a:rPr lang="en-SG" sz="1199" i="1" baseline="30000" dirty="0"/>
+                  <a:t>4</a:t>
+                </a:r>
+              </a:p>
+            </p:txBody>
+          </p:sp>
+          <p:sp>
+            <p:nvSpPr>
+              <p:cNvPr id="64" name="Oval 63">
+                <a:extLst>
+                  <a:ext uri="{FF2B5EF4-FFF2-40B4-BE49-F238E27FC236}">
+                    <a16:creationId xmlns:a16="http://schemas.microsoft.com/office/drawing/2014/main" id="{4B631057-B3D0-44A0-0A98-B06B20C30459}"/>
+                  </a:ext>
+                </a:extLst>
+              </p:cNvPr>
+              <p:cNvSpPr/>
+              <p:nvPr/>
+            </p:nvSpPr>
+            <p:spPr>
+              <a:xfrm>
+                <a:off x="806400" y="1577314"/>
+                <a:ext cx="450000" cy="450000"/>
+              </a:xfrm>
+              <a:prstGeom prst="ellipse">
+                <a:avLst/>
+              </a:prstGeom>
+              <a:solidFill>
+                <a:srgbClr val="1C1D20"/>
+              </a:solidFill>
+              <a:ln w="19050">
+                <a:solidFill>
+                  <a:srgbClr val="475281"/>
+                </a:solidFill>
+              </a:ln>
+            </p:spPr>
+            <p:style>
+              <a:lnRef idx="2">
+                <a:schemeClr val="accent1">
+                  <a:shade val="15000"/>
+                </a:schemeClr>
+              </a:lnRef>
+              <a:fillRef idx="1">
+                <a:schemeClr val="accent1"/>
+              </a:fillRef>
+              <a:effectRef idx="0">
+                <a:schemeClr val="accent1"/>
+              </a:effectRef>
+              <a:fontRef idx="minor">
+                <a:schemeClr val="lt1"/>
+              </a:fontRef>
+            </p:style>
+            <p:txBody>
+              <a:bodyPr lIns="36001" tIns="36001" rIns="36001" bIns="36001" rtlCol="0" anchor="ctr"/>
+              <a:lstStyle/>
+              <a:p>
+                <a:pPr algn="ctr"/>
+                <a:r>
+                  <a:rPr lang="en-SG" sz="1199" i="1" dirty="0"/>
+                  <a:t>r</a:t>
+                </a:r>
+                <a:r>
+                  <a:rPr lang="en-SG" sz="1199" i="1" baseline="30000" dirty="0"/>
+                  <a:t>5</a:t>
+                </a:r>
+              </a:p>
+            </p:txBody>
+          </p:sp>
+          <p:sp>
+            <p:nvSpPr>
+              <p:cNvPr id="37" name="Oval 36">
+                <a:extLst>
+                  <a:ext uri="{FF2B5EF4-FFF2-40B4-BE49-F238E27FC236}">
+                    <a16:creationId xmlns:a16="http://schemas.microsoft.com/office/drawing/2014/main" id="{EEEEFC5D-3D1D-CCA7-F066-A16DDBCCFE78}"/>
+                  </a:ext>
+                </a:extLst>
+              </p:cNvPr>
+              <p:cNvSpPr/>
+              <p:nvPr/>
+            </p:nvSpPr>
+            <p:spPr>
+              <a:xfrm>
+                <a:off x="2634855" y="1130227"/>
+                <a:ext cx="450000" cy="450000"/>
+              </a:xfrm>
+              <a:prstGeom prst="ellipse">
+                <a:avLst/>
+              </a:prstGeom>
+              <a:solidFill>
+                <a:srgbClr val="1C1D20"/>
+              </a:solidFill>
+              <a:ln w="19050">
+                <a:solidFill>
+                  <a:srgbClr val="475281"/>
+                </a:solidFill>
+              </a:ln>
+            </p:spPr>
+            <p:style>
+              <a:lnRef idx="2">
+                <a:schemeClr val="accent1">
+                  <a:shade val="15000"/>
+                </a:schemeClr>
+              </a:lnRef>
+              <a:fillRef idx="1">
+                <a:schemeClr val="accent1"/>
+              </a:fillRef>
+              <a:effectRef idx="0">
+                <a:schemeClr val="accent1"/>
+              </a:effectRef>
+              <a:fontRef idx="minor">
+                <a:schemeClr val="lt1"/>
+              </a:fontRef>
+            </p:style>
+            <p:txBody>
+              <a:bodyPr lIns="36001" tIns="36001" rIns="36001" bIns="36001" rtlCol="0" anchor="ctr"/>
+              <a:lstStyle/>
+              <a:p>
+                <a:pPr algn="ctr"/>
+                <a:r>
+                  <a:rPr lang="en-SG" sz="1199" i="1" dirty="0"/>
+                  <a:t>e</a:t>
+                </a:r>
+              </a:p>
+            </p:txBody>
+          </p:sp>
+        </p:grpSp>
+        <p:grpSp>
+          <p:nvGrpSpPr>
+            <p:cNvPr id="16" name="Group 15">
+              <a:extLst>
+                <a:ext uri="{FF2B5EF4-FFF2-40B4-BE49-F238E27FC236}">
+                  <a16:creationId xmlns:a16="http://schemas.microsoft.com/office/drawing/2014/main" id="{0A4A566E-C639-4687-9237-284476AB35E5}"/>
+                </a:ext>
+              </a:extLst>
+            </p:cNvPr>
+            <p:cNvGrpSpPr/>
+            <p:nvPr/>
+          </p:nvGrpSpPr>
+          <p:grpSpPr>
+            <a:xfrm>
+              <a:off x="349200" y="338400"/>
+              <a:ext cx="5018400" cy="450000"/>
+              <a:chOff x="349200" y="338400"/>
+              <a:chExt cx="5018400" cy="450000"/>
+            </a:xfrm>
+          </p:grpSpPr>
+          <p:sp>
+            <p:nvSpPr>
+              <p:cNvPr id="30" name="Oval 29">
+                <a:extLst>
+                  <a:ext uri="{FF2B5EF4-FFF2-40B4-BE49-F238E27FC236}">
+                    <a16:creationId xmlns:a16="http://schemas.microsoft.com/office/drawing/2014/main" id="{9D73A3FA-2B9C-6BA4-75C6-AE3AB3148AB1}"/>
+                  </a:ext>
+                </a:extLst>
+              </p:cNvPr>
+              <p:cNvSpPr/>
+              <p:nvPr/>
+            </p:nvSpPr>
+            <p:spPr>
+              <a:xfrm>
+                <a:off x="349200" y="338400"/>
+                <a:ext cx="450000" cy="450000"/>
+              </a:xfrm>
+              <a:prstGeom prst="ellipse">
+                <a:avLst/>
+              </a:prstGeom>
+              <a:solidFill>
+                <a:srgbClr val="1C1D20"/>
+              </a:solidFill>
+              <a:ln w="19050">
+                <a:solidFill>
+                  <a:srgbClr val="475281"/>
+                </a:solidFill>
+              </a:ln>
+            </p:spPr>
+            <p:style>
+              <a:lnRef idx="2">
+                <a:schemeClr val="accent1">
+                  <a:shade val="15000"/>
+                </a:schemeClr>
+              </a:lnRef>
+              <a:fillRef idx="1">
+                <a:schemeClr val="accent1"/>
+              </a:fillRef>
+              <a:effectRef idx="0">
+                <a:schemeClr val="accent1"/>
+              </a:effectRef>
+              <a:fontRef idx="minor">
+                <a:schemeClr val="lt1"/>
+              </a:fontRef>
+            </p:style>
+            <p:txBody>
+              <a:bodyPr lIns="36001" tIns="36001" rIns="36001" bIns="36001" rtlCol="0" anchor="ctr"/>
+              <a:lstStyle/>
+              <a:p>
+                <a:pPr algn="ctr"/>
+                <a:r>
+                  <a:rPr lang="en-SG" sz="1199" i="1" kern="0" dirty="0"/>
+                  <a:t>s</a:t>
+                </a:r>
+              </a:p>
+            </p:txBody>
+          </p:sp>
+          <p:sp>
+            <p:nvSpPr>
+              <p:cNvPr id="32" name="Oval 31">
+                <a:extLst>
+                  <a:ext uri="{FF2B5EF4-FFF2-40B4-BE49-F238E27FC236}">
+                    <a16:creationId xmlns:a16="http://schemas.microsoft.com/office/drawing/2014/main" id="{0E2CB9EF-41CF-59F1-A148-E3A705DF1775}"/>
+                  </a:ext>
+                </a:extLst>
+              </p:cNvPr>
+              <p:cNvSpPr/>
+              <p:nvPr/>
+            </p:nvSpPr>
+            <p:spPr>
+              <a:xfrm>
+                <a:off x="1262880" y="338400"/>
+                <a:ext cx="450000" cy="450000"/>
+              </a:xfrm>
+              <a:prstGeom prst="ellipse">
+                <a:avLst/>
+              </a:prstGeom>
+              <a:solidFill>
+                <a:srgbClr val="1C1D20"/>
+              </a:solidFill>
+              <a:ln w="19050">
+                <a:solidFill>
+                  <a:srgbClr val="475281"/>
+                </a:solidFill>
+              </a:ln>
+            </p:spPr>
+            <p:style>
+              <a:lnRef idx="2">
+                <a:schemeClr val="accent1">
+                  <a:shade val="15000"/>
+                </a:schemeClr>
+              </a:lnRef>
+              <a:fillRef idx="1">
+                <a:schemeClr val="accent1"/>
+              </a:fillRef>
+              <a:effectRef idx="0">
+                <a:schemeClr val="accent1"/>
+              </a:effectRef>
+              <a:fontRef idx="minor">
+                <a:schemeClr val="lt1"/>
+              </a:fontRef>
+            </p:style>
+            <p:txBody>
+              <a:bodyPr lIns="36001" tIns="36001" rIns="36001" bIns="36001" rtlCol="0" anchor="ctr"/>
+              <a:lstStyle/>
+              <a:p>
+                <a:pPr algn="ctr"/>
+                <a:r>
+                  <a:rPr lang="en-SG" sz="1199" i="1" kern="0" dirty="0"/>
+                  <a:t>rs</a:t>
+                </a:r>
+              </a:p>
+            </p:txBody>
+          </p:sp>
+          <p:sp>
+            <p:nvSpPr>
+              <p:cNvPr id="33" name="Oval 32">
+                <a:extLst>
+                  <a:ext uri="{FF2B5EF4-FFF2-40B4-BE49-F238E27FC236}">
+                    <a16:creationId xmlns:a16="http://schemas.microsoft.com/office/drawing/2014/main" id="{CF4EFF7F-BA38-BDF9-3584-EB5060BC982C}"/>
+                  </a:ext>
+                </a:extLst>
+              </p:cNvPr>
+              <p:cNvSpPr/>
+              <p:nvPr/>
+            </p:nvSpPr>
+            <p:spPr>
+              <a:xfrm>
+                <a:off x="2176560" y="338400"/>
+                <a:ext cx="450000" cy="450000"/>
+              </a:xfrm>
+              <a:prstGeom prst="ellipse">
+                <a:avLst/>
+              </a:prstGeom>
+              <a:solidFill>
+                <a:srgbClr val="1C1D20"/>
+              </a:solidFill>
+              <a:ln w="19050">
+                <a:solidFill>
+                  <a:srgbClr val="475281"/>
+                </a:solidFill>
+              </a:ln>
+            </p:spPr>
+            <p:style>
+              <a:lnRef idx="2">
+                <a:schemeClr val="accent1">
+                  <a:shade val="15000"/>
+                </a:schemeClr>
+              </a:lnRef>
+              <a:fillRef idx="1">
+                <a:schemeClr val="accent1"/>
+              </a:fillRef>
+              <a:effectRef idx="0">
+                <a:schemeClr val="accent1"/>
+              </a:effectRef>
+              <a:fontRef idx="minor">
+                <a:schemeClr val="lt1"/>
+              </a:fontRef>
+            </p:style>
+            <p:txBody>
+              <a:bodyPr lIns="36001" tIns="36001" rIns="36001" bIns="36001" rtlCol="0" anchor="ctr"/>
+              <a:lstStyle/>
+              <a:p>
+                <a:pPr algn="ctr"/>
+                <a:r>
+                  <a:rPr lang="en-SG" sz="1199" i="1" kern="0" dirty="0"/>
+                  <a:t>r</a:t>
+                </a:r>
+                <a:r>
+                  <a:rPr lang="en-SG" sz="1199" i="1" kern="0" baseline="30000" dirty="0"/>
+                  <a:t>2</a:t>
+                </a:r>
+                <a:r>
+                  <a:rPr lang="en-SG" sz="1199" i="1" kern="0" dirty="0"/>
+                  <a:t>s</a:t>
+                </a:r>
+                <a:endParaRPr lang="en-SG" sz="2001" i="1" kern="0" dirty="0"/>
+              </a:p>
+            </p:txBody>
+          </p:sp>
+          <p:sp>
+            <p:nvSpPr>
+              <p:cNvPr id="34" name="Oval 33">
+                <a:extLst>
+                  <a:ext uri="{FF2B5EF4-FFF2-40B4-BE49-F238E27FC236}">
+                    <a16:creationId xmlns:a16="http://schemas.microsoft.com/office/drawing/2014/main" id="{D30451EA-675A-8D63-254D-A61D4D320B69}"/>
+                  </a:ext>
+                </a:extLst>
+              </p:cNvPr>
+              <p:cNvSpPr/>
+              <p:nvPr/>
+            </p:nvSpPr>
+            <p:spPr>
+              <a:xfrm>
+                <a:off x="3090240" y="338400"/>
+                <a:ext cx="450000" cy="450000"/>
+              </a:xfrm>
+              <a:prstGeom prst="ellipse">
+                <a:avLst/>
+              </a:prstGeom>
+              <a:solidFill>
+                <a:srgbClr val="1C1D20"/>
+              </a:solidFill>
+              <a:ln w="19050">
+                <a:solidFill>
+                  <a:srgbClr val="475281"/>
+                </a:solidFill>
+              </a:ln>
+            </p:spPr>
+            <p:style>
+              <a:lnRef idx="2">
+                <a:schemeClr val="accent1">
+                  <a:shade val="15000"/>
+                </a:schemeClr>
+              </a:lnRef>
+              <a:fillRef idx="1">
+                <a:schemeClr val="accent1"/>
+              </a:fillRef>
+              <a:effectRef idx="0">
+                <a:schemeClr val="accent1"/>
+              </a:effectRef>
+              <a:fontRef idx="minor">
+                <a:schemeClr val="lt1"/>
+              </a:fontRef>
+            </p:style>
+            <p:txBody>
+              <a:bodyPr lIns="36001" tIns="36001" rIns="36001" bIns="36001" rtlCol="0" anchor="ctr"/>
+              <a:lstStyle/>
+              <a:p>
+                <a:pPr algn="ctr"/>
+                <a:r>
+                  <a:rPr lang="en-SG" sz="1199" i="1" kern="0" dirty="0"/>
+                  <a:t>r</a:t>
+                </a:r>
+                <a:r>
+                  <a:rPr lang="en-SG" sz="1199" i="1" kern="0" baseline="30000" dirty="0"/>
+                  <a:t>3</a:t>
+                </a:r>
+                <a:r>
+                  <a:rPr lang="en-SG" sz="1199" i="1" kern="0" dirty="0"/>
+                  <a:t>s</a:t>
+                </a:r>
+                <a:endParaRPr lang="en-SG" sz="2001" i="1" kern="0" dirty="0"/>
+              </a:p>
+            </p:txBody>
+          </p:sp>
+          <p:sp>
+            <p:nvSpPr>
+              <p:cNvPr id="35" name="Oval 34">
+                <a:extLst>
+                  <a:ext uri="{FF2B5EF4-FFF2-40B4-BE49-F238E27FC236}">
+                    <a16:creationId xmlns:a16="http://schemas.microsoft.com/office/drawing/2014/main" id="{48D112B0-9D37-465B-BDEA-6163A81B2800}"/>
+                  </a:ext>
+                </a:extLst>
+              </p:cNvPr>
+              <p:cNvSpPr/>
+              <p:nvPr/>
+            </p:nvSpPr>
+            <p:spPr>
+              <a:xfrm>
+                <a:off x="4003920" y="338400"/>
+                <a:ext cx="450000" cy="450000"/>
+              </a:xfrm>
+              <a:prstGeom prst="ellipse">
+                <a:avLst/>
+              </a:prstGeom>
+              <a:solidFill>
+                <a:srgbClr val="1C1D20"/>
+              </a:solidFill>
+              <a:ln w="19050">
+                <a:solidFill>
+                  <a:srgbClr val="475281"/>
+                </a:solidFill>
+              </a:ln>
+            </p:spPr>
+            <p:style>
+              <a:lnRef idx="2">
+                <a:schemeClr val="accent1">
+                  <a:shade val="15000"/>
+                </a:schemeClr>
+              </a:lnRef>
+              <a:fillRef idx="1">
+                <a:schemeClr val="accent1"/>
+              </a:fillRef>
+              <a:effectRef idx="0">
+                <a:schemeClr val="accent1"/>
+              </a:effectRef>
+              <a:fontRef idx="minor">
+                <a:schemeClr val="lt1"/>
+              </a:fontRef>
+            </p:style>
+            <p:txBody>
+              <a:bodyPr lIns="36001" tIns="36001" rIns="36001" bIns="36001" rtlCol="0" anchor="ctr"/>
+              <a:lstStyle/>
+              <a:p>
+                <a:pPr algn="ctr"/>
+                <a:r>
+                  <a:rPr lang="en-SG" sz="1199" i="1" kern="0" dirty="0"/>
+                  <a:t>r</a:t>
+                </a:r>
+                <a:r>
+                  <a:rPr lang="en-SG" sz="1199" i="1" kern="0" baseline="30000" dirty="0"/>
+                  <a:t>4</a:t>
+                </a:r>
+                <a:r>
+                  <a:rPr lang="en-SG" sz="1199" i="1" kern="0" dirty="0"/>
+                  <a:t>s</a:t>
+                </a:r>
+                <a:endParaRPr lang="en-SG" sz="2001" i="1" kern="0" dirty="0"/>
+              </a:p>
+            </p:txBody>
+          </p:sp>
+          <p:sp>
+            <p:nvSpPr>
+              <p:cNvPr id="36" name="Oval 35">
+                <a:extLst>
+                  <a:ext uri="{FF2B5EF4-FFF2-40B4-BE49-F238E27FC236}">
+                    <a16:creationId xmlns:a16="http://schemas.microsoft.com/office/drawing/2014/main" id="{500CE131-13AE-CED9-2375-A4C64DE44CC3}"/>
+                  </a:ext>
+                </a:extLst>
+              </p:cNvPr>
+              <p:cNvSpPr/>
+              <p:nvPr/>
+            </p:nvSpPr>
+            <p:spPr>
+              <a:xfrm>
+                <a:off x="4917600" y="338400"/>
+                <a:ext cx="450000" cy="450000"/>
+              </a:xfrm>
+              <a:prstGeom prst="ellipse">
+                <a:avLst/>
+              </a:prstGeom>
+              <a:solidFill>
+                <a:srgbClr val="1C1D20"/>
+              </a:solidFill>
+              <a:ln w="19050">
+                <a:solidFill>
+                  <a:srgbClr val="475281"/>
+                </a:solidFill>
+              </a:ln>
+            </p:spPr>
+            <p:style>
+              <a:lnRef idx="2">
+                <a:schemeClr val="accent1">
+                  <a:shade val="15000"/>
+                </a:schemeClr>
+              </a:lnRef>
+              <a:fillRef idx="1">
+                <a:schemeClr val="accent1"/>
+              </a:fillRef>
+              <a:effectRef idx="0">
+                <a:schemeClr val="accent1"/>
+              </a:effectRef>
+              <a:fontRef idx="minor">
+                <a:schemeClr val="lt1"/>
+              </a:fontRef>
+            </p:style>
+            <p:txBody>
+              <a:bodyPr lIns="36001" tIns="36001" rIns="36001" bIns="36001" rtlCol="0" anchor="ctr"/>
+              <a:lstStyle/>
+              <a:p>
+                <a:pPr algn="ctr"/>
+                <a:r>
+                  <a:rPr lang="en-SG" sz="1199" i="1" kern="0" dirty="0"/>
+                  <a:t>r</a:t>
+                </a:r>
+                <a:r>
+                  <a:rPr lang="en-SG" sz="1199" i="1" kern="0" baseline="30000" dirty="0"/>
+                  <a:t>5</a:t>
+                </a:r>
+                <a:r>
+                  <a:rPr lang="en-SG" sz="1199" i="1" kern="0" dirty="0"/>
+                  <a:t>s</a:t>
+                </a:r>
+                <a:endParaRPr lang="en-SG" sz="2001" i="1" kern="0" dirty="0"/>
+              </a:p>
+            </p:txBody>
+          </p:sp>
+        </p:grpSp>
+        <p:sp>
+          <p:nvSpPr>
+            <p:cNvPr id="5" name="Hero Text">
+              <a:extLst>
+                <a:ext uri="{FF2B5EF4-FFF2-40B4-BE49-F238E27FC236}">
+                  <a16:creationId xmlns:a16="http://schemas.microsoft.com/office/drawing/2014/main" id="{93A99CD1-5C36-4118-ECE1-80076636EADC}"/>
+                </a:ext>
+              </a:extLst>
+            </p:cNvPr>
+            <p:cNvSpPr txBox="1"/>
+            <p:nvPr/>
+          </p:nvSpPr>
+          <p:spPr>
+            <a:xfrm>
+              <a:off x="1262882" y="1709240"/>
+              <a:ext cx="3191041" cy="831381"/>
+            </a:xfrm>
+            <a:prstGeom prst="rect">
+              <a:avLst/>
+            </a:prstGeom>
+            <a:noFill/>
+          </p:spPr>
+          <p:txBody>
+            <a:bodyPr wrap="square" lIns="0" tIns="0" rIns="0" bIns="0" rtlCol="0" anchor="ctr" anchorCtr="0">
+              <a:spAutoFit/>
+            </a:bodyPr>
+            <a:lstStyle/>
+            <a:p>
+              <a:pPr algn="ctr"/>
+              <a:r>
+                <a:rPr lang="en-US" sz="1801" cap="small" dirty="0">
+                  <a:solidFill>
+                    <a:schemeClr val="bg1"/>
+                  </a:solidFill>
+                  <a:latin typeface="+mj-lt"/>
+                </a:rPr>
+                <a:t>Demystifying</a:t>
+              </a:r>
+            </a:p>
+            <a:p>
+              <a:pPr algn="ctr"/>
+              <a:r>
+                <a:rPr lang="en-US" sz="1801" cap="small" dirty="0">
+                  <a:solidFill>
+                    <a:schemeClr val="bg1"/>
+                  </a:solidFill>
+                  <a:latin typeface="+mj-lt"/>
+                </a:rPr>
+                <a:t>The Language</a:t>
+              </a:r>
+            </a:p>
+            <a:p>
+              <a:pPr algn="ctr"/>
+              <a:r>
+                <a:rPr lang="en-US" sz="1801" cap="small" dirty="0">
+                  <a:solidFill>
+                    <a:schemeClr val="bg1"/>
+                  </a:solidFill>
+                  <a:latin typeface="+mj-lt"/>
+                </a:rPr>
+                <a:t>of Modern Mathematics</a:t>
+              </a:r>
+              <a:endParaRPr lang="en-SG" sz="1801" cap="small" dirty="0">
+                <a:solidFill>
+                  <a:schemeClr val="bg1"/>
+                </a:solidFill>
+                <a:latin typeface="+mj-lt"/>
+              </a:endParaRPr>
+            </a:p>
+          </p:txBody>
+        </p:sp>
+      </p:grpSp>
+      <p:grpSp>
+        <p:nvGrpSpPr>
+          <p:cNvPr id="38" name="Group 37">
+            <a:extLst>
+              <a:ext uri="{FF2B5EF4-FFF2-40B4-BE49-F238E27FC236}">
+                <a16:creationId xmlns:a16="http://schemas.microsoft.com/office/drawing/2014/main" id="{6279285B-80DB-4E86-5864-A94C287ADD03}"/>
+              </a:ext>
+            </a:extLst>
+          </p:cNvPr>
+          <p:cNvGrpSpPr/>
+          <p:nvPr/>
+        </p:nvGrpSpPr>
+        <p:grpSpPr>
+          <a:xfrm rot="5400000">
+            <a:off x="2763354" y="3874995"/>
+            <a:ext cx="7297115" cy="698534"/>
+            <a:chOff x="2762769" y="3899899"/>
+            <a:chExt cx="7297114" cy="698533"/>
+          </a:xfrm>
+        </p:grpSpPr>
+        <p:grpSp>
+          <p:nvGrpSpPr>
+            <p:cNvPr id="39" name="Group 38">
+              <a:extLst>
+                <a:ext uri="{FF2B5EF4-FFF2-40B4-BE49-F238E27FC236}">
+                  <a16:creationId xmlns:a16="http://schemas.microsoft.com/office/drawing/2014/main" id="{DA4228C4-6AB3-AEE1-B204-BD9697E7DEE3}"/>
+                </a:ext>
+              </a:extLst>
+            </p:cNvPr>
+            <p:cNvGrpSpPr/>
+            <p:nvPr/>
+          </p:nvGrpSpPr>
+          <p:grpSpPr>
+            <a:xfrm>
+              <a:off x="2762769" y="3899899"/>
+              <a:ext cx="4429673" cy="698533"/>
+              <a:chOff x="3051011" y="3838512"/>
+              <a:chExt cx="4429673" cy="698533"/>
+            </a:xfrm>
+          </p:grpSpPr>
+          <p:sp>
+            <p:nvSpPr>
+              <p:cNvPr id="42" name="TextBox 41">
+                <a:extLst>
+                  <a:ext uri="{FF2B5EF4-FFF2-40B4-BE49-F238E27FC236}">
+                    <a16:creationId xmlns:a16="http://schemas.microsoft.com/office/drawing/2014/main" id="{A6F9480F-1291-1B41-C7CF-9617953E076A}"/>
+                  </a:ext>
+                </a:extLst>
+              </p:cNvPr>
+              <p:cNvSpPr txBox="1"/>
+              <p:nvPr/>
+            </p:nvSpPr>
+            <p:spPr>
+              <a:xfrm>
+                <a:off x="3809999" y="3838512"/>
+                <a:ext cx="2911694" cy="277127"/>
+              </a:xfrm>
+              <a:prstGeom prst="rect">
+                <a:avLst/>
+              </a:prstGeom>
+              <a:noFill/>
+            </p:spPr>
+            <p:txBody>
+              <a:bodyPr wrap="none" lIns="0" tIns="0" rIns="0" bIns="0" rtlCol="0" anchor="ctr" anchorCtr="0">
+                <a:spAutoFit/>
+              </a:bodyPr>
+              <a:lstStyle/>
+              <a:p>
+                <a:r>
+                  <a:rPr lang="en-SG" sz="1801" b="1" dirty="0">
+                    <a:solidFill>
+                      <a:schemeClr val="bg1"/>
+                    </a:solidFill>
+                  </a:rPr>
+                  <a:t>A Complete Introduction to</a:t>
+                </a:r>
+              </a:p>
+            </p:txBody>
+          </p:sp>
+          <p:sp>
+            <p:nvSpPr>
+              <p:cNvPr id="43" name="TextBox 42">
+                <a:extLst>
+                  <a:ext uri="{FF2B5EF4-FFF2-40B4-BE49-F238E27FC236}">
+                    <a16:creationId xmlns:a16="http://schemas.microsoft.com/office/drawing/2014/main" id="{1E70D1A7-1F07-06AF-2706-6EEE1257FF84}"/>
+                  </a:ext>
+                </a:extLst>
+              </p:cNvPr>
+              <p:cNvSpPr txBox="1"/>
+              <p:nvPr/>
+            </p:nvSpPr>
+            <p:spPr>
+              <a:xfrm>
+                <a:off x="3051011" y="4044603"/>
+                <a:ext cx="4429673" cy="492442"/>
+              </a:xfrm>
+              <a:prstGeom prst="rect">
+                <a:avLst/>
+              </a:prstGeom>
+              <a:noFill/>
+            </p:spPr>
+            <p:txBody>
+              <a:bodyPr wrap="none" lIns="0" tIns="0" rIns="0" bIns="0" rtlCol="0" anchor="ctr" anchorCtr="0">
+                <a:spAutoFit/>
+              </a:bodyPr>
+              <a:lstStyle/>
+              <a:p>
+                <a:r>
+                  <a:rPr lang="en-SG" sz="3200" b="1" dirty="0">
+                    <a:solidFill>
+                      <a:schemeClr val="bg1"/>
+                    </a:solidFill>
+                  </a:rPr>
+                  <a:t>ABSTRACT ALGEBRA</a:t>
+                </a:r>
+              </a:p>
+            </p:txBody>
+          </p:sp>
+        </p:grpSp>
+        <p:sp>
+          <p:nvSpPr>
+            <p:cNvPr id="40" name="TextBox 39">
+              <a:extLst>
+                <a:ext uri="{FF2B5EF4-FFF2-40B4-BE49-F238E27FC236}">
+                  <a16:creationId xmlns:a16="http://schemas.microsoft.com/office/drawing/2014/main" id="{7BE6C0E5-7C6B-CA60-E99C-D17F3595E911}"/>
+                </a:ext>
+              </a:extLst>
+            </p:cNvPr>
+            <p:cNvSpPr txBox="1"/>
+            <p:nvPr/>
+          </p:nvSpPr>
+          <p:spPr>
+            <a:xfrm>
+              <a:off x="8764657" y="4085789"/>
+              <a:ext cx="1295226" cy="277127"/>
+            </a:xfrm>
+            <a:prstGeom prst="rect">
+              <a:avLst/>
+            </a:prstGeom>
+            <a:noFill/>
+          </p:spPr>
+          <p:txBody>
+            <a:bodyPr wrap="none" lIns="0" tIns="0" rIns="0" bIns="0" rtlCol="0" anchor="ctr" anchorCtr="0">
+              <a:spAutoFit/>
+            </a:bodyPr>
+            <a:lstStyle/>
+            <a:p>
+              <a:r>
+                <a:rPr lang="en-SG" sz="1801" dirty="0">
+                  <a:solidFill>
+                    <a:schemeClr val="bg1"/>
+                  </a:solidFill>
+                </a:rPr>
+                <a:t>Kan Onn Kit</a:t>
+              </a:r>
+            </a:p>
+          </p:txBody>
+        </p:sp>
+      </p:grpSp>
+    </p:spTree>
+    <p:extLst>
+      <p:ext uri="{BB962C8B-B14F-4D97-AF65-F5344CB8AC3E}">
+        <p14:creationId xmlns:p14="http://schemas.microsoft.com/office/powerpoint/2010/main" val="2832889909"/>
       </p:ext>
     </p:extLst>
   </p:cSld>
